--- a/images/models/models.pptx
+++ b/images/models/models.pptx
@@ -8,6 +8,9 @@
     <p:sldId id="256" r:id="rId2"/>
     <p:sldId id="257" r:id="rId3"/>
     <p:sldId id="259" r:id="rId4"/>
+    <p:sldId id="260" r:id="rId5"/>
+    <p:sldId id="261" r:id="rId6"/>
+    <p:sldId id="262" r:id="rId7"/>
   </p:sldIdLst>
   <p:sldSz cx="6858000" cy="9906000" type="A4"/>
   <p:notesSz cx="6858000" cy="9144000"/>
@@ -106,6 +109,11 @@
       </a:defRPr>
     </a:lvl9pPr>
   </p:defaultTextStyle>
+  <p:extLst>
+    <p:ext uri="{EFAFB233-063F-42B5-8137-9DF3F51BA10A}">
+      <p15:sldGuideLst xmlns:p15="http://schemas.microsoft.com/office/powerpoint/2012/main"/>
+    </p:ext>
+  </p:extLst>
 </p:presentation>
 </file>
 
@@ -240,7 +248,7 @@
           <a:p>
             <a:fld id="{8CFA0E7C-984D-478C-8A58-5F25078EE913}" type="datetimeFigureOut">
               <a:rPr lang="en-US" smtClean="0"/>
-              <a:t>02-Jul-22</a:t>
+              <a:t>03-Jul-22</a:t>
             </a:fld>
             <a:endParaRPr lang="en-US"/>
           </a:p>
@@ -410,7 +418,7 @@
           <a:p>
             <a:fld id="{8CFA0E7C-984D-478C-8A58-5F25078EE913}" type="datetimeFigureOut">
               <a:rPr lang="en-US" smtClean="0"/>
-              <a:t>02-Jul-22</a:t>
+              <a:t>03-Jul-22</a:t>
             </a:fld>
             <a:endParaRPr lang="en-US"/>
           </a:p>
@@ -590,7 +598,7 @@
           <a:p>
             <a:fld id="{8CFA0E7C-984D-478C-8A58-5F25078EE913}" type="datetimeFigureOut">
               <a:rPr lang="en-US" smtClean="0"/>
-              <a:t>02-Jul-22</a:t>
+              <a:t>03-Jul-22</a:t>
             </a:fld>
             <a:endParaRPr lang="en-US"/>
           </a:p>
@@ -760,7 +768,7 @@
           <a:p>
             <a:fld id="{8CFA0E7C-984D-478C-8A58-5F25078EE913}" type="datetimeFigureOut">
               <a:rPr lang="en-US" smtClean="0"/>
-              <a:t>02-Jul-22</a:t>
+              <a:t>03-Jul-22</a:t>
             </a:fld>
             <a:endParaRPr lang="en-US"/>
           </a:p>
@@ -1004,7 +1012,7 @@
           <a:p>
             <a:fld id="{8CFA0E7C-984D-478C-8A58-5F25078EE913}" type="datetimeFigureOut">
               <a:rPr lang="en-US" smtClean="0"/>
-              <a:t>02-Jul-22</a:t>
+              <a:t>03-Jul-22</a:t>
             </a:fld>
             <a:endParaRPr lang="en-US"/>
           </a:p>
@@ -1236,7 +1244,7 @@
           <a:p>
             <a:fld id="{8CFA0E7C-984D-478C-8A58-5F25078EE913}" type="datetimeFigureOut">
               <a:rPr lang="en-US" smtClean="0"/>
-              <a:t>02-Jul-22</a:t>
+              <a:t>03-Jul-22</a:t>
             </a:fld>
             <a:endParaRPr lang="en-US"/>
           </a:p>
@@ -1603,7 +1611,7 @@
           <a:p>
             <a:fld id="{8CFA0E7C-984D-478C-8A58-5F25078EE913}" type="datetimeFigureOut">
               <a:rPr lang="en-US" smtClean="0"/>
-              <a:t>02-Jul-22</a:t>
+              <a:t>03-Jul-22</a:t>
             </a:fld>
             <a:endParaRPr lang="en-US"/>
           </a:p>
@@ -1721,7 +1729,7 @@
           <a:p>
             <a:fld id="{8CFA0E7C-984D-478C-8A58-5F25078EE913}" type="datetimeFigureOut">
               <a:rPr lang="en-US" smtClean="0"/>
-              <a:t>02-Jul-22</a:t>
+              <a:t>03-Jul-22</a:t>
             </a:fld>
             <a:endParaRPr lang="en-US"/>
           </a:p>
@@ -1816,7 +1824,7 @@
           <a:p>
             <a:fld id="{8CFA0E7C-984D-478C-8A58-5F25078EE913}" type="datetimeFigureOut">
               <a:rPr lang="en-US" smtClean="0"/>
-              <a:t>02-Jul-22</a:t>
+              <a:t>03-Jul-22</a:t>
             </a:fld>
             <a:endParaRPr lang="en-US"/>
           </a:p>
@@ -2093,7 +2101,7 @@
           <a:p>
             <a:fld id="{8CFA0E7C-984D-478C-8A58-5F25078EE913}" type="datetimeFigureOut">
               <a:rPr lang="en-US" smtClean="0"/>
-              <a:t>02-Jul-22</a:t>
+              <a:t>03-Jul-22</a:t>
             </a:fld>
             <a:endParaRPr lang="en-US"/>
           </a:p>
@@ -2350,7 +2358,7 @@
           <a:p>
             <a:fld id="{8CFA0E7C-984D-478C-8A58-5F25078EE913}" type="datetimeFigureOut">
               <a:rPr lang="en-US" smtClean="0"/>
-              <a:t>02-Jul-22</a:t>
+              <a:t>03-Jul-22</a:t>
             </a:fld>
             <a:endParaRPr lang="en-US"/>
           </a:p>
@@ -2563,7 +2571,7 @@
           <a:p>
             <a:fld id="{8CFA0E7C-984D-478C-8A58-5F25078EE913}" type="datetimeFigureOut">
               <a:rPr lang="en-US" smtClean="0"/>
-              <a:t>02-Jul-22</a:t>
+              <a:t>03-Jul-22</a:t>
             </a:fld>
             <a:endParaRPr lang="en-US"/>
           </a:p>
@@ -6814,6 +6822,5446 @@
 </p:sld>
 </file>
 
+<file path=ppt/slides/slide4.xml><?xml version="1.0" encoding="utf-8"?>
+<p:sld xmlns:a="http://schemas.openxmlformats.org/drawingml/2006/main" xmlns:r="http://schemas.openxmlformats.org/officeDocument/2006/relationships" xmlns:p="http://schemas.openxmlformats.org/presentationml/2006/main">
+  <p:cSld>
+    <p:spTree>
+      <p:nvGrpSpPr>
+        <p:cNvPr id="1" name=""/>
+        <p:cNvGrpSpPr/>
+        <p:nvPr/>
+      </p:nvGrpSpPr>
+      <p:grpSpPr>
+        <a:xfrm>
+          <a:off x="0" y="0"/>
+          <a:ext cx="0" cy="0"/>
+          <a:chOff x="0" y="0"/>
+          <a:chExt cx="0" cy="0"/>
+        </a:xfrm>
+      </p:grpSpPr>
+      <p:grpSp>
+        <p:nvGrpSpPr>
+          <p:cNvPr id="50" name="Group 49"/>
+          <p:cNvGrpSpPr/>
+          <p:nvPr/>
+        </p:nvGrpSpPr>
+        <p:grpSpPr>
+          <a:xfrm>
+            <a:off x="1921148" y="1757536"/>
+            <a:ext cx="2767842" cy="3993841"/>
+            <a:chOff x="651148" y="233536"/>
+            <a:chExt cx="2767842" cy="3993841"/>
+          </a:xfrm>
+        </p:grpSpPr>
+        <p:grpSp>
+          <p:nvGrpSpPr>
+            <p:cNvPr id="43" name="Group 42"/>
+            <p:cNvGrpSpPr/>
+            <p:nvPr/>
+          </p:nvGrpSpPr>
+          <p:grpSpPr>
+            <a:xfrm>
+              <a:off x="1282191" y="233536"/>
+              <a:ext cx="2057400" cy="3372269"/>
+              <a:chOff x="1282191" y="233536"/>
+              <a:chExt cx="2057400" cy="3372269"/>
+            </a:xfrm>
+          </p:grpSpPr>
+          <p:sp>
+            <p:nvSpPr>
+              <p:cNvPr id="4" name="Rounded Rectangle 3"/>
+              <p:cNvSpPr/>
+              <p:nvPr/>
+            </p:nvSpPr>
+            <p:spPr>
+              <a:xfrm>
+                <a:off x="1282191" y="233536"/>
+                <a:ext cx="2057400" cy="320040"/>
+              </a:xfrm>
+              <a:prstGeom prst="roundRect">
+                <a:avLst/>
+              </a:prstGeom>
+              <a:noFill/>
+              <a:ln>
+                <a:solidFill>
+                  <a:schemeClr val="bg1">
+                    <a:lumMod val="50000"/>
+                  </a:schemeClr>
+                </a:solidFill>
+              </a:ln>
+            </p:spPr>
+            <p:style>
+              <a:lnRef idx="2">
+                <a:schemeClr val="accent1">
+                  <a:shade val="50000"/>
+                </a:schemeClr>
+              </a:lnRef>
+              <a:fillRef idx="1">
+                <a:schemeClr val="accent1"/>
+              </a:fillRef>
+              <a:effectRef idx="0">
+                <a:schemeClr val="accent1"/>
+              </a:effectRef>
+              <a:fontRef idx="minor">
+                <a:schemeClr val="lt1"/>
+              </a:fontRef>
+            </p:style>
+            <p:txBody>
+              <a:bodyPr rot="0" spcFirstLastPara="0" vertOverflow="overflow" horzOverflow="overflow" vert="horz" wrap="square" lIns="51435" tIns="25718" rIns="51435" bIns="25718" numCol="1" spcCol="0" rtlCol="0" fromWordArt="0" anchor="ctr" anchorCtr="0" forceAA="0" compatLnSpc="1">
+                <a:prstTxWarp prst="textNoShape">
+                  <a:avLst/>
+                </a:prstTxWarp>
+                <a:noAutofit/>
+              </a:bodyPr>
+              <a:lstStyle/>
+              <a:p>
+                <a:pPr algn="ctr"/>
+                <a:r>
+                  <a:rPr lang="en-US" sz="900" b="1" dirty="0" smtClean="0">
+                    <a:solidFill>
+                      <a:schemeClr val="tx1"/>
+                    </a:solidFill>
+                    <a:latin typeface="Tahoma" panose="020B0604030504040204" pitchFamily="34" charset="0"/>
+                    <a:ea typeface="Tahoma" panose="020B0604030504040204" pitchFamily="34" charset="0"/>
+                    <a:cs typeface="Tahoma" panose="020B0604030504040204" pitchFamily="34" charset="0"/>
+                  </a:rPr>
+                  <a:t>Feature Map</a:t>
+                </a:r>
+                <a:endParaRPr lang="en-US" sz="900" b="1" dirty="0">
+                  <a:solidFill>
+                    <a:schemeClr val="tx1"/>
+                  </a:solidFill>
+                  <a:latin typeface="Tahoma" panose="020B0604030504040204" pitchFamily="34" charset="0"/>
+                  <a:ea typeface="Tahoma" panose="020B0604030504040204" pitchFamily="34" charset="0"/>
+                  <a:cs typeface="Tahoma" panose="020B0604030504040204" pitchFamily="34" charset="0"/>
+                </a:endParaRPr>
+              </a:p>
+            </p:txBody>
+          </p:sp>
+          <p:sp>
+            <p:nvSpPr>
+              <p:cNvPr id="61" name="Rounded Rectangle 60"/>
+              <p:cNvSpPr/>
+              <p:nvPr/>
+            </p:nvSpPr>
+            <p:spPr>
+              <a:xfrm>
+                <a:off x="1282191" y="904453"/>
+                <a:ext cx="2057400" cy="320040"/>
+              </a:xfrm>
+              <a:prstGeom prst="roundRect">
+                <a:avLst/>
+              </a:prstGeom>
+              <a:solidFill>
+                <a:schemeClr val="accent4">
+                  <a:lumMod val="20000"/>
+                  <a:lumOff val="80000"/>
+                </a:schemeClr>
+              </a:solidFill>
+              <a:ln>
+                <a:solidFill>
+                  <a:schemeClr val="bg1">
+                    <a:lumMod val="75000"/>
+                  </a:schemeClr>
+                </a:solidFill>
+              </a:ln>
+            </p:spPr>
+            <p:style>
+              <a:lnRef idx="2">
+                <a:schemeClr val="accent1">
+                  <a:shade val="50000"/>
+                </a:schemeClr>
+              </a:lnRef>
+              <a:fillRef idx="1">
+                <a:schemeClr val="accent1"/>
+              </a:fillRef>
+              <a:effectRef idx="0">
+                <a:schemeClr val="accent1"/>
+              </a:effectRef>
+              <a:fontRef idx="minor">
+                <a:schemeClr val="lt1"/>
+              </a:fontRef>
+            </p:style>
+            <p:txBody>
+              <a:bodyPr rot="0" spcFirstLastPara="0" vertOverflow="overflow" horzOverflow="overflow" vert="horz" wrap="square" lIns="51435" tIns="25718" rIns="51435" bIns="25718" numCol="1" spcCol="0" rtlCol="0" fromWordArt="0" anchor="ctr" anchorCtr="0" forceAA="0" compatLnSpc="1">
+                <a:prstTxWarp prst="textNoShape">
+                  <a:avLst/>
+                </a:prstTxWarp>
+                <a:noAutofit/>
+              </a:bodyPr>
+              <a:lstStyle/>
+              <a:p>
+                <a:pPr algn="ctr"/>
+                <a:r>
+                  <a:rPr lang="en-US" sz="900" b="1" dirty="0" smtClean="0">
+                    <a:solidFill>
+                      <a:schemeClr val="accent1">
+                        <a:lumMod val="50000"/>
+                      </a:schemeClr>
+                    </a:solidFill>
+                    <a:latin typeface="Tahoma" panose="020B0604030504040204" pitchFamily="34" charset="0"/>
+                    <a:ea typeface="Tahoma" panose="020B0604030504040204" pitchFamily="34" charset="0"/>
+                    <a:cs typeface="Tahoma" panose="020B0604030504040204" pitchFamily="34" charset="0"/>
+                  </a:rPr>
+                  <a:t>AdaptiveAvgpool2d (1)</a:t>
+                </a:r>
+                <a:endParaRPr lang="en-US" sz="900" b="1" dirty="0">
+                  <a:solidFill>
+                    <a:schemeClr val="accent1">
+                      <a:lumMod val="50000"/>
+                    </a:schemeClr>
+                  </a:solidFill>
+                  <a:latin typeface="Tahoma" panose="020B0604030504040204" pitchFamily="34" charset="0"/>
+                  <a:ea typeface="Tahoma" panose="020B0604030504040204" pitchFamily="34" charset="0"/>
+                  <a:cs typeface="Tahoma" panose="020B0604030504040204" pitchFamily="34" charset="0"/>
+                </a:endParaRPr>
+              </a:p>
+            </p:txBody>
+          </p:sp>
+          <p:sp>
+            <p:nvSpPr>
+              <p:cNvPr id="62" name="Rounded Rectangle 61"/>
+              <p:cNvSpPr/>
+              <p:nvPr/>
+            </p:nvSpPr>
+            <p:spPr>
+              <a:xfrm>
+                <a:off x="1282191" y="1488156"/>
+                <a:ext cx="2057400" cy="320040"/>
+              </a:xfrm>
+              <a:prstGeom prst="roundRect">
+                <a:avLst/>
+              </a:prstGeom>
+              <a:solidFill>
+                <a:schemeClr val="accent4">
+                  <a:lumMod val="20000"/>
+                  <a:lumOff val="80000"/>
+                </a:schemeClr>
+              </a:solidFill>
+              <a:ln>
+                <a:solidFill>
+                  <a:schemeClr val="bg1">
+                    <a:lumMod val="75000"/>
+                  </a:schemeClr>
+                </a:solidFill>
+              </a:ln>
+            </p:spPr>
+            <p:style>
+              <a:lnRef idx="2">
+                <a:schemeClr val="accent1">
+                  <a:shade val="50000"/>
+                </a:schemeClr>
+              </a:lnRef>
+              <a:fillRef idx="1">
+                <a:schemeClr val="accent1"/>
+              </a:fillRef>
+              <a:effectRef idx="0">
+                <a:schemeClr val="accent1"/>
+              </a:effectRef>
+              <a:fontRef idx="minor">
+                <a:schemeClr val="lt1"/>
+              </a:fontRef>
+            </p:style>
+            <p:txBody>
+              <a:bodyPr rot="0" spcFirstLastPara="0" vertOverflow="overflow" horzOverflow="overflow" vert="horz" wrap="square" lIns="51435" tIns="25718" rIns="51435" bIns="25718" numCol="1" spcCol="0" rtlCol="0" fromWordArt="0" anchor="ctr" anchorCtr="0" forceAA="0" compatLnSpc="1">
+                <a:prstTxWarp prst="textNoShape">
+                  <a:avLst/>
+                </a:prstTxWarp>
+                <a:noAutofit/>
+              </a:bodyPr>
+              <a:lstStyle/>
+              <a:p>
+                <a:pPr algn="ctr"/>
+                <a:r>
+                  <a:rPr lang="en-US" sz="900" b="1" dirty="0" smtClean="0">
+                    <a:solidFill>
+                      <a:schemeClr val="accent1">
+                        <a:lumMod val="50000"/>
+                      </a:schemeClr>
+                    </a:solidFill>
+                    <a:latin typeface="Tahoma" panose="020B0604030504040204" pitchFamily="34" charset="0"/>
+                    <a:ea typeface="Tahoma" panose="020B0604030504040204" pitchFamily="34" charset="0"/>
+                    <a:cs typeface="Tahoma" panose="020B0604030504040204" pitchFamily="34" charset="0"/>
+                  </a:rPr>
+                  <a:t>Conv2d(2048, 512, </a:t>
+                </a:r>
+                <a:r>
+                  <a:rPr lang="en-US" sz="900" b="1" dirty="0" smtClean="0">
+                    <a:solidFill>
+                      <a:schemeClr val="accent1">
+                        <a:lumMod val="50000"/>
+                      </a:schemeClr>
+                    </a:solidFill>
+                    <a:latin typeface="Tahoma" panose="020B0604030504040204" pitchFamily="34" charset="0"/>
+                    <a:ea typeface="Tahoma" panose="020B0604030504040204" pitchFamily="34" charset="0"/>
+                    <a:cs typeface="Tahoma" panose="020B0604030504040204" pitchFamily="34" charset="0"/>
+                  </a:rPr>
+                  <a:t>3)</a:t>
+                </a:r>
+                <a:endParaRPr lang="en-US" sz="900" b="1" dirty="0">
+                  <a:solidFill>
+                    <a:schemeClr val="accent1">
+                      <a:lumMod val="50000"/>
+                    </a:schemeClr>
+                  </a:solidFill>
+                  <a:latin typeface="Tahoma" panose="020B0604030504040204" pitchFamily="34" charset="0"/>
+                  <a:ea typeface="Tahoma" panose="020B0604030504040204" pitchFamily="34" charset="0"/>
+                  <a:cs typeface="Tahoma" panose="020B0604030504040204" pitchFamily="34" charset="0"/>
+                </a:endParaRPr>
+              </a:p>
+            </p:txBody>
+          </p:sp>
+          <p:sp>
+            <p:nvSpPr>
+              <p:cNvPr id="64" name="Rounded Rectangle 63"/>
+              <p:cNvSpPr/>
+              <p:nvPr/>
+            </p:nvSpPr>
+            <p:spPr>
+              <a:xfrm>
+                <a:off x="1282191" y="2071859"/>
+                <a:ext cx="2057400" cy="320040"/>
+              </a:xfrm>
+              <a:prstGeom prst="roundRect">
+                <a:avLst/>
+              </a:prstGeom>
+              <a:solidFill>
+                <a:schemeClr val="accent4">
+                  <a:lumMod val="20000"/>
+                  <a:lumOff val="80000"/>
+                </a:schemeClr>
+              </a:solidFill>
+              <a:ln>
+                <a:solidFill>
+                  <a:schemeClr val="bg1">
+                    <a:lumMod val="75000"/>
+                  </a:schemeClr>
+                </a:solidFill>
+              </a:ln>
+            </p:spPr>
+            <p:style>
+              <a:lnRef idx="2">
+                <a:schemeClr val="accent1">
+                  <a:shade val="50000"/>
+                </a:schemeClr>
+              </a:lnRef>
+              <a:fillRef idx="1">
+                <a:schemeClr val="accent1"/>
+              </a:fillRef>
+              <a:effectRef idx="0">
+                <a:schemeClr val="accent1"/>
+              </a:effectRef>
+              <a:fontRef idx="minor">
+                <a:schemeClr val="lt1"/>
+              </a:fontRef>
+            </p:style>
+            <p:txBody>
+              <a:bodyPr rot="0" spcFirstLastPara="0" vertOverflow="overflow" horzOverflow="overflow" vert="horz" wrap="square" lIns="51435" tIns="25718" rIns="51435" bIns="25718" numCol="1" spcCol="0" rtlCol="0" fromWordArt="0" anchor="ctr" anchorCtr="0" forceAA="0" compatLnSpc="1">
+                <a:prstTxWarp prst="textNoShape">
+                  <a:avLst/>
+                </a:prstTxWarp>
+                <a:noAutofit/>
+              </a:bodyPr>
+              <a:lstStyle/>
+              <a:p>
+                <a:pPr algn="ctr"/>
+                <a:r>
+                  <a:rPr lang="en-US" sz="900" b="1" dirty="0" smtClean="0">
+                    <a:solidFill>
+                      <a:schemeClr val="accent1">
+                        <a:lumMod val="50000"/>
+                      </a:schemeClr>
+                    </a:solidFill>
+                    <a:latin typeface="Tahoma" panose="020B0604030504040204" pitchFamily="34" charset="0"/>
+                    <a:ea typeface="Tahoma" panose="020B0604030504040204" pitchFamily="34" charset="0"/>
+                    <a:cs typeface="Tahoma" panose="020B0604030504040204" pitchFamily="34" charset="0"/>
+                  </a:rPr>
+                  <a:t>BatchNorm2d(64)</a:t>
+                </a:r>
+                <a:endParaRPr lang="en-US" sz="900" b="1" dirty="0">
+                  <a:solidFill>
+                    <a:schemeClr val="accent1">
+                      <a:lumMod val="50000"/>
+                    </a:schemeClr>
+                  </a:solidFill>
+                  <a:latin typeface="Tahoma" panose="020B0604030504040204" pitchFamily="34" charset="0"/>
+                  <a:ea typeface="Tahoma" panose="020B0604030504040204" pitchFamily="34" charset="0"/>
+                  <a:cs typeface="Tahoma" panose="020B0604030504040204" pitchFamily="34" charset="0"/>
+                </a:endParaRPr>
+              </a:p>
+            </p:txBody>
+          </p:sp>
+          <p:sp>
+            <p:nvSpPr>
+              <p:cNvPr id="65" name="Rounded Rectangle 64"/>
+              <p:cNvSpPr/>
+              <p:nvPr/>
+            </p:nvSpPr>
+            <p:spPr>
+              <a:xfrm>
+                <a:off x="1282191" y="2655561"/>
+                <a:ext cx="2057400" cy="320040"/>
+              </a:xfrm>
+              <a:prstGeom prst="roundRect">
+                <a:avLst/>
+              </a:prstGeom>
+              <a:solidFill>
+                <a:schemeClr val="accent4">
+                  <a:lumMod val="20000"/>
+                  <a:lumOff val="80000"/>
+                </a:schemeClr>
+              </a:solidFill>
+              <a:ln>
+                <a:solidFill>
+                  <a:schemeClr val="bg1">
+                    <a:lumMod val="75000"/>
+                  </a:schemeClr>
+                </a:solidFill>
+              </a:ln>
+            </p:spPr>
+            <p:style>
+              <a:lnRef idx="2">
+                <a:schemeClr val="accent1">
+                  <a:shade val="50000"/>
+                </a:schemeClr>
+              </a:lnRef>
+              <a:fillRef idx="1">
+                <a:schemeClr val="accent1"/>
+              </a:fillRef>
+              <a:effectRef idx="0">
+                <a:schemeClr val="accent1"/>
+              </a:effectRef>
+              <a:fontRef idx="minor">
+                <a:schemeClr val="lt1"/>
+              </a:fontRef>
+            </p:style>
+            <p:txBody>
+              <a:bodyPr rot="0" spcFirstLastPara="0" vertOverflow="overflow" horzOverflow="overflow" vert="horz" wrap="square" lIns="51435" tIns="25718" rIns="51435" bIns="25718" numCol="1" spcCol="0" rtlCol="0" fromWordArt="0" anchor="ctr" anchorCtr="0" forceAA="0" compatLnSpc="1">
+                <a:prstTxWarp prst="textNoShape">
+                  <a:avLst/>
+                </a:prstTxWarp>
+                <a:noAutofit/>
+              </a:bodyPr>
+              <a:lstStyle/>
+              <a:p>
+                <a:pPr algn="ctr"/>
+                <a:r>
+                  <a:rPr lang="en-US" sz="900" b="1" dirty="0" smtClean="0">
+                    <a:solidFill>
+                      <a:schemeClr val="accent1">
+                        <a:lumMod val="50000"/>
+                      </a:schemeClr>
+                    </a:solidFill>
+                    <a:latin typeface="Tahoma" panose="020B0604030504040204" pitchFamily="34" charset="0"/>
+                    <a:ea typeface="Tahoma" panose="020B0604030504040204" pitchFamily="34" charset="0"/>
+                    <a:cs typeface="Tahoma" panose="020B0604030504040204" pitchFamily="34" charset="0"/>
+                  </a:rPr>
+                  <a:t>ReLU Activation</a:t>
+                </a:r>
+                <a:endParaRPr lang="en-US" sz="900" b="1" dirty="0">
+                  <a:solidFill>
+                    <a:schemeClr val="accent1">
+                      <a:lumMod val="50000"/>
+                    </a:schemeClr>
+                  </a:solidFill>
+                  <a:latin typeface="Tahoma" panose="020B0604030504040204" pitchFamily="34" charset="0"/>
+                  <a:ea typeface="Tahoma" panose="020B0604030504040204" pitchFamily="34" charset="0"/>
+                  <a:cs typeface="Tahoma" panose="020B0604030504040204" pitchFamily="34" charset="0"/>
+                </a:endParaRPr>
+              </a:p>
+            </p:txBody>
+          </p:sp>
+          <p:cxnSp>
+            <p:nvCxnSpPr>
+              <p:cNvPr id="71" name="Straight Arrow Connector 70"/>
+              <p:cNvCxnSpPr/>
+              <p:nvPr/>
+            </p:nvCxnSpPr>
+            <p:spPr>
+              <a:xfrm>
+                <a:off x="2310891" y="553576"/>
+                <a:ext cx="0" cy="350877"/>
+              </a:xfrm>
+              <a:prstGeom prst="straightConnector1">
+                <a:avLst/>
+              </a:prstGeom>
+              <a:ln>
+                <a:solidFill>
+                  <a:schemeClr val="tx1"/>
+                </a:solidFill>
+                <a:tailEnd type="triangle"/>
+              </a:ln>
+            </p:spPr>
+            <p:style>
+              <a:lnRef idx="1">
+                <a:schemeClr val="accent1"/>
+              </a:lnRef>
+              <a:fillRef idx="0">
+                <a:schemeClr val="accent1"/>
+              </a:fillRef>
+              <a:effectRef idx="0">
+                <a:schemeClr val="accent1"/>
+              </a:effectRef>
+              <a:fontRef idx="minor">
+                <a:schemeClr val="tx1"/>
+              </a:fontRef>
+            </p:style>
+          </p:cxnSp>
+          <p:cxnSp>
+            <p:nvCxnSpPr>
+              <p:cNvPr id="73" name="Straight Arrow Connector 72"/>
+              <p:cNvCxnSpPr>
+                <a:endCxn id="62" idx="0"/>
+              </p:cNvCxnSpPr>
+              <p:nvPr/>
+            </p:nvCxnSpPr>
+            <p:spPr>
+              <a:xfrm>
+                <a:off x="2310891" y="1224493"/>
+                <a:ext cx="0" cy="263663"/>
+              </a:xfrm>
+              <a:prstGeom prst="straightConnector1">
+                <a:avLst/>
+              </a:prstGeom>
+              <a:ln>
+                <a:solidFill>
+                  <a:schemeClr val="tx1"/>
+                </a:solidFill>
+                <a:tailEnd type="triangle"/>
+              </a:ln>
+            </p:spPr>
+            <p:style>
+              <a:lnRef idx="1">
+                <a:schemeClr val="accent1"/>
+              </a:lnRef>
+              <a:fillRef idx="0">
+                <a:schemeClr val="accent1"/>
+              </a:fillRef>
+              <a:effectRef idx="0">
+                <a:schemeClr val="accent1"/>
+              </a:effectRef>
+              <a:fontRef idx="minor">
+                <a:schemeClr val="tx1"/>
+              </a:fontRef>
+            </p:style>
+          </p:cxnSp>
+          <p:cxnSp>
+            <p:nvCxnSpPr>
+              <p:cNvPr id="76" name="Straight Arrow Connector 75"/>
+              <p:cNvCxnSpPr>
+                <a:stCxn id="62" idx="2"/>
+                <a:endCxn id="64" idx="0"/>
+              </p:cNvCxnSpPr>
+              <p:nvPr/>
+            </p:nvCxnSpPr>
+            <p:spPr>
+              <a:xfrm>
+                <a:off x="2310891" y="1808196"/>
+                <a:ext cx="0" cy="263663"/>
+              </a:xfrm>
+              <a:prstGeom prst="straightConnector1">
+                <a:avLst/>
+              </a:prstGeom>
+              <a:ln>
+                <a:solidFill>
+                  <a:schemeClr val="tx1"/>
+                </a:solidFill>
+                <a:tailEnd type="triangle"/>
+              </a:ln>
+            </p:spPr>
+            <p:style>
+              <a:lnRef idx="1">
+                <a:schemeClr val="accent1"/>
+              </a:lnRef>
+              <a:fillRef idx="0">
+                <a:schemeClr val="accent1"/>
+              </a:fillRef>
+              <a:effectRef idx="0">
+                <a:schemeClr val="accent1"/>
+              </a:effectRef>
+              <a:fontRef idx="minor">
+                <a:schemeClr val="tx1"/>
+              </a:fontRef>
+            </p:style>
+          </p:cxnSp>
+          <p:cxnSp>
+            <p:nvCxnSpPr>
+              <p:cNvPr id="82" name="Straight Arrow Connector 81"/>
+              <p:cNvCxnSpPr>
+                <a:stCxn id="64" idx="2"/>
+              </p:cNvCxnSpPr>
+              <p:nvPr/>
+            </p:nvCxnSpPr>
+            <p:spPr>
+              <a:xfrm>
+                <a:off x="2310891" y="2391899"/>
+                <a:ext cx="0" cy="263662"/>
+              </a:xfrm>
+              <a:prstGeom prst="straightConnector1">
+                <a:avLst/>
+              </a:prstGeom>
+              <a:ln>
+                <a:solidFill>
+                  <a:schemeClr val="tx1"/>
+                </a:solidFill>
+                <a:tailEnd type="triangle"/>
+              </a:ln>
+            </p:spPr>
+            <p:style>
+              <a:lnRef idx="1">
+                <a:schemeClr val="accent1"/>
+              </a:lnRef>
+              <a:fillRef idx="0">
+                <a:schemeClr val="accent1"/>
+              </a:fillRef>
+              <a:effectRef idx="0">
+                <a:schemeClr val="accent1"/>
+              </a:effectRef>
+              <a:fontRef idx="minor">
+                <a:schemeClr val="tx1"/>
+              </a:fontRef>
+            </p:style>
+          </p:cxnSp>
+          <p:cxnSp>
+            <p:nvCxnSpPr>
+              <p:cNvPr id="85" name="Straight Arrow Connector 84"/>
+              <p:cNvCxnSpPr>
+                <a:stCxn id="65" idx="2"/>
+                <a:endCxn id="86" idx="0"/>
+              </p:cNvCxnSpPr>
+              <p:nvPr/>
+            </p:nvCxnSpPr>
+            <p:spPr>
+              <a:xfrm>
+                <a:off x="2310891" y="2975601"/>
+                <a:ext cx="0" cy="310164"/>
+              </a:xfrm>
+              <a:prstGeom prst="straightConnector1">
+                <a:avLst/>
+              </a:prstGeom>
+              <a:ln>
+                <a:solidFill>
+                  <a:schemeClr val="tx1"/>
+                </a:solidFill>
+                <a:tailEnd type="triangle"/>
+              </a:ln>
+            </p:spPr>
+            <p:style>
+              <a:lnRef idx="1">
+                <a:schemeClr val="accent1"/>
+              </a:lnRef>
+              <a:fillRef idx="0">
+                <a:schemeClr val="accent1"/>
+              </a:fillRef>
+              <a:effectRef idx="0">
+                <a:schemeClr val="accent1"/>
+              </a:effectRef>
+              <a:fontRef idx="minor">
+                <a:schemeClr val="tx1"/>
+              </a:fontRef>
+            </p:style>
+          </p:cxnSp>
+          <p:sp>
+            <p:nvSpPr>
+              <p:cNvPr id="86" name="Rounded Rectangle 85"/>
+              <p:cNvSpPr/>
+              <p:nvPr/>
+            </p:nvSpPr>
+            <p:spPr>
+              <a:xfrm>
+                <a:off x="1282191" y="3285765"/>
+                <a:ext cx="2057400" cy="320040"/>
+              </a:xfrm>
+              <a:prstGeom prst="roundRect">
+                <a:avLst/>
+              </a:prstGeom>
+              <a:solidFill>
+                <a:schemeClr val="accent6">
+                  <a:lumMod val="20000"/>
+                  <a:lumOff val="80000"/>
+                </a:schemeClr>
+              </a:solidFill>
+              <a:ln>
+                <a:solidFill>
+                  <a:schemeClr val="bg1">
+                    <a:lumMod val="75000"/>
+                  </a:schemeClr>
+                </a:solidFill>
+              </a:ln>
+            </p:spPr>
+            <p:style>
+              <a:lnRef idx="2">
+                <a:schemeClr val="accent1">
+                  <a:shade val="50000"/>
+                </a:schemeClr>
+              </a:lnRef>
+              <a:fillRef idx="1">
+                <a:schemeClr val="accent1"/>
+              </a:fillRef>
+              <a:effectRef idx="0">
+                <a:schemeClr val="accent1"/>
+              </a:effectRef>
+              <a:fontRef idx="minor">
+                <a:schemeClr val="lt1"/>
+              </a:fontRef>
+            </p:style>
+            <p:txBody>
+              <a:bodyPr rot="0" spcFirstLastPara="0" vertOverflow="overflow" horzOverflow="overflow" vert="horz" wrap="square" lIns="51435" tIns="25718" rIns="51435" bIns="25718" numCol="1" spcCol="0" rtlCol="0" fromWordArt="0" anchor="ctr" anchorCtr="0" forceAA="0" compatLnSpc="1">
+                <a:prstTxWarp prst="textNoShape">
+                  <a:avLst/>
+                </a:prstTxWarp>
+                <a:noAutofit/>
+              </a:bodyPr>
+              <a:lstStyle/>
+              <a:p>
+                <a:pPr algn="ctr"/>
+                <a:r>
+                  <a:rPr lang="en-US" sz="900" b="1" dirty="0" smtClean="0">
+                    <a:solidFill>
+                      <a:schemeClr val="accent1">
+                        <a:lumMod val="50000"/>
+                      </a:schemeClr>
+                    </a:solidFill>
+                    <a:latin typeface="Tahoma" panose="020B0604030504040204" pitchFamily="34" charset="0"/>
+                    <a:ea typeface="Tahoma" panose="020B0604030504040204" pitchFamily="34" charset="0"/>
+                    <a:cs typeface="Tahoma" panose="020B0604030504040204" pitchFamily="34" charset="0"/>
+                  </a:rPr>
+                  <a:t>Bilinear Up sampling</a:t>
+                </a:r>
+                <a:endParaRPr lang="en-US" sz="900" b="1" dirty="0">
+                  <a:solidFill>
+                    <a:schemeClr val="accent1">
+                      <a:lumMod val="50000"/>
+                    </a:schemeClr>
+                  </a:solidFill>
+                  <a:latin typeface="Tahoma" panose="020B0604030504040204" pitchFamily="34" charset="0"/>
+                  <a:ea typeface="Tahoma" panose="020B0604030504040204" pitchFamily="34" charset="0"/>
+                  <a:cs typeface="Tahoma" panose="020B0604030504040204" pitchFamily="34" charset="0"/>
+                </a:endParaRPr>
+              </a:p>
+            </p:txBody>
+          </p:sp>
+        </p:grpSp>
+        <p:grpSp>
+          <p:nvGrpSpPr>
+            <p:cNvPr id="49" name="Group 48"/>
+            <p:cNvGrpSpPr/>
+            <p:nvPr/>
+          </p:nvGrpSpPr>
+          <p:grpSpPr>
+            <a:xfrm>
+              <a:off x="2345635" y="601456"/>
+              <a:ext cx="903713" cy="3324861"/>
+              <a:chOff x="2345635" y="601456"/>
+              <a:chExt cx="903713" cy="3324861"/>
+            </a:xfrm>
+          </p:grpSpPr>
+          <p:sp>
+            <p:nvSpPr>
+              <p:cNvPr id="66" name="TextBox 65"/>
+              <p:cNvSpPr txBox="1"/>
+              <p:nvPr/>
+            </p:nvSpPr>
+            <p:spPr>
+              <a:xfrm>
+                <a:off x="2345635" y="601456"/>
+                <a:ext cx="903713" cy="220799"/>
+              </a:xfrm>
+              <a:prstGeom prst="rect">
+                <a:avLst/>
+              </a:prstGeom>
+              <a:noFill/>
+            </p:spPr>
+            <p:txBody>
+              <a:bodyPr wrap="square" rtlCol="0">
+                <a:spAutoFit/>
+              </a:bodyPr>
+              <a:lstStyle/>
+              <a:p>
+                <a:pPr algn="ctr"/>
+                <a:r>
+                  <a:rPr lang="en-US" sz="800" dirty="0" smtClean="0">
+                    <a:latin typeface="Tahoma" panose="020B0604030504040204" pitchFamily="34" charset="0"/>
+                    <a:ea typeface="Tahoma" panose="020B0604030504040204" pitchFamily="34" charset="0"/>
+                    <a:cs typeface="Tahoma" panose="020B0604030504040204" pitchFamily="34" charset="0"/>
+                  </a:rPr>
+                  <a:t>(2048, 45, 80)</a:t>
+                </a:r>
+                <a:endParaRPr lang="en-US" sz="800" dirty="0">
+                  <a:latin typeface="Tahoma" panose="020B0604030504040204" pitchFamily="34" charset="0"/>
+                  <a:ea typeface="Tahoma" panose="020B0604030504040204" pitchFamily="34" charset="0"/>
+                  <a:cs typeface="Tahoma" panose="020B0604030504040204" pitchFamily="34" charset="0"/>
+                </a:endParaRPr>
+              </a:p>
+            </p:txBody>
+          </p:sp>
+          <p:sp>
+            <p:nvSpPr>
+              <p:cNvPr id="109" name="TextBox 108"/>
+              <p:cNvSpPr txBox="1"/>
+              <p:nvPr/>
+            </p:nvSpPr>
+            <p:spPr>
+              <a:xfrm>
+                <a:off x="2345635" y="1232004"/>
+                <a:ext cx="903713" cy="220799"/>
+              </a:xfrm>
+              <a:prstGeom prst="rect">
+                <a:avLst/>
+              </a:prstGeom>
+              <a:noFill/>
+            </p:spPr>
+            <p:txBody>
+              <a:bodyPr wrap="square" rtlCol="0">
+                <a:spAutoFit/>
+              </a:bodyPr>
+              <a:lstStyle/>
+              <a:p>
+                <a:pPr algn="ctr"/>
+                <a:r>
+                  <a:rPr lang="en-US" sz="800" dirty="0" smtClean="0">
+                    <a:latin typeface="Tahoma" panose="020B0604030504040204" pitchFamily="34" charset="0"/>
+                    <a:ea typeface="Tahoma" panose="020B0604030504040204" pitchFamily="34" charset="0"/>
+                    <a:cs typeface="Tahoma" panose="020B0604030504040204" pitchFamily="34" charset="0"/>
+                  </a:rPr>
+                  <a:t>(2048, 1, 1)</a:t>
+                </a:r>
+                <a:endParaRPr lang="en-US" sz="800" dirty="0">
+                  <a:latin typeface="Tahoma" panose="020B0604030504040204" pitchFamily="34" charset="0"/>
+                  <a:ea typeface="Tahoma" panose="020B0604030504040204" pitchFamily="34" charset="0"/>
+                  <a:cs typeface="Tahoma" panose="020B0604030504040204" pitchFamily="34" charset="0"/>
+                </a:endParaRPr>
+              </a:p>
+            </p:txBody>
+          </p:sp>
+          <p:sp>
+            <p:nvSpPr>
+              <p:cNvPr id="110" name="TextBox 109"/>
+              <p:cNvSpPr txBox="1"/>
+              <p:nvPr/>
+            </p:nvSpPr>
+            <p:spPr>
+              <a:xfrm>
+                <a:off x="2345635" y="1817673"/>
+                <a:ext cx="903713" cy="220799"/>
+              </a:xfrm>
+              <a:prstGeom prst="rect">
+                <a:avLst/>
+              </a:prstGeom>
+              <a:noFill/>
+            </p:spPr>
+            <p:txBody>
+              <a:bodyPr wrap="square" rtlCol="0">
+                <a:spAutoFit/>
+              </a:bodyPr>
+              <a:lstStyle/>
+              <a:p>
+                <a:pPr algn="ctr"/>
+                <a:r>
+                  <a:rPr lang="en-US" sz="800" dirty="0" smtClean="0">
+                    <a:latin typeface="Tahoma" panose="020B0604030504040204" pitchFamily="34" charset="0"/>
+                    <a:ea typeface="Tahoma" panose="020B0604030504040204" pitchFamily="34" charset="0"/>
+                    <a:cs typeface="Tahoma" panose="020B0604030504040204" pitchFamily="34" charset="0"/>
+                  </a:rPr>
+                  <a:t>(512, 1, 1)</a:t>
+                </a:r>
+                <a:endParaRPr lang="en-US" sz="800" dirty="0">
+                  <a:latin typeface="Tahoma" panose="020B0604030504040204" pitchFamily="34" charset="0"/>
+                  <a:ea typeface="Tahoma" panose="020B0604030504040204" pitchFamily="34" charset="0"/>
+                  <a:cs typeface="Tahoma" panose="020B0604030504040204" pitchFamily="34" charset="0"/>
+                </a:endParaRPr>
+              </a:p>
+            </p:txBody>
+          </p:sp>
+          <p:sp>
+            <p:nvSpPr>
+              <p:cNvPr id="111" name="TextBox 110"/>
+              <p:cNvSpPr txBox="1"/>
+              <p:nvPr/>
+            </p:nvSpPr>
+            <p:spPr>
+              <a:xfrm>
+                <a:off x="2345635" y="2434762"/>
+                <a:ext cx="903713" cy="220799"/>
+              </a:xfrm>
+              <a:prstGeom prst="rect">
+                <a:avLst/>
+              </a:prstGeom>
+              <a:noFill/>
+            </p:spPr>
+            <p:txBody>
+              <a:bodyPr wrap="square" rtlCol="0">
+                <a:spAutoFit/>
+              </a:bodyPr>
+              <a:lstStyle/>
+              <a:p>
+                <a:pPr algn="ctr"/>
+                <a:r>
+                  <a:rPr lang="en-US" sz="800" dirty="0" smtClean="0">
+                    <a:latin typeface="Tahoma" panose="020B0604030504040204" pitchFamily="34" charset="0"/>
+                    <a:ea typeface="Tahoma" panose="020B0604030504040204" pitchFamily="34" charset="0"/>
+                    <a:cs typeface="Tahoma" panose="020B0604030504040204" pitchFamily="34" charset="0"/>
+                  </a:rPr>
+                  <a:t>(512, 1, 1)</a:t>
+                </a:r>
+                <a:endParaRPr lang="en-US" sz="800" dirty="0">
+                  <a:latin typeface="Tahoma" panose="020B0604030504040204" pitchFamily="34" charset="0"/>
+                  <a:ea typeface="Tahoma" panose="020B0604030504040204" pitchFamily="34" charset="0"/>
+                  <a:cs typeface="Tahoma" panose="020B0604030504040204" pitchFamily="34" charset="0"/>
+                </a:endParaRPr>
+              </a:p>
+            </p:txBody>
+          </p:sp>
+          <p:sp>
+            <p:nvSpPr>
+              <p:cNvPr id="112" name="TextBox 111"/>
+              <p:cNvSpPr txBox="1"/>
+              <p:nvPr/>
+            </p:nvSpPr>
+            <p:spPr>
+              <a:xfrm>
+                <a:off x="2345635" y="3007099"/>
+                <a:ext cx="903713" cy="220799"/>
+              </a:xfrm>
+              <a:prstGeom prst="rect">
+                <a:avLst/>
+              </a:prstGeom>
+              <a:noFill/>
+            </p:spPr>
+            <p:txBody>
+              <a:bodyPr wrap="square" rtlCol="0">
+                <a:spAutoFit/>
+              </a:bodyPr>
+              <a:lstStyle/>
+              <a:p>
+                <a:pPr algn="ctr"/>
+                <a:r>
+                  <a:rPr lang="en-US" sz="800" dirty="0" smtClean="0">
+                    <a:latin typeface="Tahoma" panose="020B0604030504040204" pitchFamily="34" charset="0"/>
+                    <a:ea typeface="Tahoma" panose="020B0604030504040204" pitchFamily="34" charset="0"/>
+                    <a:cs typeface="Tahoma" panose="020B0604030504040204" pitchFamily="34" charset="0"/>
+                  </a:rPr>
+                  <a:t>(512, 1, 1)</a:t>
+                </a:r>
+                <a:endParaRPr lang="en-US" sz="800" dirty="0">
+                  <a:latin typeface="Tahoma" panose="020B0604030504040204" pitchFamily="34" charset="0"/>
+                  <a:ea typeface="Tahoma" panose="020B0604030504040204" pitchFamily="34" charset="0"/>
+                  <a:cs typeface="Tahoma" panose="020B0604030504040204" pitchFamily="34" charset="0"/>
+                </a:endParaRPr>
+              </a:p>
+            </p:txBody>
+          </p:sp>
+          <p:sp>
+            <p:nvSpPr>
+              <p:cNvPr id="113" name="TextBox 112"/>
+              <p:cNvSpPr txBox="1"/>
+              <p:nvPr/>
+            </p:nvSpPr>
+            <p:spPr>
+              <a:xfrm>
+                <a:off x="2345635" y="3705518"/>
+                <a:ext cx="903713" cy="220799"/>
+              </a:xfrm>
+              <a:prstGeom prst="rect">
+                <a:avLst/>
+              </a:prstGeom>
+              <a:noFill/>
+            </p:spPr>
+            <p:txBody>
+              <a:bodyPr wrap="square" rtlCol="0">
+                <a:spAutoFit/>
+              </a:bodyPr>
+              <a:lstStyle/>
+              <a:p>
+                <a:pPr algn="ctr"/>
+                <a:r>
+                  <a:rPr lang="en-US" sz="800" dirty="0" smtClean="0">
+                    <a:latin typeface="Tahoma" panose="020B0604030504040204" pitchFamily="34" charset="0"/>
+                    <a:ea typeface="Tahoma" panose="020B0604030504040204" pitchFamily="34" charset="0"/>
+                    <a:cs typeface="Tahoma" panose="020B0604030504040204" pitchFamily="34" charset="0"/>
+                  </a:rPr>
+                  <a:t>(512, 45, 80)</a:t>
+                </a:r>
+                <a:endParaRPr lang="en-US" sz="800" dirty="0">
+                  <a:latin typeface="Tahoma" panose="020B0604030504040204" pitchFamily="34" charset="0"/>
+                  <a:ea typeface="Tahoma" panose="020B0604030504040204" pitchFamily="34" charset="0"/>
+                  <a:cs typeface="Tahoma" panose="020B0604030504040204" pitchFamily="34" charset="0"/>
+                </a:endParaRPr>
+              </a:p>
+            </p:txBody>
+          </p:sp>
+        </p:grpSp>
+        <p:sp>
+          <p:nvSpPr>
+            <p:cNvPr id="114" name="Rounded Rectangle 113"/>
+            <p:cNvSpPr/>
+            <p:nvPr/>
+          </p:nvSpPr>
+          <p:spPr>
+            <a:xfrm>
+              <a:off x="1282191" y="3907337"/>
+              <a:ext cx="2057400" cy="320040"/>
+            </a:xfrm>
+            <a:prstGeom prst="roundRect">
+              <a:avLst/>
+            </a:prstGeom>
+            <a:noFill/>
+            <a:ln>
+              <a:solidFill>
+                <a:schemeClr val="bg1">
+                  <a:lumMod val="50000"/>
+                </a:schemeClr>
+              </a:solidFill>
+            </a:ln>
+          </p:spPr>
+          <p:style>
+            <a:lnRef idx="2">
+              <a:schemeClr val="accent1">
+                <a:shade val="50000"/>
+              </a:schemeClr>
+            </a:lnRef>
+            <a:fillRef idx="1">
+              <a:schemeClr val="accent1"/>
+            </a:fillRef>
+            <a:effectRef idx="0">
+              <a:schemeClr val="accent1"/>
+            </a:effectRef>
+            <a:fontRef idx="minor">
+              <a:schemeClr val="lt1"/>
+            </a:fontRef>
+          </p:style>
+          <p:txBody>
+            <a:bodyPr rot="0" spcFirstLastPara="0" vertOverflow="overflow" horzOverflow="overflow" vert="horz" wrap="square" lIns="51435" tIns="25718" rIns="51435" bIns="25718" numCol="1" spcCol="0" rtlCol="0" fromWordArt="0" anchor="ctr" anchorCtr="0" forceAA="0" compatLnSpc="1">
+              <a:prstTxWarp prst="textNoShape">
+                <a:avLst/>
+              </a:prstTxWarp>
+              <a:noAutofit/>
+            </a:bodyPr>
+            <a:lstStyle/>
+            <a:p>
+              <a:pPr algn="ctr"/>
+              <a:r>
+                <a:rPr lang="en-US" sz="900" b="1" dirty="0" smtClean="0">
+                  <a:solidFill>
+                    <a:schemeClr val="tx1"/>
+                  </a:solidFill>
+                  <a:latin typeface="Tahoma" panose="020B0604030504040204" pitchFamily="34" charset="0"/>
+                  <a:ea typeface="Tahoma" panose="020B0604030504040204" pitchFamily="34" charset="0"/>
+                  <a:cs typeface="Tahoma" panose="020B0604030504040204" pitchFamily="34" charset="0"/>
+                </a:rPr>
+                <a:t>OUTPUT</a:t>
+              </a:r>
+              <a:endParaRPr lang="en-US" sz="900" b="1" dirty="0">
+                <a:solidFill>
+                  <a:schemeClr val="tx1"/>
+                </a:solidFill>
+                <a:latin typeface="Tahoma" panose="020B0604030504040204" pitchFamily="34" charset="0"/>
+                <a:ea typeface="Tahoma" panose="020B0604030504040204" pitchFamily="34" charset="0"/>
+                <a:cs typeface="Tahoma" panose="020B0604030504040204" pitchFamily="34" charset="0"/>
+              </a:endParaRPr>
+            </a:p>
+          </p:txBody>
+        </p:sp>
+        <p:cxnSp>
+          <p:nvCxnSpPr>
+            <p:cNvPr id="115" name="Straight Arrow Connector 114"/>
+            <p:cNvCxnSpPr>
+              <a:stCxn id="86" idx="2"/>
+              <a:endCxn id="114" idx="0"/>
+            </p:cNvCxnSpPr>
+            <p:nvPr/>
+          </p:nvCxnSpPr>
+          <p:spPr>
+            <a:xfrm>
+              <a:off x="2310891" y="3605805"/>
+              <a:ext cx="0" cy="301532"/>
+            </a:xfrm>
+            <a:prstGeom prst="straightConnector1">
+              <a:avLst/>
+            </a:prstGeom>
+            <a:ln>
+              <a:solidFill>
+                <a:schemeClr val="tx1"/>
+              </a:solidFill>
+              <a:tailEnd type="triangle"/>
+            </a:ln>
+          </p:spPr>
+          <p:style>
+            <a:lnRef idx="1">
+              <a:schemeClr val="accent1"/>
+            </a:lnRef>
+            <a:fillRef idx="0">
+              <a:schemeClr val="accent1"/>
+            </a:fillRef>
+            <a:effectRef idx="0">
+              <a:schemeClr val="accent1"/>
+            </a:effectRef>
+            <a:fontRef idx="minor">
+              <a:schemeClr val="tx1"/>
+            </a:fontRef>
+          </p:style>
+        </p:cxnSp>
+        <p:sp>
+          <p:nvSpPr>
+            <p:cNvPr id="118" name="Rectangle 117"/>
+            <p:cNvSpPr/>
+            <p:nvPr/>
+          </p:nvSpPr>
+          <p:spPr>
+            <a:xfrm>
+              <a:off x="1181100" y="803261"/>
+              <a:ext cx="2237890" cy="2901964"/>
+            </a:xfrm>
+            <a:prstGeom prst="rect">
+              <a:avLst/>
+            </a:prstGeom>
+            <a:noFill/>
+            <a:ln w="19050">
+              <a:solidFill>
+                <a:srgbClr val="0070C0"/>
+              </a:solidFill>
+            </a:ln>
+          </p:spPr>
+          <p:style>
+            <a:lnRef idx="2">
+              <a:schemeClr val="accent1">
+                <a:shade val="50000"/>
+              </a:schemeClr>
+            </a:lnRef>
+            <a:fillRef idx="1">
+              <a:schemeClr val="accent1"/>
+            </a:fillRef>
+            <a:effectRef idx="0">
+              <a:schemeClr val="accent1"/>
+            </a:effectRef>
+            <a:fontRef idx="minor">
+              <a:schemeClr val="lt1"/>
+            </a:fontRef>
+          </p:style>
+          <p:txBody>
+            <a:bodyPr rtlCol="0" anchor="ctr"/>
+            <a:lstStyle/>
+            <a:p>
+              <a:pPr algn="ctr"/>
+              <a:endParaRPr lang="en-US"/>
+            </a:p>
+          </p:txBody>
+        </p:sp>
+        <p:sp>
+          <p:nvSpPr>
+            <p:cNvPr id="119" name="TextBox 118"/>
+            <p:cNvSpPr txBox="1"/>
+            <p:nvPr/>
+          </p:nvSpPr>
+          <p:spPr>
+            <a:xfrm rot="16200000">
+              <a:off x="-62476" y="1840441"/>
+              <a:ext cx="1950468" cy="523220"/>
+            </a:xfrm>
+            <a:prstGeom prst="rect">
+              <a:avLst/>
+            </a:prstGeom>
+            <a:noFill/>
+          </p:spPr>
+          <p:txBody>
+            <a:bodyPr wrap="square" rtlCol="0">
+              <a:spAutoFit/>
+            </a:bodyPr>
+            <a:lstStyle/>
+            <a:p>
+              <a:pPr algn="ctr"/>
+              <a:r>
+                <a:rPr lang="en-US" sz="1400" dirty="0" smtClean="0">
+                  <a:solidFill>
+                    <a:srgbClr val="0070C0"/>
+                  </a:solidFill>
+                  <a:latin typeface="Tahoma" panose="020B0604030504040204" pitchFamily="34" charset="0"/>
+                  <a:ea typeface="Tahoma" panose="020B0604030504040204" pitchFamily="34" charset="0"/>
+                  <a:cs typeface="Tahoma" panose="020B0604030504040204" pitchFamily="34" charset="0"/>
+                </a:rPr>
+                <a:t>PYRAMID POOLING MODULE (bin=1)</a:t>
+              </a:r>
+              <a:endParaRPr lang="en-US" sz="1400" dirty="0">
+                <a:solidFill>
+                  <a:srgbClr val="0070C0"/>
+                </a:solidFill>
+                <a:latin typeface="Tahoma" panose="020B0604030504040204" pitchFamily="34" charset="0"/>
+                <a:ea typeface="Tahoma" panose="020B0604030504040204" pitchFamily="34" charset="0"/>
+                <a:cs typeface="Tahoma" panose="020B0604030504040204" pitchFamily="34" charset="0"/>
+              </a:endParaRPr>
+            </a:p>
+          </p:txBody>
+        </p:sp>
+      </p:grpSp>
+    </p:spTree>
+    <p:extLst>
+      <p:ext uri="{BB962C8B-B14F-4D97-AF65-F5344CB8AC3E}">
+        <p14:creationId xmlns:p14="http://schemas.microsoft.com/office/powerpoint/2010/main" val="4181855357"/>
+      </p:ext>
+    </p:extLst>
+  </p:cSld>
+  <p:clrMapOvr>
+    <a:masterClrMapping/>
+  </p:clrMapOvr>
+</p:sld>
+</file>
+
+<file path=ppt/slides/slide5.xml><?xml version="1.0" encoding="utf-8"?>
+<p:sld xmlns:a="http://schemas.openxmlformats.org/drawingml/2006/main" xmlns:r="http://schemas.openxmlformats.org/officeDocument/2006/relationships" xmlns:p="http://schemas.openxmlformats.org/presentationml/2006/main">
+  <p:cSld>
+    <p:spTree>
+      <p:nvGrpSpPr>
+        <p:cNvPr id="1" name=""/>
+        <p:cNvGrpSpPr/>
+        <p:nvPr/>
+      </p:nvGrpSpPr>
+      <p:grpSpPr>
+        <a:xfrm>
+          <a:off x="0" y="0"/>
+          <a:ext cx="0" cy="0"/>
+          <a:chOff x="0" y="0"/>
+          <a:chExt cx="0" cy="0"/>
+        </a:xfrm>
+      </p:grpSpPr>
+      <p:sp>
+        <p:nvSpPr>
+          <p:cNvPr id="61" name="Rounded Rectangle 60"/>
+          <p:cNvSpPr/>
+          <p:nvPr/>
+        </p:nvSpPr>
+        <p:spPr>
+          <a:xfrm>
+            <a:off x="139278" y="2212525"/>
+            <a:ext cx="615102" cy="332786"/>
+          </a:xfrm>
+          <a:prstGeom prst="roundRect">
+            <a:avLst/>
+          </a:prstGeom>
+          <a:noFill/>
+          <a:ln>
+            <a:solidFill>
+              <a:schemeClr val="bg1">
+                <a:lumMod val="50000"/>
+              </a:schemeClr>
+            </a:solidFill>
+          </a:ln>
+        </p:spPr>
+        <p:style>
+          <a:lnRef idx="2">
+            <a:schemeClr val="accent1">
+              <a:shade val="50000"/>
+            </a:schemeClr>
+          </a:lnRef>
+          <a:fillRef idx="1">
+            <a:schemeClr val="accent1"/>
+          </a:fillRef>
+          <a:effectRef idx="0">
+            <a:schemeClr val="accent1"/>
+          </a:effectRef>
+          <a:fontRef idx="minor">
+            <a:schemeClr val="lt1"/>
+          </a:fontRef>
+        </p:style>
+        <p:txBody>
+          <a:bodyPr rot="0" spcFirstLastPara="0" vertOverflow="overflow" horzOverflow="overflow" vert="horz" wrap="square" lIns="51435" tIns="25718" rIns="51435" bIns="25718" numCol="1" spcCol="0" rtlCol="0" fromWordArt="0" anchor="ctr" anchorCtr="0" forceAA="0" compatLnSpc="1">
+            <a:prstTxWarp prst="textNoShape">
+              <a:avLst/>
+            </a:prstTxWarp>
+            <a:noAutofit/>
+          </a:bodyPr>
+          <a:lstStyle/>
+          <a:p>
+            <a:pPr algn="ctr"/>
+            <a:r>
+              <a:rPr lang="en-US" sz="900" b="1" dirty="0" smtClean="0">
+                <a:solidFill>
+                  <a:schemeClr val="tx1"/>
+                </a:solidFill>
+                <a:latin typeface="Tahoma" panose="020B0604030504040204" pitchFamily="34" charset="0"/>
+                <a:ea typeface="Tahoma" panose="020B0604030504040204" pitchFamily="34" charset="0"/>
+                <a:cs typeface="Tahoma" panose="020B0604030504040204" pitchFamily="34" charset="0"/>
+              </a:rPr>
+              <a:t>Feature Map</a:t>
+            </a:r>
+            <a:endParaRPr lang="en-US" sz="900" b="1" dirty="0">
+              <a:solidFill>
+                <a:schemeClr val="tx1"/>
+              </a:solidFill>
+              <a:latin typeface="Tahoma" panose="020B0604030504040204" pitchFamily="34" charset="0"/>
+              <a:ea typeface="Tahoma" panose="020B0604030504040204" pitchFamily="34" charset="0"/>
+              <a:cs typeface="Tahoma" panose="020B0604030504040204" pitchFamily="34" charset="0"/>
+            </a:endParaRPr>
+          </a:p>
+        </p:txBody>
+      </p:sp>
+      <p:grpSp>
+        <p:nvGrpSpPr>
+          <p:cNvPr id="129" name="Group 128"/>
+          <p:cNvGrpSpPr/>
+          <p:nvPr/>
+        </p:nvGrpSpPr>
+        <p:grpSpPr>
+          <a:xfrm>
+            <a:off x="1658082" y="1313702"/>
+            <a:ext cx="1143000" cy="2157142"/>
+            <a:chOff x="1404082" y="1313702"/>
+            <a:chExt cx="1143000" cy="2157142"/>
+          </a:xfrm>
+        </p:grpSpPr>
+        <p:sp>
+          <p:nvSpPr>
+            <p:cNvPr id="62" name="Rounded Rectangle 61"/>
+            <p:cNvSpPr/>
+            <p:nvPr/>
+          </p:nvSpPr>
+          <p:spPr>
+            <a:xfrm>
+              <a:off x="1404082" y="1313702"/>
+              <a:ext cx="1143000" cy="274320"/>
+            </a:xfrm>
+            <a:prstGeom prst="roundRect">
+              <a:avLst/>
+            </a:prstGeom>
+            <a:solidFill>
+              <a:srgbClr val="FF5050"/>
+            </a:solidFill>
+            <a:ln>
+              <a:noFill/>
+            </a:ln>
+          </p:spPr>
+          <p:style>
+            <a:lnRef idx="2">
+              <a:schemeClr val="accent1">
+                <a:shade val="50000"/>
+              </a:schemeClr>
+            </a:lnRef>
+            <a:fillRef idx="1">
+              <a:schemeClr val="accent1"/>
+            </a:fillRef>
+            <a:effectRef idx="0">
+              <a:schemeClr val="accent1"/>
+            </a:effectRef>
+            <a:fontRef idx="minor">
+              <a:schemeClr val="lt1"/>
+            </a:fontRef>
+          </p:style>
+          <p:txBody>
+            <a:bodyPr rot="0" spcFirstLastPara="0" vertOverflow="overflow" horzOverflow="overflow" vert="horz" wrap="square" lIns="51435" tIns="25718" rIns="51435" bIns="25718" numCol="1" spcCol="0" rtlCol="0" fromWordArt="0" anchor="ctr" anchorCtr="0" forceAA="0" compatLnSpc="1">
+              <a:prstTxWarp prst="textNoShape">
+                <a:avLst/>
+              </a:prstTxWarp>
+              <a:noAutofit/>
+            </a:bodyPr>
+            <a:lstStyle/>
+            <a:p>
+              <a:pPr algn="ctr"/>
+              <a:r>
+                <a:rPr lang="en-US" sz="900" b="1" dirty="0" smtClean="0">
+                  <a:solidFill>
+                    <a:schemeClr val="bg1"/>
+                  </a:solidFill>
+                  <a:latin typeface="Tahoma" panose="020B0604030504040204" pitchFamily="34" charset="0"/>
+                  <a:ea typeface="Tahoma" panose="020B0604030504040204" pitchFamily="34" charset="0"/>
+                  <a:cs typeface="Tahoma" panose="020B0604030504040204" pitchFamily="34" charset="0"/>
+                </a:rPr>
+                <a:t>PPM (bin=1)</a:t>
+              </a:r>
+              <a:endParaRPr lang="en-US" sz="900" b="1" dirty="0">
+                <a:solidFill>
+                  <a:schemeClr val="bg1"/>
+                </a:solidFill>
+                <a:latin typeface="Tahoma" panose="020B0604030504040204" pitchFamily="34" charset="0"/>
+                <a:ea typeface="Tahoma" panose="020B0604030504040204" pitchFamily="34" charset="0"/>
+                <a:cs typeface="Tahoma" panose="020B0604030504040204" pitchFamily="34" charset="0"/>
+              </a:endParaRPr>
+            </a:p>
+          </p:txBody>
+        </p:sp>
+        <p:sp>
+          <p:nvSpPr>
+            <p:cNvPr id="64" name="Rounded Rectangle 63"/>
+            <p:cNvSpPr/>
+            <p:nvPr/>
+          </p:nvSpPr>
+          <p:spPr>
+            <a:xfrm>
+              <a:off x="1404082" y="1826019"/>
+              <a:ext cx="1143000" cy="274320"/>
+            </a:xfrm>
+            <a:prstGeom prst="roundRect">
+              <a:avLst/>
+            </a:prstGeom>
+            <a:solidFill>
+              <a:schemeClr val="accent2"/>
+            </a:solidFill>
+            <a:ln>
+              <a:noFill/>
+            </a:ln>
+          </p:spPr>
+          <p:style>
+            <a:lnRef idx="2">
+              <a:schemeClr val="accent1">
+                <a:shade val="50000"/>
+              </a:schemeClr>
+            </a:lnRef>
+            <a:fillRef idx="1">
+              <a:schemeClr val="accent1"/>
+            </a:fillRef>
+            <a:effectRef idx="0">
+              <a:schemeClr val="accent1"/>
+            </a:effectRef>
+            <a:fontRef idx="minor">
+              <a:schemeClr val="lt1"/>
+            </a:fontRef>
+          </p:style>
+          <p:txBody>
+            <a:bodyPr rot="0" spcFirstLastPara="0" vertOverflow="overflow" horzOverflow="overflow" vert="horz" wrap="square" lIns="51435" tIns="25718" rIns="51435" bIns="25718" numCol="1" spcCol="0" rtlCol="0" fromWordArt="0" anchor="ctr" anchorCtr="0" forceAA="0" compatLnSpc="1">
+              <a:prstTxWarp prst="textNoShape">
+                <a:avLst/>
+              </a:prstTxWarp>
+              <a:noAutofit/>
+            </a:bodyPr>
+            <a:lstStyle/>
+            <a:p>
+              <a:pPr algn="ctr"/>
+              <a:r>
+                <a:rPr lang="en-US" sz="900" b="1" dirty="0" smtClean="0">
+                  <a:solidFill>
+                    <a:schemeClr val="bg1"/>
+                  </a:solidFill>
+                  <a:latin typeface="Tahoma" panose="020B0604030504040204" pitchFamily="34" charset="0"/>
+                  <a:ea typeface="Tahoma" panose="020B0604030504040204" pitchFamily="34" charset="0"/>
+                  <a:cs typeface="Tahoma" panose="020B0604030504040204" pitchFamily="34" charset="0"/>
+                </a:rPr>
+                <a:t>PPM (bin=2)</a:t>
+              </a:r>
+              <a:endParaRPr lang="en-US" sz="900" b="1" dirty="0">
+                <a:solidFill>
+                  <a:schemeClr val="bg1"/>
+                </a:solidFill>
+                <a:latin typeface="Tahoma" panose="020B0604030504040204" pitchFamily="34" charset="0"/>
+                <a:ea typeface="Tahoma" panose="020B0604030504040204" pitchFamily="34" charset="0"/>
+                <a:cs typeface="Tahoma" panose="020B0604030504040204" pitchFamily="34" charset="0"/>
+              </a:endParaRPr>
+            </a:p>
+          </p:txBody>
+        </p:sp>
+        <p:sp>
+          <p:nvSpPr>
+            <p:cNvPr id="65" name="Rounded Rectangle 64"/>
+            <p:cNvSpPr/>
+            <p:nvPr/>
+          </p:nvSpPr>
+          <p:spPr>
+            <a:xfrm>
+              <a:off x="1404082" y="2660617"/>
+              <a:ext cx="1143000" cy="274320"/>
+            </a:xfrm>
+            <a:prstGeom prst="roundRect">
+              <a:avLst/>
+            </a:prstGeom>
+            <a:solidFill>
+              <a:srgbClr val="00B0F0"/>
+            </a:solidFill>
+            <a:ln>
+              <a:noFill/>
+            </a:ln>
+          </p:spPr>
+          <p:style>
+            <a:lnRef idx="2">
+              <a:schemeClr val="accent1">
+                <a:shade val="50000"/>
+              </a:schemeClr>
+            </a:lnRef>
+            <a:fillRef idx="1">
+              <a:schemeClr val="accent1"/>
+            </a:fillRef>
+            <a:effectRef idx="0">
+              <a:schemeClr val="accent1"/>
+            </a:effectRef>
+            <a:fontRef idx="minor">
+              <a:schemeClr val="lt1"/>
+            </a:fontRef>
+          </p:style>
+          <p:txBody>
+            <a:bodyPr rot="0" spcFirstLastPara="0" vertOverflow="overflow" horzOverflow="overflow" vert="horz" wrap="square" lIns="51435" tIns="25718" rIns="51435" bIns="25718" numCol="1" spcCol="0" rtlCol="0" fromWordArt="0" anchor="ctr" anchorCtr="0" forceAA="0" compatLnSpc="1">
+              <a:prstTxWarp prst="textNoShape">
+                <a:avLst/>
+              </a:prstTxWarp>
+              <a:noAutofit/>
+            </a:bodyPr>
+            <a:lstStyle/>
+            <a:p>
+              <a:pPr algn="ctr"/>
+              <a:r>
+                <a:rPr lang="en-US" sz="900" b="1" dirty="0" smtClean="0">
+                  <a:solidFill>
+                    <a:schemeClr val="bg1"/>
+                  </a:solidFill>
+                  <a:latin typeface="Tahoma" panose="020B0604030504040204" pitchFamily="34" charset="0"/>
+                  <a:ea typeface="Tahoma" panose="020B0604030504040204" pitchFamily="34" charset="0"/>
+                  <a:cs typeface="Tahoma" panose="020B0604030504040204" pitchFamily="34" charset="0"/>
+                </a:rPr>
+                <a:t>PPM (bin=3)</a:t>
+              </a:r>
+              <a:endParaRPr lang="en-US" sz="900" b="1" dirty="0">
+                <a:solidFill>
+                  <a:schemeClr val="bg1"/>
+                </a:solidFill>
+                <a:latin typeface="Tahoma" panose="020B0604030504040204" pitchFamily="34" charset="0"/>
+                <a:ea typeface="Tahoma" panose="020B0604030504040204" pitchFamily="34" charset="0"/>
+                <a:cs typeface="Tahoma" panose="020B0604030504040204" pitchFamily="34" charset="0"/>
+              </a:endParaRPr>
+            </a:p>
+          </p:txBody>
+        </p:sp>
+        <p:sp>
+          <p:nvSpPr>
+            <p:cNvPr id="66" name="Rounded Rectangle 65"/>
+            <p:cNvSpPr/>
+            <p:nvPr/>
+          </p:nvSpPr>
+          <p:spPr>
+            <a:xfrm>
+              <a:off x="1404082" y="3196524"/>
+              <a:ext cx="1143000" cy="274320"/>
+            </a:xfrm>
+            <a:prstGeom prst="roundRect">
+              <a:avLst/>
+            </a:prstGeom>
+            <a:solidFill>
+              <a:srgbClr val="00B050"/>
+            </a:solidFill>
+            <a:ln>
+              <a:noFill/>
+            </a:ln>
+          </p:spPr>
+          <p:style>
+            <a:lnRef idx="2">
+              <a:schemeClr val="accent1">
+                <a:shade val="50000"/>
+              </a:schemeClr>
+            </a:lnRef>
+            <a:fillRef idx="1">
+              <a:schemeClr val="accent1"/>
+            </a:fillRef>
+            <a:effectRef idx="0">
+              <a:schemeClr val="accent1"/>
+            </a:effectRef>
+            <a:fontRef idx="minor">
+              <a:schemeClr val="lt1"/>
+            </a:fontRef>
+          </p:style>
+          <p:txBody>
+            <a:bodyPr rot="0" spcFirstLastPara="0" vertOverflow="overflow" horzOverflow="overflow" vert="horz" wrap="square" lIns="51435" tIns="25718" rIns="51435" bIns="25718" numCol="1" spcCol="0" rtlCol="0" fromWordArt="0" anchor="ctr" anchorCtr="0" forceAA="0" compatLnSpc="1">
+              <a:prstTxWarp prst="textNoShape">
+                <a:avLst/>
+              </a:prstTxWarp>
+              <a:noAutofit/>
+            </a:bodyPr>
+            <a:lstStyle/>
+            <a:p>
+              <a:pPr algn="ctr"/>
+              <a:r>
+                <a:rPr lang="en-US" sz="900" b="1" dirty="0" smtClean="0">
+                  <a:solidFill>
+                    <a:schemeClr val="bg1"/>
+                  </a:solidFill>
+                  <a:latin typeface="Tahoma" panose="020B0604030504040204" pitchFamily="34" charset="0"/>
+                  <a:ea typeface="Tahoma" panose="020B0604030504040204" pitchFamily="34" charset="0"/>
+                  <a:cs typeface="Tahoma" panose="020B0604030504040204" pitchFamily="34" charset="0"/>
+                </a:rPr>
+                <a:t>PPM (bin=6)</a:t>
+              </a:r>
+              <a:endParaRPr lang="en-US" sz="900" b="1" dirty="0">
+                <a:solidFill>
+                  <a:schemeClr val="bg1"/>
+                </a:solidFill>
+                <a:latin typeface="Tahoma" panose="020B0604030504040204" pitchFamily="34" charset="0"/>
+                <a:ea typeface="Tahoma" panose="020B0604030504040204" pitchFamily="34" charset="0"/>
+                <a:cs typeface="Tahoma" panose="020B0604030504040204" pitchFamily="34" charset="0"/>
+              </a:endParaRPr>
+            </a:p>
+          </p:txBody>
+        </p:sp>
+      </p:grpSp>
+      <p:cxnSp>
+        <p:nvCxnSpPr>
+          <p:cNvPr id="9" name="Elbow Connector 8"/>
+          <p:cNvCxnSpPr>
+            <a:stCxn id="61" idx="3"/>
+            <a:endCxn id="62" idx="1"/>
+          </p:cNvCxnSpPr>
+          <p:nvPr/>
+        </p:nvCxnSpPr>
+        <p:spPr>
+          <a:xfrm flipV="1">
+            <a:off x="754380" y="1450862"/>
+            <a:ext cx="903702" cy="928056"/>
+          </a:xfrm>
+          <a:prstGeom prst="bentConnector3">
+            <a:avLst/>
+          </a:prstGeom>
+          <a:ln>
+            <a:solidFill>
+              <a:schemeClr val="tx1"/>
+            </a:solidFill>
+            <a:tailEnd type="triangle"/>
+          </a:ln>
+        </p:spPr>
+        <p:style>
+          <a:lnRef idx="1">
+            <a:schemeClr val="accent1"/>
+          </a:lnRef>
+          <a:fillRef idx="0">
+            <a:schemeClr val="accent1"/>
+          </a:fillRef>
+          <a:effectRef idx="0">
+            <a:schemeClr val="accent1"/>
+          </a:effectRef>
+          <a:fontRef idx="minor">
+            <a:schemeClr val="tx1"/>
+          </a:fontRef>
+        </p:style>
+      </p:cxnSp>
+      <p:cxnSp>
+        <p:nvCxnSpPr>
+          <p:cNvPr id="69" name="Elbow Connector 68"/>
+          <p:cNvCxnSpPr>
+            <a:stCxn id="61" idx="3"/>
+            <a:endCxn id="64" idx="1"/>
+          </p:cNvCxnSpPr>
+          <p:nvPr/>
+        </p:nvCxnSpPr>
+        <p:spPr>
+          <a:xfrm flipV="1">
+            <a:off x="754380" y="1963179"/>
+            <a:ext cx="903702" cy="415739"/>
+          </a:xfrm>
+          <a:prstGeom prst="bentConnector3">
+            <a:avLst>
+              <a:gd name="adj1" fmla="val 50000"/>
+            </a:avLst>
+          </a:prstGeom>
+          <a:ln>
+            <a:solidFill>
+              <a:schemeClr val="tx1"/>
+            </a:solidFill>
+            <a:tailEnd type="triangle"/>
+          </a:ln>
+        </p:spPr>
+        <p:style>
+          <a:lnRef idx="1">
+            <a:schemeClr val="accent1"/>
+          </a:lnRef>
+          <a:fillRef idx="0">
+            <a:schemeClr val="accent1"/>
+          </a:fillRef>
+          <a:effectRef idx="0">
+            <a:schemeClr val="accent1"/>
+          </a:effectRef>
+          <a:fontRef idx="minor">
+            <a:schemeClr val="tx1"/>
+          </a:fontRef>
+        </p:style>
+      </p:cxnSp>
+      <p:cxnSp>
+        <p:nvCxnSpPr>
+          <p:cNvPr id="74" name="Elbow Connector 73"/>
+          <p:cNvCxnSpPr>
+            <a:stCxn id="61" idx="3"/>
+            <a:endCxn id="66" idx="1"/>
+          </p:cNvCxnSpPr>
+          <p:nvPr/>
+        </p:nvCxnSpPr>
+        <p:spPr>
+          <a:xfrm>
+            <a:off x="754380" y="2378918"/>
+            <a:ext cx="903702" cy="954766"/>
+          </a:xfrm>
+          <a:prstGeom prst="bentConnector3">
+            <a:avLst>
+              <a:gd name="adj1" fmla="val 50000"/>
+            </a:avLst>
+          </a:prstGeom>
+          <a:ln>
+            <a:solidFill>
+              <a:schemeClr val="tx1"/>
+            </a:solidFill>
+            <a:tailEnd type="triangle"/>
+          </a:ln>
+        </p:spPr>
+        <p:style>
+          <a:lnRef idx="1">
+            <a:schemeClr val="accent1"/>
+          </a:lnRef>
+          <a:fillRef idx="0">
+            <a:schemeClr val="accent1"/>
+          </a:fillRef>
+          <a:effectRef idx="0">
+            <a:schemeClr val="accent1"/>
+          </a:effectRef>
+          <a:fontRef idx="minor">
+            <a:schemeClr val="tx1"/>
+          </a:fontRef>
+        </p:style>
+      </p:cxnSp>
+      <p:cxnSp>
+        <p:nvCxnSpPr>
+          <p:cNvPr id="78" name="Elbow Connector 77"/>
+          <p:cNvCxnSpPr>
+            <a:stCxn id="61" idx="3"/>
+            <a:endCxn id="65" idx="1"/>
+          </p:cNvCxnSpPr>
+          <p:nvPr/>
+        </p:nvCxnSpPr>
+        <p:spPr>
+          <a:xfrm>
+            <a:off x="754380" y="2378918"/>
+            <a:ext cx="903702" cy="418859"/>
+          </a:xfrm>
+          <a:prstGeom prst="bentConnector3">
+            <a:avLst>
+              <a:gd name="adj1" fmla="val 50000"/>
+            </a:avLst>
+          </a:prstGeom>
+          <a:ln>
+            <a:solidFill>
+              <a:schemeClr val="tx1"/>
+            </a:solidFill>
+            <a:tailEnd type="triangle"/>
+          </a:ln>
+        </p:spPr>
+        <p:style>
+          <a:lnRef idx="1">
+            <a:schemeClr val="accent1"/>
+          </a:lnRef>
+          <a:fillRef idx="0">
+            <a:schemeClr val="accent1"/>
+          </a:fillRef>
+          <a:effectRef idx="0">
+            <a:schemeClr val="accent1"/>
+          </a:effectRef>
+          <a:fontRef idx="minor">
+            <a:schemeClr val="tx1"/>
+          </a:fontRef>
+        </p:style>
+      </p:cxnSp>
+      <p:cxnSp>
+        <p:nvCxnSpPr>
+          <p:cNvPr id="116" name="Straight Arrow Connector 115"/>
+          <p:cNvCxnSpPr>
+            <a:stCxn id="113" idx="2"/>
+            <a:endCxn id="173" idx="0"/>
+          </p:cNvCxnSpPr>
+          <p:nvPr/>
+        </p:nvCxnSpPr>
+        <p:spPr>
+          <a:xfrm>
+            <a:off x="5060386" y="4104482"/>
+            <a:ext cx="0" cy="349425"/>
+          </a:xfrm>
+          <a:prstGeom prst="straightConnector1">
+            <a:avLst/>
+          </a:prstGeom>
+          <a:ln>
+            <a:solidFill>
+              <a:schemeClr val="tx1"/>
+            </a:solidFill>
+            <a:tailEnd type="triangle"/>
+          </a:ln>
+        </p:spPr>
+        <p:style>
+          <a:lnRef idx="1">
+            <a:schemeClr val="accent1"/>
+          </a:lnRef>
+          <a:fillRef idx="0">
+            <a:schemeClr val="accent1"/>
+          </a:fillRef>
+          <a:effectRef idx="0">
+            <a:schemeClr val="accent1"/>
+          </a:effectRef>
+          <a:fontRef idx="minor">
+            <a:schemeClr val="tx1"/>
+          </a:fontRef>
+        </p:style>
+      </p:cxnSp>
+      <p:grpSp>
+        <p:nvGrpSpPr>
+          <p:cNvPr id="161" name="Group 160"/>
+          <p:cNvGrpSpPr/>
+          <p:nvPr/>
+        </p:nvGrpSpPr>
+        <p:grpSpPr>
+          <a:xfrm>
+            <a:off x="4260286" y="2240130"/>
+            <a:ext cx="1600200" cy="1864352"/>
+            <a:chOff x="4008826" y="2240130"/>
+            <a:chExt cx="1600200" cy="1864352"/>
+          </a:xfrm>
+        </p:grpSpPr>
+        <p:sp>
+          <p:nvSpPr>
+            <p:cNvPr id="121" name="Rounded Rectangle 120"/>
+            <p:cNvSpPr/>
+            <p:nvPr/>
+          </p:nvSpPr>
+          <p:spPr>
+            <a:xfrm>
+              <a:off x="4008826" y="2240130"/>
+              <a:ext cx="1600200" cy="274320"/>
+            </a:xfrm>
+            <a:prstGeom prst="roundRect">
+              <a:avLst/>
+            </a:prstGeom>
+            <a:solidFill>
+              <a:schemeClr val="accent4">
+                <a:lumMod val="20000"/>
+                <a:lumOff val="80000"/>
+              </a:schemeClr>
+            </a:solidFill>
+            <a:ln>
+              <a:solidFill>
+                <a:schemeClr val="bg1">
+                  <a:lumMod val="75000"/>
+                </a:schemeClr>
+              </a:solidFill>
+            </a:ln>
+          </p:spPr>
+          <p:style>
+            <a:lnRef idx="2">
+              <a:schemeClr val="accent1">
+                <a:shade val="50000"/>
+              </a:schemeClr>
+            </a:lnRef>
+            <a:fillRef idx="1">
+              <a:schemeClr val="accent1"/>
+            </a:fillRef>
+            <a:effectRef idx="0">
+              <a:schemeClr val="accent1"/>
+            </a:effectRef>
+            <a:fontRef idx="minor">
+              <a:schemeClr val="lt1"/>
+            </a:fontRef>
+          </p:style>
+          <p:txBody>
+            <a:bodyPr rot="0" spcFirstLastPara="0" vertOverflow="overflow" horzOverflow="overflow" vert="horz" wrap="square" lIns="51435" tIns="25718" rIns="51435" bIns="25718" numCol="1" spcCol="0" rtlCol="0" fromWordArt="0" anchor="ctr" anchorCtr="0" forceAA="0" compatLnSpc="1">
+              <a:prstTxWarp prst="textNoShape">
+                <a:avLst/>
+              </a:prstTxWarp>
+              <a:noAutofit/>
+            </a:bodyPr>
+            <a:lstStyle/>
+            <a:p>
+              <a:pPr algn="ctr"/>
+              <a:r>
+                <a:rPr lang="en-US" sz="900" b="1" dirty="0" smtClean="0">
+                  <a:solidFill>
+                    <a:schemeClr val="accent1">
+                      <a:lumMod val="50000"/>
+                    </a:schemeClr>
+                  </a:solidFill>
+                  <a:latin typeface="Tahoma" panose="020B0604030504040204" pitchFamily="34" charset="0"/>
+                  <a:ea typeface="Tahoma" panose="020B0604030504040204" pitchFamily="34" charset="0"/>
+                  <a:cs typeface="Tahoma" panose="020B0604030504040204" pitchFamily="34" charset="0"/>
+                </a:rPr>
+                <a:t>Conv2d(4096, 512, </a:t>
+              </a:r>
+              <a:r>
+                <a:rPr lang="en-US" sz="900" b="1" dirty="0" smtClean="0">
+                  <a:solidFill>
+                    <a:schemeClr val="accent1">
+                      <a:lumMod val="50000"/>
+                    </a:schemeClr>
+                  </a:solidFill>
+                  <a:latin typeface="Tahoma" panose="020B0604030504040204" pitchFamily="34" charset="0"/>
+                  <a:ea typeface="Tahoma" panose="020B0604030504040204" pitchFamily="34" charset="0"/>
+                  <a:cs typeface="Tahoma" panose="020B0604030504040204" pitchFamily="34" charset="0"/>
+                </a:rPr>
+                <a:t>3)</a:t>
+              </a:r>
+              <a:endParaRPr lang="en-US" sz="900" b="1" dirty="0">
+                <a:solidFill>
+                  <a:schemeClr val="accent1">
+                    <a:lumMod val="50000"/>
+                  </a:schemeClr>
+                </a:solidFill>
+                <a:latin typeface="Tahoma" panose="020B0604030504040204" pitchFamily="34" charset="0"/>
+                <a:ea typeface="Tahoma" panose="020B0604030504040204" pitchFamily="34" charset="0"/>
+                <a:cs typeface="Tahoma" panose="020B0604030504040204" pitchFamily="34" charset="0"/>
+              </a:endParaRPr>
+            </a:p>
+          </p:txBody>
+        </p:sp>
+        <p:sp>
+          <p:nvSpPr>
+            <p:cNvPr id="122" name="Rounded Rectangle 121"/>
+            <p:cNvSpPr/>
+            <p:nvPr/>
+          </p:nvSpPr>
+          <p:spPr>
+            <a:xfrm>
+              <a:off x="4008826" y="2770141"/>
+              <a:ext cx="1600200" cy="274320"/>
+            </a:xfrm>
+            <a:prstGeom prst="roundRect">
+              <a:avLst/>
+            </a:prstGeom>
+            <a:solidFill>
+              <a:schemeClr val="accent4">
+                <a:lumMod val="20000"/>
+                <a:lumOff val="80000"/>
+              </a:schemeClr>
+            </a:solidFill>
+            <a:ln>
+              <a:solidFill>
+                <a:schemeClr val="bg1">
+                  <a:lumMod val="75000"/>
+                </a:schemeClr>
+              </a:solidFill>
+            </a:ln>
+          </p:spPr>
+          <p:style>
+            <a:lnRef idx="2">
+              <a:schemeClr val="accent1">
+                <a:shade val="50000"/>
+              </a:schemeClr>
+            </a:lnRef>
+            <a:fillRef idx="1">
+              <a:schemeClr val="accent1"/>
+            </a:fillRef>
+            <a:effectRef idx="0">
+              <a:schemeClr val="accent1"/>
+            </a:effectRef>
+            <a:fontRef idx="minor">
+              <a:schemeClr val="lt1"/>
+            </a:fontRef>
+          </p:style>
+          <p:txBody>
+            <a:bodyPr rot="0" spcFirstLastPara="0" vertOverflow="overflow" horzOverflow="overflow" vert="horz" wrap="square" lIns="51435" tIns="25718" rIns="51435" bIns="25718" numCol="1" spcCol="0" rtlCol="0" fromWordArt="0" anchor="ctr" anchorCtr="0" forceAA="0" compatLnSpc="1">
+              <a:prstTxWarp prst="textNoShape">
+                <a:avLst/>
+              </a:prstTxWarp>
+              <a:noAutofit/>
+            </a:bodyPr>
+            <a:lstStyle/>
+            <a:p>
+              <a:pPr algn="ctr"/>
+              <a:r>
+                <a:rPr lang="en-US" sz="900" b="1" dirty="0" smtClean="0">
+                  <a:solidFill>
+                    <a:schemeClr val="accent1">
+                      <a:lumMod val="50000"/>
+                    </a:schemeClr>
+                  </a:solidFill>
+                  <a:latin typeface="Tahoma" panose="020B0604030504040204" pitchFamily="34" charset="0"/>
+                  <a:ea typeface="Tahoma" panose="020B0604030504040204" pitchFamily="34" charset="0"/>
+                  <a:cs typeface="Tahoma" panose="020B0604030504040204" pitchFamily="34" charset="0"/>
+                </a:rPr>
+                <a:t>BatchNorm2d(512)</a:t>
+              </a:r>
+              <a:endParaRPr lang="en-US" sz="900" b="1" dirty="0">
+                <a:solidFill>
+                  <a:schemeClr val="accent1">
+                    <a:lumMod val="50000"/>
+                  </a:schemeClr>
+                </a:solidFill>
+                <a:latin typeface="Tahoma" panose="020B0604030504040204" pitchFamily="34" charset="0"/>
+                <a:ea typeface="Tahoma" panose="020B0604030504040204" pitchFamily="34" charset="0"/>
+                <a:cs typeface="Tahoma" panose="020B0604030504040204" pitchFamily="34" charset="0"/>
+              </a:endParaRPr>
+            </a:p>
+          </p:txBody>
+        </p:sp>
+        <p:sp>
+          <p:nvSpPr>
+            <p:cNvPr id="123" name="Rounded Rectangle 122"/>
+            <p:cNvSpPr/>
+            <p:nvPr/>
+          </p:nvSpPr>
+          <p:spPr>
+            <a:xfrm>
+              <a:off x="4008826" y="3300152"/>
+              <a:ext cx="1600200" cy="274320"/>
+            </a:xfrm>
+            <a:prstGeom prst="roundRect">
+              <a:avLst/>
+            </a:prstGeom>
+            <a:solidFill>
+              <a:schemeClr val="accent4">
+                <a:lumMod val="20000"/>
+                <a:lumOff val="80000"/>
+              </a:schemeClr>
+            </a:solidFill>
+            <a:ln>
+              <a:solidFill>
+                <a:schemeClr val="bg1">
+                  <a:lumMod val="75000"/>
+                </a:schemeClr>
+              </a:solidFill>
+            </a:ln>
+          </p:spPr>
+          <p:style>
+            <a:lnRef idx="2">
+              <a:schemeClr val="accent1">
+                <a:shade val="50000"/>
+              </a:schemeClr>
+            </a:lnRef>
+            <a:fillRef idx="1">
+              <a:schemeClr val="accent1"/>
+            </a:fillRef>
+            <a:effectRef idx="0">
+              <a:schemeClr val="accent1"/>
+            </a:effectRef>
+            <a:fontRef idx="minor">
+              <a:schemeClr val="lt1"/>
+            </a:fontRef>
+          </p:style>
+          <p:txBody>
+            <a:bodyPr rot="0" spcFirstLastPara="0" vertOverflow="overflow" horzOverflow="overflow" vert="horz" wrap="square" lIns="51435" tIns="25718" rIns="51435" bIns="25718" numCol="1" spcCol="0" rtlCol="0" fromWordArt="0" anchor="ctr" anchorCtr="0" forceAA="0" compatLnSpc="1">
+              <a:prstTxWarp prst="textNoShape">
+                <a:avLst/>
+              </a:prstTxWarp>
+              <a:noAutofit/>
+            </a:bodyPr>
+            <a:lstStyle/>
+            <a:p>
+              <a:pPr algn="ctr"/>
+              <a:r>
+                <a:rPr lang="en-US" sz="900" b="1" dirty="0" smtClean="0">
+                  <a:solidFill>
+                    <a:schemeClr val="accent1">
+                      <a:lumMod val="50000"/>
+                    </a:schemeClr>
+                  </a:solidFill>
+                  <a:latin typeface="Tahoma" panose="020B0604030504040204" pitchFamily="34" charset="0"/>
+                  <a:ea typeface="Tahoma" panose="020B0604030504040204" pitchFamily="34" charset="0"/>
+                  <a:cs typeface="Tahoma" panose="020B0604030504040204" pitchFamily="34" charset="0"/>
+                </a:rPr>
+                <a:t>ReLU Activation</a:t>
+              </a:r>
+              <a:endParaRPr lang="en-US" sz="900" b="1" dirty="0">
+                <a:solidFill>
+                  <a:schemeClr val="accent1">
+                    <a:lumMod val="50000"/>
+                  </a:schemeClr>
+                </a:solidFill>
+                <a:latin typeface="Tahoma" panose="020B0604030504040204" pitchFamily="34" charset="0"/>
+                <a:ea typeface="Tahoma" panose="020B0604030504040204" pitchFamily="34" charset="0"/>
+                <a:cs typeface="Tahoma" panose="020B0604030504040204" pitchFamily="34" charset="0"/>
+              </a:endParaRPr>
+            </a:p>
+          </p:txBody>
+        </p:sp>
+        <p:cxnSp>
+          <p:nvCxnSpPr>
+            <p:cNvPr id="124" name="Straight Arrow Connector 123"/>
+            <p:cNvCxnSpPr>
+              <a:stCxn id="121" idx="2"/>
+              <a:endCxn id="122" idx="0"/>
+            </p:cNvCxnSpPr>
+            <p:nvPr/>
+          </p:nvCxnSpPr>
+          <p:spPr>
+            <a:xfrm>
+              <a:off x="4808926" y="2514450"/>
+              <a:ext cx="0" cy="255691"/>
+            </a:xfrm>
+            <a:prstGeom prst="straightConnector1">
+              <a:avLst/>
+            </a:prstGeom>
+            <a:ln>
+              <a:solidFill>
+                <a:schemeClr val="tx1"/>
+              </a:solidFill>
+              <a:tailEnd type="triangle"/>
+            </a:ln>
+          </p:spPr>
+          <p:style>
+            <a:lnRef idx="1">
+              <a:schemeClr val="accent1"/>
+            </a:lnRef>
+            <a:fillRef idx="0">
+              <a:schemeClr val="accent1"/>
+            </a:fillRef>
+            <a:effectRef idx="0">
+              <a:schemeClr val="accent1"/>
+            </a:effectRef>
+            <a:fontRef idx="minor">
+              <a:schemeClr val="tx1"/>
+            </a:fontRef>
+          </p:style>
+        </p:cxnSp>
+        <p:cxnSp>
+          <p:nvCxnSpPr>
+            <p:cNvPr id="125" name="Straight Arrow Connector 124"/>
+            <p:cNvCxnSpPr>
+              <a:stCxn id="122" idx="2"/>
+              <a:endCxn id="123" idx="0"/>
+            </p:cNvCxnSpPr>
+            <p:nvPr/>
+          </p:nvCxnSpPr>
+          <p:spPr>
+            <a:xfrm>
+              <a:off x="4808926" y="3044461"/>
+              <a:ext cx="0" cy="255691"/>
+            </a:xfrm>
+            <a:prstGeom prst="straightConnector1">
+              <a:avLst/>
+            </a:prstGeom>
+            <a:ln>
+              <a:solidFill>
+                <a:schemeClr val="tx1"/>
+              </a:solidFill>
+              <a:tailEnd type="triangle"/>
+            </a:ln>
+          </p:spPr>
+          <p:style>
+            <a:lnRef idx="1">
+              <a:schemeClr val="accent1"/>
+            </a:lnRef>
+            <a:fillRef idx="0">
+              <a:schemeClr val="accent1"/>
+            </a:fillRef>
+            <a:effectRef idx="0">
+              <a:schemeClr val="accent1"/>
+            </a:effectRef>
+            <a:fontRef idx="minor">
+              <a:schemeClr val="tx1"/>
+            </a:fontRef>
+          </p:style>
+        </p:cxnSp>
+        <p:sp>
+          <p:nvSpPr>
+            <p:cNvPr id="113" name="Rounded Rectangle 112"/>
+            <p:cNvSpPr/>
+            <p:nvPr/>
+          </p:nvSpPr>
+          <p:spPr>
+            <a:xfrm>
+              <a:off x="4008826" y="3830162"/>
+              <a:ext cx="1600200" cy="274320"/>
+            </a:xfrm>
+            <a:prstGeom prst="roundRect">
+              <a:avLst/>
+            </a:prstGeom>
+            <a:solidFill>
+              <a:schemeClr val="accent4">
+                <a:lumMod val="20000"/>
+                <a:lumOff val="80000"/>
+              </a:schemeClr>
+            </a:solidFill>
+            <a:ln>
+              <a:solidFill>
+                <a:schemeClr val="bg1">
+                  <a:lumMod val="75000"/>
+                </a:schemeClr>
+              </a:solidFill>
+            </a:ln>
+          </p:spPr>
+          <p:style>
+            <a:lnRef idx="2">
+              <a:schemeClr val="accent1">
+                <a:shade val="50000"/>
+              </a:schemeClr>
+            </a:lnRef>
+            <a:fillRef idx="1">
+              <a:schemeClr val="accent1"/>
+            </a:fillRef>
+            <a:effectRef idx="0">
+              <a:schemeClr val="accent1"/>
+            </a:effectRef>
+            <a:fontRef idx="minor">
+              <a:schemeClr val="lt1"/>
+            </a:fontRef>
+          </p:style>
+          <p:txBody>
+            <a:bodyPr rot="0" spcFirstLastPara="0" vertOverflow="overflow" horzOverflow="overflow" vert="horz" wrap="square" lIns="51435" tIns="25718" rIns="51435" bIns="25718" numCol="1" spcCol="0" rtlCol="0" fromWordArt="0" anchor="ctr" anchorCtr="0" forceAA="0" compatLnSpc="1">
+              <a:prstTxWarp prst="textNoShape">
+                <a:avLst/>
+              </a:prstTxWarp>
+              <a:noAutofit/>
+            </a:bodyPr>
+            <a:lstStyle/>
+            <a:p>
+              <a:pPr algn="ctr"/>
+              <a:r>
+                <a:rPr lang="en-US" sz="900" b="1" dirty="0" smtClean="0">
+                  <a:solidFill>
+                    <a:schemeClr val="accent1">
+                      <a:lumMod val="50000"/>
+                    </a:schemeClr>
+                  </a:solidFill>
+                  <a:latin typeface="Tahoma" panose="020B0604030504040204" pitchFamily="34" charset="0"/>
+                  <a:ea typeface="Tahoma" panose="020B0604030504040204" pitchFamily="34" charset="0"/>
+                  <a:cs typeface="Tahoma" panose="020B0604030504040204" pitchFamily="34" charset="0"/>
+                </a:rPr>
+                <a:t>Conv2d(512, 3, </a:t>
+              </a:r>
+              <a:r>
+                <a:rPr lang="en-US" sz="900" b="1" dirty="0" smtClean="0">
+                  <a:solidFill>
+                    <a:schemeClr val="accent1">
+                      <a:lumMod val="50000"/>
+                    </a:schemeClr>
+                  </a:solidFill>
+                  <a:latin typeface="Tahoma" panose="020B0604030504040204" pitchFamily="34" charset="0"/>
+                  <a:ea typeface="Tahoma" panose="020B0604030504040204" pitchFamily="34" charset="0"/>
+                  <a:cs typeface="Tahoma" panose="020B0604030504040204" pitchFamily="34" charset="0"/>
+                </a:rPr>
+                <a:t>3)</a:t>
+              </a:r>
+              <a:endParaRPr lang="en-US" sz="900" b="1" dirty="0">
+                <a:solidFill>
+                  <a:schemeClr val="accent1">
+                    <a:lumMod val="50000"/>
+                  </a:schemeClr>
+                </a:solidFill>
+                <a:latin typeface="Tahoma" panose="020B0604030504040204" pitchFamily="34" charset="0"/>
+                <a:ea typeface="Tahoma" panose="020B0604030504040204" pitchFamily="34" charset="0"/>
+                <a:cs typeface="Tahoma" panose="020B0604030504040204" pitchFamily="34" charset="0"/>
+              </a:endParaRPr>
+            </a:p>
+          </p:txBody>
+        </p:sp>
+        <p:cxnSp>
+          <p:nvCxnSpPr>
+            <p:cNvPr id="109" name="Straight Arrow Connector 108"/>
+            <p:cNvCxnSpPr>
+              <a:stCxn id="123" idx="2"/>
+              <a:endCxn id="113" idx="0"/>
+            </p:cNvCxnSpPr>
+            <p:nvPr/>
+          </p:nvCxnSpPr>
+          <p:spPr>
+            <a:xfrm>
+              <a:off x="4808926" y="3574472"/>
+              <a:ext cx="0" cy="255690"/>
+            </a:xfrm>
+            <a:prstGeom prst="straightConnector1">
+              <a:avLst/>
+            </a:prstGeom>
+            <a:ln>
+              <a:solidFill>
+                <a:schemeClr val="tx1"/>
+              </a:solidFill>
+              <a:tailEnd type="triangle"/>
+            </a:ln>
+          </p:spPr>
+          <p:style>
+            <a:lnRef idx="1">
+              <a:schemeClr val="accent1"/>
+            </a:lnRef>
+            <a:fillRef idx="0">
+              <a:schemeClr val="accent1"/>
+            </a:fillRef>
+            <a:effectRef idx="0">
+              <a:schemeClr val="accent1"/>
+            </a:effectRef>
+            <a:fontRef idx="minor">
+              <a:schemeClr val="tx1"/>
+            </a:fontRef>
+          </p:style>
+        </p:cxnSp>
+      </p:grpSp>
+      <p:grpSp>
+        <p:nvGrpSpPr>
+          <p:cNvPr id="167" name="Group 166"/>
+          <p:cNvGrpSpPr/>
+          <p:nvPr/>
+        </p:nvGrpSpPr>
+        <p:grpSpPr>
+          <a:xfrm>
+            <a:off x="4131309" y="2164899"/>
+            <a:ext cx="2218968" cy="2031677"/>
+            <a:chOff x="3879849" y="2164899"/>
+            <a:chExt cx="2218968" cy="2031677"/>
+          </a:xfrm>
+        </p:grpSpPr>
+        <p:sp>
+          <p:nvSpPr>
+            <p:cNvPr id="176" name="TextBox 175"/>
+            <p:cNvSpPr txBox="1"/>
+            <p:nvPr/>
+          </p:nvSpPr>
+          <p:spPr>
+            <a:xfrm rot="5400000">
+              <a:off x="5173712" y="3026849"/>
+              <a:ext cx="1542434" cy="307777"/>
+            </a:xfrm>
+            <a:prstGeom prst="rect">
+              <a:avLst/>
+            </a:prstGeom>
+            <a:noFill/>
+          </p:spPr>
+          <p:txBody>
+            <a:bodyPr wrap="square" rtlCol="0">
+              <a:spAutoFit/>
+            </a:bodyPr>
+            <a:lstStyle/>
+            <a:p>
+              <a:pPr algn="ctr"/>
+              <a:r>
+                <a:rPr lang="en-US" sz="1400" dirty="0" smtClean="0">
+                  <a:solidFill>
+                    <a:srgbClr val="0070C0"/>
+                  </a:solidFill>
+                  <a:latin typeface="Tahoma" panose="020B0604030504040204" pitchFamily="34" charset="0"/>
+                  <a:ea typeface="Tahoma" panose="020B0604030504040204" pitchFamily="34" charset="0"/>
+                  <a:cs typeface="Tahoma" panose="020B0604030504040204" pitchFamily="34" charset="0"/>
+                </a:rPr>
+                <a:t>CLASSIFIER</a:t>
+              </a:r>
+              <a:endParaRPr lang="en-US" sz="1400" dirty="0">
+                <a:solidFill>
+                  <a:srgbClr val="0070C0"/>
+                </a:solidFill>
+                <a:latin typeface="Tahoma" panose="020B0604030504040204" pitchFamily="34" charset="0"/>
+                <a:ea typeface="Tahoma" panose="020B0604030504040204" pitchFamily="34" charset="0"/>
+                <a:cs typeface="Tahoma" panose="020B0604030504040204" pitchFamily="34" charset="0"/>
+              </a:endParaRPr>
+            </a:p>
+          </p:txBody>
+        </p:sp>
+        <p:sp>
+          <p:nvSpPr>
+            <p:cNvPr id="126" name="Rectangle 125"/>
+            <p:cNvSpPr/>
+            <p:nvPr/>
+          </p:nvSpPr>
+          <p:spPr>
+            <a:xfrm>
+              <a:off x="3879849" y="2164899"/>
+              <a:ext cx="1849697" cy="2031677"/>
+            </a:xfrm>
+            <a:prstGeom prst="rect">
+              <a:avLst/>
+            </a:prstGeom>
+            <a:noFill/>
+            <a:ln w="19050">
+              <a:solidFill>
+                <a:srgbClr val="0070C0"/>
+              </a:solidFill>
+            </a:ln>
+          </p:spPr>
+          <p:style>
+            <a:lnRef idx="2">
+              <a:schemeClr val="accent1">
+                <a:shade val="50000"/>
+              </a:schemeClr>
+            </a:lnRef>
+            <a:fillRef idx="1">
+              <a:schemeClr val="accent1"/>
+            </a:fillRef>
+            <a:effectRef idx="0">
+              <a:schemeClr val="accent1"/>
+            </a:effectRef>
+            <a:fontRef idx="minor">
+              <a:schemeClr val="lt1"/>
+            </a:fontRef>
+          </p:style>
+          <p:txBody>
+            <a:bodyPr rtlCol="0" anchor="ctr"/>
+            <a:lstStyle/>
+            <a:p>
+              <a:pPr algn="ctr"/>
+              <a:endParaRPr lang="en-US"/>
+            </a:p>
+          </p:txBody>
+        </p:sp>
+      </p:grpSp>
+      <p:sp>
+        <p:nvSpPr>
+          <p:cNvPr id="88" name="Rectangle 87"/>
+          <p:cNvSpPr/>
+          <p:nvPr/>
+        </p:nvSpPr>
+        <p:spPr>
+          <a:xfrm>
+            <a:off x="3077897" y="2264658"/>
+            <a:ext cx="228600" cy="228600"/>
+          </a:xfrm>
+          <a:prstGeom prst="rect">
+            <a:avLst/>
+          </a:prstGeom>
+          <a:noFill/>
+          <a:ln>
+            <a:solidFill>
+              <a:schemeClr val="tx1"/>
+            </a:solidFill>
+          </a:ln>
+        </p:spPr>
+        <p:style>
+          <a:lnRef idx="2">
+            <a:schemeClr val="accent1">
+              <a:shade val="50000"/>
+            </a:schemeClr>
+          </a:lnRef>
+          <a:fillRef idx="1">
+            <a:schemeClr val="accent1"/>
+          </a:fillRef>
+          <a:effectRef idx="0">
+            <a:schemeClr val="accent1"/>
+          </a:effectRef>
+          <a:fontRef idx="minor">
+            <a:schemeClr val="lt1"/>
+          </a:fontRef>
+        </p:style>
+        <p:txBody>
+          <a:bodyPr rtlCol="0" anchor="ctr"/>
+          <a:lstStyle/>
+          <a:p>
+            <a:pPr algn="ctr"/>
+            <a:endParaRPr lang="en-US"/>
+          </a:p>
+        </p:txBody>
+      </p:sp>
+      <p:cxnSp>
+        <p:nvCxnSpPr>
+          <p:cNvPr id="95" name="Straight Arrow Connector 94"/>
+          <p:cNvCxnSpPr>
+            <a:stCxn id="61" idx="3"/>
+            <a:endCxn id="88" idx="1"/>
+          </p:cNvCxnSpPr>
+          <p:nvPr/>
+        </p:nvCxnSpPr>
+        <p:spPr>
+          <a:xfrm>
+            <a:off x="754380" y="2378918"/>
+            <a:ext cx="2323517" cy="40"/>
+          </a:xfrm>
+          <a:prstGeom prst="straightConnector1">
+            <a:avLst/>
+          </a:prstGeom>
+          <a:ln>
+            <a:solidFill>
+              <a:schemeClr val="tx1"/>
+            </a:solidFill>
+            <a:tailEnd type="triangle"/>
+          </a:ln>
+        </p:spPr>
+        <p:style>
+          <a:lnRef idx="1">
+            <a:schemeClr val="accent1"/>
+          </a:lnRef>
+          <a:fillRef idx="0">
+            <a:schemeClr val="accent1"/>
+          </a:fillRef>
+          <a:effectRef idx="0">
+            <a:schemeClr val="accent1"/>
+          </a:effectRef>
+          <a:fontRef idx="minor">
+            <a:schemeClr val="tx1"/>
+          </a:fontRef>
+        </p:style>
+      </p:cxnSp>
+      <p:cxnSp>
+        <p:nvCxnSpPr>
+          <p:cNvPr id="150" name="Elbow Connector 149"/>
+          <p:cNvCxnSpPr>
+            <a:stCxn id="62" idx="3"/>
+            <a:endCxn id="88" idx="0"/>
+          </p:cNvCxnSpPr>
+          <p:nvPr/>
+        </p:nvCxnSpPr>
+        <p:spPr>
+          <a:xfrm>
+            <a:off x="2801082" y="1450862"/>
+            <a:ext cx="391115" cy="813796"/>
+          </a:xfrm>
+          <a:prstGeom prst="bentConnector2">
+            <a:avLst/>
+          </a:prstGeom>
+          <a:ln>
+            <a:solidFill>
+              <a:schemeClr val="tx1"/>
+            </a:solidFill>
+            <a:tailEnd type="triangle"/>
+          </a:ln>
+        </p:spPr>
+        <p:style>
+          <a:lnRef idx="1">
+            <a:schemeClr val="accent1"/>
+          </a:lnRef>
+          <a:fillRef idx="0">
+            <a:schemeClr val="accent1"/>
+          </a:fillRef>
+          <a:effectRef idx="0">
+            <a:schemeClr val="accent1"/>
+          </a:effectRef>
+          <a:fontRef idx="minor">
+            <a:schemeClr val="tx1"/>
+          </a:fontRef>
+        </p:style>
+      </p:cxnSp>
+      <p:cxnSp>
+        <p:nvCxnSpPr>
+          <p:cNvPr id="152" name="Elbow Connector 151"/>
+          <p:cNvCxnSpPr>
+            <a:stCxn id="64" idx="3"/>
+            <a:endCxn id="88" idx="0"/>
+          </p:cNvCxnSpPr>
+          <p:nvPr/>
+        </p:nvCxnSpPr>
+        <p:spPr>
+          <a:xfrm>
+            <a:off x="2801082" y="1963179"/>
+            <a:ext cx="391115" cy="301479"/>
+          </a:xfrm>
+          <a:prstGeom prst="bentConnector2">
+            <a:avLst/>
+          </a:prstGeom>
+          <a:ln>
+            <a:solidFill>
+              <a:schemeClr val="tx1"/>
+            </a:solidFill>
+            <a:tailEnd type="triangle"/>
+          </a:ln>
+        </p:spPr>
+        <p:style>
+          <a:lnRef idx="1">
+            <a:schemeClr val="accent1"/>
+          </a:lnRef>
+          <a:fillRef idx="0">
+            <a:schemeClr val="accent1"/>
+          </a:fillRef>
+          <a:effectRef idx="0">
+            <a:schemeClr val="accent1"/>
+          </a:effectRef>
+          <a:fontRef idx="minor">
+            <a:schemeClr val="tx1"/>
+          </a:fontRef>
+        </p:style>
+      </p:cxnSp>
+      <p:cxnSp>
+        <p:nvCxnSpPr>
+          <p:cNvPr id="157" name="Elbow Connector 156"/>
+          <p:cNvCxnSpPr>
+            <a:stCxn id="65" idx="3"/>
+            <a:endCxn id="88" idx="2"/>
+          </p:cNvCxnSpPr>
+          <p:nvPr/>
+        </p:nvCxnSpPr>
+        <p:spPr>
+          <a:xfrm flipV="1">
+            <a:off x="2801082" y="2493258"/>
+            <a:ext cx="391115" cy="304519"/>
+          </a:xfrm>
+          <a:prstGeom prst="bentConnector2">
+            <a:avLst/>
+          </a:prstGeom>
+          <a:ln>
+            <a:solidFill>
+              <a:schemeClr val="tx1"/>
+            </a:solidFill>
+            <a:tailEnd type="triangle"/>
+          </a:ln>
+        </p:spPr>
+        <p:style>
+          <a:lnRef idx="1">
+            <a:schemeClr val="accent1"/>
+          </a:lnRef>
+          <a:fillRef idx="0">
+            <a:schemeClr val="accent1"/>
+          </a:fillRef>
+          <a:effectRef idx="0">
+            <a:schemeClr val="accent1"/>
+          </a:effectRef>
+          <a:fontRef idx="minor">
+            <a:schemeClr val="tx1"/>
+          </a:fontRef>
+        </p:style>
+      </p:cxnSp>
+      <p:cxnSp>
+        <p:nvCxnSpPr>
+          <p:cNvPr id="160" name="Elbow Connector 159"/>
+          <p:cNvCxnSpPr>
+            <a:stCxn id="66" idx="3"/>
+            <a:endCxn id="88" idx="2"/>
+          </p:cNvCxnSpPr>
+          <p:nvPr/>
+        </p:nvCxnSpPr>
+        <p:spPr>
+          <a:xfrm flipV="1">
+            <a:off x="2801082" y="2493258"/>
+            <a:ext cx="391115" cy="840426"/>
+          </a:xfrm>
+          <a:prstGeom prst="bentConnector2">
+            <a:avLst/>
+          </a:prstGeom>
+          <a:ln>
+            <a:solidFill>
+              <a:schemeClr val="tx1"/>
+            </a:solidFill>
+            <a:tailEnd type="triangle"/>
+          </a:ln>
+        </p:spPr>
+        <p:style>
+          <a:lnRef idx="1">
+            <a:schemeClr val="accent1"/>
+          </a:lnRef>
+          <a:fillRef idx="0">
+            <a:schemeClr val="accent1"/>
+          </a:fillRef>
+          <a:effectRef idx="0">
+            <a:schemeClr val="accent1"/>
+          </a:effectRef>
+          <a:fontRef idx="minor">
+            <a:schemeClr val="tx1"/>
+          </a:fontRef>
+        </p:style>
+      </p:cxnSp>
+      <p:grpSp>
+        <p:nvGrpSpPr>
+          <p:cNvPr id="174" name="Group 173"/>
+          <p:cNvGrpSpPr/>
+          <p:nvPr/>
+        </p:nvGrpSpPr>
+        <p:grpSpPr>
+          <a:xfrm>
+            <a:off x="2870932" y="1249048"/>
+            <a:ext cx="734116" cy="2070789"/>
+            <a:chOff x="2801082" y="1223648"/>
+            <a:chExt cx="734116" cy="2070789"/>
+          </a:xfrm>
+        </p:grpSpPr>
+        <p:sp>
+          <p:nvSpPr>
+            <p:cNvPr id="67" name="TextBox 66"/>
+            <p:cNvSpPr txBox="1"/>
+            <p:nvPr/>
+          </p:nvSpPr>
+          <p:spPr>
+            <a:xfrm>
+              <a:off x="2801082" y="1223648"/>
+              <a:ext cx="734116" cy="200055"/>
+            </a:xfrm>
+            <a:prstGeom prst="rect">
+              <a:avLst/>
+            </a:prstGeom>
+            <a:noFill/>
+          </p:spPr>
+          <p:txBody>
+            <a:bodyPr wrap="square" rtlCol="0">
+              <a:spAutoFit/>
+            </a:bodyPr>
+            <a:lstStyle/>
+            <a:p>
+              <a:pPr algn="ctr"/>
+              <a:r>
+                <a:rPr lang="en-US" sz="700" dirty="0" smtClean="0">
+                  <a:latin typeface="Tahoma" panose="020B0604030504040204" pitchFamily="34" charset="0"/>
+                  <a:ea typeface="Tahoma" panose="020B0604030504040204" pitchFamily="34" charset="0"/>
+                  <a:cs typeface="Tahoma" panose="020B0604030504040204" pitchFamily="34" charset="0"/>
+                </a:rPr>
+                <a:t>(512, 45, 80)</a:t>
+              </a:r>
+              <a:endParaRPr lang="en-US" sz="700" dirty="0">
+                <a:latin typeface="Tahoma" panose="020B0604030504040204" pitchFamily="34" charset="0"/>
+                <a:ea typeface="Tahoma" panose="020B0604030504040204" pitchFamily="34" charset="0"/>
+                <a:cs typeface="Tahoma" panose="020B0604030504040204" pitchFamily="34" charset="0"/>
+              </a:endParaRPr>
+            </a:p>
+          </p:txBody>
+        </p:sp>
+        <p:sp>
+          <p:nvSpPr>
+            <p:cNvPr id="156" name="TextBox 155"/>
+            <p:cNvSpPr txBox="1"/>
+            <p:nvPr/>
+          </p:nvSpPr>
+          <p:spPr>
+            <a:xfrm>
+              <a:off x="2801082" y="1744153"/>
+              <a:ext cx="734116" cy="200055"/>
+            </a:xfrm>
+            <a:prstGeom prst="rect">
+              <a:avLst/>
+            </a:prstGeom>
+            <a:noFill/>
+          </p:spPr>
+          <p:txBody>
+            <a:bodyPr wrap="square" rtlCol="0">
+              <a:spAutoFit/>
+            </a:bodyPr>
+            <a:lstStyle/>
+            <a:p>
+              <a:pPr algn="ctr"/>
+              <a:r>
+                <a:rPr lang="en-US" sz="700" dirty="0" smtClean="0">
+                  <a:latin typeface="Tahoma" panose="020B0604030504040204" pitchFamily="34" charset="0"/>
+                  <a:ea typeface="Tahoma" panose="020B0604030504040204" pitchFamily="34" charset="0"/>
+                  <a:cs typeface="Tahoma" panose="020B0604030504040204" pitchFamily="34" charset="0"/>
+                </a:rPr>
+                <a:t>(512, 45, 80)</a:t>
+              </a:r>
+              <a:endParaRPr lang="en-US" sz="700" dirty="0">
+                <a:latin typeface="Tahoma" panose="020B0604030504040204" pitchFamily="34" charset="0"/>
+                <a:ea typeface="Tahoma" panose="020B0604030504040204" pitchFamily="34" charset="0"/>
+                <a:cs typeface="Tahoma" panose="020B0604030504040204" pitchFamily="34" charset="0"/>
+              </a:endParaRPr>
+            </a:p>
+          </p:txBody>
+        </p:sp>
+        <p:sp>
+          <p:nvSpPr>
+            <p:cNvPr id="163" name="TextBox 162"/>
+            <p:cNvSpPr txBox="1"/>
+            <p:nvPr/>
+          </p:nvSpPr>
+          <p:spPr>
+            <a:xfrm>
+              <a:off x="2801082" y="2587983"/>
+              <a:ext cx="734116" cy="200055"/>
+            </a:xfrm>
+            <a:prstGeom prst="rect">
+              <a:avLst/>
+            </a:prstGeom>
+            <a:noFill/>
+          </p:spPr>
+          <p:txBody>
+            <a:bodyPr wrap="square" rtlCol="0">
+              <a:spAutoFit/>
+            </a:bodyPr>
+            <a:lstStyle/>
+            <a:p>
+              <a:pPr algn="ctr"/>
+              <a:r>
+                <a:rPr lang="en-US" sz="700" dirty="0" smtClean="0">
+                  <a:latin typeface="Tahoma" panose="020B0604030504040204" pitchFamily="34" charset="0"/>
+                  <a:ea typeface="Tahoma" panose="020B0604030504040204" pitchFamily="34" charset="0"/>
+                  <a:cs typeface="Tahoma" panose="020B0604030504040204" pitchFamily="34" charset="0"/>
+                </a:rPr>
+                <a:t>(512, 45, 80)</a:t>
+              </a:r>
+              <a:endParaRPr lang="en-US" sz="700" dirty="0">
+                <a:latin typeface="Tahoma" panose="020B0604030504040204" pitchFamily="34" charset="0"/>
+                <a:ea typeface="Tahoma" panose="020B0604030504040204" pitchFamily="34" charset="0"/>
+                <a:cs typeface="Tahoma" panose="020B0604030504040204" pitchFamily="34" charset="0"/>
+              </a:endParaRPr>
+            </a:p>
+          </p:txBody>
+        </p:sp>
+        <p:sp>
+          <p:nvSpPr>
+            <p:cNvPr id="164" name="TextBox 163"/>
+            <p:cNvSpPr txBox="1"/>
+            <p:nvPr/>
+          </p:nvSpPr>
+          <p:spPr>
+            <a:xfrm>
+              <a:off x="2801082" y="3094382"/>
+              <a:ext cx="734116" cy="200055"/>
+            </a:xfrm>
+            <a:prstGeom prst="rect">
+              <a:avLst/>
+            </a:prstGeom>
+            <a:noFill/>
+          </p:spPr>
+          <p:txBody>
+            <a:bodyPr wrap="square" rtlCol="0">
+              <a:spAutoFit/>
+            </a:bodyPr>
+            <a:lstStyle/>
+            <a:p>
+              <a:pPr algn="ctr"/>
+              <a:r>
+                <a:rPr lang="en-US" sz="700" dirty="0" smtClean="0">
+                  <a:latin typeface="Tahoma" panose="020B0604030504040204" pitchFamily="34" charset="0"/>
+                  <a:ea typeface="Tahoma" panose="020B0604030504040204" pitchFamily="34" charset="0"/>
+                  <a:cs typeface="Tahoma" panose="020B0604030504040204" pitchFamily="34" charset="0"/>
+                </a:rPr>
+                <a:t>(512, 45, 80)</a:t>
+              </a:r>
+              <a:endParaRPr lang="en-US" sz="700" dirty="0">
+                <a:latin typeface="Tahoma" panose="020B0604030504040204" pitchFamily="34" charset="0"/>
+                <a:ea typeface="Tahoma" panose="020B0604030504040204" pitchFamily="34" charset="0"/>
+                <a:cs typeface="Tahoma" panose="020B0604030504040204" pitchFamily="34" charset="0"/>
+              </a:endParaRPr>
+            </a:p>
+          </p:txBody>
+        </p:sp>
+      </p:grpSp>
+      <p:cxnSp>
+        <p:nvCxnSpPr>
+          <p:cNvPr id="165" name="Straight Arrow Connector 164"/>
+          <p:cNvCxnSpPr>
+            <a:stCxn id="88" idx="3"/>
+            <a:endCxn id="121" idx="1"/>
+          </p:cNvCxnSpPr>
+          <p:nvPr/>
+        </p:nvCxnSpPr>
+        <p:spPr>
+          <a:xfrm flipV="1">
+            <a:off x="3306497" y="2377290"/>
+            <a:ext cx="953789" cy="1668"/>
+          </a:xfrm>
+          <a:prstGeom prst="straightConnector1">
+            <a:avLst/>
+          </a:prstGeom>
+          <a:ln>
+            <a:solidFill>
+              <a:schemeClr val="tx1"/>
+            </a:solidFill>
+            <a:tailEnd type="triangle"/>
+          </a:ln>
+        </p:spPr>
+        <p:style>
+          <a:lnRef idx="1">
+            <a:schemeClr val="accent1"/>
+          </a:lnRef>
+          <a:fillRef idx="0">
+            <a:schemeClr val="accent1"/>
+          </a:fillRef>
+          <a:effectRef idx="0">
+            <a:schemeClr val="accent1"/>
+          </a:effectRef>
+          <a:fontRef idx="minor">
+            <a:schemeClr val="tx1"/>
+          </a:fontRef>
+        </p:style>
+      </p:cxnSp>
+      <p:sp>
+        <p:nvSpPr>
+          <p:cNvPr id="173" name="Rounded Rectangle 172"/>
+          <p:cNvSpPr/>
+          <p:nvPr/>
+        </p:nvSpPr>
+        <p:spPr>
+          <a:xfrm>
+            <a:off x="4260286" y="4453907"/>
+            <a:ext cx="1600200" cy="274320"/>
+          </a:xfrm>
+          <a:prstGeom prst="roundRect">
+            <a:avLst/>
+          </a:prstGeom>
+          <a:solidFill>
+            <a:schemeClr val="accent6">
+              <a:lumMod val="20000"/>
+              <a:lumOff val="80000"/>
+            </a:schemeClr>
+          </a:solidFill>
+          <a:ln>
+            <a:solidFill>
+              <a:schemeClr val="bg1">
+                <a:lumMod val="75000"/>
+              </a:schemeClr>
+            </a:solidFill>
+          </a:ln>
+        </p:spPr>
+        <p:style>
+          <a:lnRef idx="2">
+            <a:schemeClr val="accent1">
+              <a:shade val="50000"/>
+            </a:schemeClr>
+          </a:lnRef>
+          <a:fillRef idx="1">
+            <a:schemeClr val="accent1"/>
+          </a:fillRef>
+          <a:effectRef idx="0">
+            <a:schemeClr val="accent1"/>
+          </a:effectRef>
+          <a:fontRef idx="minor">
+            <a:schemeClr val="lt1"/>
+          </a:fontRef>
+        </p:style>
+        <p:txBody>
+          <a:bodyPr rot="0" spcFirstLastPara="0" vertOverflow="overflow" horzOverflow="overflow" vert="horz" wrap="square" lIns="51435" tIns="25718" rIns="51435" bIns="25718" numCol="1" spcCol="0" rtlCol="0" fromWordArt="0" anchor="ctr" anchorCtr="0" forceAA="0" compatLnSpc="1">
+            <a:prstTxWarp prst="textNoShape">
+              <a:avLst/>
+            </a:prstTxWarp>
+            <a:noAutofit/>
+          </a:bodyPr>
+          <a:lstStyle/>
+          <a:p>
+            <a:pPr algn="ctr"/>
+            <a:r>
+              <a:rPr lang="en-US" sz="900" b="1" dirty="0" smtClean="0">
+                <a:solidFill>
+                  <a:schemeClr val="accent1">
+                    <a:lumMod val="50000"/>
+                  </a:schemeClr>
+                </a:solidFill>
+                <a:latin typeface="Tahoma" panose="020B0604030504040204" pitchFamily="34" charset="0"/>
+                <a:ea typeface="Tahoma" panose="020B0604030504040204" pitchFamily="34" charset="0"/>
+                <a:cs typeface="Tahoma" panose="020B0604030504040204" pitchFamily="34" charset="0"/>
+              </a:rPr>
+              <a:t>Bilinear Up sampling</a:t>
+            </a:r>
+            <a:endParaRPr lang="en-US" sz="900" b="1" dirty="0">
+              <a:solidFill>
+                <a:schemeClr val="accent1">
+                  <a:lumMod val="50000"/>
+                </a:schemeClr>
+              </a:solidFill>
+              <a:latin typeface="Tahoma" panose="020B0604030504040204" pitchFamily="34" charset="0"/>
+              <a:ea typeface="Tahoma" panose="020B0604030504040204" pitchFamily="34" charset="0"/>
+              <a:cs typeface="Tahoma" panose="020B0604030504040204" pitchFamily="34" charset="0"/>
+            </a:endParaRPr>
+          </a:p>
+        </p:txBody>
+      </p:sp>
+      <p:grpSp>
+        <p:nvGrpSpPr>
+          <p:cNvPr id="166" name="Group 165"/>
+          <p:cNvGrpSpPr/>
+          <p:nvPr/>
+        </p:nvGrpSpPr>
+        <p:grpSpPr>
+          <a:xfrm>
+            <a:off x="5140815" y="2545310"/>
+            <a:ext cx="847207" cy="2420215"/>
+            <a:chOff x="4889355" y="2545310"/>
+            <a:chExt cx="847207" cy="2420215"/>
+          </a:xfrm>
+        </p:grpSpPr>
+        <p:sp>
+          <p:nvSpPr>
+            <p:cNvPr id="119" name="TextBox 118"/>
+            <p:cNvSpPr txBox="1"/>
+            <p:nvPr/>
+          </p:nvSpPr>
+          <p:spPr>
+            <a:xfrm>
+              <a:off x="4889355" y="2545310"/>
+              <a:ext cx="847207" cy="200055"/>
+            </a:xfrm>
+            <a:prstGeom prst="rect">
+              <a:avLst/>
+            </a:prstGeom>
+            <a:noFill/>
+          </p:spPr>
+          <p:txBody>
+            <a:bodyPr wrap="square" rtlCol="0">
+              <a:spAutoFit/>
+            </a:bodyPr>
+            <a:lstStyle/>
+            <a:p>
+              <a:pPr algn="ctr"/>
+              <a:r>
+                <a:rPr lang="en-US" sz="700" dirty="0" smtClean="0">
+                  <a:latin typeface="Tahoma" panose="020B0604030504040204" pitchFamily="34" charset="0"/>
+                  <a:ea typeface="Tahoma" panose="020B0604030504040204" pitchFamily="34" charset="0"/>
+                  <a:cs typeface="Tahoma" panose="020B0604030504040204" pitchFamily="34" charset="0"/>
+                </a:rPr>
+                <a:t>(</a:t>
+              </a:r>
+              <a:r>
+                <a:rPr lang="en-US" sz="700" dirty="0" smtClean="0">
+                  <a:latin typeface="Tahoma" panose="020B0604030504040204" pitchFamily="34" charset="0"/>
+                  <a:ea typeface="Tahoma" panose="020B0604030504040204" pitchFamily="34" charset="0"/>
+                  <a:cs typeface="Tahoma" panose="020B0604030504040204" pitchFamily="34" charset="0"/>
+                </a:rPr>
+                <a:t>512</a:t>
+              </a:r>
+              <a:r>
+                <a:rPr lang="en-US" sz="700" dirty="0" smtClean="0">
+                  <a:latin typeface="Tahoma" panose="020B0604030504040204" pitchFamily="34" charset="0"/>
+                  <a:ea typeface="Tahoma" panose="020B0604030504040204" pitchFamily="34" charset="0"/>
+                  <a:cs typeface="Tahoma" panose="020B0604030504040204" pitchFamily="34" charset="0"/>
+                </a:rPr>
+                <a:t>, 45, 80)</a:t>
+              </a:r>
+              <a:endParaRPr lang="en-US" sz="700" dirty="0">
+                <a:latin typeface="Tahoma" panose="020B0604030504040204" pitchFamily="34" charset="0"/>
+                <a:ea typeface="Tahoma" panose="020B0604030504040204" pitchFamily="34" charset="0"/>
+                <a:cs typeface="Tahoma" panose="020B0604030504040204" pitchFamily="34" charset="0"/>
+              </a:endParaRPr>
+            </a:p>
+          </p:txBody>
+        </p:sp>
+        <p:sp>
+          <p:nvSpPr>
+            <p:cNvPr id="168" name="TextBox 167"/>
+            <p:cNvSpPr txBox="1"/>
+            <p:nvPr/>
+          </p:nvSpPr>
+          <p:spPr>
+            <a:xfrm>
+              <a:off x="4889355" y="3083557"/>
+              <a:ext cx="847207" cy="200055"/>
+            </a:xfrm>
+            <a:prstGeom prst="rect">
+              <a:avLst/>
+            </a:prstGeom>
+            <a:noFill/>
+          </p:spPr>
+          <p:txBody>
+            <a:bodyPr wrap="square" rtlCol="0">
+              <a:spAutoFit/>
+            </a:bodyPr>
+            <a:lstStyle/>
+            <a:p>
+              <a:pPr algn="ctr"/>
+              <a:r>
+                <a:rPr lang="en-US" sz="700" dirty="0" smtClean="0">
+                  <a:latin typeface="Tahoma" panose="020B0604030504040204" pitchFamily="34" charset="0"/>
+                  <a:ea typeface="Tahoma" panose="020B0604030504040204" pitchFamily="34" charset="0"/>
+                  <a:cs typeface="Tahoma" panose="020B0604030504040204" pitchFamily="34" charset="0"/>
+                </a:rPr>
+                <a:t>(</a:t>
+              </a:r>
+              <a:r>
+                <a:rPr lang="en-US" sz="700" dirty="0" smtClean="0">
+                  <a:latin typeface="Tahoma" panose="020B0604030504040204" pitchFamily="34" charset="0"/>
+                  <a:ea typeface="Tahoma" panose="020B0604030504040204" pitchFamily="34" charset="0"/>
+                  <a:cs typeface="Tahoma" panose="020B0604030504040204" pitchFamily="34" charset="0"/>
+                </a:rPr>
+                <a:t>512</a:t>
+              </a:r>
+              <a:r>
+                <a:rPr lang="en-US" sz="700" dirty="0" smtClean="0">
+                  <a:latin typeface="Tahoma" panose="020B0604030504040204" pitchFamily="34" charset="0"/>
+                  <a:ea typeface="Tahoma" panose="020B0604030504040204" pitchFamily="34" charset="0"/>
+                  <a:cs typeface="Tahoma" panose="020B0604030504040204" pitchFamily="34" charset="0"/>
+                </a:rPr>
+                <a:t>, 45, 80)</a:t>
+              </a:r>
+              <a:endParaRPr lang="en-US" sz="700" dirty="0">
+                <a:latin typeface="Tahoma" panose="020B0604030504040204" pitchFamily="34" charset="0"/>
+                <a:ea typeface="Tahoma" panose="020B0604030504040204" pitchFamily="34" charset="0"/>
+                <a:cs typeface="Tahoma" panose="020B0604030504040204" pitchFamily="34" charset="0"/>
+              </a:endParaRPr>
+            </a:p>
+          </p:txBody>
+        </p:sp>
+        <p:sp>
+          <p:nvSpPr>
+            <p:cNvPr id="171" name="TextBox 170"/>
+            <p:cNvSpPr txBox="1"/>
+            <p:nvPr/>
+          </p:nvSpPr>
+          <p:spPr>
+            <a:xfrm>
+              <a:off x="4889355" y="3602289"/>
+              <a:ext cx="847207" cy="200055"/>
+            </a:xfrm>
+            <a:prstGeom prst="rect">
+              <a:avLst/>
+            </a:prstGeom>
+            <a:noFill/>
+          </p:spPr>
+          <p:txBody>
+            <a:bodyPr wrap="square" rtlCol="0">
+              <a:spAutoFit/>
+            </a:bodyPr>
+            <a:lstStyle/>
+            <a:p>
+              <a:pPr algn="ctr"/>
+              <a:r>
+                <a:rPr lang="en-US" sz="700" dirty="0" smtClean="0">
+                  <a:latin typeface="Tahoma" panose="020B0604030504040204" pitchFamily="34" charset="0"/>
+                  <a:ea typeface="Tahoma" panose="020B0604030504040204" pitchFamily="34" charset="0"/>
+                  <a:cs typeface="Tahoma" panose="020B0604030504040204" pitchFamily="34" charset="0"/>
+                </a:rPr>
+                <a:t>(</a:t>
+              </a:r>
+              <a:r>
+                <a:rPr lang="en-US" sz="700" dirty="0" smtClean="0">
+                  <a:latin typeface="Tahoma" panose="020B0604030504040204" pitchFamily="34" charset="0"/>
+                  <a:ea typeface="Tahoma" panose="020B0604030504040204" pitchFamily="34" charset="0"/>
+                  <a:cs typeface="Tahoma" panose="020B0604030504040204" pitchFamily="34" charset="0"/>
+                </a:rPr>
+                <a:t>512</a:t>
+              </a:r>
+              <a:r>
+                <a:rPr lang="en-US" sz="700" dirty="0" smtClean="0">
+                  <a:latin typeface="Tahoma" panose="020B0604030504040204" pitchFamily="34" charset="0"/>
+                  <a:ea typeface="Tahoma" panose="020B0604030504040204" pitchFamily="34" charset="0"/>
+                  <a:cs typeface="Tahoma" panose="020B0604030504040204" pitchFamily="34" charset="0"/>
+                </a:rPr>
+                <a:t>, 45, 80)</a:t>
+              </a:r>
+              <a:endParaRPr lang="en-US" sz="700" dirty="0">
+                <a:latin typeface="Tahoma" panose="020B0604030504040204" pitchFamily="34" charset="0"/>
+                <a:ea typeface="Tahoma" panose="020B0604030504040204" pitchFamily="34" charset="0"/>
+                <a:cs typeface="Tahoma" panose="020B0604030504040204" pitchFamily="34" charset="0"/>
+              </a:endParaRPr>
+            </a:p>
+          </p:txBody>
+        </p:sp>
+        <p:sp>
+          <p:nvSpPr>
+            <p:cNvPr id="172" name="TextBox 171"/>
+            <p:cNvSpPr txBox="1"/>
+            <p:nvPr/>
+          </p:nvSpPr>
+          <p:spPr>
+            <a:xfrm>
+              <a:off x="4889355" y="4244201"/>
+              <a:ext cx="847207" cy="200055"/>
+            </a:xfrm>
+            <a:prstGeom prst="rect">
+              <a:avLst/>
+            </a:prstGeom>
+            <a:noFill/>
+          </p:spPr>
+          <p:txBody>
+            <a:bodyPr wrap="square" rtlCol="0">
+              <a:spAutoFit/>
+            </a:bodyPr>
+            <a:lstStyle/>
+            <a:p>
+              <a:pPr algn="ctr"/>
+              <a:r>
+                <a:rPr lang="en-US" sz="700" dirty="0" smtClean="0">
+                  <a:latin typeface="Tahoma" panose="020B0604030504040204" pitchFamily="34" charset="0"/>
+                  <a:ea typeface="Tahoma" panose="020B0604030504040204" pitchFamily="34" charset="0"/>
+                  <a:cs typeface="Tahoma" panose="020B0604030504040204" pitchFamily="34" charset="0"/>
+                </a:rPr>
+                <a:t>(</a:t>
+              </a:r>
+              <a:r>
+                <a:rPr lang="en-US" sz="700" dirty="0" smtClean="0">
+                  <a:latin typeface="Tahoma" panose="020B0604030504040204" pitchFamily="34" charset="0"/>
+                  <a:ea typeface="Tahoma" panose="020B0604030504040204" pitchFamily="34" charset="0"/>
+                  <a:cs typeface="Tahoma" panose="020B0604030504040204" pitchFamily="34" charset="0"/>
+                </a:rPr>
+                <a:t>3</a:t>
+              </a:r>
+              <a:r>
+                <a:rPr lang="en-US" sz="700" dirty="0" smtClean="0">
+                  <a:latin typeface="Tahoma" panose="020B0604030504040204" pitchFamily="34" charset="0"/>
+                  <a:ea typeface="Tahoma" panose="020B0604030504040204" pitchFamily="34" charset="0"/>
+                  <a:cs typeface="Tahoma" panose="020B0604030504040204" pitchFamily="34" charset="0"/>
+                </a:rPr>
+                <a:t>, 45, 80)</a:t>
+              </a:r>
+              <a:endParaRPr lang="en-US" sz="700" dirty="0">
+                <a:latin typeface="Tahoma" panose="020B0604030504040204" pitchFamily="34" charset="0"/>
+                <a:ea typeface="Tahoma" panose="020B0604030504040204" pitchFamily="34" charset="0"/>
+                <a:cs typeface="Tahoma" panose="020B0604030504040204" pitchFamily="34" charset="0"/>
+              </a:endParaRPr>
+            </a:p>
+          </p:txBody>
+        </p:sp>
+        <p:sp>
+          <p:nvSpPr>
+            <p:cNvPr id="177" name="TextBox 176"/>
+            <p:cNvSpPr txBox="1"/>
+            <p:nvPr/>
+          </p:nvSpPr>
+          <p:spPr>
+            <a:xfrm>
+              <a:off x="4889355" y="4765470"/>
+              <a:ext cx="847207" cy="200055"/>
+            </a:xfrm>
+            <a:prstGeom prst="rect">
+              <a:avLst/>
+            </a:prstGeom>
+            <a:noFill/>
+          </p:spPr>
+          <p:txBody>
+            <a:bodyPr wrap="square" rtlCol="0">
+              <a:spAutoFit/>
+            </a:bodyPr>
+            <a:lstStyle/>
+            <a:p>
+              <a:pPr algn="ctr"/>
+              <a:r>
+                <a:rPr lang="en-US" sz="700" dirty="0" smtClean="0">
+                  <a:latin typeface="Tahoma" panose="020B0604030504040204" pitchFamily="34" charset="0"/>
+                  <a:ea typeface="Tahoma" panose="020B0604030504040204" pitchFamily="34" charset="0"/>
+                  <a:cs typeface="Tahoma" panose="020B0604030504040204" pitchFamily="34" charset="0"/>
+                </a:rPr>
+                <a:t>(</a:t>
+              </a:r>
+              <a:r>
+                <a:rPr lang="en-US" sz="700" dirty="0" smtClean="0">
+                  <a:latin typeface="Tahoma" panose="020B0604030504040204" pitchFamily="34" charset="0"/>
+                  <a:ea typeface="Tahoma" panose="020B0604030504040204" pitchFamily="34" charset="0"/>
+                  <a:cs typeface="Tahoma" panose="020B0604030504040204" pitchFamily="34" charset="0"/>
+                </a:rPr>
+                <a:t>3</a:t>
+              </a:r>
+              <a:r>
+                <a:rPr lang="en-US" sz="700" dirty="0" smtClean="0">
+                  <a:latin typeface="Tahoma" panose="020B0604030504040204" pitchFamily="34" charset="0"/>
+                  <a:ea typeface="Tahoma" panose="020B0604030504040204" pitchFamily="34" charset="0"/>
+                  <a:cs typeface="Tahoma" panose="020B0604030504040204" pitchFamily="34" charset="0"/>
+                </a:rPr>
+                <a:t>, 360, 640)</a:t>
+              </a:r>
+              <a:endParaRPr lang="en-US" sz="700" dirty="0">
+                <a:latin typeface="Tahoma" panose="020B0604030504040204" pitchFamily="34" charset="0"/>
+                <a:ea typeface="Tahoma" panose="020B0604030504040204" pitchFamily="34" charset="0"/>
+                <a:cs typeface="Tahoma" panose="020B0604030504040204" pitchFamily="34" charset="0"/>
+              </a:endParaRPr>
+            </a:p>
+          </p:txBody>
+        </p:sp>
+      </p:grpSp>
+      <p:sp>
+        <p:nvSpPr>
+          <p:cNvPr id="180" name="Rounded Rectangle 179"/>
+          <p:cNvSpPr/>
+          <p:nvPr/>
+        </p:nvSpPr>
+        <p:spPr>
+          <a:xfrm>
+            <a:off x="4260286" y="4965525"/>
+            <a:ext cx="1600200" cy="274320"/>
+          </a:xfrm>
+          <a:prstGeom prst="roundRect">
+            <a:avLst/>
+          </a:prstGeom>
+          <a:noFill/>
+          <a:ln>
+            <a:solidFill>
+              <a:schemeClr val="bg1">
+                <a:lumMod val="50000"/>
+              </a:schemeClr>
+            </a:solidFill>
+          </a:ln>
+        </p:spPr>
+        <p:style>
+          <a:lnRef idx="2">
+            <a:schemeClr val="accent1">
+              <a:shade val="50000"/>
+            </a:schemeClr>
+          </a:lnRef>
+          <a:fillRef idx="1">
+            <a:schemeClr val="accent1"/>
+          </a:fillRef>
+          <a:effectRef idx="0">
+            <a:schemeClr val="accent1"/>
+          </a:effectRef>
+          <a:fontRef idx="minor">
+            <a:schemeClr val="lt1"/>
+          </a:fontRef>
+        </p:style>
+        <p:txBody>
+          <a:bodyPr rot="0" spcFirstLastPara="0" vertOverflow="overflow" horzOverflow="overflow" vert="horz" wrap="square" lIns="51435" tIns="25718" rIns="51435" bIns="25718" numCol="1" spcCol="0" rtlCol="0" fromWordArt="0" anchor="ctr" anchorCtr="0" forceAA="0" compatLnSpc="1">
+            <a:prstTxWarp prst="textNoShape">
+              <a:avLst/>
+            </a:prstTxWarp>
+            <a:noAutofit/>
+          </a:bodyPr>
+          <a:lstStyle/>
+          <a:p>
+            <a:pPr algn="ctr"/>
+            <a:r>
+              <a:rPr lang="en-US" sz="900" b="1" dirty="0" smtClean="0">
+                <a:solidFill>
+                  <a:schemeClr val="tx1"/>
+                </a:solidFill>
+                <a:latin typeface="Tahoma" panose="020B0604030504040204" pitchFamily="34" charset="0"/>
+                <a:ea typeface="Tahoma" panose="020B0604030504040204" pitchFamily="34" charset="0"/>
+                <a:cs typeface="Tahoma" panose="020B0604030504040204" pitchFamily="34" charset="0"/>
+              </a:rPr>
+              <a:t>Prediction</a:t>
+            </a:r>
+            <a:endParaRPr lang="en-US" sz="900" b="1" dirty="0">
+              <a:solidFill>
+                <a:schemeClr val="tx1"/>
+              </a:solidFill>
+              <a:latin typeface="Tahoma" panose="020B0604030504040204" pitchFamily="34" charset="0"/>
+              <a:ea typeface="Tahoma" panose="020B0604030504040204" pitchFamily="34" charset="0"/>
+              <a:cs typeface="Tahoma" panose="020B0604030504040204" pitchFamily="34" charset="0"/>
+            </a:endParaRPr>
+          </a:p>
+        </p:txBody>
+      </p:sp>
+      <p:cxnSp>
+        <p:nvCxnSpPr>
+          <p:cNvPr id="181" name="Straight Arrow Connector 180"/>
+          <p:cNvCxnSpPr>
+            <a:stCxn id="173" idx="2"/>
+            <a:endCxn id="180" idx="0"/>
+          </p:cNvCxnSpPr>
+          <p:nvPr/>
+        </p:nvCxnSpPr>
+        <p:spPr>
+          <a:xfrm>
+            <a:off x="5060386" y="4728227"/>
+            <a:ext cx="0" cy="237298"/>
+          </a:xfrm>
+          <a:prstGeom prst="straightConnector1">
+            <a:avLst/>
+          </a:prstGeom>
+          <a:ln>
+            <a:solidFill>
+              <a:schemeClr val="tx1"/>
+            </a:solidFill>
+            <a:tailEnd type="triangle"/>
+          </a:ln>
+        </p:spPr>
+        <p:style>
+          <a:lnRef idx="1">
+            <a:schemeClr val="accent1"/>
+          </a:lnRef>
+          <a:fillRef idx="0">
+            <a:schemeClr val="accent1"/>
+          </a:fillRef>
+          <a:effectRef idx="0">
+            <a:schemeClr val="accent1"/>
+          </a:effectRef>
+          <a:fontRef idx="minor">
+            <a:schemeClr val="tx1"/>
+          </a:fontRef>
+        </p:style>
+      </p:cxnSp>
+      <p:sp>
+        <p:nvSpPr>
+          <p:cNvPr id="189" name="Rectangle 188"/>
+          <p:cNvSpPr/>
+          <p:nvPr/>
+        </p:nvSpPr>
+        <p:spPr>
+          <a:xfrm>
+            <a:off x="1458274" y="1181100"/>
+            <a:ext cx="2146774" cy="2393372"/>
+          </a:xfrm>
+          <a:prstGeom prst="rect">
+            <a:avLst/>
+          </a:prstGeom>
+          <a:noFill/>
+          <a:ln w="19050">
+            <a:solidFill>
+              <a:srgbClr val="FF0000"/>
+            </a:solidFill>
+            <a:prstDash val="solid"/>
+          </a:ln>
+        </p:spPr>
+        <p:style>
+          <a:lnRef idx="2">
+            <a:schemeClr val="accent1">
+              <a:shade val="50000"/>
+            </a:schemeClr>
+          </a:lnRef>
+          <a:fillRef idx="1">
+            <a:schemeClr val="accent1"/>
+          </a:fillRef>
+          <a:effectRef idx="0">
+            <a:schemeClr val="accent1"/>
+          </a:effectRef>
+          <a:fontRef idx="minor">
+            <a:schemeClr val="lt1"/>
+          </a:fontRef>
+        </p:style>
+        <p:txBody>
+          <a:bodyPr rtlCol="0" anchor="ctr"/>
+          <a:lstStyle/>
+          <a:p>
+            <a:pPr algn="ctr"/>
+            <a:endParaRPr lang="en-US" b="1"/>
+          </a:p>
+        </p:txBody>
+      </p:sp>
+      <p:sp>
+        <p:nvSpPr>
+          <p:cNvPr id="190" name="TextBox 189"/>
+          <p:cNvSpPr txBox="1"/>
+          <p:nvPr/>
+        </p:nvSpPr>
+        <p:spPr>
+          <a:xfrm>
+            <a:off x="1760444" y="728746"/>
+            <a:ext cx="1542434" cy="430887"/>
+          </a:xfrm>
+          <a:prstGeom prst="rect">
+            <a:avLst/>
+          </a:prstGeom>
+          <a:noFill/>
+        </p:spPr>
+        <p:txBody>
+          <a:bodyPr wrap="square" rtlCol="0">
+            <a:spAutoFit/>
+          </a:bodyPr>
+          <a:lstStyle/>
+          <a:p>
+            <a:pPr algn="ctr"/>
+            <a:r>
+              <a:rPr lang="en-US" sz="1100" dirty="0" smtClean="0">
+                <a:solidFill>
+                  <a:srgbClr val="FF0000"/>
+                </a:solidFill>
+                <a:latin typeface="Tahoma" panose="020B0604030504040204" pitchFamily="34" charset="0"/>
+                <a:ea typeface="Tahoma" panose="020B0604030504040204" pitchFamily="34" charset="0"/>
+                <a:cs typeface="Tahoma" panose="020B0604030504040204" pitchFamily="34" charset="0"/>
+              </a:rPr>
+              <a:t>PYRAMID POOLING MODULE</a:t>
+            </a:r>
+            <a:endParaRPr lang="en-US" sz="1100" dirty="0">
+              <a:solidFill>
+                <a:srgbClr val="FF0000"/>
+              </a:solidFill>
+              <a:latin typeface="Tahoma" panose="020B0604030504040204" pitchFamily="34" charset="0"/>
+              <a:ea typeface="Tahoma" panose="020B0604030504040204" pitchFamily="34" charset="0"/>
+              <a:cs typeface="Tahoma" panose="020B0604030504040204" pitchFamily="34" charset="0"/>
+            </a:endParaRPr>
+          </a:p>
+        </p:txBody>
+      </p:sp>
+      <p:sp>
+        <p:nvSpPr>
+          <p:cNvPr id="182" name="Plus 181"/>
+          <p:cNvSpPr/>
+          <p:nvPr/>
+        </p:nvSpPr>
+        <p:spPr>
+          <a:xfrm>
+            <a:off x="3102394" y="2289319"/>
+            <a:ext cx="182880" cy="182880"/>
+          </a:xfrm>
+          <a:prstGeom prst="mathPlus">
+            <a:avLst>
+              <a:gd name="adj1" fmla="val 7304"/>
+            </a:avLst>
+          </a:prstGeom>
+          <a:solidFill>
+            <a:schemeClr val="tx1"/>
+          </a:solidFill>
+          <a:ln>
+            <a:noFill/>
+          </a:ln>
+        </p:spPr>
+        <p:style>
+          <a:lnRef idx="2">
+            <a:schemeClr val="accent1">
+              <a:shade val="50000"/>
+            </a:schemeClr>
+          </a:lnRef>
+          <a:fillRef idx="1">
+            <a:schemeClr val="accent1"/>
+          </a:fillRef>
+          <a:effectRef idx="0">
+            <a:schemeClr val="accent1"/>
+          </a:effectRef>
+          <a:fontRef idx="minor">
+            <a:schemeClr val="lt1"/>
+          </a:fontRef>
+        </p:style>
+        <p:txBody>
+          <a:bodyPr rtlCol="0" anchor="ctr"/>
+          <a:lstStyle/>
+          <a:p>
+            <a:pPr algn="ctr"/>
+            <a:endParaRPr lang="en-US"/>
+          </a:p>
+        </p:txBody>
+      </p:sp>
+      <p:sp>
+        <p:nvSpPr>
+          <p:cNvPr id="196" name="TextBox 195"/>
+          <p:cNvSpPr txBox="1"/>
+          <p:nvPr/>
+        </p:nvSpPr>
+        <p:spPr>
+          <a:xfrm rot="5400000">
+            <a:off x="553897" y="2298519"/>
+            <a:ext cx="829784" cy="200055"/>
+          </a:xfrm>
+          <a:prstGeom prst="rect">
+            <a:avLst/>
+          </a:prstGeom>
+          <a:noFill/>
+        </p:spPr>
+        <p:txBody>
+          <a:bodyPr wrap="square" rtlCol="0">
+            <a:spAutoFit/>
+          </a:bodyPr>
+          <a:lstStyle/>
+          <a:p>
+            <a:pPr algn="ctr"/>
+            <a:r>
+              <a:rPr lang="en-US" sz="700" dirty="0" smtClean="0">
+                <a:latin typeface="Tahoma" panose="020B0604030504040204" pitchFamily="34" charset="0"/>
+                <a:ea typeface="Tahoma" panose="020B0604030504040204" pitchFamily="34" charset="0"/>
+                <a:cs typeface="Tahoma" panose="020B0604030504040204" pitchFamily="34" charset="0"/>
+              </a:rPr>
+              <a:t>(2048, 45, 80)</a:t>
+            </a:r>
+            <a:endParaRPr lang="en-US" sz="700" dirty="0">
+              <a:latin typeface="Tahoma" panose="020B0604030504040204" pitchFamily="34" charset="0"/>
+              <a:ea typeface="Tahoma" panose="020B0604030504040204" pitchFamily="34" charset="0"/>
+              <a:cs typeface="Tahoma" panose="020B0604030504040204" pitchFamily="34" charset="0"/>
+            </a:endParaRPr>
+          </a:p>
+        </p:txBody>
+      </p:sp>
+      <p:sp>
+        <p:nvSpPr>
+          <p:cNvPr id="197" name="TextBox 196"/>
+          <p:cNvSpPr txBox="1"/>
+          <p:nvPr/>
+        </p:nvSpPr>
+        <p:spPr>
+          <a:xfrm rot="5400000">
+            <a:off x="3467381" y="2292093"/>
+            <a:ext cx="829784" cy="200055"/>
+          </a:xfrm>
+          <a:prstGeom prst="rect">
+            <a:avLst/>
+          </a:prstGeom>
+          <a:noFill/>
+        </p:spPr>
+        <p:txBody>
+          <a:bodyPr wrap="square" rtlCol="0">
+            <a:spAutoFit/>
+          </a:bodyPr>
+          <a:lstStyle/>
+          <a:p>
+            <a:pPr algn="ctr"/>
+            <a:r>
+              <a:rPr lang="en-US" sz="700" dirty="0" smtClean="0">
+                <a:latin typeface="Tahoma" panose="020B0604030504040204" pitchFamily="34" charset="0"/>
+                <a:ea typeface="Tahoma" panose="020B0604030504040204" pitchFamily="34" charset="0"/>
+                <a:cs typeface="Tahoma" panose="020B0604030504040204" pitchFamily="34" charset="0"/>
+              </a:rPr>
+              <a:t>(4096, 45, 80)</a:t>
+            </a:r>
+            <a:endParaRPr lang="en-US" sz="700" dirty="0">
+              <a:latin typeface="Tahoma" panose="020B0604030504040204" pitchFamily="34" charset="0"/>
+              <a:ea typeface="Tahoma" panose="020B0604030504040204" pitchFamily="34" charset="0"/>
+              <a:cs typeface="Tahoma" panose="020B0604030504040204" pitchFamily="34" charset="0"/>
+            </a:endParaRPr>
+          </a:p>
+        </p:txBody>
+      </p:sp>
+    </p:spTree>
+    <p:extLst>
+      <p:ext uri="{BB962C8B-B14F-4D97-AF65-F5344CB8AC3E}">
+        <p14:creationId xmlns:p14="http://schemas.microsoft.com/office/powerpoint/2010/main" val="4231972856"/>
+      </p:ext>
+    </p:extLst>
+  </p:cSld>
+  <p:clrMapOvr>
+    <a:masterClrMapping/>
+  </p:clrMapOvr>
+</p:sld>
+</file>
+
+<file path=ppt/slides/slide6.xml><?xml version="1.0" encoding="utf-8"?>
+<p:sld xmlns:a="http://schemas.openxmlformats.org/drawingml/2006/main" xmlns:r="http://schemas.openxmlformats.org/officeDocument/2006/relationships" xmlns:p="http://schemas.openxmlformats.org/presentationml/2006/main">
+  <p:cSld>
+    <p:spTree>
+      <p:nvGrpSpPr>
+        <p:cNvPr id="1" name=""/>
+        <p:cNvGrpSpPr/>
+        <p:nvPr/>
+      </p:nvGrpSpPr>
+      <p:grpSpPr>
+        <a:xfrm>
+          <a:off x="0" y="0"/>
+          <a:ext cx="0" cy="0"/>
+          <a:chOff x="0" y="0"/>
+          <a:chExt cx="0" cy="0"/>
+        </a:xfrm>
+      </p:grpSpPr>
+      <p:cxnSp>
+        <p:nvCxnSpPr>
+          <p:cNvPr id="59" name="Straight Arrow Connector 58"/>
+          <p:cNvCxnSpPr>
+            <a:stCxn id="56" idx="2"/>
+            <a:endCxn id="57" idx="0"/>
+          </p:cNvCxnSpPr>
+          <p:nvPr/>
+        </p:nvCxnSpPr>
+        <p:spPr>
+          <a:xfrm>
+            <a:off x="571124" y="2068941"/>
+            <a:ext cx="0" cy="273369"/>
+          </a:xfrm>
+          <a:prstGeom prst="straightConnector1">
+            <a:avLst/>
+          </a:prstGeom>
+          <a:ln>
+            <a:solidFill>
+              <a:schemeClr val="tx1"/>
+            </a:solidFill>
+            <a:tailEnd type="triangle"/>
+          </a:ln>
+        </p:spPr>
+        <p:style>
+          <a:lnRef idx="1">
+            <a:schemeClr val="accent1"/>
+          </a:lnRef>
+          <a:fillRef idx="0">
+            <a:schemeClr val="accent1"/>
+          </a:fillRef>
+          <a:effectRef idx="0">
+            <a:schemeClr val="accent1"/>
+          </a:effectRef>
+          <a:fontRef idx="minor">
+            <a:schemeClr val="tx1"/>
+          </a:fontRef>
+        </p:style>
+      </p:cxnSp>
+      <p:cxnSp>
+        <p:nvCxnSpPr>
+          <p:cNvPr id="60" name="Straight Arrow Connector 59"/>
+          <p:cNvCxnSpPr>
+            <a:stCxn id="57" idx="2"/>
+            <a:endCxn id="58" idx="0"/>
+          </p:cNvCxnSpPr>
+          <p:nvPr/>
+        </p:nvCxnSpPr>
+        <p:spPr>
+          <a:xfrm>
+            <a:off x="571124" y="2544127"/>
+            <a:ext cx="0" cy="310557"/>
+          </a:xfrm>
+          <a:prstGeom prst="straightConnector1">
+            <a:avLst/>
+          </a:prstGeom>
+          <a:ln>
+            <a:solidFill>
+              <a:schemeClr val="tx1"/>
+            </a:solidFill>
+            <a:tailEnd type="triangle"/>
+          </a:ln>
+        </p:spPr>
+        <p:style>
+          <a:lnRef idx="1">
+            <a:schemeClr val="accent1"/>
+          </a:lnRef>
+          <a:fillRef idx="0">
+            <a:schemeClr val="accent1"/>
+          </a:fillRef>
+          <a:effectRef idx="0">
+            <a:schemeClr val="accent1"/>
+          </a:effectRef>
+          <a:fontRef idx="minor">
+            <a:schemeClr val="tx1"/>
+          </a:fontRef>
+        </p:style>
+      </p:cxnSp>
+      <p:grpSp>
+        <p:nvGrpSpPr>
+          <p:cNvPr id="111" name="Group 110"/>
+          <p:cNvGrpSpPr/>
+          <p:nvPr/>
+        </p:nvGrpSpPr>
+        <p:grpSpPr>
+          <a:xfrm>
+            <a:off x="174508" y="1867124"/>
+            <a:ext cx="793232" cy="1752600"/>
+            <a:chOff x="227848" y="1867124"/>
+            <a:chExt cx="793232" cy="1752600"/>
+          </a:xfrm>
+        </p:grpSpPr>
+        <p:sp>
+          <p:nvSpPr>
+            <p:cNvPr id="56" name="Rounded Rectangle 55"/>
+            <p:cNvSpPr/>
+            <p:nvPr/>
+          </p:nvSpPr>
+          <p:spPr>
+            <a:xfrm>
+              <a:off x="227848" y="1867124"/>
+              <a:ext cx="793232" cy="201817"/>
+            </a:xfrm>
+            <a:prstGeom prst="roundRect">
+              <a:avLst/>
+            </a:prstGeom>
+            <a:solidFill>
+              <a:schemeClr val="accent4">
+                <a:lumMod val="20000"/>
+                <a:lumOff val="80000"/>
+              </a:schemeClr>
+            </a:solidFill>
+            <a:ln>
+              <a:solidFill>
+                <a:schemeClr val="bg1">
+                  <a:lumMod val="75000"/>
+                </a:schemeClr>
+              </a:solidFill>
+            </a:ln>
+          </p:spPr>
+          <p:style>
+            <a:lnRef idx="2">
+              <a:schemeClr val="accent1">
+                <a:shade val="50000"/>
+              </a:schemeClr>
+            </a:lnRef>
+            <a:fillRef idx="1">
+              <a:schemeClr val="accent1"/>
+            </a:fillRef>
+            <a:effectRef idx="0">
+              <a:schemeClr val="accent1"/>
+            </a:effectRef>
+            <a:fontRef idx="minor">
+              <a:schemeClr val="lt1"/>
+            </a:fontRef>
+          </p:style>
+          <p:txBody>
+            <a:bodyPr rot="0" spcFirstLastPara="0" vertOverflow="overflow" horzOverflow="overflow" vert="horz" wrap="square" lIns="51435" tIns="25718" rIns="51435" bIns="25718" numCol="1" spcCol="0" rtlCol="0" fromWordArt="0" anchor="ctr" anchorCtr="0" forceAA="0" compatLnSpc="1">
+              <a:prstTxWarp prst="textNoShape">
+                <a:avLst/>
+              </a:prstTxWarp>
+              <a:noAutofit/>
+            </a:bodyPr>
+            <a:lstStyle/>
+            <a:p>
+              <a:pPr algn="ctr"/>
+              <a:r>
+                <a:rPr lang="en-US" sz="900" b="1" dirty="0" smtClean="0">
+                  <a:solidFill>
+                    <a:schemeClr val="accent1">
+                      <a:lumMod val="50000"/>
+                    </a:schemeClr>
+                  </a:solidFill>
+                  <a:latin typeface="Tahoma" panose="020B0604030504040204" pitchFamily="34" charset="0"/>
+                  <a:ea typeface="Tahoma" panose="020B0604030504040204" pitchFamily="34" charset="0"/>
+                  <a:cs typeface="Tahoma" panose="020B0604030504040204" pitchFamily="34" charset="0"/>
+                </a:rPr>
+                <a:t>Layer 1</a:t>
+              </a:r>
+              <a:endParaRPr lang="en-US" sz="900" b="1" dirty="0">
+                <a:solidFill>
+                  <a:schemeClr val="accent1">
+                    <a:lumMod val="50000"/>
+                  </a:schemeClr>
+                </a:solidFill>
+                <a:latin typeface="Tahoma" panose="020B0604030504040204" pitchFamily="34" charset="0"/>
+                <a:ea typeface="Tahoma" panose="020B0604030504040204" pitchFamily="34" charset="0"/>
+                <a:cs typeface="Tahoma" panose="020B0604030504040204" pitchFamily="34" charset="0"/>
+              </a:endParaRPr>
+            </a:p>
+          </p:txBody>
+        </p:sp>
+        <p:sp>
+          <p:nvSpPr>
+            <p:cNvPr id="57" name="Rounded Rectangle 56"/>
+            <p:cNvSpPr/>
+            <p:nvPr/>
+          </p:nvSpPr>
+          <p:spPr>
+            <a:xfrm>
+              <a:off x="227848" y="2342310"/>
+              <a:ext cx="793232" cy="201817"/>
+            </a:xfrm>
+            <a:prstGeom prst="roundRect">
+              <a:avLst/>
+            </a:prstGeom>
+            <a:solidFill>
+              <a:schemeClr val="accent4">
+                <a:lumMod val="20000"/>
+                <a:lumOff val="80000"/>
+              </a:schemeClr>
+            </a:solidFill>
+            <a:ln>
+              <a:solidFill>
+                <a:schemeClr val="bg1">
+                  <a:lumMod val="75000"/>
+                </a:schemeClr>
+              </a:solidFill>
+            </a:ln>
+          </p:spPr>
+          <p:style>
+            <a:lnRef idx="2">
+              <a:schemeClr val="accent1">
+                <a:shade val="50000"/>
+              </a:schemeClr>
+            </a:lnRef>
+            <a:fillRef idx="1">
+              <a:schemeClr val="accent1"/>
+            </a:fillRef>
+            <a:effectRef idx="0">
+              <a:schemeClr val="accent1"/>
+            </a:effectRef>
+            <a:fontRef idx="minor">
+              <a:schemeClr val="lt1"/>
+            </a:fontRef>
+          </p:style>
+          <p:txBody>
+            <a:bodyPr rot="0" spcFirstLastPara="0" vertOverflow="overflow" horzOverflow="overflow" vert="horz" wrap="square" lIns="51435" tIns="25718" rIns="51435" bIns="25718" numCol="1" spcCol="0" rtlCol="0" fromWordArt="0" anchor="ctr" anchorCtr="0" forceAA="0" compatLnSpc="1">
+              <a:prstTxWarp prst="textNoShape">
+                <a:avLst/>
+              </a:prstTxWarp>
+              <a:noAutofit/>
+            </a:bodyPr>
+            <a:lstStyle/>
+            <a:p>
+              <a:pPr algn="ctr"/>
+              <a:r>
+                <a:rPr lang="en-US" sz="900" b="1" dirty="0" smtClean="0">
+                  <a:solidFill>
+                    <a:schemeClr val="accent1">
+                      <a:lumMod val="50000"/>
+                    </a:schemeClr>
+                  </a:solidFill>
+                  <a:latin typeface="Tahoma" panose="020B0604030504040204" pitchFamily="34" charset="0"/>
+                  <a:ea typeface="Tahoma" panose="020B0604030504040204" pitchFamily="34" charset="0"/>
+                  <a:cs typeface="Tahoma" panose="020B0604030504040204" pitchFamily="34" charset="0"/>
+                </a:rPr>
+                <a:t>Layer2</a:t>
+              </a:r>
+              <a:endParaRPr lang="en-US" sz="900" b="1" dirty="0">
+                <a:solidFill>
+                  <a:schemeClr val="accent1">
+                    <a:lumMod val="50000"/>
+                  </a:schemeClr>
+                </a:solidFill>
+                <a:latin typeface="Tahoma" panose="020B0604030504040204" pitchFamily="34" charset="0"/>
+                <a:ea typeface="Tahoma" panose="020B0604030504040204" pitchFamily="34" charset="0"/>
+                <a:cs typeface="Tahoma" panose="020B0604030504040204" pitchFamily="34" charset="0"/>
+              </a:endParaRPr>
+            </a:p>
+          </p:txBody>
+        </p:sp>
+        <p:sp>
+          <p:nvSpPr>
+            <p:cNvPr id="58" name="Rounded Rectangle 57"/>
+            <p:cNvSpPr/>
+            <p:nvPr/>
+          </p:nvSpPr>
+          <p:spPr>
+            <a:xfrm>
+              <a:off x="227848" y="2854684"/>
+              <a:ext cx="793232" cy="201817"/>
+            </a:xfrm>
+            <a:prstGeom prst="roundRect">
+              <a:avLst/>
+            </a:prstGeom>
+            <a:solidFill>
+              <a:schemeClr val="accent4">
+                <a:lumMod val="20000"/>
+                <a:lumOff val="80000"/>
+              </a:schemeClr>
+            </a:solidFill>
+            <a:ln>
+              <a:solidFill>
+                <a:schemeClr val="bg1">
+                  <a:lumMod val="75000"/>
+                </a:schemeClr>
+              </a:solidFill>
+            </a:ln>
+          </p:spPr>
+          <p:style>
+            <a:lnRef idx="2">
+              <a:schemeClr val="accent1">
+                <a:shade val="50000"/>
+              </a:schemeClr>
+            </a:lnRef>
+            <a:fillRef idx="1">
+              <a:schemeClr val="accent1"/>
+            </a:fillRef>
+            <a:effectRef idx="0">
+              <a:schemeClr val="accent1"/>
+            </a:effectRef>
+            <a:fontRef idx="minor">
+              <a:schemeClr val="lt1"/>
+            </a:fontRef>
+          </p:style>
+          <p:txBody>
+            <a:bodyPr rot="0" spcFirstLastPara="0" vertOverflow="overflow" horzOverflow="overflow" vert="horz" wrap="square" lIns="51435" tIns="25718" rIns="51435" bIns="25718" numCol="1" spcCol="0" rtlCol="0" fromWordArt="0" anchor="ctr" anchorCtr="0" forceAA="0" compatLnSpc="1">
+              <a:prstTxWarp prst="textNoShape">
+                <a:avLst/>
+              </a:prstTxWarp>
+              <a:noAutofit/>
+            </a:bodyPr>
+            <a:lstStyle/>
+            <a:p>
+              <a:pPr algn="ctr"/>
+              <a:r>
+                <a:rPr lang="en-US" sz="900" b="1" dirty="0" smtClean="0">
+                  <a:solidFill>
+                    <a:schemeClr val="accent1">
+                      <a:lumMod val="50000"/>
+                    </a:schemeClr>
+                  </a:solidFill>
+                  <a:latin typeface="Tahoma" panose="020B0604030504040204" pitchFamily="34" charset="0"/>
+                  <a:ea typeface="Tahoma" panose="020B0604030504040204" pitchFamily="34" charset="0"/>
+                  <a:cs typeface="Tahoma" panose="020B0604030504040204" pitchFamily="34" charset="0"/>
+                </a:rPr>
+                <a:t>Layer 3</a:t>
+              </a:r>
+              <a:endParaRPr lang="en-US" sz="900" b="1" dirty="0">
+                <a:solidFill>
+                  <a:schemeClr val="accent1">
+                    <a:lumMod val="50000"/>
+                  </a:schemeClr>
+                </a:solidFill>
+                <a:latin typeface="Tahoma" panose="020B0604030504040204" pitchFamily="34" charset="0"/>
+                <a:ea typeface="Tahoma" panose="020B0604030504040204" pitchFamily="34" charset="0"/>
+                <a:cs typeface="Tahoma" panose="020B0604030504040204" pitchFamily="34" charset="0"/>
+              </a:endParaRPr>
+            </a:p>
+          </p:txBody>
+        </p:sp>
+        <p:sp>
+          <p:nvSpPr>
+            <p:cNvPr id="63" name="Rounded Rectangle 62"/>
+            <p:cNvSpPr/>
+            <p:nvPr/>
+          </p:nvSpPr>
+          <p:spPr>
+            <a:xfrm>
+              <a:off x="227848" y="3417907"/>
+              <a:ext cx="793232" cy="201817"/>
+            </a:xfrm>
+            <a:prstGeom prst="roundRect">
+              <a:avLst/>
+            </a:prstGeom>
+            <a:solidFill>
+              <a:schemeClr val="accent4">
+                <a:lumMod val="20000"/>
+                <a:lumOff val="80000"/>
+              </a:schemeClr>
+            </a:solidFill>
+            <a:ln>
+              <a:solidFill>
+                <a:schemeClr val="bg1">
+                  <a:lumMod val="75000"/>
+                </a:schemeClr>
+              </a:solidFill>
+            </a:ln>
+          </p:spPr>
+          <p:style>
+            <a:lnRef idx="2">
+              <a:schemeClr val="accent1">
+                <a:shade val="50000"/>
+              </a:schemeClr>
+            </a:lnRef>
+            <a:fillRef idx="1">
+              <a:schemeClr val="accent1"/>
+            </a:fillRef>
+            <a:effectRef idx="0">
+              <a:schemeClr val="accent1"/>
+            </a:effectRef>
+            <a:fontRef idx="minor">
+              <a:schemeClr val="lt1"/>
+            </a:fontRef>
+          </p:style>
+          <p:txBody>
+            <a:bodyPr rot="0" spcFirstLastPara="0" vertOverflow="overflow" horzOverflow="overflow" vert="horz" wrap="square" lIns="51435" tIns="25718" rIns="51435" bIns="25718" numCol="1" spcCol="0" rtlCol="0" fromWordArt="0" anchor="ctr" anchorCtr="0" forceAA="0" compatLnSpc="1">
+              <a:prstTxWarp prst="textNoShape">
+                <a:avLst/>
+              </a:prstTxWarp>
+              <a:noAutofit/>
+            </a:bodyPr>
+            <a:lstStyle/>
+            <a:p>
+              <a:pPr algn="ctr"/>
+              <a:r>
+                <a:rPr lang="en-US" sz="900" b="1" dirty="0" smtClean="0">
+                  <a:solidFill>
+                    <a:schemeClr val="accent1">
+                      <a:lumMod val="50000"/>
+                    </a:schemeClr>
+                  </a:solidFill>
+                  <a:latin typeface="Tahoma" panose="020B0604030504040204" pitchFamily="34" charset="0"/>
+                  <a:ea typeface="Tahoma" panose="020B0604030504040204" pitchFamily="34" charset="0"/>
+                  <a:cs typeface="Tahoma" panose="020B0604030504040204" pitchFamily="34" charset="0"/>
+                </a:rPr>
+                <a:t>Layer4</a:t>
+              </a:r>
+              <a:endParaRPr lang="en-US" sz="900" b="1" dirty="0">
+                <a:solidFill>
+                  <a:schemeClr val="accent1">
+                    <a:lumMod val="50000"/>
+                  </a:schemeClr>
+                </a:solidFill>
+                <a:latin typeface="Tahoma" panose="020B0604030504040204" pitchFamily="34" charset="0"/>
+                <a:ea typeface="Tahoma" panose="020B0604030504040204" pitchFamily="34" charset="0"/>
+                <a:cs typeface="Tahoma" panose="020B0604030504040204" pitchFamily="34" charset="0"/>
+              </a:endParaRPr>
+            </a:p>
+          </p:txBody>
+        </p:sp>
+      </p:grpSp>
+      <p:cxnSp>
+        <p:nvCxnSpPr>
+          <p:cNvPr id="68" name="Straight Arrow Connector 67"/>
+          <p:cNvCxnSpPr>
+            <a:stCxn id="58" idx="2"/>
+            <a:endCxn id="63" idx="0"/>
+          </p:cNvCxnSpPr>
+          <p:nvPr/>
+        </p:nvCxnSpPr>
+        <p:spPr>
+          <a:xfrm>
+            <a:off x="571124" y="3056501"/>
+            <a:ext cx="0" cy="361406"/>
+          </a:xfrm>
+          <a:prstGeom prst="straightConnector1">
+            <a:avLst/>
+          </a:prstGeom>
+          <a:ln>
+            <a:solidFill>
+              <a:schemeClr val="tx1"/>
+            </a:solidFill>
+            <a:tailEnd type="triangle"/>
+          </a:ln>
+        </p:spPr>
+        <p:style>
+          <a:lnRef idx="1">
+            <a:schemeClr val="accent1"/>
+          </a:lnRef>
+          <a:fillRef idx="0">
+            <a:schemeClr val="accent1"/>
+          </a:fillRef>
+          <a:effectRef idx="0">
+            <a:schemeClr val="accent1"/>
+          </a:effectRef>
+          <a:fontRef idx="minor">
+            <a:schemeClr val="tx1"/>
+          </a:fontRef>
+        </p:style>
+      </p:cxnSp>
+      <p:cxnSp>
+        <p:nvCxnSpPr>
+          <p:cNvPr id="71" name="Straight Arrow Connector 70"/>
+          <p:cNvCxnSpPr>
+            <a:stCxn id="63" idx="3"/>
+            <a:endCxn id="190" idx="1"/>
+          </p:cNvCxnSpPr>
+          <p:nvPr/>
+        </p:nvCxnSpPr>
+        <p:spPr>
+          <a:xfrm flipV="1">
+            <a:off x="967740" y="3507507"/>
+            <a:ext cx="296526" cy="11309"/>
+          </a:xfrm>
+          <a:prstGeom prst="straightConnector1">
+            <a:avLst/>
+          </a:prstGeom>
+          <a:ln>
+            <a:solidFill>
+              <a:schemeClr val="tx1"/>
+            </a:solidFill>
+            <a:tailEnd type="triangle"/>
+          </a:ln>
+        </p:spPr>
+        <p:style>
+          <a:lnRef idx="1">
+            <a:schemeClr val="accent1"/>
+          </a:lnRef>
+          <a:fillRef idx="0">
+            <a:schemeClr val="accent1"/>
+          </a:fillRef>
+          <a:effectRef idx="0">
+            <a:schemeClr val="accent1"/>
+          </a:effectRef>
+          <a:fontRef idx="minor">
+            <a:schemeClr val="tx1"/>
+          </a:fontRef>
+        </p:style>
+      </p:cxnSp>
+      <p:cxnSp>
+        <p:nvCxnSpPr>
+          <p:cNvPr id="94" name="Straight Arrow Connector 93"/>
+          <p:cNvCxnSpPr>
+            <a:stCxn id="58" idx="3"/>
+            <a:endCxn id="80" idx="1"/>
+          </p:cNvCxnSpPr>
+          <p:nvPr/>
+        </p:nvCxnSpPr>
+        <p:spPr>
+          <a:xfrm flipV="1">
+            <a:off x="967740" y="2955592"/>
+            <a:ext cx="1104900" cy="1"/>
+          </a:xfrm>
+          <a:prstGeom prst="straightConnector1">
+            <a:avLst/>
+          </a:prstGeom>
+          <a:ln>
+            <a:solidFill>
+              <a:schemeClr val="tx1"/>
+            </a:solidFill>
+            <a:tailEnd type="triangle"/>
+          </a:ln>
+        </p:spPr>
+        <p:style>
+          <a:lnRef idx="1">
+            <a:schemeClr val="accent1"/>
+          </a:lnRef>
+          <a:fillRef idx="0">
+            <a:schemeClr val="accent1"/>
+          </a:fillRef>
+          <a:effectRef idx="0">
+            <a:schemeClr val="accent1"/>
+          </a:effectRef>
+          <a:fontRef idx="minor">
+            <a:schemeClr val="tx1"/>
+          </a:fontRef>
+        </p:style>
+      </p:cxnSp>
+      <p:sp>
+        <p:nvSpPr>
+          <p:cNvPr id="139" name="TextBox 138"/>
+          <p:cNvSpPr txBox="1"/>
+          <p:nvPr/>
+        </p:nvSpPr>
+        <p:spPr>
+          <a:xfrm>
+            <a:off x="6108892" y="3092638"/>
+            <a:ext cx="548640" cy="307777"/>
+          </a:xfrm>
+          <a:prstGeom prst="rect">
+            <a:avLst/>
+          </a:prstGeom>
+          <a:noFill/>
+          <a:ln>
+            <a:solidFill>
+              <a:schemeClr val="bg1">
+                <a:lumMod val="50000"/>
+              </a:schemeClr>
+            </a:solidFill>
+          </a:ln>
+        </p:spPr>
+        <p:txBody>
+          <a:bodyPr wrap="square" rtlCol="0" anchor="ctr">
+            <a:spAutoFit/>
+          </a:bodyPr>
+          <a:lstStyle/>
+          <a:p>
+            <a:pPr algn="ctr"/>
+            <a:r>
+              <a:rPr lang="en-US" sz="700" dirty="0" smtClean="0">
+                <a:latin typeface="Tahoma" panose="020B0604030504040204" pitchFamily="34" charset="0"/>
+                <a:ea typeface="Tahoma" panose="020B0604030504040204" pitchFamily="34" charset="0"/>
+                <a:cs typeface="Tahoma" panose="020B0604030504040204" pitchFamily="34" charset="0"/>
+              </a:rPr>
+              <a:t>TOTAL LOSS</a:t>
+            </a:r>
+          </a:p>
+        </p:txBody>
+      </p:sp>
+      <p:cxnSp>
+        <p:nvCxnSpPr>
+          <p:cNvPr id="100" name="Elbow Connector 99"/>
+          <p:cNvCxnSpPr>
+            <a:stCxn id="127" idx="3"/>
+            <a:endCxn id="139" idx="1"/>
+          </p:cNvCxnSpPr>
+          <p:nvPr/>
+        </p:nvCxnSpPr>
+        <p:spPr>
+          <a:xfrm>
+            <a:off x="5727892" y="2955592"/>
+            <a:ext cx="381000" cy="290935"/>
+          </a:xfrm>
+          <a:prstGeom prst="bentConnector3">
+            <a:avLst/>
+          </a:prstGeom>
+          <a:ln>
+            <a:solidFill>
+              <a:schemeClr val="tx1"/>
+            </a:solidFill>
+            <a:tailEnd type="triangle"/>
+          </a:ln>
+        </p:spPr>
+        <p:style>
+          <a:lnRef idx="1">
+            <a:schemeClr val="accent1"/>
+          </a:lnRef>
+          <a:fillRef idx="0">
+            <a:schemeClr val="accent1"/>
+          </a:fillRef>
+          <a:effectRef idx="0">
+            <a:schemeClr val="accent1"/>
+          </a:effectRef>
+          <a:fontRef idx="minor">
+            <a:schemeClr val="tx1"/>
+          </a:fontRef>
+        </p:style>
+      </p:cxnSp>
+      <p:cxnSp>
+        <p:nvCxnSpPr>
+          <p:cNvPr id="142" name="Elbow Connector 141"/>
+          <p:cNvCxnSpPr>
+            <a:stCxn id="128" idx="3"/>
+            <a:endCxn id="139" idx="1"/>
+          </p:cNvCxnSpPr>
+          <p:nvPr/>
+        </p:nvCxnSpPr>
+        <p:spPr>
+          <a:xfrm flipV="1">
+            <a:off x="5735512" y="3246527"/>
+            <a:ext cx="373380" cy="260981"/>
+          </a:xfrm>
+          <a:prstGeom prst="bentConnector3">
+            <a:avLst/>
+          </a:prstGeom>
+          <a:ln>
+            <a:solidFill>
+              <a:schemeClr val="tx1"/>
+            </a:solidFill>
+            <a:tailEnd type="triangle"/>
+          </a:ln>
+        </p:spPr>
+        <p:style>
+          <a:lnRef idx="1">
+            <a:schemeClr val="accent1"/>
+          </a:lnRef>
+          <a:fillRef idx="0">
+            <a:schemeClr val="accent1"/>
+          </a:fillRef>
+          <a:effectRef idx="0">
+            <a:schemeClr val="accent1"/>
+          </a:effectRef>
+          <a:fontRef idx="minor">
+            <a:schemeClr val="tx1"/>
+          </a:fontRef>
+        </p:style>
+      </p:cxnSp>
+      <p:sp>
+        <p:nvSpPr>
+          <p:cNvPr id="151" name="TextBox 150"/>
+          <p:cNvSpPr txBox="1"/>
+          <p:nvPr/>
+        </p:nvSpPr>
+        <p:spPr>
+          <a:xfrm>
+            <a:off x="3025270" y="2488288"/>
+            <a:ext cx="1542434" cy="230832"/>
+          </a:xfrm>
+          <a:prstGeom prst="rect">
+            <a:avLst/>
+          </a:prstGeom>
+          <a:noFill/>
+        </p:spPr>
+        <p:txBody>
+          <a:bodyPr wrap="square" rtlCol="0">
+            <a:spAutoFit/>
+          </a:bodyPr>
+          <a:lstStyle/>
+          <a:p>
+            <a:pPr algn="ctr"/>
+            <a:r>
+              <a:rPr lang="en-US" sz="900" b="1" dirty="0" smtClean="0">
+                <a:solidFill>
+                  <a:srgbClr val="FF0000"/>
+                </a:solidFill>
+                <a:latin typeface="Tahoma" panose="020B0604030504040204" pitchFamily="34" charset="0"/>
+                <a:ea typeface="Tahoma" panose="020B0604030504040204" pitchFamily="34" charset="0"/>
+                <a:cs typeface="Tahoma" panose="020B0604030504040204" pitchFamily="34" charset="0"/>
+              </a:rPr>
+              <a:t>AUXILIARY BRANCH</a:t>
+            </a:r>
+            <a:endParaRPr lang="en-US" sz="900" b="1" dirty="0">
+              <a:solidFill>
+                <a:srgbClr val="FF0000"/>
+              </a:solidFill>
+              <a:latin typeface="Tahoma" panose="020B0604030504040204" pitchFamily="34" charset="0"/>
+              <a:ea typeface="Tahoma" panose="020B0604030504040204" pitchFamily="34" charset="0"/>
+              <a:cs typeface="Tahoma" panose="020B0604030504040204" pitchFamily="34" charset="0"/>
+            </a:endParaRPr>
+          </a:p>
+        </p:txBody>
+      </p:sp>
+      <p:sp>
+        <p:nvSpPr>
+          <p:cNvPr id="153" name="TextBox 152"/>
+          <p:cNvSpPr txBox="1"/>
+          <p:nvPr/>
+        </p:nvSpPr>
+        <p:spPr>
+          <a:xfrm>
+            <a:off x="3232600" y="3761348"/>
+            <a:ext cx="1127774" cy="230832"/>
+          </a:xfrm>
+          <a:prstGeom prst="rect">
+            <a:avLst/>
+          </a:prstGeom>
+          <a:noFill/>
+        </p:spPr>
+        <p:txBody>
+          <a:bodyPr wrap="square" rtlCol="0">
+            <a:spAutoFit/>
+          </a:bodyPr>
+          <a:lstStyle/>
+          <a:p>
+            <a:pPr algn="ctr"/>
+            <a:r>
+              <a:rPr lang="en-US" sz="900" b="1" dirty="0" smtClean="0">
+                <a:solidFill>
+                  <a:srgbClr val="0070C0"/>
+                </a:solidFill>
+                <a:latin typeface="Tahoma" panose="020B0604030504040204" pitchFamily="34" charset="0"/>
+                <a:ea typeface="Tahoma" panose="020B0604030504040204" pitchFamily="34" charset="0"/>
+                <a:cs typeface="Tahoma" panose="020B0604030504040204" pitchFamily="34" charset="0"/>
+              </a:rPr>
+              <a:t>MAIN BRANCH</a:t>
+            </a:r>
+            <a:endParaRPr lang="en-US" sz="900" b="1" dirty="0">
+              <a:solidFill>
+                <a:srgbClr val="0070C0"/>
+              </a:solidFill>
+              <a:latin typeface="Tahoma" panose="020B0604030504040204" pitchFamily="34" charset="0"/>
+              <a:ea typeface="Tahoma" panose="020B0604030504040204" pitchFamily="34" charset="0"/>
+              <a:cs typeface="Tahoma" panose="020B0604030504040204" pitchFamily="34" charset="0"/>
+            </a:endParaRPr>
+          </a:p>
+        </p:txBody>
+      </p:sp>
+      <p:grpSp>
+        <p:nvGrpSpPr>
+          <p:cNvPr id="115" name="Group 114"/>
+          <p:cNvGrpSpPr/>
+          <p:nvPr/>
+        </p:nvGrpSpPr>
+        <p:grpSpPr>
+          <a:xfrm>
+            <a:off x="5795932" y="2739010"/>
+            <a:ext cx="848708" cy="989369"/>
+            <a:chOff x="5795932" y="2739010"/>
+            <a:chExt cx="848708" cy="989369"/>
+          </a:xfrm>
+        </p:grpSpPr>
+        <p:sp>
+          <p:nvSpPr>
+            <p:cNvPr id="154" name="TextBox 153"/>
+            <p:cNvSpPr txBox="1"/>
+            <p:nvPr/>
+          </p:nvSpPr>
+          <p:spPr>
+            <a:xfrm>
+              <a:off x="5795932" y="3528324"/>
+              <a:ext cx="848708" cy="200055"/>
+            </a:xfrm>
+            <a:prstGeom prst="rect">
+              <a:avLst/>
+            </a:prstGeom>
+            <a:noFill/>
+          </p:spPr>
+          <p:txBody>
+            <a:bodyPr wrap="square" rtlCol="0">
+              <a:spAutoFit/>
+            </a:bodyPr>
+            <a:lstStyle/>
+            <a:p>
+              <a:pPr algn="ctr"/>
+              <a:r>
+                <a:rPr lang="en-US" sz="700" b="1" dirty="0" smtClean="0">
+                  <a:latin typeface="Tahoma" panose="020B0604030504040204" pitchFamily="34" charset="0"/>
+                  <a:ea typeface="Tahoma" panose="020B0604030504040204" pitchFamily="34" charset="0"/>
+                  <a:cs typeface="Tahoma" panose="020B0604030504040204" pitchFamily="34" charset="0"/>
+                </a:rPr>
+                <a:t>* (1 – ALPHA)</a:t>
+              </a:r>
+              <a:endParaRPr lang="en-US" sz="700" b="1" dirty="0">
+                <a:latin typeface="Tahoma" panose="020B0604030504040204" pitchFamily="34" charset="0"/>
+                <a:ea typeface="Tahoma" panose="020B0604030504040204" pitchFamily="34" charset="0"/>
+                <a:cs typeface="Tahoma" panose="020B0604030504040204" pitchFamily="34" charset="0"/>
+              </a:endParaRPr>
+            </a:p>
+          </p:txBody>
+        </p:sp>
+        <p:sp>
+          <p:nvSpPr>
+            <p:cNvPr id="155" name="TextBox 154"/>
+            <p:cNvSpPr txBox="1"/>
+            <p:nvPr/>
+          </p:nvSpPr>
+          <p:spPr>
+            <a:xfrm>
+              <a:off x="5795932" y="2739010"/>
+              <a:ext cx="588548" cy="200055"/>
+            </a:xfrm>
+            <a:prstGeom prst="rect">
+              <a:avLst/>
+            </a:prstGeom>
+            <a:noFill/>
+          </p:spPr>
+          <p:txBody>
+            <a:bodyPr wrap="square" rtlCol="0">
+              <a:spAutoFit/>
+            </a:bodyPr>
+            <a:lstStyle/>
+            <a:p>
+              <a:pPr algn="ctr"/>
+              <a:r>
+                <a:rPr lang="en-US" sz="700" b="1" dirty="0" smtClean="0">
+                  <a:latin typeface="Tahoma" panose="020B0604030504040204" pitchFamily="34" charset="0"/>
+                  <a:ea typeface="Tahoma" panose="020B0604030504040204" pitchFamily="34" charset="0"/>
+                  <a:cs typeface="Tahoma" panose="020B0604030504040204" pitchFamily="34" charset="0"/>
+                </a:rPr>
+                <a:t>* ALPHA</a:t>
+              </a:r>
+              <a:endParaRPr lang="en-US" sz="700" b="1" dirty="0">
+                <a:latin typeface="Tahoma" panose="020B0604030504040204" pitchFamily="34" charset="0"/>
+                <a:ea typeface="Tahoma" panose="020B0604030504040204" pitchFamily="34" charset="0"/>
+                <a:cs typeface="Tahoma" panose="020B0604030504040204" pitchFamily="34" charset="0"/>
+              </a:endParaRPr>
+            </a:p>
+          </p:txBody>
+        </p:sp>
+      </p:grpSp>
+      <p:grpSp>
+        <p:nvGrpSpPr>
+          <p:cNvPr id="114" name="Group 113"/>
+          <p:cNvGrpSpPr/>
+          <p:nvPr/>
+        </p:nvGrpSpPr>
+        <p:grpSpPr>
+          <a:xfrm>
+            <a:off x="1900834" y="2739010"/>
+            <a:ext cx="3897986" cy="440534"/>
+            <a:chOff x="1847494" y="2739010"/>
+            <a:chExt cx="3897986" cy="440534"/>
+          </a:xfrm>
+        </p:grpSpPr>
+        <p:grpSp>
+          <p:nvGrpSpPr>
+            <p:cNvPr id="97" name="Group 96"/>
+            <p:cNvGrpSpPr/>
+            <p:nvPr/>
+          </p:nvGrpSpPr>
+          <p:grpSpPr>
+            <a:xfrm>
+              <a:off x="2019300" y="2795572"/>
+              <a:ext cx="3655252" cy="320040"/>
+              <a:chOff x="2141220" y="2673652"/>
+              <a:chExt cx="3655252" cy="320040"/>
+            </a:xfrm>
+          </p:grpSpPr>
+          <p:grpSp>
+            <p:nvGrpSpPr>
+              <p:cNvPr id="51" name="Group 50"/>
+              <p:cNvGrpSpPr/>
+              <p:nvPr/>
+            </p:nvGrpSpPr>
+            <p:grpSpPr>
+              <a:xfrm>
+                <a:off x="2141220" y="2673652"/>
+                <a:ext cx="2946038" cy="320040"/>
+                <a:chOff x="2240280" y="2666032"/>
+                <a:chExt cx="2946038" cy="320040"/>
+              </a:xfrm>
+            </p:grpSpPr>
+            <p:sp>
+              <p:nvSpPr>
+                <p:cNvPr id="80" name="TextBox 79"/>
+                <p:cNvSpPr txBox="1"/>
+                <p:nvPr/>
+              </p:nvSpPr>
+              <p:spPr>
+                <a:xfrm>
+                  <a:off x="2240280" y="2666032"/>
+                  <a:ext cx="868679" cy="320040"/>
+                </a:xfrm>
+                <a:prstGeom prst="rect">
+                  <a:avLst/>
+                </a:prstGeom>
+                <a:noFill/>
+                <a:ln>
+                  <a:solidFill>
+                    <a:schemeClr val="bg1">
+                      <a:lumMod val="50000"/>
+                    </a:schemeClr>
+                  </a:solidFill>
+                </a:ln>
+              </p:spPr>
+              <p:txBody>
+                <a:bodyPr wrap="square" rtlCol="0">
+                  <a:spAutoFit/>
+                </a:bodyPr>
+                <a:lstStyle/>
+                <a:p>
+                  <a:pPr algn="ctr"/>
+                  <a:r>
+                    <a:rPr lang="en-US" sz="700" dirty="0" smtClean="0">
+                      <a:solidFill>
+                        <a:srgbClr val="FF0000"/>
+                      </a:solidFill>
+                      <a:latin typeface="Tahoma" panose="020B0604030504040204" pitchFamily="34" charset="0"/>
+                      <a:ea typeface="Tahoma" panose="020B0604030504040204" pitchFamily="34" charset="0"/>
+                      <a:cs typeface="Tahoma" panose="020B0604030504040204" pitchFamily="34" charset="0"/>
+                    </a:rPr>
+                    <a:t>AUX CLASSIFIER HEAD</a:t>
+                  </a:r>
+                </a:p>
+              </p:txBody>
+            </p:sp>
+            <p:sp>
+              <p:nvSpPr>
+                <p:cNvPr id="82" name="TextBox 81"/>
+                <p:cNvSpPr txBox="1"/>
+                <p:nvPr/>
+              </p:nvSpPr>
+              <p:spPr>
+                <a:xfrm>
+                  <a:off x="3288384" y="2666032"/>
+                  <a:ext cx="868679" cy="320040"/>
+                </a:xfrm>
+                <a:prstGeom prst="rect">
+                  <a:avLst/>
+                </a:prstGeom>
+                <a:noFill/>
+                <a:ln>
+                  <a:solidFill>
+                    <a:schemeClr val="bg1">
+                      <a:lumMod val="50000"/>
+                    </a:schemeClr>
+                  </a:solidFill>
+                </a:ln>
+              </p:spPr>
+              <p:txBody>
+                <a:bodyPr wrap="square" rtlCol="0">
+                  <a:spAutoFit/>
+                </a:bodyPr>
+                <a:lstStyle>
+                  <a:defPPr>
+                    <a:defRPr lang="en-US"/>
+                  </a:defPPr>
+                  <a:lvl1pPr algn="ctr">
+                    <a:defRPr sz="700">
+                      <a:solidFill>
+                        <a:srgbClr val="FF0000"/>
+                      </a:solidFill>
+                      <a:latin typeface="Tahoma" panose="020B0604030504040204" pitchFamily="34" charset="0"/>
+                      <a:ea typeface="Tahoma" panose="020B0604030504040204" pitchFamily="34" charset="0"/>
+                      <a:cs typeface="Tahoma" panose="020B0604030504040204" pitchFamily="34" charset="0"/>
+                    </a:defRPr>
+                  </a:lvl1pPr>
+                </a:lstStyle>
+                <a:p>
+                  <a:r>
+                    <a:rPr lang="en-US" dirty="0"/>
+                    <a:t>BILINEAR </a:t>
+                  </a:r>
+                </a:p>
+                <a:p>
+                  <a:r>
+                    <a:rPr lang="en-US" dirty="0"/>
+                    <a:t>UP SAMPLING</a:t>
+                  </a:r>
+                </a:p>
+              </p:txBody>
+            </p:sp>
+            <p:sp>
+              <p:nvSpPr>
+                <p:cNvPr id="83" name="TextBox 82"/>
+                <p:cNvSpPr txBox="1"/>
+                <p:nvPr/>
+              </p:nvSpPr>
+              <p:spPr>
+                <a:xfrm>
+                  <a:off x="4317638" y="2666032"/>
+                  <a:ext cx="868680" cy="320040"/>
+                </a:xfrm>
+                <a:prstGeom prst="rect">
+                  <a:avLst/>
+                </a:prstGeom>
+                <a:noFill/>
+                <a:ln>
+                  <a:solidFill>
+                    <a:schemeClr val="bg1">
+                      <a:lumMod val="50000"/>
+                    </a:schemeClr>
+                  </a:solidFill>
+                </a:ln>
+              </p:spPr>
+              <p:txBody>
+                <a:bodyPr wrap="square" rtlCol="0">
+                  <a:spAutoFit/>
+                </a:bodyPr>
+                <a:lstStyle>
+                  <a:defPPr>
+                    <a:defRPr lang="en-US"/>
+                  </a:defPPr>
+                  <a:lvl1pPr algn="ctr">
+                    <a:defRPr sz="700">
+                      <a:solidFill>
+                        <a:srgbClr val="FF0000"/>
+                      </a:solidFill>
+                      <a:latin typeface="Tahoma" panose="020B0604030504040204" pitchFamily="34" charset="0"/>
+                      <a:ea typeface="Tahoma" panose="020B0604030504040204" pitchFamily="34" charset="0"/>
+                      <a:cs typeface="Tahoma" panose="020B0604030504040204" pitchFamily="34" charset="0"/>
+                    </a:defRPr>
+                  </a:lvl1pPr>
+                </a:lstStyle>
+                <a:p>
+                  <a:r>
+                    <a:rPr lang="en-US" dirty="0"/>
+                    <a:t>MAIN BRANCH PREDICTION</a:t>
+                  </a:r>
+                </a:p>
+              </p:txBody>
+            </p:sp>
+            <p:cxnSp>
+              <p:nvCxnSpPr>
+                <p:cNvPr id="85" name="Straight Arrow Connector 84"/>
+                <p:cNvCxnSpPr>
+                  <a:stCxn id="80" idx="3"/>
+                  <a:endCxn id="82" idx="1"/>
+                </p:cNvCxnSpPr>
+                <p:nvPr/>
+              </p:nvCxnSpPr>
+              <p:spPr>
+                <a:xfrm>
+                  <a:off x="3108959" y="2826052"/>
+                  <a:ext cx="179425" cy="0"/>
+                </a:xfrm>
+                <a:prstGeom prst="straightConnector1">
+                  <a:avLst/>
+                </a:prstGeom>
+                <a:ln>
+                  <a:solidFill>
+                    <a:schemeClr val="tx1"/>
+                  </a:solidFill>
+                  <a:tailEnd type="triangle"/>
+                </a:ln>
+              </p:spPr>
+              <p:style>
+                <a:lnRef idx="1">
+                  <a:schemeClr val="accent1"/>
+                </a:lnRef>
+                <a:fillRef idx="0">
+                  <a:schemeClr val="accent1"/>
+                </a:fillRef>
+                <a:effectRef idx="0">
+                  <a:schemeClr val="accent1"/>
+                </a:effectRef>
+                <a:fontRef idx="minor">
+                  <a:schemeClr val="tx1"/>
+                </a:fontRef>
+              </p:style>
+            </p:cxnSp>
+            <p:cxnSp>
+              <p:nvCxnSpPr>
+                <p:cNvPr id="89" name="Straight Arrow Connector 88"/>
+                <p:cNvCxnSpPr>
+                  <a:stCxn id="82" idx="3"/>
+                  <a:endCxn id="83" idx="1"/>
+                </p:cNvCxnSpPr>
+                <p:nvPr/>
+              </p:nvCxnSpPr>
+              <p:spPr>
+                <a:xfrm>
+                  <a:off x="4157063" y="2826052"/>
+                  <a:ext cx="160575" cy="0"/>
+                </a:xfrm>
+                <a:prstGeom prst="straightConnector1">
+                  <a:avLst/>
+                </a:prstGeom>
+                <a:ln>
+                  <a:solidFill>
+                    <a:schemeClr val="tx1"/>
+                  </a:solidFill>
+                  <a:tailEnd type="triangle"/>
+                </a:ln>
+              </p:spPr>
+              <p:style>
+                <a:lnRef idx="1">
+                  <a:schemeClr val="accent1"/>
+                </a:lnRef>
+                <a:fillRef idx="0">
+                  <a:schemeClr val="accent1"/>
+                </a:fillRef>
+                <a:effectRef idx="0">
+                  <a:schemeClr val="accent1"/>
+                </a:effectRef>
+                <a:fontRef idx="minor">
+                  <a:schemeClr val="tx1"/>
+                </a:fontRef>
+              </p:style>
+            </p:cxnSp>
+          </p:grpSp>
+          <p:sp>
+            <p:nvSpPr>
+              <p:cNvPr id="127" name="TextBox 126"/>
+              <p:cNvSpPr txBox="1"/>
+              <p:nvPr/>
+            </p:nvSpPr>
+            <p:spPr>
+              <a:xfrm>
+                <a:off x="5247832" y="2673652"/>
+                <a:ext cx="548640" cy="320040"/>
+              </a:xfrm>
+              <a:prstGeom prst="rect">
+                <a:avLst/>
+              </a:prstGeom>
+              <a:noFill/>
+              <a:ln>
+                <a:solidFill>
+                  <a:schemeClr val="bg1">
+                    <a:lumMod val="50000"/>
+                  </a:schemeClr>
+                </a:solidFill>
+              </a:ln>
+            </p:spPr>
+            <p:txBody>
+              <a:bodyPr wrap="square" rtlCol="0" anchor="ctr">
+                <a:spAutoFit/>
+              </a:bodyPr>
+              <a:lstStyle/>
+              <a:p>
+                <a:pPr algn="ctr"/>
+                <a:r>
+                  <a:rPr lang="en-US" sz="700" dirty="0" smtClean="0">
+                    <a:solidFill>
+                      <a:srgbClr val="FF0000"/>
+                    </a:solidFill>
+                    <a:latin typeface="Tahoma" panose="020B0604030504040204" pitchFamily="34" charset="0"/>
+                    <a:ea typeface="Tahoma" panose="020B0604030504040204" pitchFamily="34" charset="0"/>
+                    <a:cs typeface="Tahoma" panose="020B0604030504040204" pitchFamily="34" charset="0"/>
+                  </a:rPr>
+                  <a:t>AUX</a:t>
+                </a:r>
+              </a:p>
+              <a:p>
+                <a:pPr algn="ctr"/>
+                <a:r>
+                  <a:rPr lang="en-US" sz="700" dirty="0" smtClean="0">
+                    <a:solidFill>
+                      <a:srgbClr val="FF0000"/>
+                    </a:solidFill>
+                    <a:latin typeface="Tahoma" panose="020B0604030504040204" pitchFamily="34" charset="0"/>
+                    <a:ea typeface="Tahoma" panose="020B0604030504040204" pitchFamily="34" charset="0"/>
+                    <a:cs typeface="Tahoma" panose="020B0604030504040204" pitchFamily="34" charset="0"/>
+                  </a:rPr>
+                  <a:t>LOSS</a:t>
+                </a:r>
+              </a:p>
+            </p:txBody>
+          </p:sp>
+          <p:cxnSp>
+            <p:nvCxnSpPr>
+              <p:cNvPr id="130" name="Straight Arrow Connector 129"/>
+              <p:cNvCxnSpPr>
+                <a:stCxn id="83" idx="3"/>
+                <a:endCxn id="127" idx="1"/>
+              </p:cNvCxnSpPr>
+              <p:nvPr/>
+            </p:nvCxnSpPr>
+            <p:spPr>
+              <a:xfrm>
+                <a:off x="5087258" y="2833672"/>
+                <a:ext cx="160574" cy="0"/>
+              </a:xfrm>
+              <a:prstGeom prst="straightConnector1">
+                <a:avLst/>
+              </a:prstGeom>
+              <a:ln>
+                <a:solidFill>
+                  <a:schemeClr val="tx1"/>
+                </a:solidFill>
+                <a:tailEnd type="triangle"/>
+              </a:ln>
+            </p:spPr>
+            <p:style>
+              <a:lnRef idx="1">
+                <a:schemeClr val="accent1"/>
+              </a:lnRef>
+              <a:fillRef idx="0">
+                <a:schemeClr val="accent1"/>
+              </a:fillRef>
+              <a:effectRef idx="0">
+                <a:schemeClr val="accent1"/>
+              </a:effectRef>
+              <a:fontRef idx="minor">
+                <a:schemeClr val="tx1"/>
+              </a:fontRef>
+            </p:style>
+          </p:cxnSp>
+        </p:grpSp>
+        <p:sp>
+          <p:nvSpPr>
+            <p:cNvPr id="158" name="Rectangle 157"/>
+            <p:cNvSpPr/>
+            <p:nvPr/>
+          </p:nvSpPr>
+          <p:spPr>
+            <a:xfrm>
+              <a:off x="1847494" y="2739010"/>
+              <a:ext cx="3897986" cy="440534"/>
+            </a:xfrm>
+            <a:prstGeom prst="rect">
+              <a:avLst/>
+            </a:prstGeom>
+            <a:noFill/>
+            <a:ln w="12700">
+              <a:solidFill>
+                <a:srgbClr val="FF0000"/>
+              </a:solidFill>
+              <a:prstDash val="solid"/>
+            </a:ln>
+          </p:spPr>
+          <p:style>
+            <a:lnRef idx="2">
+              <a:schemeClr val="accent1">
+                <a:shade val="50000"/>
+              </a:schemeClr>
+            </a:lnRef>
+            <a:fillRef idx="1">
+              <a:schemeClr val="accent1"/>
+            </a:fillRef>
+            <a:effectRef idx="0">
+              <a:schemeClr val="accent1"/>
+            </a:effectRef>
+            <a:fontRef idx="minor">
+              <a:schemeClr val="lt1"/>
+            </a:fontRef>
+          </p:style>
+          <p:txBody>
+            <a:bodyPr rtlCol="0" anchor="ctr"/>
+            <a:lstStyle/>
+            <a:p>
+              <a:pPr algn="ctr"/>
+              <a:endParaRPr lang="en-US" b="1"/>
+            </a:p>
+          </p:txBody>
+        </p:sp>
+      </p:grpSp>
+      <p:grpSp>
+        <p:nvGrpSpPr>
+          <p:cNvPr id="112" name="Group 111"/>
+          <p:cNvGrpSpPr/>
+          <p:nvPr/>
+        </p:nvGrpSpPr>
+        <p:grpSpPr>
+          <a:xfrm>
+            <a:off x="1151890" y="3298270"/>
+            <a:ext cx="4654550" cy="427463"/>
+            <a:chOff x="1098550" y="3298270"/>
+            <a:chExt cx="4654550" cy="427463"/>
+          </a:xfrm>
+        </p:grpSpPr>
+        <p:grpSp>
+          <p:nvGrpSpPr>
+            <p:cNvPr id="98" name="Group 97"/>
+            <p:cNvGrpSpPr/>
+            <p:nvPr/>
+          </p:nvGrpSpPr>
+          <p:grpSpPr>
+            <a:xfrm>
+              <a:off x="1210926" y="3347487"/>
+              <a:ext cx="4471246" cy="320040"/>
+              <a:chOff x="1325226" y="3156987"/>
+              <a:chExt cx="4471246" cy="338554"/>
+            </a:xfrm>
+          </p:grpSpPr>
+          <p:grpSp>
+            <p:nvGrpSpPr>
+              <p:cNvPr id="24" name="Group 23"/>
+              <p:cNvGrpSpPr/>
+              <p:nvPr/>
+            </p:nvGrpSpPr>
+            <p:grpSpPr>
+              <a:xfrm>
+                <a:off x="1325226" y="3156987"/>
+                <a:ext cx="3754412" cy="338554"/>
+                <a:chOff x="1439526" y="3042687"/>
+                <a:chExt cx="3754412" cy="338554"/>
+              </a:xfrm>
+            </p:grpSpPr>
+            <p:cxnSp>
+              <p:nvCxnSpPr>
+                <p:cNvPr id="70" name="Straight Arrow Connector 69"/>
+                <p:cNvCxnSpPr>
+                  <a:stCxn id="190" idx="3"/>
+                  <a:endCxn id="176" idx="1"/>
+                </p:cNvCxnSpPr>
+                <p:nvPr/>
+              </p:nvCxnSpPr>
+              <p:spPr>
+                <a:xfrm>
+                  <a:off x="2076094" y="3211964"/>
+                  <a:ext cx="179425" cy="0"/>
+                </a:xfrm>
+                <a:prstGeom prst="straightConnector1">
+                  <a:avLst/>
+                </a:prstGeom>
+                <a:ln>
+                  <a:solidFill>
+                    <a:schemeClr val="tx1"/>
+                  </a:solidFill>
+                  <a:tailEnd type="triangle"/>
+                </a:ln>
+              </p:spPr>
+              <p:style>
+                <a:lnRef idx="1">
+                  <a:schemeClr val="accent1"/>
+                </a:lnRef>
+                <a:fillRef idx="0">
+                  <a:schemeClr val="accent1"/>
+                </a:fillRef>
+                <a:effectRef idx="0">
+                  <a:schemeClr val="accent1"/>
+                </a:effectRef>
+                <a:fontRef idx="minor">
+                  <a:schemeClr val="tx1"/>
+                </a:fontRef>
+              </p:style>
+            </p:cxnSp>
+            <p:grpSp>
+              <p:nvGrpSpPr>
+                <p:cNvPr id="16" name="Group 15"/>
+                <p:cNvGrpSpPr/>
+                <p:nvPr/>
+              </p:nvGrpSpPr>
+              <p:grpSpPr>
+                <a:xfrm>
+                  <a:off x="1439526" y="3042687"/>
+                  <a:ext cx="3754412" cy="338554"/>
+                  <a:chOff x="1607166" y="3042687"/>
+                  <a:chExt cx="3754412" cy="338554"/>
+                </a:xfrm>
+              </p:grpSpPr>
+              <p:sp>
+                <p:nvSpPr>
+                  <p:cNvPr id="176" name="TextBox 175"/>
+                  <p:cNvSpPr txBox="1"/>
+                  <p:nvPr/>
+                </p:nvSpPr>
+                <p:spPr>
+                  <a:xfrm>
+                    <a:off x="2423159" y="3042687"/>
+                    <a:ext cx="853441" cy="338554"/>
+                  </a:xfrm>
+                  <a:prstGeom prst="rect">
+                    <a:avLst/>
+                  </a:prstGeom>
+                  <a:noFill/>
+                  <a:ln>
+                    <a:solidFill>
+                      <a:schemeClr val="bg1">
+                        <a:lumMod val="50000"/>
+                      </a:schemeClr>
+                    </a:solidFill>
+                  </a:ln>
+                </p:spPr>
+                <p:txBody>
+                  <a:bodyPr wrap="square" rtlCol="0">
+                    <a:spAutoFit/>
+                  </a:bodyPr>
+                  <a:lstStyle/>
+                  <a:p>
+                    <a:pPr algn="ctr"/>
+                    <a:r>
+                      <a:rPr lang="en-US" sz="700" dirty="0" smtClean="0">
+                        <a:solidFill>
+                          <a:srgbClr val="0070C0"/>
+                        </a:solidFill>
+                        <a:latin typeface="Tahoma" panose="020B0604030504040204" pitchFamily="34" charset="0"/>
+                        <a:ea typeface="Tahoma" panose="020B0604030504040204" pitchFamily="34" charset="0"/>
+                        <a:cs typeface="Tahoma" panose="020B0604030504040204" pitchFamily="34" charset="0"/>
+                      </a:rPr>
+                      <a:t>CLASSIFIER</a:t>
+                    </a:r>
+                  </a:p>
+                  <a:p>
+                    <a:pPr algn="ctr"/>
+                    <a:r>
+                      <a:rPr lang="en-US" sz="700" dirty="0" smtClean="0">
+                        <a:solidFill>
+                          <a:srgbClr val="0070C0"/>
+                        </a:solidFill>
+                        <a:latin typeface="Tahoma" panose="020B0604030504040204" pitchFamily="34" charset="0"/>
+                        <a:ea typeface="Tahoma" panose="020B0604030504040204" pitchFamily="34" charset="0"/>
+                        <a:cs typeface="Tahoma" panose="020B0604030504040204" pitchFamily="34" charset="0"/>
+                      </a:rPr>
+                      <a:t>HEAD 1</a:t>
+                    </a:r>
+                  </a:p>
+                </p:txBody>
+              </p:sp>
+              <p:sp>
+                <p:nvSpPr>
+                  <p:cNvPr id="190" name="TextBox 189"/>
+                  <p:cNvSpPr txBox="1"/>
+                  <p:nvPr/>
+                </p:nvSpPr>
+                <p:spPr>
+                  <a:xfrm>
+                    <a:off x="1607166" y="3042687"/>
+                    <a:ext cx="636568" cy="338554"/>
+                  </a:xfrm>
+                  <a:prstGeom prst="rect">
+                    <a:avLst/>
+                  </a:prstGeom>
+                  <a:noFill/>
+                  <a:ln>
+                    <a:solidFill>
+                      <a:schemeClr val="bg1">
+                        <a:lumMod val="50000"/>
+                      </a:schemeClr>
+                    </a:solidFill>
+                  </a:ln>
+                </p:spPr>
+                <p:txBody>
+                  <a:bodyPr wrap="square" rtlCol="0">
+                    <a:spAutoFit/>
+                  </a:bodyPr>
+                  <a:lstStyle/>
+                  <a:p>
+                    <a:pPr algn="ctr"/>
+                    <a:r>
+                      <a:rPr lang="en-US" sz="700" dirty="0" smtClean="0">
+                        <a:solidFill>
+                          <a:srgbClr val="0070C0"/>
+                        </a:solidFill>
+                        <a:latin typeface="Tahoma" panose="020B0604030504040204" pitchFamily="34" charset="0"/>
+                        <a:ea typeface="Tahoma" panose="020B0604030504040204" pitchFamily="34" charset="0"/>
+                        <a:cs typeface="Tahoma" panose="020B0604030504040204" pitchFamily="34" charset="0"/>
+                      </a:rPr>
+                      <a:t>PYRAMID POOLING</a:t>
+                    </a:r>
+                    <a:endParaRPr lang="en-US" sz="700" dirty="0">
+                      <a:solidFill>
+                        <a:srgbClr val="0070C0"/>
+                      </a:solidFill>
+                      <a:latin typeface="Tahoma" panose="020B0604030504040204" pitchFamily="34" charset="0"/>
+                      <a:ea typeface="Tahoma" panose="020B0604030504040204" pitchFamily="34" charset="0"/>
+                      <a:cs typeface="Tahoma" panose="020B0604030504040204" pitchFamily="34" charset="0"/>
+                    </a:endParaRPr>
+                  </a:p>
+                </p:txBody>
+              </p:sp>
+              <p:sp>
+                <p:nvSpPr>
+                  <p:cNvPr id="72" name="TextBox 71"/>
+                  <p:cNvSpPr txBox="1"/>
+                  <p:nvPr/>
+                </p:nvSpPr>
+                <p:spPr>
+                  <a:xfrm>
+                    <a:off x="3456025" y="3042687"/>
+                    <a:ext cx="868679" cy="338554"/>
+                  </a:xfrm>
+                  <a:prstGeom prst="rect">
+                    <a:avLst/>
+                  </a:prstGeom>
+                  <a:noFill/>
+                  <a:ln>
+                    <a:solidFill>
+                      <a:schemeClr val="bg1">
+                        <a:lumMod val="50000"/>
+                      </a:schemeClr>
+                    </a:solidFill>
+                  </a:ln>
+                </p:spPr>
+                <p:txBody>
+                  <a:bodyPr wrap="square" rtlCol="0">
+                    <a:spAutoFit/>
+                  </a:bodyPr>
+                  <a:lstStyle/>
+                  <a:p>
+                    <a:pPr algn="ctr"/>
+                    <a:r>
+                      <a:rPr lang="en-US" sz="700" dirty="0" smtClean="0">
+                        <a:solidFill>
+                          <a:srgbClr val="0070C0"/>
+                        </a:solidFill>
+                        <a:latin typeface="Tahoma" panose="020B0604030504040204" pitchFamily="34" charset="0"/>
+                        <a:ea typeface="Tahoma" panose="020B0604030504040204" pitchFamily="34" charset="0"/>
+                        <a:cs typeface="Tahoma" panose="020B0604030504040204" pitchFamily="34" charset="0"/>
+                      </a:rPr>
+                      <a:t>BILINEAR </a:t>
+                    </a:r>
+                  </a:p>
+                  <a:p>
+                    <a:pPr algn="ctr"/>
+                    <a:r>
+                      <a:rPr lang="en-US" sz="700" dirty="0" smtClean="0">
+                        <a:solidFill>
+                          <a:srgbClr val="0070C0"/>
+                        </a:solidFill>
+                        <a:latin typeface="Tahoma" panose="020B0604030504040204" pitchFamily="34" charset="0"/>
+                        <a:ea typeface="Tahoma" panose="020B0604030504040204" pitchFamily="34" charset="0"/>
+                        <a:cs typeface="Tahoma" panose="020B0604030504040204" pitchFamily="34" charset="0"/>
+                      </a:rPr>
+                      <a:t>UP SAMPLING</a:t>
+                    </a:r>
+                  </a:p>
+                </p:txBody>
+              </p:sp>
+              <p:sp>
+                <p:nvSpPr>
+                  <p:cNvPr id="73" name="TextBox 72"/>
+                  <p:cNvSpPr txBox="1"/>
+                  <p:nvPr/>
+                </p:nvSpPr>
+                <p:spPr>
+                  <a:xfrm>
+                    <a:off x="4492898" y="3042687"/>
+                    <a:ext cx="868680" cy="338554"/>
+                  </a:xfrm>
+                  <a:prstGeom prst="rect">
+                    <a:avLst/>
+                  </a:prstGeom>
+                  <a:noFill/>
+                  <a:ln>
+                    <a:solidFill>
+                      <a:schemeClr val="bg1">
+                        <a:lumMod val="50000"/>
+                      </a:schemeClr>
+                    </a:solidFill>
+                  </a:ln>
+                </p:spPr>
+                <p:txBody>
+                  <a:bodyPr wrap="square" rtlCol="0">
+                    <a:spAutoFit/>
+                  </a:bodyPr>
+                  <a:lstStyle/>
+                  <a:p>
+                    <a:pPr algn="ctr"/>
+                    <a:r>
+                      <a:rPr lang="en-US" sz="700" dirty="0" smtClean="0">
+                        <a:solidFill>
+                          <a:srgbClr val="0070C0"/>
+                        </a:solidFill>
+                        <a:latin typeface="Tahoma" panose="020B0604030504040204" pitchFamily="34" charset="0"/>
+                        <a:ea typeface="Tahoma" panose="020B0604030504040204" pitchFamily="34" charset="0"/>
+                        <a:cs typeface="Tahoma" panose="020B0604030504040204" pitchFamily="34" charset="0"/>
+                      </a:rPr>
+                      <a:t>MAIN BRANCH</a:t>
+                    </a:r>
+                    <a:r>
+                      <a:rPr lang="en-US" sz="700" dirty="0">
+                        <a:solidFill>
+                          <a:srgbClr val="0070C0"/>
+                        </a:solidFill>
+                        <a:latin typeface="Tahoma" panose="020B0604030504040204" pitchFamily="34" charset="0"/>
+                        <a:ea typeface="Tahoma" panose="020B0604030504040204" pitchFamily="34" charset="0"/>
+                        <a:cs typeface="Tahoma" panose="020B0604030504040204" pitchFamily="34" charset="0"/>
+                      </a:rPr>
+                      <a:t> </a:t>
+                    </a:r>
+                    <a:r>
+                      <a:rPr lang="en-US" sz="700" dirty="0" smtClean="0">
+                        <a:solidFill>
+                          <a:srgbClr val="0070C0"/>
+                        </a:solidFill>
+                        <a:latin typeface="Tahoma" panose="020B0604030504040204" pitchFamily="34" charset="0"/>
+                        <a:ea typeface="Tahoma" panose="020B0604030504040204" pitchFamily="34" charset="0"/>
+                        <a:cs typeface="Tahoma" panose="020B0604030504040204" pitchFamily="34" charset="0"/>
+                      </a:rPr>
+                      <a:t>PREDICTION</a:t>
+                    </a:r>
+                  </a:p>
+                </p:txBody>
+              </p:sp>
+            </p:grpSp>
+            <p:cxnSp>
+              <p:nvCxnSpPr>
+                <p:cNvPr id="75" name="Straight Arrow Connector 74"/>
+                <p:cNvCxnSpPr>
+                  <a:stCxn id="176" idx="3"/>
+                  <a:endCxn id="72" idx="1"/>
+                </p:cNvCxnSpPr>
+                <p:nvPr/>
+              </p:nvCxnSpPr>
+              <p:spPr>
+                <a:xfrm>
+                  <a:off x="3108960" y="3211964"/>
+                  <a:ext cx="179425" cy="0"/>
+                </a:xfrm>
+                <a:prstGeom prst="straightConnector1">
+                  <a:avLst/>
+                </a:prstGeom>
+                <a:ln>
+                  <a:solidFill>
+                    <a:schemeClr val="tx1"/>
+                  </a:solidFill>
+                  <a:tailEnd type="triangle"/>
+                </a:ln>
+              </p:spPr>
+              <p:style>
+                <a:lnRef idx="1">
+                  <a:schemeClr val="accent1"/>
+                </a:lnRef>
+                <a:fillRef idx="0">
+                  <a:schemeClr val="accent1"/>
+                </a:fillRef>
+                <a:effectRef idx="0">
+                  <a:schemeClr val="accent1"/>
+                </a:effectRef>
+                <a:fontRef idx="minor">
+                  <a:schemeClr val="tx1"/>
+                </a:fontRef>
+              </p:style>
+            </p:cxnSp>
+            <p:cxnSp>
+              <p:nvCxnSpPr>
+                <p:cNvPr id="76" name="Straight Arrow Connector 75"/>
+                <p:cNvCxnSpPr>
+                  <a:stCxn id="72" idx="3"/>
+                  <a:endCxn id="73" idx="1"/>
+                </p:cNvCxnSpPr>
+                <p:nvPr/>
+              </p:nvCxnSpPr>
+              <p:spPr>
+                <a:xfrm>
+                  <a:off x="4157064" y="3211964"/>
+                  <a:ext cx="168194" cy="0"/>
+                </a:xfrm>
+                <a:prstGeom prst="straightConnector1">
+                  <a:avLst/>
+                </a:prstGeom>
+                <a:ln>
+                  <a:solidFill>
+                    <a:schemeClr val="tx1"/>
+                  </a:solidFill>
+                  <a:tailEnd type="triangle"/>
+                </a:ln>
+              </p:spPr>
+              <p:style>
+                <a:lnRef idx="1">
+                  <a:schemeClr val="accent1"/>
+                </a:lnRef>
+                <a:fillRef idx="0">
+                  <a:schemeClr val="accent1"/>
+                </a:fillRef>
+                <a:effectRef idx="0">
+                  <a:schemeClr val="accent1"/>
+                </a:effectRef>
+                <a:fontRef idx="minor">
+                  <a:schemeClr val="tx1"/>
+                </a:fontRef>
+              </p:style>
+            </p:cxnSp>
+          </p:grpSp>
+          <p:sp>
+            <p:nvSpPr>
+              <p:cNvPr id="128" name="TextBox 127"/>
+              <p:cNvSpPr txBox="1"/>
+              <p:nvPr/>
+            </p:nvSpPr>
+            <p:spPr>
+              <a:xfrm>
+                <a:off x="5247832" y="3163474"/>
+                <a:ext cx="548640" cy="325582"/>
+              </a:xfrm>
+              <a:prstGeom prst="rect">
+                <a:avLst/>
+              </a:prstGeom>
+              <a:noFill/>
+              <a:ln>
+                <a:solidFill>
+                  <a:schemeClr val="bg1">
+                    <a:lumMod val="50000"/>
+                  </a:schemeClr>
+                </a:solidFill>
+              </a:ln>
+            </p:spPr>
+            <p:txBody>
+              <a:bodyPr wrap="square" rtlCol="0" anchor="ctr">
+                <a:spAutoFit/>
+              </a:bodyPr>
+              <a:lstStyle/>
+              <a:p>
+                <a:pPr algn="ctr"/>
+                <a:r>
+                  <a:rPr lang="en-US" sz="700" dirty="0" smtClean="0">
+                    <a:solidFill>
+                      <a:srgbClr val="0070C0"/>
+                    </a:solidFill>
+                    <a:latin typeface="Tahoma" panose="020B0604030504040204" pitchFamily="34" charset="0"/>
+                    <a:ea typeface="Tahoma" panose="020B0604030504040204" pitchFamily="34" charset="0"/>
+                    <a:cs typeface="Tahoma" panose="020B0604030504040204" pitchFamily="34" charset="0"/>
+                  </a:rPr>
+                  <a:t>MAIN</a:t>
+                </a:r>
+              </a:p>
+              <a:p>
+                <a:pPr algn="ctr"/>
+                <a:r>
+                  <a:rPr lang="en-US" sz="700" dirty="0" smtClean="0">
+                    <a:solidFill>
+                      <a:srgbClr val="0070C0"/>
+                    </a:solidFill>
+                    <a:latin typeface="Tahoma" panose="020B0604030504040204" pitchFamily="34" charset="0"/>
+                    <a:ea typeface="Tahoma" panose="020B0604030504040204" pitchFamily="34" charset="0"/>
+                    <a:cs typeface="Tahoma" panose="020B0604030504040204" pitchFamily="34" charset="0"/>
+                  </a:rPr>
+                  <a:t> LOSS</a:t>
+                </a:r>
+              </a:p>
+            </p:txBody>
+          </p:sp>
+          <p:cxnSp>
+            <p:nvCxnSpPr>
+              <p:cNvPr id="131" name="Straight Arrow Connector 130"/>
+              <p:cNvCxnSpPr>
+                <a:stCxn id="73" idx="3"/>
+                <a:endCxn id="128" idx="1"/>
+              </p:cNvCxnSpPr>
+              <p:nvPr/>
+            </p:nvCxnSpPr>
+            <p:spPr>
+              <a:xfrm>
+                <a:off x="5079638" y="3326264"/>
+                <a:ext cx="168194" cy="1"/>
+              </a:xfrm>
+              <a:prstGeom prst="straightConnector1">
+                <a:avLst/>
+              </a:prstGeom>
+              <a:ln>
+                <a:solidFill>
+                  <a:schemeClr val="tx1"/>
+                </a:solidFill>
+                <a:tailEnd type="triangle"/>
+              </a:ln>
+            </p:spPr>
+            <p:style>
+              <a:lnRef idx="1">
+                <a:schemeClr val="accent1"/>
+              </a:lnRef>
+              <a:fillRef idx="0">
+                <a:schemeClr val="accent1"/>
+              </a:fillRef>
+              <a:effectRef idx="0">
+                <a:schemeClr val="accent1"/>
+              </a:effectRef>
+              <a:fontRef idx="minor">
+                <a:schemeClr val="tx1"/>
+              </a:fontRef>
+            </p:style>
+          </p:cxnSp>
+        </p:grpSp>
+        <p:sp>
+          <p:nvSpPr>
+            <p:cNvPr id="159" name="Rectangle 158"/>
+            <p:cNvSpPr/>
+            <p:nvPr/>
+          </p:nvSpPr>
+          <p:spPr>
+            <a:xfrm>
+              <a:off x="1098550" y="3298270"/>
+              <a:ext cx="4654550" cy="427463"/>
+            </a:xfrm>
+            <a:prstGeom prst="rect">
+              <a:avLst/>
+            </a:prstGeom>
+            <a:noFill/>
+            <a:ln w="12700">
+              <a:solidFill>
+                <a:srgbClr val="0070C0"/>
+              </a:solidFill>
+            </a:ln>
+          </p:spPr>
+          <p:style>
+            <a:lnRef idx="2">
+              <a:schemeClr val="accent1">
+                <a:shade val="50000"/>
+              </a:schemeClr>
+            </a:lnRef>
+            <a:fillRef idx="1">
+              <a:schemeClr val="accent1"/>
+            </a:fillRef>
+            <a:effectRef idx="0">
+              <a:schemeClr val="accent1"/>
+            </a:effectRef>
+            <a:fontRef idx="minor">
+              <a:schemeClr val="lt1"/>
+            </a:fontRef>
+          </p:style>
+          <p:txBody>
+            <a:bodyPr rtlCol="0" anchor="ctr"/>
+            <a:lstStyle/>
+            <a:p>
+              <a:pPr algn="ctr"/>
+              <a:endParaRPr lang="en-US"/>
+            </a:p>
+          </p:txBody>
+        </p:sp>
+      </p:grpSp>
+      <p:sp>
+        <p:nvSpPr>
+          <p:cNvPr id="162" name="TextBox 161"/>
+          <p:cNvSpPr txBox="1"/>
+          <p:nvPr/>
+        </p:nvSpPr>
+        <p:spPr>
+          <a:xfrm>
+            <a:off x="154847" y="1421064"/>
+            <a:ext cx="832553" cy="369332"/>
+          </a:xfrm>
+          <a:prstGeom prst="rect">
+            <a:avLst/>
+          </a:prstGeom>
+          <a:noFill/>
+        </p:spPr>
+        <p:txBody>
+          <a:bodyPr wrap="square" rtlCol="0">
+            <a:spAutoFit/>
+          </a:bodyPr>
+          <a:lstStyle/>
+          <a:p>
+            <a:pPr algn="ctr"/>
+            <a:r>
+              <a:rPr lang="en-US" sz="900" b="1" dirty="0" smtClean="0">
+                <a:latin typeface="Tahoma" panose="020B0604030504040204" pitchFamily="34" charset="0"/>
+                <a:ea typeface="Tahoma" panose="020B0604030504040204" pitchFamily="34" charset="0"/>
+                <a:cs typeface="Tahoma" panose="020B0604030504040204" pitchFamily="34" charset="0"/>
+              </a:rPr>
+              <a:t>RESNET </a:t>
+            </a:r>
+          </a:p>
+          <a:p>
+            <a:pPr algn="ctr"/>
+            <a:r>
+              <a:rPr lang="en-US" sz="900" b="1" dirty="0" smtClean="0">
+                <a:latin typeface="Tahoma" panose="020B0604030504040204" pitchFamily="34" charset="0"/>
+                <a:ea typeface="Tahoma" panose="020B0604030504040204" pitchFamily="34" charset="0"/>
+                <a:cs typeface="Tahoma" panose="020B0604030504040204" pitchFamily="34" charset="0"/>
+              </a:rPr>
+              <a:t>BACKBONE</a:t>
+            </a:r>
+            <a:endParaRPr lang="en-US" sz="900" b="1" dirty="0">
+              <a:latin typeface="Tahoma" panose="020B0604030504040204" pitchFamily="34" charset="0"/>
+              <a:ea typeface="Tahoma" panose="020B0604030504040204" pitchFamily="34" charset="0"/>
+              <a:cs typeface="Tahoma" panose="020B0604030504040204" pitchFamily="34" charset="0"/>
+            </a:endParaRPr>
+          </a:p>
+        </p:txBody>
+      </p:sp>
+      <p:sp>
+        <p:nvSpPr>
+          <p:cNvPr id="169" name="Rectangle 168"/>
+          <p:cNvSpPr/>
+          <p:nvPr/>
+        </p:nvSpPr>
+        <p:spPr>
+          <a:xfrm>
+            <a:off x="114299" y="1790700"/>
+            <a:ext cx="913324" cy="1935033"/>
+          </a:xfrm>
+          <a:prstGeom prst="rect">
+            <a:avLst/>
+          </a:prstGeom>
+          <a:noFill/>
+          <a:ln w="12700">
+            <a:solidFill>
+              <a:schemeClr val="tx1"/>
+            </a:solidFill>
+            <a:prstDash val="solid"/>
+          </a:ln>
+        </p:spPr>
+        <p:style>
+          <a:lnRef idx="2">
+            <a:schemeClr val="accent1">
+              <a:shade val="50000"/>
+            </a:schemeClr>
+          </a:lnRef>
+          <a:fillRef idx="1">
+            <a:schemeClr val="accent1"/>
+          </a:fillRef>
+          <a:effectRef idx="0">
+            <a:schemeClr val="accent1"/>
+          </a:effectRef>
+          <a:fontRef idx="minor">
+            <a:schemeClr val="lt1"/>
+          </a:fontRef>
+        </p:style>
+        <p:txBody>
+          <a:bodyPr rtlCol="0" anchor="ctr"/>
+          <a:lstStyle/>
+          <a:p>
+            <a:pPr algn="ctr"/>
+            <a:endParaRPr lang="en-US" b="1"/>
+          </a:p>
+        </p:txBody>
+      </p:sp>
+    </p:spTree>
+    <p:extLst>
+      <p:ext uri="{BB962C8B-B14F-4D97-AF65-F5344CB8AC3E}">
+        <p14:creationId xmlns:p14="http://schemas.microsoft.com/office/powerpoint/2010/main" val="2812555968"/>
+      </p:ext>
+    </p:extLst>
+  </p:cSld>
+  <p:clrMapOvr>
+    <a:masterClrMapping/>
+  </p:clrMapOvr>
+</p:sld>
+</file>
+
 <file path=ppt/theme/theme1.xml><?xml version="1.0" encoding="utf-8"?>
 <a:theme xmlns:a="http://schemas.openxmlformats.org/drawingml/2006/main" name="Office Theme">
   <a:themeElements>

--- a/images/models/models.pptx
+++ b/images/models/models.pptx
@@ -11,6 +11,9 @@
     <p:sldId id="260" r:id="rId5"/>
     <p:sldId id="261" r:id="rId6"/>
     <p:sldId id="262" r:id="rId7"/>
+    <p:sldId id="263" r:id="rId8"/>
+    <p:sldId id="264" r:id="rId9"/>
+    <p:sldId id="265" r:id="rId10"/>
   </p:sldIdLst>
   <p:sldSz cx="6858000" cy="9906000" type="A4"/>
   <p:notesSz cx="6858000" cy="9144000"/>
@@ -7083,20 +7086,7 @@
                     <a:ea typeface="Tahoma" panose="020B0604030504040204" pitchFamily="34" charset="0"/>
                     <a:cs typeface="Tahoma" panose="020B0604030504040204" pitchFamily="34" charset="0"/>
                   </a:rPr>
-                  <a:t>Conv2d(2048, 512, </a:t>
-                </a:r>
-                <a:r>
-                  <a:rPr lang="en-US" sz="900" b="1" dirty="0" smtClean="0">
-                    <a:solidFill>
-                      <a:schemeClr val="accent1">
-                        <a:lumMod val="50000"/>
-                      </a:schemeClr>
-                    </a:solidFill>
-                    <a:latin typeface="Tahoma" panose="020B0604030504040204" pitchFamily="34" charset="0"/>
-                    <a:ea typeface="Tahoma" panose="020B0604030504040204" pitchFamily="34" charset="0"/>
-                    <a:cs typeface="Tahoma" panose="020B0604030504040204" pitchFamily="34" charset="0"/>
-                  </a:rPr>
-                  <a:t>3)</a:t>
+                  <a:t>Conv2d(2048, 512, 3)</a:t>
                 </a:r>
                 <a:endParaRPr lang="en-US" sz="900" b="1" dirty="0">
                   <a:solidFill>
@@ -8665,20 +8655,7 @@
                   <a:ea typeface="Tahoma" panose="020B0604030504040204" pitchFamily="34" charset="0"/>
                   <a:cs typeface="Tahoma" panose="020B0604030504040204" pitchFamily="34" charset="0"/>
                 </a:rPr>
-                <a:t>Conv2d(4096, 512, </a:t>
-              </a:r>
-              <a:r>
-                <a:rPr lang="en-US" sz="900" b="1" dirty="0" smtClean="0">
-                  <a:solidFill>
-                    <a:schemeClr val="accent1">
-                      <a:lumMod val="50000"/>
-                    </a:schemeClr>
-                  </a:solidFill>
-                  <a:latin typeface="Tahoma" panose="020B0604030504040204" pitchFamily="34" charset="0"/>
-                  <a:ea typeface="Tahoma" panose="020B0604030504040204" pitchFamily="34" charset="0"/>
-                  <a:cs typeface="Tahoma" panose="020B0604030504040204" pitchFamily="34" charset="0"/>
-                </a:rPr>
-                <a:t>3)</a:t>
+                <a:t>Conv2d(4096, 512, 3)</a:t>
               </a:r>
               <a:endParaRPr lang="en-US" sz="900" b="1" dirty="0">
                 <a:solidFill>
@@ -8996,20 +8973,7 @@
                   <a:ea typeface="Tahoma" panose="020B0604030504040204" pitchFamily="34" charset="0"/>
                   <a:cs typeface="Tahoma" panose="020B0604030504040204" pitchFamily="34" charset="0"/>
                 </a:rPr>
-                <a:t>Conv2d(512, 3, </a:t>
-              </a:r>
-              <a:r>
-                <a:rPr lang="en-US" sz="900" b="1" dirty="0" smtClean="0">
-                  <a:solidFill>
-                    <a:schemeClr val="accent1">
-                      <a:lumMod val="50000"/>
-                    </a:schemeClr>
-                  </a:solidFill>
-                  <a:latin typeface="Tahoma" panose="020B0604030504040204" pitchFamily="34" charset="0"/>
-                  <a:ea typeface="Tahoma" panose="020B0604030504040204" pitchFamily="34" charset="0"/>
-                  <a:cs typeface="Tahoma" panose="020B0604030504040204" pitchFamily="34" charset="0"/>
-                </a:rPr>
-                <a:t>3)</a:t>
+                <a:t>Conv2d(512, 3, 3)</a:t>
               </a:r>
               <a:endParaRPr lang="en-US" sz="900" b="1" dirty="0">
                 <a:solidFill>
@@ -9744,23 +9708,7 @@
                   <a:ea typeface="Tahoma" panose="020B0604030504040204" pitchFamily="34" charset="0"/>
                   <a:cs typeface="Tahoma" panose="020B0604030504040204" pitchFamily="34" charset="0"/>
                 </a:rPr>
-                <a:t>(</a:t>
-              </a:r>
-              <a:r>
-                <a:rPr lang="en-US" sz="700" dirty="0" smtClean="0">
-                  <a:latin typeface="Tahoma" panose="020B0604030504040204" pitchFamily="34" charset="0"/>
-                  <a:ea typeface="Tahoma" panose="020B0604030504040204" pitchFamily="34" charset="0"/>
-                  <a:cs typeface="Tahoma" panose="020B0604030504040204" pitchFamily="34" charset="0"/>
-                </a:rPr>
-                <a:t>512</a:t>
-              </a:r>
-              <a:r>
-                <a:rPr lang="en-US" sz="700" dirty="0" smtClean="0">
-                  <a:latin typeface="Tahoma" panose="020B0604030504040204" pitchFamily="34" charset="0"/>
-                  <a:ea typeface="Tahoma" panose="020B0604030504040204" pitchFamily="34" charset="0"/>
-                  <a:cs typeface="Tahoma" panose="020B0604030504040204" pitchFamily="34" charset="0"/>
-                </a:rPr>
-                <a:t>, 45, 80)</a:t>
+                <a:t>(512, 45, 80)</a:t>
               </a:r>
               <a:endParaRPr lang="en-US" sz="700" dirty="0">
                 <a:latin typeface="Tahoma" panose="020B0604030504040204" pitchFamily="34" charset="0"/>
@@ -9799,23 +9747,7 @@
                   <a:ea typeface="Tahoma" panose="020B0604030504040204" pitchFamily="34" charset="0"/>
                   <a:cs typeface="Tahoma" panose="020B0604030504040204" pitchFamily="34" charset="0"/>
                 </a:rPr>
-                <a:t>(</a:t>
-              </a:r>
-              <a:r>
-                <a:rPr lang="en-US" sz="700" dirty="0" smtClean="0">
-                  <a:latin typeface="Tahoma" panose="020B0604030504040204" pitchFamily="34" charset="0"/>
-                  <a:ea typeface="Tahoma" panose="020B0604030504040204" pitchFamily="34" charset="0"/>
-                  <a:cs typeface="Tahoma" panose="020B0604030504040204" pitchFamily="34" charset="0"/>
-                </a:rPr>
-                <a:t>512</a:t>
-              </a:r>
-              <a:r>
-                <a:rPr lang="en-US" sz="700" dirty="0" smtClean="0">
-                  <a:latin typeface="Tahoma" panose="020B0604030504040204" pitchFamily="34" charset="0"/>
-                  <a:ea typeface="Tahoma" panose="020B0604030504040204" pitchFamily="34" charset="0"/>
-                  <a:cs typeface="Tahoma" panose="020B0604030504040204" pitchFamily="34" charset="0"/>
-                </a:rPr>
-                <a:t>, 45, 80)</a:t>
+                <a:t>(512, 45, 80)</a:t>
               </a:r>
               <a:endParaRPr lang="en-US" sz="700" dirty="0">
                 <a:latin typeface="Tahoma" panose="020B0604030504040204" pitchFamily="34" charset="0"/>
@@ -9854,23 +9786,7 @@
                   <a:ea typeface="Tahoma" panose="020B0604030504040204" pitchFamily="34" charset="0"/>
                   <a:cs typeface="Tahoma" panose="020B0604030504040204" pitchFamily="34" charset="0"/>
                 </a:rPr>
-                <a:t>(</a:t>
-              </a:r>
-              <a:r>
-                <a:rPr lang="en-US" sz="700" dirty="0" smtClean="0">
-                  <a:latin typeface="Tahoma" panose="020B0604030504040204" pitchFamily="34" charset="0"/>
-                  <a:ea typeface="Tahoma" panose="020B0604030504040204" pitchFamily="34" charset="0"/>
-                  <a:cs typeface="Tahoma" panose="020B0604030504040204" pitchFamily="34" charset="0"/>
-                </a:rPr>
-                <a:t>512</a:t>
-              </a:r>
-              <a:r>
-                <a:rPr lang="en-US" sz="700" dirty="0" smtClean="0">
-                  <a:latin typeface="Tahoma" panose="020B0604030504040204" pitchFamily="34" charset="0"/>
-                  <a:ea typeface="Tahoma" panose="020B0604030504040204" pitchFamily="34" charset="0"/>
-                  <a:cs typeface="Tahoma" panose="020B0604030504040204" pitchFamily="34" charset="0"/>
-                </a:rPr>
-                <a:t>, 45, 80)</a:t>
+                <a:t>(512, 45, 80)</a:t>
               </a:r>
               <a:endParaRPr lang="en-US" sz="700" dirty="0">
                 <a:latin typeface="Tahoma" panose="020B0604030504040204" pitchFamily="34" charset="0"/>
@@ -9909,23 +9825,7 @@
                   <a:ea typeface="Tahoma" panose="020B0604030504040204" pitchFamily="34" charset="0"/>
                   <a:cs typeface="Tahoma" panose="020B0604030504040204" pitchFamily="34" charset="0"/>
                 </a:rPr>
-                <a:t>(</a:t>
-              </a:r>
-              <a:r>
-                <a:rPr lang="en-US" sz="700" dirty="0" smtClean="0">
-                  <a:latin typeface="Tahoma" panose="020B0604030504040204" pitchFamily="34" charset="0"/>
-                  <a:ea typeface="Tahoma" panose="020B0604030504040204" pitchFamily="34" charset="0"/>
-                  <a:cs typeface="Tahoma" panose="020B0604030504040204" pitchFamily="34" charset="0"/>
-                </a:rPr>
-                <a:t>3</a:t>
-              </a:r>
-              <a:r>
-                <a:rPr lang="en-US" sz="700" dirty="0" smtClean="0">
-                  <a:latin typeface="Tahoma" panose="020B0604030504040204" pitchFamily="34" charset="0"/>
-                  <a:ea typeface="Tahoma" panose="020B0604030504040204" pitchFamily="34" charset="0"/>
-                  <a:cs typeface="Tahoma" panose="020B0604030504040204" pitchFamily="34" charset="0"/>
-                </a:rPr>
-                <a:t>, 45, 80)</a:t>
+                <a:t>(3, 45, 80)</a:t>
               </a:r>
               <a:endParaRPr lang="en-US" sz="700" dirty="0">
                 <a:latin typeface="Tahoma" panose="020B0604030504040204" pitchFamily="34" charset="0"/>
@@ -9964,23 +9864,7 @@
                   <a:ea typeface="Tahoma" panose="020B0604030504040204" pitchFamily="34" charset="0"/>
                   <a:cs typeface="Tahoma" panose="020B0604030504040204" pitchFamily="34" charset="0"/>
                 </a:rPr>
-                <a:t>(</a:t>
-              </a:r>
-              <a:r>
-                <a:rPr lang="en-US" sz="700" dirty="0" smtClean="0">
-                  <a:latin typeface="Tahoma" panose="020B0604030504040204" pitchFamily="34" charset="0"/>
-                  <a:ea typeface="Tahoma" panose="020B0604030504040204" pitchFamily="34" charset="0"/>
-                  <a:cs typeface="Tahoma" panose="020B0604030504040204" pitchFamily="34" charset="0"/>
-                </a:rPr>
-                <a:t>3</a:t>
-              </a:r>
-              <a:r>
-                <a:rPr lang="en-US" sz="700" dirty="0" smtClean="0">
-                  <a:latin typeface="Tahoma" panose="020B0604030504040204" pitchFamily="34" charset="0"/>
-                  <a:ea typeface="Tahoma" panose="020B0604030504040204" pitchFamily="34" charset="0"/>
-                  <a:cs typeface="Tahoma" panose="020B0604030504040204" pitchFamily="34" charset="0"/>
-                </a:rPr>
-                <a:t>, 360, 640)</a:t>
+                <a:t>(3, 360, 640)</a:t>
               </a:r>
               <a:endParaRPr lang="en-US" sz="700" dirty="0">
                 <a:latin typeface="Tahoma" panose="020B0604030504040204" pitchFamily="34" charset="0"/>
@@ -12262,6 +12146,5068 @@
 </p:sld>
 </file>
 
+<file path=ppt/slides/slide7.xml><?xml version="1.0" encoding="utf-8"?>
+<p:sld xmlns:a="http://schemas.openxmlformats.org/drawingml/2006/main" xmlns:r="http://schemas.openxmlformats.org/officeDocument/2006/relationships" xmlns:p="http://schemas.openxmlformats.org/presentationml/2006/main">
+  <p:cSld>
+    <p:spTree>
+      <p:nvGrpSpPr>
+        <p:cNvPr id="1" name=""/>
+        <p:cNvGrpSpPr/>
+        <p:nvPr/>
+      </p:nvGrpSpPr>
+      <p:grpSpPr>
+        <a:xfrm>
+          <a:off x="0" y="0"/>
+          <a:ext cx="0" cy="0"/>
+          <a:chOff x="0" y="0"/>
+          <a:chExt cx="0" cy="0"/>
+        </a:xfrm>
+      </p:grpSpPr>
+      <p:sp>
+        <p:nvSpPr>
+          <p:cNvPr id="4" name="Rounded Rectangle 3"/>
+          <p:cNvSpPr/>
+          <p:nvPr/>
+        </p:nvSpPr>
+        <p:spPr>
+          <a:xfrm>
+            <a:off x="2552191" y="1757536"/>
+            <a:ext cx="1592568" cy="320040"/>
+          </a:xfrm>
+          <a:prstGeom prst="roundRect">
+            <a:avLst/>
+          </a:prstGeom>
+          <a:noFill/>
+          <a:ln>
+            <a:solidFill>
+              <a:schemeClr val="bg1">
+                <a:lumMod val="50000"/>
+              </a:schemeClr>
+            </a:solidFill>
+          </a:ln>
+        </p:spPr>
+        <p:style>
+          <a:lnRef idx="2">
+            <a:schemeClr val="accent1">
+              <a:shade val="50000"/>
+            </a:schemeClr>
+          </a:lnRef>
+          <a:fillRef idx="1">
+            <a:schemeClr val="accent1"/>
+          </a:fillRef>
+          <a:effectRef idx="0">
+            <a:schemeClr val="accent1"/>
+          </a:effectRef>
+          <a:fontRef idx="minor">
+            <a:schemeClr val="lt1"/>
+          </a:fontRef>
+        </p:style>
+        <p:txBody>
+          <a:bodyPr rot="0" spcFirstLastPara="0" vertOverflow="overflow" horzOverflow="overflow" vert="horz" wrap="square" lIns="51435" tIns="25718" rIns="51435" bIns="25718" numCol="1" spcCol="0" rtlCol="0" fromWordArt="0" anchor="ctr" anchorCtr="0" forceAA="0" compatLnSpc="1">
+            <a:prstTxWarp prst="textNoShape">
+              <a:avLst/>
+            </a:prstTxWarp>
+            <a:noAutofit/>
+          </a:bodyPr>
+          <a:lstStyle/>
+          <a:p>
+            <a:pPr algn="ctr"/>
+            <a:r>
+              <a:rPr lang="en-US" sz="900" b="1" dirty="0" smtClean="0">
+                <a:solidFill>
+                  <a:schemeClr val="tx1"/>
+                </a:solidFill>
+                <a:latin typeface="Tahoma" panose="020B0604030504040204" pitchFamily="34" charset="0"/>
+                <a:ea typeface="Tahoma" panose="020B0604030504040204" pitchFamily="34" charset="0"/>
+                <a:cs typeface="Tahoma" panose="020B0604030504040204" pitchFamily="34" charset="0"/>
+              </a:rPr>
+              <a:t>Feature Map</a:t>
+            </a:r>
+            <a:endParaRPr lang="en-US" sz="900" b="1" dirty="0">
+              <a:solidFill>
+                <a:schemeClr val="tx1"/>
+              </a:solidFill>
+              <a:latin typeface="Tahoma" panose="020B0604030504040204" pitchFamily="34" charset="0"/>
+              <a:ea typeface="Tahoma" panose="020B0604030504040204" pitchFamily="34" charset="0"/>
+              <a:cs typeface="Tahoma" panose="020B0604030504040204" pitchFamily="34" charset="0"/>
+            </a:endParaRPr>
+          </a:p>
+        </p:txBody>
+      </p:sp>
+      <p:cxnSp>
+        <p:nvCxnSpPr>
+          <p:cNvPr id="71" name="Straight Arrow Connector 70"/>
+          <p:cNvCxnSpPr>
+            <a:stCxn id="4" idx="2"/>
+            <a:endCxn id="62" idx="0"/>
+          </p:cNvCxnSpPr>
+          <p:nvPr/>
+        </p:nvCxnSpPr>
+        <p:spPr>
+          <a:xfrm>
+            <a:off x="3348475" y="2077576"/>
+            <a:ext cx="0" cy="408800"/>
+          </a:xfrm>
+          <a:prstGeom prst="straightConnector1">
+            <a:avLst/>
+          </a:prstGeom>
+          <a:ln>
+            <a:solidFill>
+              <a:schemeClr val="tx1"/>
+            </a:solidFill>
+            <a:tailEnd type="triangle"/>
+          </a:ln>
+        </p:spPr>
+        <p:style>
+          <a:lnRef idx="1">
+            <a:schemeClr val="accent1"/>
+          </a:lnRef>
+          <a:fillRef idx="0">
+            <a:schemeClr val="accent1"/>
+          </a:fillRef>
+          <a:effectRef idx="0">
+            <a:schemeClr val="accent1"/>
+          </a:effectRef>
+          <a:fontRef idx="minor">
+            <a:schemeClr val="tx1"/>
+          </a:fontRef>
+        </p:style>
+      </p:cxnSp>
+      <p:cxnSp>
+        <p:nvCxnSpPr>
+          <p:cNvPr id="85" name="Straight Arrow Connector 84"/>
+          <p:cNvCxnSpPr>
+            <a:stCxn id="65" idx="2"/>
+            <a:endCxn id="114" idx="0"/>
+          </p:cNvCxnSpPr>
+          <p:nvPr/>
+        </p:nvCxnSpPr>
+        <p:spPr>
+          <a:xfrm>
+            <a:off x="3348475" y="3941090"/>
+            <a:ext cx="0" cy="361194"/>
+          </a:xfrm>
+          <a:prstGeom prst="straightConnector1">
+            <a:avLst/>
+          </a:prstGeom>
+          <a:ln>
+            <a:solidFill>
+              <a:schemeClr val="tx1"/>
+            </a:solidFill>
+            <a:tailEnd type="triangle"/>
+          </a:ln>
+        </p:spPr>
+        <p:style>
+          <a:lnRef idx="1">
+            <a:schemeClr val="accent1"/>
+          </a:lnRef>
+          <a:fillRef idx="0">
+            <a:schemeClr val="accent1"/>
+          </a:fillRef>
+          <a:effectRef idx="0">
+            <a:schemeClr val="accent1"/>
+          </a:effectRef>
+          <a:fontRef idx="minor">
+            <a:schemeClr val="tx1"/>
+          </a:fontRef>
+        </p:style>
+      </p:cxnSp>
+      <p:sp>
+        <p:nvSpPr>
+          <p:cNvPr id="114" name="Rounded Rectangle 113"/>
+          <p:cNvSpPr/>
+          <p:nvPr/>
+        </p:nvSpPr>
+        <p:spPr>
+          <a:xfrm>
+            <a:off x="2552191" y="4302284"/>
+            <a:ext cx="1592568" cy="320040"/>
+          </a:xfrm>
+          <a:prstGeom prst="roundRect">
+            <a:avLst/>
+          </a:prstGeom>
+          <a:noFill/>
+          <a:ln>
+            <a:solidFill>
+              <a:schemeClr val="bg1">
+                <a:lumMod val="50000"/>
+              </a:schemeClr>
+            </a:solidFill>
+          </a:ln>
+        </p:spPr>
+        <p:style>
+          <a:lnRef idx="2">
+            <a:schemeClr val="accent1">
+              <a:shade val="50000"/>
+            </a:schemeClr>
+          </a:lnRef>
+          <a:fillRef idx="1">
+            <a:schemeClr val="accent1"/>
+          </a:fillRef>
+          <a:effectRef idx="0">
+            <a:schemeClr val="accent1"/>
+          </a:effectRef>
+          <a:fontRef idx="minor">
+            <a:schemeClr val="lt1"/>
+          </a:fontRef>
+        </p:style>
+        <p:txBody>
+          <a:bodyPr rot="0" spcFirstLastPara="0" vertOverflow="overflow" horzOverflow="overflow" vert="horz" wrap="square" lIns="51435" tIns="25718" rIns="51435" bIns="25718" numCol="1" spcCol="0" rtlCol="0" fromWordArt="0" anchor="ctr" anchorCtr="0" forceAA="0" compatLnSpc="1">
+            <a:prstTxWarp prst="textNoShape">
+              <a:avLst/>
+            </a:prstTxWarp>
+            <a:noAutofit/>
+          </a:bodyPr>
+          <a:lstStyle/>
+          <a:p>
+            <a:pPr algn="ctr"/>
+            <a:r>
+              <a:rPr lang="en-US" sz="900" b="1" dirty="0" smtClean="0">
+                <a:solidFill>
+                  <a:schemeClr val="tx1"/>
+                </a:solidFill>
+                <a:latin typeface="Tahoma" panose="020B0604030504040204" pitchFamily="34" charset="0"/>
+                <a:ea typeface="Tahoma" panose="020B0604030504040204" pitchFamily="34" charset="0"/>
+                <a:cs typeface="Tahoma" panose="020B0604030504040204" pitchFamily="34" charset="0"/>
+              </a:rPr>
+              <a:t>OUTPUT</a:t>
+            </a:r>
+            <a:endParaRPr lang="en-US" sz="900" b="1" dirty="0">
+              <a:solidFill>
+                <a:schemeClr val="tx1"/>
+              </a:solidFill>
+              <a:latin typeface="Tahoma" panose="020B0604030504040204" pitchFamily="34" charset="0"/>
+              <a:ea typeface="Tahoma" panose="020B0604030504040204" pitchFamily="34" charset="0"/>
+              <a:cs typeface="Tahoma" panose="020B0604030504040204" pitchFamily="34" charset="0"/>
+            </a:endParaRPr>
+          </a:p>
+        </p:txBody>
+      </p:sp>
+      <p:grpSp>
+        <p:nvGrpSpPr>
+          <p:cNvPr id="14" name="Group 13"/>
+          <p:cNvGrpSpPr/>
+          <p:nvPr/>
+        </p:nvGrpSpPr>
+        <p:grpSpPr>
+          <a:xfrm>
+            <a:off x="2482335" y="2359965"/>
+            <a:ext cx="1732280" cy="1647679"/>
+            <a:chOff x="2482335" y="2359965"/>
+            <a:chExt cx="1732280" cy="1647679"/>
+          </a:xfrm>
+        </p:grpSpPr>
+        <p:grpSp>
+          <p:nvGrpSpPr>
+            <p:cNvPr id="13" name="Group 12"/>
+            <p:cNvGrpSpPr/>
+            <p:nvPr/>
+          </p:nvGrpSpPr>
+          <p:grpSpPr>
+            <a:xfrm>
+              <a:off x="2552191" y="2486376"/>
+              <a:ext cx="1592568" cy="1454714"/>
+              <a:chOff x="2552191" y="2486376"/>
+              <a:chExt cx="1592568" cy="1454714"/>
+            </a:xfrm>
+          </p:grpSpPr>
+          <p:sp>
+            <p:nvSpPr>
+              <p:cNvPr id="62" name="Rounded Rectangle 61"/>
+              <p:cNvSpPr/>
+              <p:nvPr/>
+            </p:nvSpPr>
+            <p:spPr>
+              <a:xfrm>
+                <a:off x="2552191" y="2486376"/>
+                <a:ext cx="1592568" cy="320040"/>
+              </a:xfrm>
+              <a:prstGeom prst="roundRect">
+                <a:avLst/>
+              </a:prstGeom>
+              <a:solidFill>
+                <a:schemeClr val="accent4">
+                  <a:lumMod val="20000"/>
+                  <a:lumOff val="80000"/>
+                </a:schemeClr>
+              </a:solidFill>
+              <a:ln>
+                <a:solidFill>
+                  <a:schemeClr val="bg1">
+                    <a:lumMod val="75000"/>
+                  </a:schemeClr>
+                </a:solidFill>
+              </a:ln>
+            </p:spPr>
+            <p:style>
+              <a:lnRef idx="2">
+                <a:schemeClr val="accent1">
+                  <a:shade val="50000"/>
+                </a:schemeClr>
+              </a:lnRef>
+              <a:fillRef idx="1">
+                <a:schemeClr val="accent1"/>
+              </a:fillRef>
+              <a:effectRef idx="0">
+                <a:schemeClr val="accent1"/>
+              </a:effectRef>
+              <a:fontRef idx="minor">
+                <a:schemeClr val="lt1"/>
+              </a:fontRef>
+            </p:style>
+            <p:txBody>
+              <a:bodyPr rot="0" spcFirstLastPara="0" vertOverflow="overflow" horzOverflow="overflow" vert="horz" wrap="square" lIns="51435" tIns="25718" rIns="51435" bIns="25718" numCol="1" spcCol="0" rtlCol="0" fromWordArt="0" anchor="ctr" anchorCtr="0" forceAA="0" compatLnSpc="1">
+                <a:prstTxWarp prst="textNoShape">
+                  <a:avLst/>
+                </a:prstTxWarp>
+                <a:noAutofit/>
+              </a:bodyPr>
+              <a:lstStyle/>
+              <a:p>
+                <a:pPr algn="ctr"/>
+                <a:r>
+                  <a:rPr lang="en-US" sz="800" b="1" dirty="0" smtClean="0">
+                    <a:solidFill>
+                      <a:schemeClr val="accent1">
+                        <a:lumMod val="50000"/>
+                      </a:schemeClr>
+                    </a:solidFill>
+                    <a:latin typeface="Tahoma" panose="020B0604030504040204" pitchFamily="34" charset="0"/>
+                    <a:ea typeface="Tahoma" panose="020B0604030504040204" pitchFamily="34" charset="0"/>
+                    <a:cs typeface="Tahoma" panose="020B0604030504040204" pitchFamily="34" charset="0"/>
+                  </a:rPr>
+                  <a:t>Conv2d(2048, 256, 3,</a:t>
+                </a:r>
+              </a:p>
+              <a:p>
+                <a:pPr algn="ctr"/>
+                <a:r>
+                  <a:rPr lang="en-US" sz="800" b="1" dirty="0" smtClean="0">
+                    <a:solidFill>
+                      <a:schemeClr val="accent1">
+                        <a:lumMod val="50000"/>
+                      </a:schemeClr>
+                    </a:solidFill>
+                    <a:latin typeface="Tahoma" panose="020B0604030504040204" pitchFamily="34" charset="0"/>
+                    <a:ea typeface="Tahoma" panose="020B0604030504040204" pitchFamily="34" charset="0"/>
+                    <a:cs typeface="Tahoma" panose="020B0604030504040204" pitchFamily="34" charset="0"/>
+                  </a:rPr>
+                  <a:t>dilation=12, padding =12)</a:t>
+                </a:r>
+                <a:endParaRPr lang="en-US" sz="800" b="1" dirty="0">
+                  <a:solidFill>
+                    <a:schemeClr val="accent1">
+                      <a:lumMod val="50000"/>
+                    </a:schemeClr>
+                  </a:solidFill>
+                  <a:latin typeface="Tahoma" panose="020B0604030504040204" pitchFamily="34" charset="0"/>
+                  <a:ea typeface="Tahoma" panose="020B0604030504040204" pitchFamily="34" charset="0"/>
+                  <a:cs typeface="Tahoma" panose="020B0604030504040204" pitchFamily="34" charset="0"/>
+                </a:endParaRPr>
+              </a:p>
+            </p:txBody>
+          </p:sp>
+          <p:sp>
+            <p:nvSpPr>
+              <p:cNvPr id="64" name="Rounded Rectangle 63"/>
+              <p:cNvSpPr/>
+              <p:nvPr/>
+            </p:nvSpPr>
+            <p:spPr>
+              <a:xfrm>
+                <a:off x="2552191" y="3037938"/>
+                <a:ext cx="1592568" cy="320040"/>
+              </a:xfrm>
+              <a:prstGeom prst="roundRect">
+                <a:avLst/>
+              </a:prstGeom>
+              <a:solidFill>
+                <a:schemeClr val="accent4">
+                  <a:lumMod val="20000"/>
+                  <a:lumOff val="80000"/>
+                </a:schemeClr>
+              </a:solidFill>
+              <a:ln>
+                <a:solidFill>
+                  <a:schemeClr val="bg1">
+                    <a:lumMod val="75000"/>
+                  </a:schemeClr>
+                </a:solidFill>
+              </a:ln>
+            </p:spPr>
+            <p:style>
+              <a:lnRef idx="2">
+                <a:schemeClr val="accent1">
+                  <a:shade val="50000"/>
+                </a:schemeClr>
+              </a:lnRef>
+              <a:fillRef idx="1">
+                <a:schemeClr val="accent1"/>
+              </a:fillRef>
+              <a:effectRef idx="0">
+                <a:schemeClr val="accent1"/>
+              </a:effectRef>
+              <a:fontRef idx="minor">
+                <a:schemeClr val="lt1"/>
+              </a:fontRef>
+            </p:style>
+            <p:txBody>
+              <a:bodyPr rot="0" spcFirstLastPara="0" vertOverflow="overflow" horzOverflow="overflow" vert="horz" wrap="square" lIns="51435" tIns="25718" rIns="51435" bIns="25718" numCol="1" spcCol="0" rtlCol="0" fromWordArt="0" anchor="ctr" anchorCtr="0" forceAA="0" compatLnSpc="1">
+                <a:prstTxWarp prst="textNoShape">
+                  <a:avLst/>
+                </a:prstTxWarp>
+                <a:noAutofit/>
+              </a:bodyPr>
+              <a:lstStyle/>
+              <a:p>
+                <a:pPr algn="ctr"/>
+                <a:r>
+                  <a:rPr lang="en-US" sz="800" b="1" dirty="0" smtClean="0">
+                    <a:solidFill>
+                      <a:schemeClr val="accent1">
+                        <a:lumMod val="50000"/>
+                      </a:schemeClr>
+                    </a:solidFill>
+                    <a:latin typeface="Tahoma" panose="020B0604030504040204" pitchFamily="34" charset="0"/>
+                    <a:ea typeface="Tahoma" panose="020B0604030504040204" pitchFamily="34" charset="0"/>
+                    <a:cs typeface="Tahoma" panose="020B0604030504040204" pitchFamily="34" charset="0"/>
+                  </a:rPr>
+                  <a:t>BatchNorm2d(256)</a:t>
+                </a:r>
+                <a:endParaRPr lang="en-US" sz="800" b="1" dirty="0">
+                  <a:solidFill>
+                    <a:schemeClr val="accent1">
+                      <a:lumMod val="50000"/>
+                    </a:schemeClr>
+                  </a:solidFill>
+                  <a:latin typeface="Tahoma" panose="020B0604030504040204" pitchFamily="34" charset="0"/>
+                  <a:ea typeface="Tahoma" panose="020B0604030504040204" pitchFamily="34" charset="0"/>
+                  <a:cs typeface="Tahoma" panose="020B0604030504040204" pitchFamily="34" charset="0"/>
+                </a:endParaRPr>
+              </a:p>
+            </p:txBody>
+          </p:sp>
+          <p:sp>
+            <p:nvSpPr>
+              <p:cNvPr id="65" name="Rounded Rectangle 64"/>
+              <p:cNvSpPr/>
+              <p:nvPr/>
+            </p:nvSpPr>
+            <p:spPr>
+              <a:xfrm>
+                <a:off x="2552191" y="3621050"/>
+                <a:ext cx="1592568" cy="320040"/>
+              </a:xfrm>
+              <a:prstGeom prst="roundRect">
+                <a:avLst/>
+              </a:prstGeom>
+              <a:solidFill>
+                <a:schemeClr val="accent4">
+                  <a:lumMod val="20000"/>
+                  <a:lumOff val="80000"/>
+                </a:schemeClr>
+              </a:solidFill>
+              <a:ln>
+                <a:solidFill>
+                  <a:schemeClr val="bg1">
+                    <a:lumMod val="75000"/>
+                  </a:schemeClr>
+                </a:solidFill>
+              </a:ln>
+            </p:spPr>
+            <p:style>
+              <a:lnRef idx="2">
+                <a:schemeClr val="accent1">
+                  <a:shade val="50000"/>
+                </a:schemeClr>
+              </a:lnRef>
+              <a:fillRef idx="1">
+                <a:schemeClr val="accent1"/>
+              </a:fillRef>
+              <a:effectRef idx="0">
+                <a:schemeClr val="accent1"/>
+              </a:effectRef>
+              <a:fontRef idx="minor">
+                <a:schemeClr val="lt1"/>
+              </a:fontRef>
+            </p:style>
+            <p:txBody>
+              <a:bodyPr rot="0" spcFirstLastPara="0" vertOverflow="overflow" horzOverflow="overflow" vert="horz" wrap="square" lIns="51435" tIns="25718" rIns="51435" bIns="25718" numCol="1" spcCol="0" rtlCol="0" fromWordArt="0" anchor="ctr" anchorCtr="0" forceAA="0" compatLnSpc="1">
+                <a:prstTxWarp prst="textNoShape">
+                  <a:avLst/>
+                </a:prstTxWarp>
+                <a:noAutofit/>
+              </a:bodyPr>
+              <a:lstStyle/>
+              <a:p>
+                <a:pPr algn="ctr"/>
+                <a:r>
+                  <a:rPr lang="en-US" sz="800" b="1" dirty="0" smtClean="0">
+                    <a:solidFill>
+                      <a:schemeClr val="accent1">
+                        <a:lumMod val="50000"/>
+                      </a:schemeClr>
+                    </a:solidFill>
+                    <a:latin typeface="Tahoma" panose="020B0604030504040204" pitchFamily="34" charset="0"/>
+                    <a:ea typeface="Tahoma" panose="020B0604030504040204" pitchFamily="34" charset="0"/>
+                    <a:cs typeface="Tahoma" panose="020B0604030504040204" pitchFamily="34" charset="0"/>
+                  </a:rPr>
+                  <a:t>ReLU Activation</a:t>
+                </a:r>
+                <a:endParaRPr lang="en-US" sz="800" b="1" dirty="0">
+                  <a:solidFill>
+                    <a:schemeClr val="accent1">
+                      <a:lumMod val="50000"/>
+                    </a:schemeClr>
+                  </a:solidFill>
+                  <a:latin typeface="Tahoma" panose="020B0604030504040204" pitchFamily="34" charset="0"/>
+                  <a:ea typeface="Tahoma" panose="020B0604030504040204" pitchFamily="34" charset="0"/>
+                  <a:cs typeface="Tahoma" panose="020B0604030504040204" pitchFamily="34" charset="0"/>
+                </a:endParaRPr>
+              </a:p>
+            </p:txBody>
+          </p:sp>
+          <p:cxnSp>
+            <p:nvCxnSpPr>
+              <p:cNvPr id="76" name="Straight Arrow Connector 75"/>
+              <p:cNvCxnSpPr>
+                <a:stCxn id="62" idx="2"/>
+                <a:endCxn id="64" idx="0"/>
+              </p:cNvCxnSpPr>
+              <p:nvPr/>
+            </p:nvCxnSpPr>
+            <p:spPr>
+              <a:xfrm>
+                <a:off x="3348475" y="2806416"/>
+                <a:ext cx="0" cy="231522"/>
+              </a:xfrm>
+              <a:prstGeom prst="straightConnector1">
+                <a:avLst/>
+              </a:prstGeom>
+              <a:ln>
+                <a:solidFill>
+                  <a:schemeClr val="tx1"/>
+                </a:solidFill>
+                <a:tailEnd type="triangle"/>
+              </a:ln>
+            </p:spPr>
+            <p:style>
+              <a:lnRef idx="1">
+                <a:schemeClr val="accent1"/>
+              </a:lnRef>
+              <a:fillRef idx="0">
+                <a:schemeClr val="accent1"/>
+              </a:fillRef>
+              <a:effectRef idx="0">
+                <a:schemeClr val="accent1"/>
+              </a:effectRef>
+              <a:fontRef idx="minor">
+                <a:schemeClr val="tx1"/>
+              </a:fontRef>
+            </p:style>
+          </p:cxnSp>
+          <p:cxnSp>
+            <p:nvCxnSpPr>
+              <p:cNvPr id="82" name="Straight Arrow Connector 81"/>
+              <p:cNvCxnSpPr>
+                <a:stCxn id="64" idx="2"/>
+                <a:endCxn id="65" idx="0"/>
+              </p:cNvCxnSpPr>
+              <p:nvPr/>
+            </p:nvCxnSpPr>
+            <p:spPr>
+              <a:xfrm>
+                <a:off x="3348475" y="3357978"/>
+                <a:ext cx="0" cy="263072"/>
+              </a:xfrm>
+              <a:prstGeom prst="straightConnector1">
+                <a:avLst/>
+              </a:prstGeom>
+              <a:ln>
+                <a:solidFill>
+                  <a:schemeClr val="tx1"/>
+                </a:solidFill>
+                <a:tailEnd type="triangle"/>
+              </a:ln>
+            </p:spPr>
+            <p:style>
+              <a:lnRef idx="1">
+                <a:schemeClr val="accent1"/>
+              </a:lnRef>
+              <a:fillRef idx="0">
+                <a:schemeClr val="accent1"/>
+              </a:fillRef>
+              <a:effectRef idx="0">
+                <a:schemeClr val="accent1"/>
+              </a:effectRef>
+              <a:fontRef idx="minor">
+                <a:schemeClr val="tx1"/>
+              </a:fontRef>
+            </p:style>
+          </p:cxnSp>
+        </p:grpSp>
+        <p:sp>
+          <p:nvSpPr>
+            <p:cNvPr id="118" name="Rectangle 117"/>
+            <p:cNvSpPr/>
+            <p:nvPr/>
+          </p:nvSpPr>
+          <p:spPr>
+            <a:xfrm>
+              <a:off x="2482335" y="2359965"/>
+              <a:ext cx="1732280" cy="1647679"/>
+            </a:xfrm>
+            <a:prstGeom prst="rect">
+              <a:avLst/>
+            </a:prstGeom>
+            <a:noFill/>
+            <a:ln w="19050">
+              <a:solidFill>
+                <a:srgbClr val="0070C0"/>
+              </a:solidFill>
+            </a:ln>
+          </p:spPr>
+          <p:style>
+            <a:lnRef idx="2">
+              <a:schemeClr val="accent1">
+                <a:shade val="50000"/>
+              </a:schemeClr>
+            </a:lnRef>
+            <a:fillRef idx="1">
+              <a:schemeClr val="accent1"/>
+            </a:fillRef>
+            <a:effectRef idx="0">
+              <a:schemeClr val="accent1"/>
+            </a:effectRef>
+            <a:fontRef idx="minor">
+              <a:schemeClr val="lt1"/>
+            </a:fontRef>
+          </p:style>
+          <p:txBody>
+            <a:bodyPr rtlCol="0" anchor="ctr"/>
+            <a:lstStyle/>
+            <a:p>
+              <a:pPr algn="ctr"/>
+              <a:endParaRPr lang="en-US"/>
+            </a:p>
+          </p:txBody>
+        </p:sp>
+      </p:grpSp>
+      <p:sp>
+        <p:nvSpPr>
+          <p:cNvPr id="119" name="TextBox 118"/>
+          <p:cNvSpPr txBox="1"/>
+          <p:nvPr/>
+        </p:nvSpPr>
+        <p:spPr>
+          <a:xfrm rot="16200000">
+            <a:off x="1284340" y="3021359"/>
+            <a:ext cx="1950468" cy="276999"/>
+          </a:xfrm>
+          <a:prstGeom prst="rect">
+            <a:avLst/>
+          </a:prstGeom>
+          <a:noFill/>
+        </p:spPr>
+        <p:txBody>
+          <a:bodyPr wrap="square" rtlCol="0">
+            <a:spAutoFit/>
+          </a:bodyPr>
+          <a:lstStyle/>
+          <a:p>
+            <a:pPr algn="ctr"/>
+            <a:r>
+              <a:rPr lang="en-US" sz="1200" dirty="0" smtClean="0">
+                <a:solidFill>
+                  <a:srgbClr val="0070C0"/>
+                </a:solidFill>
+                <a:latin typeface="Tahoma" panose="020B0604030504040204" pitchFamily="34" charset="0"/>
+                <a:ea typeface="Tahoma" panose="020B0604030504040204" pitchFamily="34" charset="0"/>
+                <a:cs typeface="Tahoma" panose="020B0604030504040204" pitchFamily="34" charset="0"/>
+              </a:rPr>
+              <a:t>ASPP Conv Module</a:t>
+            </a:r>
+            <a:endParaRPr lang="en-US" sz="1200" dirty="0">
+              <a:solidFill>
+                <a:srgbClr val="0070C0"/>
+              </a:solidFill>
+              <a:latin typeface="Tahoma" panose="020B0604030504040204" pitchFamily="34" charset="0"/>
+              <a:ea typeface="Tahoma" panose="020B0604030504040204" pitchFamily="34" charset="0"/>
+              <a:cs typeface="Tahoma" panose="020B0604030504040204" pitchFamily="34" charset="0"/>
+            </a:endParaRPr>
+          </a:p>
+        </p:txBody>
+      </p:sp>
+      <p:grpSp>
+        <p:nvGrpSpPr>
+          <p:cNvPr id="12" name="Group 11"/>
+          <p:cNvGrpSpPr/>
+          <p:nvPr/>
+        </p:nvGrpSpPr>
+        <p:grpSpPr>
+          <a:xfrm>
+            <a:off x="3365805" y="2105981"/>
+            <a:ext cx="822960" cy="2155630"/>
+            <a:chOff x="3321355" y="2098361"/>
+            <a:chExt cx="822960" cy="2155630"/>
+          </a:xfrm>
+        </p:grpSpPr>
+        <p:sp>
+          <p:nvSpPr>
+            <p:cNvPr id="66" name="TextBox 65"/>
+            <p:cNvSpPr txBox="1"/>
+            <p:nvPr/>
+          </p:nvSpPr>
+          <p:spPr>
+            <a:xfrm>
+              <a:off x="3321355" y="2098361"/>
+              <a:ext cx="822960" cy="201168"/>
+            </a:xfrm>
+            <a:prstGeom prst="rect">
+              <a:avLst/>
+            </a:prstGeom>
+            <a:noFill/>
+          </p:spPr>
+          <p:txBody>
+            <a:bodyPr wrap="square" rtlCol="0">
+              <a:spAutoFit/>
+            </a:bodyPr>
+            <a:lstStyle/>
+            <a:p>
+              <a:pPr algn="ctr"/>
+              <a:r>
+                <a:rPr lang="en-US" sz="700" dirty="0" smtClean="0">
+                  <a:latin typeface="Tahoma" panose="020B0604030504040204" pitchFamily="34" charset="0"/>
+                  <a:ea typeface="Tahoma" panose="020B0604030504040204" pitchFamily="34" charset="0"/>
+                  <a:cs typeface="Tahoma" panose="020B0604030504040204" pitchFamily="34" charset="0"/>
+                </a:rPr>
+                <a:t>(2048, </a:t>
+              </a:r>
+              <a:r>
+                <a:rPr lang="en-US" sz="700" dirty="0" smtClean="0">
+                  <a:latin typeface="Tahoma" panose="020B0604030504040204" pitchFamily="34" charset="0"/>
+                  <a:ea typeface="Tahoma" panose="020B0604030504040204" pitchFamily="34" charset="0"/>
+                  <a:cs typeface="Tahoma" panose="020B0604030504040204" pitchFamily="34" charset="0"/>
+                </a:rPr>
+                <a:t>23, 40)</a:t>
+              </a:r>
+              <a:endParaRPr lang="en-US" sz="700" dirty="0">
+                <a:latin typeface="Tahoma" panose="020B0604030504040204" pitchFamily="34" charset="0"/>
+                <a:ea typeface="Tahoma" panose="020B0604030504040204" pitchFamily="34" charset="0"/>
+                <a:cs typeface="Tahoma" panose="020B0604030504040204" pitchFamily="34" charset="0"/>
+              </a:endParaRPr>
+            </a:p>
+          </p:txBody>
+        </p:sp>
+        <p:sp>
+          <p:nvSpPr>
+            <p:cNvPr id="35" name="TextBox 34"/>
+            <p:cNvSpPr txBox="1"/>
+            <p:nvPr/>
+          </p:nvSpPr>
+          <p:spPr>
+            <a:xfrm>
+              <a:off x="3321355" y="3366077"/>
+              <a:ext cx="822960" cy="201168"/>
+            </a:xfrm>
+            <a:prstGeom prst="rect">
+              <a:avLst/>
+            </a:prstGeom>
+            <a:noFill/>
+          </p:spPr>
+          <p:txBody>
+            <a:bodyPr wrap="square" rtlCol="0">
+              <a:spAutoFit/>
+            </a:bodyPr>
+            <a:lstStyle/>
+            <a:p>
+              <a:pPr algn="ctr"/>
+              <a:r>
+                <a:rPr lang="en-US" sz="700" dirty="0" smtClean="0">
+                  <a:latin typeface="Tahoma" panose="020B0604030504040204" pitchFamily="34" charset="0"/>
+                  <a:ea typeface="Tahoma" panose="020B0604030504040204" pitchFamily="34" charset="0"/>
+                  <a:cs typeface="Tahoma" panose="020B0604030504040204" pitchFamily="34" charset="0"/>
+                </a:rPr>
+                <a:t>(256, </a:t>
+              </a:r>
+              <a:r>
+                <a:rPr lang="en-US" sz="700" dirty="0" smtClean="0">
+                  <a:latin typeface="Tahoma" panose="020B0604030504040204" pitchFamily="34" charset="0"/>
+                  <a:ea typeface="Tahoma" panose="020B0604030504040204" pitchFamily="34" charset="0"/>
+                  <a:cs typeface="Tahoma" panose="020B0604030504040204" pitchFamily="34" charset="0"/>
+                </a:rPr>
+                <a:t>23, </a:t>
+              </a:r>
+              <a:r>
+                <a:rPr lang="en-US" sz="700" dirty="0">
+                  <a:latin typeface="Tahoma" panose="020B0604030504040204" pitchFamily="34" charset="0"/>
+                  <a:ea typeface="Tahoma" panose="020B0604030504040204" pitchFamily="34" charset="0"/>
+                  <a:cs typeface="Tahoma" panose="020B0604030504040204" pitchFamily="34" charset="0"/>
+                </a:rPr>
+                <a:t>4</a:t>
+              </a:r>
+              <a:r>
+                <a:rPr lang="en-US" sz="700" dirty="0" smtClean="0">
+                  <a:latin typeface="Tahoma" panose="020B0604030504040204" pitchFamily="34" charset="0"/>
+                  <a:ea typeface="Tahoma" panose="020B0604030504040204" pitchFamily="34" charset="0"/>
+                  <a:cs typeface="Tahoma" panose="020B0604030504040204" pitchFamily="34" charset="0"/>
+                </a:rPr>
+                <a:t>0</a:t>
+              </a:r>
+              <a:r>
+                <a:rPr lang="en-US" sz="700" dirty="0" smtClean="0">
+                  <a:latin typeface="Tahoma" panose="020B0604030504040204" pitchFamily="34" charset="0"/>
+                  <a:ea typeface="Tahoma" panose="020B0604030504040204" pitchFamily="34" charset="0"/>
+                  <a:cs typeface="Tahoma" panose="020B0604030504040204" pitchFamily="34" charset="0"/>
+                </a:rPr>
+                <a:t>)</a:t>
+              </a:r>
+              <a:endParaRPr lang="en-US" sz="700" dirty="0">
+                <a:latin typeface="Tahoma" panose="020B0604030504040204" pitchFamily="34" charset="0"/>
+                <a:ea typeface="Tahoma" panose="020B0604030504040204" pitchFamily="34" charset="0"/>
+                <a:cs typeface="Tahoma" panose="020B0604030504040204" pitchFamily="34" charset="0"/>
+              </a:endParaRPr>
+            </a:p>
+          </p:txBody>
+        </p:sp>
+        <p:sp>
+          <p:nvSpPr>
+            <p:cNvPr id="36" name="TextBox 35"/>
+            <p:cNvSpPr txBox="1"/>
+            <p:nvPr/>
+          </p:nvSpPr>
+          <p:spPr>
+            <a:xfrm>
+              <a:off x="3321355" y="2823122"/>
+              <a:ext cx="822960" cy="201168"/>
+            </a:xfrm>
+            <a:prstGeom prst="rect">
+              <a:avLst/>
+            </a:prstGeom>
+            <a:noFill/>
+          </p:spPr>
+          <p:txBody>
+            <a:bodyPr wrap="square" rtlCol="0">
+              <a:spAutoFit/>
+            </a:bodyPr>
+            <a:lstStyle/>
+            <a:p>
+              <a:pPr algn="ctr"/>
+              <a:r>
+                <a:rPr lang="en-US" sz="700" dirty="0" smtClean="0">
+                  <a:latin typeface="Tahoma" panose="020B0604030504040204" pitchFamily="34" charset="0"/>
+                  <a:ea typeface="Tahoma" panose="020B0604030504040204" pitchFamily="34" charset="0"/>
+                  <a:cs typeface="Tahoma" panose="020B0604030504040204" pitchFamily="34" charset="0"/>
+                </a:rPr>
+                <a:t>(256, </a:t>
+              </a:r>
+              <a:r>
+                <a:rPr lang="en-US" sz="700" dirty="0" smtClean="0">
+                  <a:latin typeface="Tahoma" panose="020B0604030504040204" pitchFamily="34" charset="0"/>
+                  <a:ea typeface="Tahoma" panose="020B0604030504040204" pitchFamily="34" charset="0"/>
+                  <a:cs typeface="Tahoma" panose="020B0604030504040204" pitchFamily="34" charset="0"/>
+                </a:rPr>
+                <a:t>23, </a:t>
+              </a:r>
+              <a:r>
+                <a:rPr lang="en-US" sz="700" dirty="0">
+                  <a:latin typeface="Tahoma" panose="020B0604030504040204" pitchFamily="34" charset="0"/>
+                  <a:ea typeface="Tahoma" panose="020B0604030504040204" pitchFamily="34" charset="0"/>
+                  <a:cs typeface="Tahoma" panose="020B0604030504040204" pitchFamily="34" charset="0"/>
+                </a:rPr>
+                <a:t>4</a:t>
+              </a:r>
+              <a:r>
+                <a:rPr lang="en-US" sz="700" dirty="0" smtClean="0">
+                  <a:latin typeface="Tahoma" panose="020B0604030504040204" pitchFamily="34" charset="0"/>
+                  <a:ea typeface="Tahoma" panose="020B0604030504040204" pitchFamily="34" charset="0"/>
+                  <a:cs typeface="Tahoma" panose="020B0604030504040204" pitchFamily="34" charset="0"/>
+                </a:rPr>
+                <a:t>0</a:t>
+              </a:r>
+              <a:r>
+                <a:rPr lang="en-US" sz="700" dirty="0" smtClean="0">
+                  <a:latin typeface="Tahoma" panose="020B0604030504040204" pitchFamily="34" charset="0"/>
+                  <a:ea typeface="Tahoma" panose="020B0604030504040204" pitchFamily="34" charset="0"/>
+                  <a:cs typeface="Tahoma" panose="020B0604030504040204" pitchFamily="34" charset="0"/>
+                </a:rPr>
+                <a:t>)</a:t>
+              </a:r>
+              <a:endParaRPr lang="en-US" sz="700" dirty="0">
+                <a:latin typeface="Tahoma" panose="020B0604030504040204" pitchFamily="34" charset="0"/>
+                <a:ea typeface="Tahoma" panose="020B0604030504040204" pitchFamily="34" charset="0"/>
+                <a:cs typeface="Tahoma" panose="020B0604030504040204" pitchFamily="34" charset="0"/>
+              </a:endParaRPr>
+            </a:p>
+          </p:txBody>
+        </p:sp>
+        <p:sp>
+          <p:nvSpPr>
+            <p:cNvPr id="37" name="TextBox 36"/>
+            <p:cNvSpPr txBox="1"/>
+            <p:nvPr/>
+          </p:nvSpPr>
+          <p:spPr>
+            <a:xfrm>
+              <a:off x="3321355" y="4052823"/>
+              <a:ext cx="822960" cy="201168"/>
+            </a:xfrm>
+            <a:prstGeom prst="rect">
+              <a:avLst/>
+            </a:prstGeom>
+            <a:noFill/>
+          </p:spPr>
+          <p:txBody>
+            <a:bodyPr wrap="square" rtlCol="0">
+              <a:spAutoFit/>
+            </a:bodyPr>
+            <a:lstStyle/>
+            <a:p>
+              <a:pPr algn="ctr"/>
+              <a:r>
+                <a:rPr lang="en-US" sz="700" dirty="0" smtClean="0">
+                  <a:latin typeface="Tahoma" panose="020B0604030504040204" pitchFamily="34" charset="0"/>
+                  <a:ea typeface="Tahoma" panose="020B0604030504040204" pitchFamily="34" charset="0"/>
+                  <a:cs typeface="Tahoma" panose="020B0604030504040204" pitchFamily="34" charset="0"/>
+                </a:rPr>
+                <a:t>(256, </a:t>
+              </a:r>
+              <a:r>
+                <a:rPr lang="en-US" sz="700" dirty="0" smtClean="0">
+                  <a:latin typeface="Tahoma" panose="020B0604030504040204" pitchFamily="34" charset="0"/>
+                  <a:ea typeface="Tahoma" panose="020B0604030504040204" pitchFamily="34" charset="0"/>
+                  <a:cs typeface="Tahoma" panose="020B0604030504040204" pitchFamily="34" charset="0"/>
+                </a:rPr>
+                <a:t>23, </a:t>
+              </a:r>
+              <a:r>
+                <a:rPr lang="en-US" sz="700" dirty="0">
+                  <a:latin typeface="Tahoma" panose="020B0604030504040204" pitchFamily="34" charset="0"/>
+                  <a:ea typeface="Tahoma" panose="020B0604030504040204" pitchFamily="34" charset="0"/>
+                  <a:cs typeface="Tahoma" panose="020B0604030504040204" pitchFamily="34" charset="0"/>
+                </a:rPr>
+                <a:t>4</a:t>
+              </a:r>
+              <a:r>
+                <a:rPr lang="en-US" sz="700" dirty="0" smtClean="0">
+                  <a:latin typeface="Tahoma" panose="020B0604030504040204" pitchFamily="34" charset="0"/>
+                  <a:ea typeface="Tahoma" panose="020B0604030504040204" pitchFamily="34" charset="0"/>
+                  <a:cs typeface="Tahoma" panose="020B0604030504040204" pitchFamily="34" charset="0"/>
+                </a:rPr>
+                <a:t>0</a:t>
+              </a:r>
+              <a:r>
+                <a:rPr lang="en-US" sz="700" dirty="0" smtClean="0">
+                  <a:latin typeface="Tahoma" panose="020B0604030504040204" pitchFamily="34" charset="0"/>
+                  <a:ea typeface="Tahoma" panose="020B0604030504040204" pitchFamily="34" charset="0"/>
+                  <a:cs typeface="Tahoma" panose="020B0604030504040204" pitchFamily="34" charset="0"/>
+                </a:rPr>
+                <a:t>)</a:t>
+              </a:r>
+              <a:endParaRPr lang="en-US" sz="700" dirty="0">
+                <a:latin typeface="Tahoma" panose="020B0604030504040204" pitchFamily="34" charset="0"/>
+                <a:ea typeface="Tahoma" panose="020B0604030504040204" pitchFamily="34" charset="0"/>
+                <a:cs typeface="Tahoma" panose="020B0604030504040204" pitchFamily="34" charset="0"/>
+              </a:endParaRPr>
+            </a:p>
+          </p:txBody>
+        </p:sp>
+      </p:grpSp>
+    </p:spTree>
+    <p:extLst>
+      <p:ext uri="{BB962C8B-B14F-4D97-AF65-F5344CB8AC3E}">
+        <p14:creationId xmlns:p14="http://schemas.microsoft.com/office/powerpoint/2010/main" val="748592250"/>
+      </p:ext>
+    </p:extLst>
+  </p:cSld>
+  <p:clrMapOvr>
+    <a:masterClrMapping/>
+  </p:clrMapOvr>
+</p:sld>
+</file>
+
+<file path=ppt/slides/slide8.xml><?xml version="1.0" encoding="utf-8"?>
+<p:sld xmlns:a="http://schemas.openxmlformats.org/drawingml/2006/main" xmlns:r="http://schemas.openxmlformats.org/officeDocument/2006/relationships" xmlns:p="http://schemas.openxmlformats.org/presentationml/2006/main">
+  <p:cSld>
+    <p:spTree>
+      <p:nvGrpSpPr>
+        <p:cNvPr id="1" name=""/>
+        <p:cNvGrpSpPr/>
+        <p:nvPr/>
+      </p:nvGrpSpPr>
+      <p:grpSpPr>
+        <a:xfrm>
+          <a:off x="0" y="0"/>
+          <a:ext cx="0" cy="0"/>
+          <a:chOff x="0" y="0"/>
+          <a:chExt cx="0" cy="0"/>
+        </a:xfrm>
+      </p:grpSpPr>
+      <p:sp>
+        <p:nvSpPr>
+          <p:cNvPr id="61" name="Rounded Rectangle 60"/>
+          <p:cNvSpPr/>
+          <p:nvPr/>
+        </p:nvSpPr>
+        <p:spPr>
+          <a:xfrm>
+            <a:off x="466938" y="2189665"/>
+            <a:ext cx="615102" cy="332786"/>
+          </a:xfrm>
+          <a:prstGeom prst="roundRect">
+            <a:avLst/>
+          </a:prstGeom>
+          <a:noFill/>
+          <a:ln>
+            <a:solidFill>
+              <a:schemeClr val="bg1">
+                <a:lumMod val="50000"/>
+              </a:schemeClr>
+            </a:solidFill>
+          </a:ln>
+        </p:spPr>
+        <p:style>
+          <a:lnRef idx="2">
+            <a:schemeClr val="accent1">
+              <a:shade val="50000"/>
+            </a:schemeClr>
+          </a:lnRef>
+          <a:fillRef idx="1">
+            <a:schemeClr val="accent1"/>
+          </a:fillRef>
+          <a:effectRef idx="0">
+            <a:schemeClr val="accent1"/>
+          </a:effectRef>
+          <a:fontRef idx="minor">
+            <a:schemeClr val="lt1"/>
+          </a:fontRef>
+        </p:style>
+        <p:txBody>
+          <a:bodyPr rot="0" spcFirstLastPara="0" vertOverflow="overflow" horzOverflow="overflow" vert="horz" wrap="square" lIns="51435" tIns="25718" rIns="51435" bIns="25718" numCol="1" spcCol="0" rtlCol="0" fromWordArt="0" anchor="ctr" anchorCtr="0" forceAA="0" compatLnSpc="1">
+            <a:prstTxWarp prst="textNoShape">
+              <a:avLst/>
+            </a:prstTxWarp>
+            <a:noAutofit/>
+          </a:bodyPr>
+          <a:lstStyle/>
+          <a:p>
+            <a:pPr algn="ctr"/>
+            <a:r>
+              <a:rPr lang="en-US" sz="900" b="1" dirty="0" smtClean="0">
+                <a:solidFill>
+                  <a:schemeClr val="tx1"/>
+                </a:solidFill>
+                <a:latin typeface="Tahoma" panose="020B0604030504040204" pitchFamily="34" charset="0"/>
+                <a:ea typeface="Tahoma" panose="020B0604030504040204" pitchFamily="34" charset="0"/>
+                <a:cs typeface="Tahoma" panose="020B0604030504040204" pitchFamily="34" charset="0"/>
+              </a:rPr>
+              <a:t>Feature Map</a:t>
+            </a:r>
+            <a:endParaRPr lang="en-US" sz="900" b="1" dirty="0">
+              <a:solidFill>
+                <a:schemeClr val="tx1"/>
+              </a:solidFill>
+              <a:latin typeface="Tahoma" panose="020B0604030504040204" pitchFamily="34" charset="0"/>
+              <a:ea typeface="Tahoma" panose="020B0604030504040204" pitchFamily="34" charset="0"/>
+              <a:cs typeface="Tahoma" panose="020B0604030504040204" pitchFamily="34" charset="0"/>
+            </a:endParaRPr>
+          </a:p>
+        </p:txBody>
+      </p:sp>
+      <p:sp>
+        <p:nvSpPr>
+          <p:cNvPr id="62" name="Rounded Rectangle 61"/>
+          <p:cNvSpPr/>
+          <p:nvPr/>
+        </p:nvSpPr>
+        <p:spPr>
+          <a:xfrm>
+            <a:off x="1835198" y="1298462"/>
+            <a:ext cx="1371600" cy="274320"/>
+          </a:xfrm>
+          <a:prstGeom prst="roundRect">
+            <a:avLst/>
+          </a:prstGeom>
+          <a:solidFill>
+            <a:srgbClr val="FF5050"/>
+          </a:solidFill>
+          <a:ln>
+            <a:noFill/>
+          </a:ln>
+        </p:spPr>
+        <p:style>
+          <a:lnRef idx="2">
+            <a:schemeClr val="accent1">
+              <a:shade val="50000"/>
+            </a:schemeClr>
+          </a:lnRef>
+          <a:fillRef idx="1">
+            <a:schemeClr val="accent1"/>
+          </a:fillRef>
+          <a:effectRef idx="0">
+            <a:schemeClr val="accent1"/>
+          </a:effectRef>
+          <a:fontRef idx="minor">
+            <a:schemeClr val="lt1"/>
+          </a:fontRef>
+        </p:style>
+        <p:txBody>
+          <a:bodyPr rot="0" spcFirstLastPara="0" vertOverflow="overflow" horzOverflow="overflow" vert="horz" wrap="square" lIns="51435" tIns="25718" rIns="51435" bIns="25718" numCol="1" spcCol="0" rtlCol="0" fromWordArt="0" anchor="ctr" anchorCtr="0" forceAA="0" compatLnSpc="1">
+            <a:prstTxWarp prst="textNoShape">
+              <a:avLst/>
+            </a:prstTxWarp>
+            <a:noAutofit/>
+          </a:bodyPr>
+          <a:lstStyle/>
+          <a:p>
+            <a:pPr algn="ctr"/>
+            <a:r>
+              <a:rPr lang="en-US" sz="800" b="1" dirty="0" smtClean="0">
+                <a:solidFill>
+                  <a:schemeClr val="bg1"/>
+                </a:solidFill>
+                <a:latin typeface="Tahoma" panose="020B0604030504040204" pitchFamily="34" charset="0"/>
+                <a:ea typeface="Tahoma" panose="020B0604030504040204" pitchFamily="34" charset="0"/>
+                <a:cs typeface="Tahoma" panose="020B0604030504040204" pitchFamily="34" charset="0"/>
+              </a:rPr>
+              <a:t>ASPP conv</a:t>
+            </a:r>
+          </a:p>
+          <a:p>
+            <a:pPr algn="ctr"/>
+            <a:r>
+              <a:rPr lang="en-US" sz="800" b="1" dirty="0" smtClean="0">
+                <a:solidFill>
+                  <a:schemeClr val="bg1"/>
+                </a:solidFill>
+                <a:latin typeface="Tahoma" panose="020B0604030504040204" pitchFamily="34" charset="0"/>
+                <a:ea typeface="Tahoma" panose="020B0604030504040204" pitchFamily="34" charset="0"/>
+                <a:cs typeface="Tahoma" panose="020B0604030504040204" pitchFamily="34" charset="0"/>
+              </a:rPr>
+              <a:t>(2048, 256,rate </a:t>
+            </a:r>
+            <a:r>
+              <a:rPr lang="en-US" sz="800" b="1" dirty="0" smtClean="0">
+                <a:solidFill>
+                  <a:schemeClr val="bg1"/>
+                </a:solidFill>
+                <a:latin typeface="Tahoma" panose="020B0604030504040204" pitchFamily="34" charset="0"/>
+                <a:ea typeface="Tahoma" panose="020B0604030504040204" pitchFamily="34" charset="0"/>
+                <a:cs typeface="Tahoma" panose="020B0604030504040204" pitchFamily="34" charset="0"/>
+              </a:rPr>
+              <a:t>=6)</a:t>
+            </a:r>
+            <a:endParaRPr lang="en-US" sz="800" b="1" dirty="0">
+              <a:solidFill>
+                <a:schemeClr val="bg1"/>
+              </a:solidFill>
+              <a:latin typeface="Tahoma" panose="020B0604030504040204" pitchFamily="34" charset="0"/>
+              <a:ea typeface="Tahoma" panose="020B0604030504040204" pitchFamily="34" charset="0"/>
+              <a:cs typeface="Tahoma" panose="020B0604030504040204" pitchFamily="34" charset="0"/>
+            </a:endParaRPr>
+          </a:p>
+        </p:txBody>
+      </p:sp>
+      <p:sp>
+        <p:nvSpPr>
+          <p:cNvPr id="64" name="Rounded Rectangle 63"/>
+          <p:cNvSpPr/>
+          <p:nvPr/>
+        </p:nvSpPr>
+        <p:spPr>
+          <a:xfrm>
+            <a:off x="1835198" y="1772679"/>
+            <a:ext cx="1371600" cy="274320"/>
+          </a:xfrm>
+          <a:prstGeom prst="roundRect">
+            <a:avLst/>
+          </a:prstGeom>
+          <a:solidFill>
+            <a:schemeClr val="accent2"/>
+          </a:solidFill>
+          <a:ln>
+            <a:noFill/>
+          </a:ln>
+        </p:spPr>
+        <p:style>
+          <a:lnRef idx="2">
+            <a:schemeClr val="accent1">
+              <a:shade val="50000"/>
+            </a:schemeClr>
+          </a:lnRef>
+          <a:fillRef idx="1">
+            <a:schemeClr val="accent1"/>
+          </a:fillRef>
+          <a:effectRef idx="0">
+            <a:schemeClr val="accent1"/>
+          </a:effectRef>
+          <a:fontRef idx="minor">
+            <a:schemeClr val="lt1"/>
+          </a:fontRef>
+        </p:style>
+        <p:txBody>
+          <a:bodyPr rot="0" spcFirstLastPara="0" vertOverflow="overflow" horzOverflow="overflow" vert="horz" wrap="square" lIns="51435" tIns="25718" rIns="51435" bIns="25718" numCol="1" spcCol="0" rtlCol="0" fromWordArt="0" anchor="ctr" anchorCtr="0" forceAA="0" compatLnSpc="1">
+            <a:prstTxWarp prst="textNoShape">
+              <a:avLst/>
+            </a:prstTxWarp>
+            <a:noAutofit/>
+          </a:bodyPr>
+          <a:lstStyle/>
+          <a:p>
+            <a:pPr algn="ctr"/>
+            <a:r>
+              <a:rPr lang="en-US" sz="800" b="1" dirty="0">
+                <a:solidFill>
+                  <a:schemeClr val="bg1"/>
+                </a:solidFill>
+                <a:latin typeface="Tahoma" panose="020B0604030504040204" pitchFamily="34" charset="0"/>
+                <a:ea typeface="Tahoma" panose="020B0604030504040204" pitchFamily="34" charset="0"/>
+                <a:cs typeface="Tahoma" panose="020B0604030504040204" pitchFamily="34" charset="0"/>
+              </a:rPr>
+              <a:t>ASPP conv</a:t>
+            </a:r>
+          </a:p>
+          <a:p>
+            <a:pPr algn="ctr"/>
+            <a:r>
+              <a:rPr lang="en-US" sz="800" b="1" dirty="0">
+                <a:solidFill>
+                  <a:schemeClr val="bg1"/>
+                </a:solidFill>
+                <a:latin typeface="Tahoma" panose="020B0604030504040204" pitchFamily="34" charset="0"/>
+                <a:ea typeface="Tahoma" panose="020B0604030504040204" pitchFamily="34" charset="0"/>
+                <a:cs typeface="Tahoma" panose="020B0604030504040204" pitchFamily="34" charset="0"/>
+              </a:rPr>
+              <a:t>(2048, 256,rate </a:t>
+            </a:r>
+            <a:r>
+              <a:rPr lang="en-US" sz="800" b="1" dirty="0" smtClean="0">
+                <a:solidFill>
+                  <a:schemeClr val="bg1"/>
+                </a:solidFill>
+                <a:latin typeface="Tahoma" panose="020B0604030504040204" pitchFamily="34" charset="0"/>
+                <a:ea typeface="Tahoma" panose="020B0604030504040204" pitchFamily="34" charset="0"/>
+                <a:cs typeface="Tahoma" panose="020B0604030504040204" pitchFamily="34" charset="0"/>
+              </a:rPr>
+              <a:t>=12)</a:t>
+            </a:r>
+            <a:endParaRPr lang="en-US" sz="800" b="1" dirty="0">
+              <a:solidFill>
+                <a:schemeClr val="bg1"/>
+              </a:solidFill>
+              <a:latin typeface="Tahoma" panose="020B0604030504040204" pitchFamily="34" charset="0"/>
+              <a:ea typeface="Tahoma" panose="020B0604030504040204" pitchFamily="34" charset="0"/>
+              <a:cs typeface="Tahoma" panose="020B0604030504040204" pitchFamily="34" charset="0"/>
+            </a:endParaRPr>
+          </a:p>
+        </p:txBody>
+      </p:sp>
+      <p:sp>
+        <p:nvSpPr>
+          <p:cNvPr id="66" name="Rounded Rectangle 65"/>
+          <p:cNvSpPr/>
+          <p:nvPr/>
+        </p:nvSpPr>
+        <p:spPr>
+          <a:xfrm>
+            <a:off x="1835198" y="3173664"/>
+            <a:ext cx="1371600" cy="274320"/>
+          </a:xfrm>
+          <a:prstGeom prst="roundRect">
+            <a:avLst/>
+          </a:prstGeom>
+          <a:solidFill>
+            <a:srgbClr val="00B050"/>
+          </a:solidFill>
+          <a:ln>
+            <a:noFill/>
+          </a:ln>
+        </p:spPr>
+        <p:style>
+          <a:lnRef idx="2">
+            <a:schemeClr val="accent1">
+              <a:shade val="50000"/>
+            </a:schemeClr>
+          </a:lnRef>
+          <a:fillRef idx="1">
+            <a:schemeClr val="accent1"/>
+          </a:fillRef>
+          <a:effectRef idx="0">
+            <a:schemeClr val="accent1"/>
+          </a:effectRef>
+          <a:fontRef idx="minor">
+            <a:schemeClr val="lt1"/>
+          </a:fontRef>
+        </p:style>
+        <p:txBody>
+          <a:bodyPr rot="0" spcFirstLastPara="0" vertOverflow="overflow" horzOverflow="overflow" vert="horz" wrap="square" lIns="51435" tIns="25718" rIns="51435" bIns="25718" numCol="1" spcCol="0" rtlCol="0" fromWordArt="0" anchor="ctr" anchorCtr="0" forceAA="0" compatLnSpc="1">
+            <a:prstTxWarp prst="textNoShape">
+              <a:avLst/>
+            </a:prstTxWarp>
+            <a:noAutofit/>
+          </a:bodyPr>
+          <a:lstStyle/>
+          <a:p>
+            <a:pPr algn="ctr"/>
+            <a:r>
+              <a:rPr lang="en-US" sz="800" b="1" dirty="0" smtClean="0">
+                <a:solidFill>
+                  <a:schemeClr val="bg1"/>
+                </a:solidFill>
+                <a:latin typeface="Tahoma" panose="020B0604030504040204" pitchFamily="34" charset="0"/>
+                <a:ea typeface="Tahoma" panose="020B0604030504040204" pitchFamily="34" charset="0"/>
+                <a:cs typeface="Tahoma" panose="020B0604030504040204" pitchFamily="34" charset="0"/>
+              </a:rPr>
+              <a:t>ASPP pooling</a:t>
+            </a:r>
+          </a:p>
+          <a:p>
+            <a:pPr algn="ctr"/>
+            <a:r>
+              <a:rPr lang="en-US" sz="800" b="1" dirty="0" smtClean="0">
+                <a:solidFill>
+                  <a:schemeClr val="bg1"/>
+                </a:solidFill>
+                <a:latin typeface="Tahoma" panose="020B0604030504040204" pitchFamily="34" charset="0"/>
+                <a:ea typeface="Tahoma" panose="020B0604030504040204" pitchFamily="34" charset="0"/>
+                <a:cs typeface="Tahoma" panose="020B0604030504040204" pitchFamily="34" charset="0"/>
+              </a:rPr>
+              <a:t>(2048, 256)</a:t>
+            </a:r>
+            <a:endParaRPr lang="en-US" sz="800" b="1" dirty="0">
+              <a:solidFill>
+                <a:schemeClr val="bg1"/>
+              </a:solidFill>
+              <a:latin typeface="Tahoma" panose="020B0604030504040204" pitchFamily="34" charset="0"/>
+              <a:ea typeface="Tahoma" panose="020B0604030504040204" pitchFamily="34" charset="0"/>
+              <a:cs typeface="Tahoma" panose="020B0604030504040204" pitchFamily="34" charset="0"/>
+            </a:endParaRPr>
+          </a:p>
+        </p:txBody>
+      </p:sp>
+      <p:cxnSp>
+        <p:nvCxnSpPr>
+          <p:cNvPr id="9" name="Elbow Connector 8"/>
+          <p:cNvCxnSpPr>
+            <a:stCxn id="61" idx="3"/>
+            <a:endCxn id="62" idx="1"/>
+          </p:cNvCxnSpPr>
+          <p:nvPr/>
+        </p:nvCxnSpPr>
+        <p:spPr>
+          <a:xfrm flipV="1">
+            <a:off x="1082040" y="1435622"/>
+            <a:ext cx="753158" cy="920436"/>
+          </a:xfrm>
+          <a:prstGeom prst="bentConnector3">
+            <a:avLst/>
+          </a:prstGeom>
+          <a:ln>
+            <a:solidFill>
+              <a:schemeClr val="tx1"/>
+            </a:solidFill>
+            <a:tailEnd type="triangle"/>
+          </a:ln>
+        </p:spPr>
+        <p:style>
+          <a:lnRef idx="1">
+            <a:schemeClr val="accent1"/>
+          </a:lnRef>
+          <a:fillRef idx="0">
+            <a:schemeClr val="accent1"/>
+          </a:fillRef>
+          <a:effectRef idx="0">
+            <a:schemeClr val="accent1"/>
+          </a:effectRef>
+          <a:fontRef idx="minor">
+            <a:schemeClr val="tx1"/>
+          </a:fontRef>
+        </p:style>
+      </p:cxnSp>
+      <p:cxnSp>
+        <p:nvCxnSpPr>
+          <p:cNvPr id="69" name="Elbow Connector 68"/>
+          <p:cNvCxnSpPr>
+            <a:stCxn id="61" idx="3"/>
+            <a:endCxn id="64" idx="1"/>
+          </p:cNvCxnSpPr>
+          <p:nvPr/>
+        </p:nvCxnSpPr>
+        <p:spPr>
+          <a:xfrm flipV="1">
+            <a:off x="1082040" y="1909839"/>
+            <a:ext cx="753158" cy="446219"/>
+          </a:xfrm>
+          <a:prstGeom prst="bentConnector3">
+            <a:avLst>
+              <a:gd name="adj1" fmla="val 50000"/>
+            </a:avLst>
+          </a:prstGeom>
+          <a:ln>
+            <a:solidFill>
+              <a:schemeClr val="tx1"/>
+            </a:solidFill>
+            <a:tailEnd type="triangle"/>
+          </a:ln>
+        </p:spPr>
+        <p:style>
+          <a:lnRef idx="1">
+            <a:schemeClr val="accent1"/>
+          </a:lnRef>
+          <a:fillRef idx="0">
+            <a:schemeClr val="accent1"/>
+          </a:fillRef>
+          <a:effectRef idx="0">
+            <a:schemeClr val="accent1"/>
+          </a:effectRef>
+          <a:fontRef idx="minor">
+            <a:schemeClr val="tx1"/>
+          </a:fontRef>
+        </p:style>
+      </p:cxnSp>
+      <p:cxnSp>
+        <p:nvCxnSpPr>
+          <p:cNvPr id="74" name="Elbow Connector 73"/>
+          <p:cNvCxnSpPr>
+            <a:stCxn id="61" idx="3"/>
+            <a:endCxn id="66" idx="1"/>
+          </p:cNvCxnSpPr>
+          <p:nvPr/>
+        </p:nvCxnSpPr>
+        <p:spPr>
+          <a:xfrm>
+            <a:off x="1082040" y="2356058"/>
+            <a:ext cx="753158" cy="954766"/>
+          </a:xfrm>
+          <a:prstGeom prst="bentConnector3">
+            <a:avLst>
+              <a:gd name="adj1" fmla="val 50000"/>
+            </a:avLst>
+          </a:prstGeom>
+          <a:ln>
+            <a:solidFill>
+              <a:schemeClr val="tx1"/>
+            </a:solidFill>
+            <a:tailEnd type="triangle"/>
+          </a:ln>
+        </p:spPr>
+        <p:style>
+          <a:lnRef idx="1">
+            <a:schemeClr val="accent1"/>
+          </a:lnRef>
+          <a:fillRef idx="0">
+            <a:schemeClr val="accent1"/>
+          </a:fillRef>
+          <a:effectRef idx="0">
+            <a:schemeClr val="accent1"/>
+          </a:effectRef>
+          <a:fontRef idx="minor">
+            <a:schemeClr val="tx1"/>
+          </a:fontRef>
+        </p:style>
+      </p:cxnSp>
+      <p:cxnSp>
+        <p:nvCxnSpPr>
+          <p:cNvPr id="78" name="Elbow Connector 77"/>
+          <p:cNvCxnSpPr>
+            <a:stCxn id="61" idx="3"/>
+            <a:endCxn id="50" idx="1"/>
+          </p:cNvCxnSpPr>
+          <p:nvPr/>
+        </p:nvCxnSpPr>
+        <p:spPr>
+          <a:xfrm>
+            <a:off x="1082040" y="2356058"/>
+            <a:ext cx="753158" cy="465243"/>
+          </a:xfrm>
+          <a:prstGeom prst="bentConnector3">
+            <a:avLst>
+              <a:gd name="adj1" fmla="val 50000"/>
+            </a:avLst>
+          </a:prstGeom>
+          <a:ln>
+            <a:solidFill>
+              <a:schemeClr val="tx1"/>
+            </a:solidFill>
+            <a:tailEnd type="triangle"/>
+          </a:ln>
+        </p:spPr>
+        <p:style>
+          <a:lnRef idx="1">
+            <a:schemeClr val="accent1"/>
+          </a:lnRef>
+          <a:fillRef idx="0">
+            <a:schemeClr val="accent1"/>
+          </a:fillRef>
+          <a:effectRef idx="0">
+            <a:schemeClr val="accent1"/>
+          </a:effectRef>
+          <a:fontRef idx="minor">
+            <a:schemeClr val="tx1"/>
+          </a:fontRef>
+        </p:style>
+      </p:cxnSp>
+      <p:sp>
+        <p:nvSpPr>
+          <p:cNvPr id="88" name="Rectangle 87"/>
+          <p:cNvSpPr/>
+          <p:nvPr/>
+        </p:nvSpPr>
+        <p:spPr>
+          <a:xfrm>
+            <a:off x="3512237" y="2241798"/>
+            <a:ext cx="228600" cy="228600"/>
+          </a:xfrm>
+          <a:prstGeom prst="rect">
+            <a:avLst/>
+          </a:prstGeom>
+          <a:noFill/>
+          <a:ln>
+            <a:solidFill>
+              <a:schemeClr val="tx1"/>
+            </a:solidFill>
+          </a:ln>
+        </p:spPr>
+        <p:style>
+          <a:lnRef idx="2">
+            <a:schemeClr val="accent1">
+              <a:shade val="50000"/>
+            </a:schemeClr>
+          </a:lnRef>
+          <a:fillRef idx="1">
+            <a:schemeClr val="accent1"/>
+          </a:fillRef>
+          <a:effectRef idx="0">
+            <a:schemeClr val="accent1"/>
+          </a:effectRef>
+          <a:fontRef idx="minor">
+            <a:schemeClr val="lt1"/>
+          </a:fontRef>
+        </p:style>
+        <p:txBody>
+          <a:bodyPr rtlCol="0" anchor="ctr"/>
+          <a:lstStyle/>
+          <a:p>
+            <a:pPr algn="ctr"/>
+            <a:endParaRPr lang="en-US"/>
+          </a:p>
+        </p:txBody>
+      </p:sp>
+      <p:cxnSp>
+        <p:nvCxnSpPr>
+          <p:cNvPr id="95" name="Straight Arrow Connector 94"/>
+          <p:cNvCxnSpPr>
+            <a:stCxn id="61" idx="3"/>
+          </p:cNvCxnSpPr>
+          <p:nvPr/>
+        </p:nvCxnSpPr>
+        <p:spPr>
+          <a:xfrm>
+            <a:off x="1082040" y="2356058"/>
+            <a:ext cx="745538" cy="6973"/>
+          </a:xfrm>
+          <a:prstGeom prst="straightConnector1">
+            <a:avLst/>
+          </a:prstGeom>
+          <a:ln>
+            <a:solidFill>
+              <a:schemeClr val="tx1"/>
+            </a:solidFill>
+            <a:tailEnd type="triangle"/>
+          </a:ln>
+        </p:spPr>
+        <p:style>
+          <a:lnRef idx="1">
+            <a:schemeClr val="accent1"/>
+          </a:lnRef>
+          <a:fillRef idx="0">
+            <a:schemeClr val="accent1"/>
+          </a:fillRef>
+          <a:effectRef idx="0">
+            <a:schemeClr val="accent1"/>
+          </a:effectRef>
+          <a:fontRef idx="minor">
+            <a:schemeClr val="tx1"/>
+          </a:fontRef>
+        </p:style>
+      </p:cxnSp>
+      <p:cxnSp>
+        <p:nvCxnSpPr>
+          <p:cNvPr id="150" name="Elbow Connector 149"/>
+          <p:cNvCxnSpPr>
+            <a:stCxn id="62" idx="3"/>
+            <a:endCxn id="88" idx="0"/>
+          </p:cNvCxnSpPr>
+          <p:nvPr/>
+        </p:nvCxnSpPr>
+        <p:spPr>
+          <a:xfrm>
+            <a:off x="3206798" y="1435622"/>
+            <a:ext cx="419739" cy="806176"/>
+          </a:xfrm>
+          <a:prstGeom prst="bentConnector2">
+            <a:avLst/>
+          </a:prstGeom>
+          <a:ln>
+            <a:solidFill>
+              <a:schemeClr val="tx1"/>
+            </a:solidFill>
+            <a:tailEnd type="triangle"/>
+          </a:ln>
+        </p:spPr>
+        <p:style>
+          <a:lnRef idx="1">
+            <a:schemeClr val="accent1"/>
+          </a:lnRef>
+          <a:fillRef idx="0">
+            <a:schemeClr val="accent1"/>
+          </a:fillRef>
+          <a:effectRef idx="0">
+            <a:schemeClr val="accent1"/>
+          </a:effectRef>
+          <a:fontRef idx="minor">
+            <a:schemeClr val="tx1"/>
+          </a:fontRef>
+        </p:style>
+      </p:cxnSp>
+      <p:cxnSp>
+        <p:nvCxnSpPr>
+          <p:cNvPr id="152" name="Elbow Connector 151"/>
+          <p:cNvCxnSpPr>
+            <a:stCxn id="64" idx="3"/>
+            <a:endCxn id="88" idx="0"/>
+          </p:cNvCxnSpPr>
+          <p:nvPr/>
+        </p:nvCxnSpPr>
+        <p:spPr>
+          <a:xfrm>
+            <a:off x="3206798" y="1909839"/>
+            <a:ext cx="419739" cy="331959"/>
+          </a:xfrm>
+          <a:prstGeom prst="bentConnector2">
+            <a:avLst/>
+          </a:prstGeom>
+          <a:ln>
+            <a:solidFill>
+              <a:schemeClr val="tx1"/>
+            </a:solidFill>
+            <a:tailEnd type="triangle"/>
+          </a:ln>
+        </p:spPr>
+        <p:style>
+          <a:lnRef idx="1">
+            <a:schemeClr val="accent1"/>
+          </a:lnRef>
+          <a:fillRef idx="0">
+            <a:schemeClr val="accent1"/>
+          </a:fillRef>
+          <a:effectRef idx="0">
+            <a:schemeClr val="accent1"/>
+          </a:effectRef>
+          <a:fontRef idx="minor">
+            <a:schemeClr val="tx1"/>
+          </a:fontRef>
+        </p:style>
+      </p:cxnSp>
+      <p:cxnSp>
+        <p:nvCxnSpPr>
+          <p:cNvPr id="157" name="Elbow Connector 156"/>
+          <p:cNvCxnSpPr>
+            <a:stCxn id="50" idx="3"/>
+            <a:endCxn id="88" idx="2"/>
+          </p:cNvCxnSpPr>
+          <p:nvPr/>
+        </p:nvCxnSpPr>
+        <p:spPr>
+          <a:xfrm flipV="1">
+            <a:off x="3206798" y="2470398"/>
+            <a:ext cx="419739" cy="350903"/>
+          </a:xfrm>
+          <a:prstGeom prst="bentConnector2">
+            <a:avLst/>
+          </a:prstGeom>
+          <a:ln>
+            <a:solidFill>
+              <a:schemeClr val="tx1"/>
+            </a:solidFill>
+            <a:tailEnd type="triangle"/>
+          </a:ln>
+        </p:spPr>
+        <p:style>
+          <a:lnRef idx="1">
+            <a:schemeClr val="accent1"/>
+          </a:lnRef>
+          <a:fillRef idx="0">
+            <a:schemeClr val="accent1"/>
+          </a:fillRef>
+          <a:effectRef idx="0">
+            <a:schemeClr val="accent1"/>
+          </a:effectRef>
+          <a:fontRef idx="minor">
+            <a:schemeClr val="tx1"/>
+          </a:fontRef>
+        </p:style>
+      </p:cxnSp>
+      <p:cxnSp>
+        <p:nvCxnSpPr>
+          <p:cNvPr id="160" name="Elbow Connector 159"/>
+          <p:cNvCxnSpPr>
+            <a:stCxn id="66" idx="3"/>
+            <a:endCxn id="88" idx="2"/>
+          </p:cNvCxnSpPr>
+          <p:nvPr/>
+        </p:nvCxnSpPr>
+        <p:spPr>
+          <a:xfrm flipV="1">
+            <a:off x="3206798" y="2470398"/>
+            <a:ext cx="419739" cy="840426"/>
+          </a:xfrm>
+          <a:prstGeom prst="bentConnector2">
+            <a:avLst/>
+          </a:prstGeom>
+          <a:ln>
+            <a:solidFill>
+              <a:schemeClr val="tx1"/>
+            </a:solidFill>
+            <a:tailEnd type="triangle"/>
+          </a:ln>
+        </p:spPr>
+        <p:style>
+          <a:lnRef idx="1">
+            <a:schemeClr val="accent1"/>
+          </a:lnRef>
+          <a:fillRef idx="0">
+            <a:schemeClr val="accent1"/>
+          </a:fillRef>
+          <a:effectRef idx="0">
+            <a:schemeClr val="accent1"/>
+          </a:effectRef>
+          <a:fontRef idx="minor">
+            <a:schemeClr val="tx1"/>
+          </a:fontRef>
+        </p:style>
+      </p:cxnSp>
+      <p:cxnSp>
+        <p:nvCxnSpPr>
+          <p:cNvPr id="165" name="Straight Arrow Connector 164"/>
+          <p:cNvCxnSpPr>
+            <a:stCxn id="88" idx="3"/>
+            <a:endCxn id="57" idx="1"/>
+          </p:cNvCxnSpPr>
+          <p:nvPr/>
+        </p:nvCxnSpPr>
+        <p:spPr>
+          <a:xfrm flipV="1">
+            <a:off x="3740837" y="2356058"/>
+            <a:ext cx="473603" cy="40"/>
+          </a:xfrm>
+          <a:prstGeom prst="straightConnector1">
+            <a:avLst/>
+          </a:prstGeom>
+          <a:ln>
+            <a:solidFill>
+              <a:schemeClr val="tx1"/>
+            </a:solidFill>
+            <a:tailEnd type="triangle"/>
+          </a:ln>
+        </p:spPr>
+        <p:style>
+          <a:lnRef idx="1">
+            <a:schemeClr val="accent1"/>
+          </a:lnRef>
+          <a:fillRef idx="0">
+            <a:schemeClr val="accent1"/>
+          </a:fillRef>
+          <a:effectRef idx="0">
+            <a:schemeClr val="accent1"/>
+          </a:effectRef>
+          <a:fontRef idx="minor">
+            <a:schemeClr val="tx1"/>
+          </a:fontRef>
+        </p:style>
+      </p:cxnSp>
+      <p:sp>
+        <p:nvSpPr>
+          <p:cNvPr id="190" name="TextBox 189"/>
+          <p:cNvSpPr txBox="1"/>
+          <p:nvPr/>
+        </p:nvSpPr>
+        <p:spPr>
+          <a:xfrm>
+            <a:off x="972813" y="984199"/>
+            <a:ext cx="3741779" cy="261610"/>
+          </a:xfrm>
+          <a:prstGeom prst="rect">
+            <a:avLst/>
+          </a:prstGeom>
+          <a:noFill/>
+        </p:spPr>
+        <p:txBody>
+          <a:bodyPr wrap="square" rtlCol="0">
+            <a:spAutoFit/>
+          </a:bodyPr>
+          <a:lstStyle/>
+          <a:p>
+            <a:pPr algn="ctr"/>
+            <a:r>
+              <a:rPr lang="en-US" sz="1100" dirty="0" smtClean="0">
+                <a:solidFill>
+                  <a:srgbClr val="0070C0"/>
+                </a:solidFill>
+                <a:latin typeface="Tahoma" panose="020B0604030504040204" pitchFamily="34" charset="0"/>
+                <a:ea typeface="Tahoma" panose="020B0604030504040204" pitchFamily="34" charset="0"/>
+                <a:cs typeface="Tahoma" panose="020B0604030504040204" pitchFamily="34" charset="0"/>
+              </a:rPr>
+              <a:t>ATROUS SPATIAL PYRAMID POOLING MODULE</a:t>
+            </a:r>
+            <a:endParaRPr lang="en-US" sz="1100" dirty="0">
+              <a:solidFill>
+                <a:srgbClr val="0070C0"/>
+              </a:solidFill>
+              <a:latin typeface="Tahoma" panose="020B0604030504040204" pitchFamily="34" charset="0"/>
+              <a:ea typeface="Tahoma" panose="020B0604030504040204" pitchFamily="34" charset="0"/>
+              <a:cs typeface="Tahoma" panose="020B0604030504040204" pitchFamily="34" charset="0"/>
+            </a:endParaRPr>
+          </a:p>
+        </p:txBody>
+      </p:sp>
+      <p:sp>
+        <p:nvSpPr>
+          <p:cNvPr id="182" name="Plus 181"/>
+          <p:cNvSpPr/>
+          <p:nvPr/>
+        </p:nvSpPr>
+        <p:spPr>
+          <a:xfrm>
+            <a:off x="3536734" y="2266459"/>
+            <a:ext cx="182880" cy="182880"/>
+          </a:xfrm>
+          <a:prstGeom prst="mathPlus">
+            <a:avLst>
+              <a:gd name="adj1" fmla="val 7304"/>
+            </a:avLst>
+          </a:prstGeom>
+          <a:solidFill>
+            <a:schemeClr val="tx1"/>
+          </a:solidFill>
+          <a:ln>
+            <a:noFill/>
+          </a:ln>
+        </p:spPr>
+        <p:style>
+          <a:lnRef idx="2">
+            <a:schemeClr val="accent1">
+              <a:shade val="50000"/>
+            </a:schemeClr>
+          </a:lnRef>
+          <a:fillRef idx="1">
+            <a:schemeClr val="accent1"/>
+          </a:fillRef>
+          <a:effectRef idx="0">
+            <a:schemeClr val="accent1"/>
+          </a:effectRef>
+          <a:fontRef idx="minor">
+            <a:schemeClr val="lt1"/>
+          </a:fontRef>
+        </p:style>
+        <p:txBody>
+          <a:bodyPr rtlCol="0" anchor="ctr"/>
+          <a:lstStyle/>
+          <a:p>
+            <a:pPr algn="ctr"/>
+            <a:endParaRPr lang="en-US"/>
+          </a:p>
+        </p:txBody>
+      </p:sp>
+      <p:sp>
+        <p:nvSpPr>
+          <p:cNvPr id="196" name="TextBox 195"/>
+          <p:cNvSpPr txBox="1"/>
+          <p:nvPr/>
+        </p:nvSpPr>
+        <p:spPr>
+          <a:xfrm rot="5400000">
+            <a:off x="851887" y="2263869"/>
+            <a:ext cx="897172" cy="200055"/>
+          </a:xfrm>
+          <a:prstGeom prst="rect">
+            <a:avLst/>
+          </a:prstGeom>
+          <a:noFill/>
+        </p:spPr>
+        <p:txBody>
+          <a:bodyPr wrap="square" rtlCol="0">
+            <a:spAutoFit/>
+          </a:bodyPr>
+          <a:lstStyle/>
+          <a:p>
+            <a:pPr algn="ctr"/>
+            <a:r>
+              <a:rPr lang="en-US" sz="700" dirty="0" smtClean="0">
+                <a:latin typeface="Tahoma" panose="020B0604030504040204" pitchFamily="34" charset="0"/>
+                <a:ea typeface="Tahoma" panose="020B0604030504040204" pitchFamily="34" charset="0"/>
+                <a:cs typeface="Tahoma" panose="020B0604030504040204" pitchFamily="34" charset="0"/>
+              </a:rPr>
+              <a:t>(2048, </a:t>
+            </a:r>
+            <a:r>
+              <a:rPr lang="en-US" sz="700" dirty="0" smtClean="0">
+                <a:latin typeface="Tahoma" panose="020B0604030504040204" pitchFamily="34" charset="0"/>
+                <a:ea typeface="Tahoma" panose="020B0604030504040204" pitchFamily="34" charset="0"/>
+                <a:cs typeface="Tahoma" panose="020B0604030504040204" pitchFamily="34" charset="0"/>
+              </a:rPr>
+              <a:t>23, </a:t>
+            </a:r>
+            <a:r>
+              <a:rPr lang="en-US" sz="700" dirty="0">
+                <a:latin typeface="Tahoma" panose="020B0604030504040204" pitchFamily="34" charset="0"/>
+                <a:ea typeface="Tahoma" panose="020B0604030504040204" pitchFamily="34" charset="0"/>
+                <a:cs typeface="Tahoma" panose="020B0604030504040204" pitchFamily="34" charset="0"/>
+              </a:rPr>
+              <a:t>4</a:t>
+            </a:r>
+            <a:r>
+              <a:rPr lang="en-US" sz="700" dirty="0" smtClean="0">
+                <a:latin typeface="Tahoma" panose="020B0604030504040204" pitchFamily="34" charset="0"/>
+                <a:ea typeface="Tahoma" panose="020B0604030504040204" pitchFamily="34" charset="0"/>
+                <a:cs typeface="Tahoma" panose="020B0604030504040204" pitchFamily="34" charset="0"/>
+              </a:rPr>
+              <a:t>0</a:t>
+            </a:r>
+            <a:r>
+              <a:rPr lang="en-US" sz="700" dirty="0" smtClean="0">
+                <a:latin typeface="Tahoma" panose="020B0604030504040204" pitchFamily="34" charset="0"/>
+                <a:ea typeface="Tahoma" panose="020B0604030504040204" pitchFamily="34" charset="0"/>
+                <a:cs typeface="Tahoma" panose="020B0604030504040204" pitchFamily="34" charset="0"/>
+              </a:rPr>
+              <a:t>)</a:t>
+            </a:r>
+            <a:endParaRPr lang="en-US" sz="700" dirty="0">
+              <a:latin typeface="Tahoma" panose="020B0604030504040204" pitchFamily="34" charset="0"/>
+              <a:ea typeface="Tahoma" panose="020B0604030504040204" pitchFamily="34" charset="0"/>
+              <a:cs typeface="Tahoma" panose="020B0604030504040204" pitchFamily="34" charset="0"/>
+            </a:endParaRPr>
+          </a:p>
+        </p:txBody>
+      </p:sp>
+      <p:sp>
+        <p:nvSpPr>
+          <p:cNvPr id="197" name="TextBox 196"/>
+          <p:cNvSpPr txBox="1"/>
+          <p:nvPr/>
+        </p:nvSpPr>
+        <p:spPr>
+          <a:xfrm rot="5400000">
+            <a:off x="3543581" y="2269233"/>
+            <a:ext cx="829784" cy="200055"/>
+          </a:xfrm>
+          <a:prstGeom prst="rect">
+            <a:avLst/>
+          </a:prstGeom>
+          <a:noFill/>
+        </p:spPr>
+        <p:txBody>
+          <a:bodyPr wrap="square" rtlCol="0">
+            <a:spAutoFit/>
+          </a:bodyPr>
+          <a:lstStyle/>
+          <a:p>
+            <a:pPr algn="ctr"/>
+            <a:r>
+              <a:rPr lang="en-US" sz="700" dirty="0" smtClean="0">
+                <a:latin typeface="Tahoma" panose="020B0604030504040204" pitchFamily="34" charset="0"/>
+                <a:ea typeface="Tahoma" panose="020B0604030504040204" pitchFamily="34" charset="0"/>
+                <a:cs typeface="Tahoma" panose="020B0604030504040204" pitchFamily="34" charset="0"/>
+              </a:rPr>
+              <a:t>(1280, </a:t>
+            </a:r>
+            <a:r>
+              <a:rPr lang="en-US" sz="700" dirty="0" smtClean="0">
+                <a:latin typeface="Tahoma" panose="020B0604030504040204" pitchFamily="34" charset="0"/>
+                <a:ea typeface="Tahoma" panose="020B0604030504040204" pitchFamily="34" charset="0"/>
+                <a:cs typeface="Tahoma" panose="020B0604030504040204" pitchFamily="34" charset="0"/>
+              </a:rPr>
+              <a:t>23, </a:t>
+            </a:r>
+            <a:r>
+              <a:rPr lang="en-US" sz="700" dirty="0">
+                <a:latin typeface="Tahoma" panose="020B0604030504040204" pitchFamily="34" charset="0"/>
+                <a:ea typeface="Tahoma" panose="020B0604030504040204" pitchFamily="34" charset="0"/>
+                <a:cs typeface="Tahoma" panose="020B0604030504040204" pitchFamily="34" charset="0"/>
+              </a:rPr>
+              <a:t>4</a:t>
+            </a:r>
+            <a:r>
+              <a:rPr lang="en-US" sz="700" dirty="0" smtClean="0">
+                <a:latin typeface="Tahoma" panose="020B0604030504040204" pitchFamily="34" charset="0"/>
+                <a:ea typeface="Tahoma" panose="020B0604030504040204" pitchFamily="34" charset="0"/>
+                <a:cs typeface="Tahoma" panose="020B0604030504040204" pitchFamily="34" charset="0"/>
+              </a:rPr>
+              <a:t>0</a:t>
+            </a:r>
+            <a:r>
+              <a:rPr lang="en-US" sz="700" dirty="0" smtClean="0">
+                <a:latin typeface="Tahoma" panose="020B0604030504040204" pitchFamily="34" charset="0"/>
+                <a:ea typeface="Tahoma" panose="020B0604030504040204" pitchFamily="34" charset="0"/>
+                <a:cs typeface="Tahoma" panose="020B0604030504040204" pitchFamily="34" charset="0"/>
+              </a:rPr>
+              <a:t>)</a:t>
+            </a:r>
+            <a:endParaRPr lang="en-US" sz="700" dirty="0">
+              <a:latin typeface="Tahoma" panose="020B0604030504040204" pitchFamily="34" charset="0"/>
+              <a:ea typeface="Tahoma" panose="020B0604030504040204" pitchFamily="34" charset="0"/>
+              <a:cs typeface="Tahoma" panose="020B0604030504040204" pitchFamily="34" charset="0"/>
+            </a:endParaRPr>
+          </a:p>
+        </p:txBody>
+      </p:sp>
+      <p:sp>
+        <p:nvSpPr>
+          <p:cNvPr id="50" name="Rounded Rectangle 49"/>
+          <p:cNvSpPr/>
+          <p:nvPr/>
+        </p:nvSpPr>
+        <p:spPr>
+          <a:xfrm>
+            <a:off x="1835198" y="2684141"/>
+            <a:ext cx="1371600" cy="274320"/>
+          </a:xfrm>
+          <a:prstGeom prst="roundRect">
+            <a:avLst/>
+          </a:prstGeom>
+          <a:solidFill>
+            <a:srgbClr val="00B0F0"/>
+          </a:solidFill>
+          <a:ln>
+            <a:noFill/>
+          </a:ln>
+        </p:spPr>
+        <p:style>
+          <a:lnRef idx="2">
+            <a:schemeClr val="accent1">
+              <a:shade val="50000"/>
+            </a:schemeClr>
+          </a:lnRef>
+          <a:fillRef idx="1">
+            <a:schemeClr val="accent1"/>
+          </a:fillRef>
+          <a:effectRef idx="0">
+            <a:schemeClr val="accent1"/>
+          </a:effectRef>
+          <a:fontRef idx="minor">
+            <a:schemeClr val="lt1"/>
+          </a:fontRef>
+        </p:style>
+        <p:txBody>
+          <a:bodyPr rot="0" spcFirstLastPara="0" vertOverflow="overflow" horzOverflow="overflow" vert="horz" wrap="square" lIns="51435" tIns="25718" rIns="51435" bIns="25718" numCol="1" spcCol="0" rtlCol="0" fromWordArt="0" anchor="ctr" anchorCtr="0" forceAA="0" compatLnSpc="1">
+            <a:prstTxWarp prst="textNoShape">
+              <a:avLst/>
+            </a:prstTxWarp>
+            <a:noAutofit/>
+          </a:bodyPr>
+          <a:lstStyle/>
+          <a:p>
+            <a:pPr algn="ctr"/>
+            <a:r>
+              <a:rPr lang="en-US" sz="800" b="1" dirty="0">
+                <a:solidFill>
+                  <a:schemeClr val="bg1"/>
+                </a:solidFill>
+                <a:latin typeface="Tahoma" panose="020B0604030504040204" pitchFamily="34" charset="0"/>
+                <a:ea typeface="Tahoma" panose="020B0604030504040204" pitchFamily="34" charset="0"/>
+                <a:cs typeface="Tahoma" panose="020B0604030504040204" pitchFamily="34" charset="0"/>
+              </a:rPr>
+              <a:t>ASPP conv</a:t>
+            </a:r>
+          </a:p>
+          <a:p>
+            <a:pPr algn="ctr"/>
+            <a:r>
+              <a:rPr lang="en-US" sz="800" b="1" dirty="0">
+                <a:solidFill>
+                  <a:schemeClr val="bg1"/>
+                </a:solidFill>
+                <a:latin typeface="Tahoma" panose="020B0604030504040204" pitchFamily="34" charset="0"/>
+                <a:ea typeface="Tahoma" panose="020B0604030504040204" pitchFamily="34" charset="0"/>
+                <a:cs typeface="Tahoma" panose="020B0604030504040204" pitchFamily="34" charset="0"/>
+              </a:rPr>
+              <a:t>(2048, 256,rate </a:t>
+            </a:r>
+            <a:r>
+              <a:rPr lang="en-US" sz="800" b="1" dirty="0" smtClean="0">
+                <a:solidFill>
+                  <a:schemeClr val="bg1"/>
+                </a:solidFill>
+                <a:latin typeface="Tahoma" panose="020B0604030504040204" pitchFamily="34" charset="0"/>
+                <a:ea typeface="Tahoma" panose="020B0604030504040204" pitchFamily="34" charset="0"/>
+                <a:cs typeface="Tahoma" panose="020B0604030504040204" pitchFamily="34" charset="0"/>
+              </a:rPr>
+              <a:t>=18)</a:t>
+            </a:r>
+            <a:endParaRPr lang="en-US" sz="800" b="1" dirty="0">
+              <a:solidFill>
+                <a:schemeClr val="bg1"/>
+              </a:solidFill>
+              <a:latin typeface="Tahoma" panose="020B0604030504040204" pitchFamily="34" charset="0"/>
+              <a:ea typeface="Tahoma" panose="020B0604030504040204" pitchFamily="34" charset="0"/>
+              <a:cs typeface="Tahoma" panose="020B0604030504040204" pitchFamily="34" charset="0"/>
+            </a:endParaRPr>
+          </a:p>
+        </p:txBody>
+      </p:sp>
+      <p:sp>
+        <p:nvSpPr>
+          <p:cNvPr id="57" name="Rounded Rectangle 56"/>
+          <p:cNvSpPr/>
+          <p:nvPr/>
+        </p:nvSpPr>
+        <p:spPr>
+          <a:xfrm>
+            <a:off x="4214440" y="2218898"/>
+            <a:ext cx="1371600" cy="274320"/>
+          </a:xfrm>
+          <a:prstGeom prst="roundRect">
+            <a:avLst/>
+          </a:prstGeom>
+          <a:solidFill>
+            <a:schemeClr val="accent4">
+              <a:lumMod val="20000"/>
+              <a:lumOff val="80000"/>
+            </a:schemeClr>
+          </a:solidFill>
+          <a:ln>
+            <a:solidFill>
+              <a:schemeClr val="bg1">
+                <a:lumMod val="75000"/>
+              </a:schemeClr>
+            </a:solidFill>
+          </a:ln>
+        </p:spPr>
+        <p:style>
+          <a:lnRef idx="2">
+            <a:schemeClr val="accent1">
+              <a:shade val="50000"/>
+            </a:schemeClr>
+          </a:lnRef>
+          <a:fillRef idx="1">
+            <a:schemeClr val="accent1"/>
+          </a:fillRef>
+          <a:effectRef idx="0">
+            <a:schemeClr val="accent1"/>
+          </a:effectRef>
+          <a:fontRef idx="minor">
+            <a:schemeClr val="lt1"/>
+          </a:fontRef>
+        </p:style>
+        <p:txBody>
+          <a:bodyPr rot="0" spcFirstLastPara="0" vertOverflow="overflow" horzOverflow="overflow" vert="horz" wrap="square" lIns="51435" tIns="25718" rIns="51435" bIns="25718" numCol="1" spcCol="0" rtlCol="0" fromWordArt="0" anchor="ctr" anchorCtr="0" forceAA="0" compatLnSpc="1">
+            <a:prstTxWarp prst="textNoShape">
+              <a:avLst/>
+            </a:prstTxWarp>
+            <a:noAutofit/>
+          </a:bodyPr>
+          <a:lstStyle/>
+          <a:p>
+            <a:pPr algn="ctr"/>
+            <a:r>
+              <a:rPr lang="en-US" sz="800" b="1" dirty="0" smtClean="0">
+                <a:solidFill>
+                  <a:schemeClr val="accent1">
+                    <a:lumMod val="50000"/>
+                  </a:schemeClr>
+                </a:solidFill>
+                <a:latin typeface="Tahoma" panose="020B0604030504040204" pitchFamily="34" charset="0"/>
+                <a:ea typeface="Tahoma" panose="020B0604030504040204" pitchFamily="34" charset="0"/>
+                <a:cs typeface="Tahoma" panose="020B0604030504040204" pitchFamily="34" charset="0"/>
+              </a:rPr>
+              <a:t>Conv2d(1280, 256, 3)</a:t>
+            </a:r>
+            <a:endParaRPr lang="en-US" sz="800" b="1" dirty="0">
+              <a:solidFill>
+                <a:schemeClr val="accent1">
+                  <a:lumMod val="50000"/>
+                </a:schemeClr>
+              </a:solidFill>
+              <a:latin typeface="Tahoma" panose="020B0604030504040204" pitchFamily="34" charset="0"/>
+              <a:ea typeface="Tahoma" panose="020B0604030504040204" pitchFamily="34" charset="0"/>
+              <a:cs typeface="Tahoma" panose="020B0604030504040204" pitchFamily="34" charset="0"/>
+            </a:endParaRPr>
+          </a:p>
+        </p:txBody>
+      </p:sp>
+      <p:sp>
+        <p:nvSpPr>
+          <p:cNvPr id="59" name="Rounded Rectangle 58"/>
+          <p:cNvSpPr/>
+          <p:nvPr/>
+        </p:nvSpPr>
+        <p:spPr>
+          <a:xfrm>
+            <a:off x="4214440" y="2740486"/>
+            <a:ext cx="1371600" cy="274320"/>
+          </a:xfrm>
+          <a:prstGeom prst="roundRect">
+            <a:avLst/>
+          </a:prstGeom>
+          <a:noFill/>
+          <a:ln>
+            <a:solidFill>
+              <a:schemeClr val="bg1">
+                <a:lumMod val="50000"/>
+              </a:schemeClr>
+            </a:solidFill>
+          </a:ln>
+        </p:spPr>
+        <p:style>
+          <a:lnRef idx="2">
+            <a:schemeClr val="accent1">
+              <a:shade val="50000"/>
+            </a:schemeClr>
+          </a:lnRef>
+          <a:fillRef idx="1">
+            <a:schemeClr val="accent1"/>
+          </a:fillRef>
+          <a:effectRef idx="0">
+            <a:schemeClr val="accent1"/>
+          </a:effectRef>
+          <a:fontRef idx="minor">
+            <a:schemeClr val="lt1"/>
+          </a:fontRef>
+        </p:style>
+        <p:txBody>
+          <a:bodyPr rot="0" spcFirstLastPara="0" vertOverflow="overflow" horzOverflow="overflow" vert="horz" wrap="square" lIns="51435" tIns="25718" rIns="51435" bIns="25718" numCol="1" spcCol="0" rtlCol="0" fromWordArt="0" anchor="ctr" anchorCtr="0" forceAA="0" compatLnSpc="1">
+            <a:prstTxWarp prst="textNoShape">
+              <a:avLst/>
+            </a:prstTxWarp>
+            <a:noAutofit/>
+          </a:bodyPr>
+          <a:lstStyle/>
+          <a:p>
+            <a:pPr algn="ctr"/>
+            <a:r>
+              <a:rPr lang="en-US" sz="900" b="1" dirty="0" smtClean="0">
+                <a:solidFill>
+                  <a:schemeClr val="tx1"/>
+                </a:solidFill>
+                <a:latin typeface="Tahoma" panose="020B0604030504040204" pitchFamily="34" charset="0"/>
+                <a:ea typeface="Tahoma" panose="020B0604030504040204" pitchFamily="34" charset="0"/>
+                <a:cs typeface="Tahoma" panose="020B0604030504040204" pitchFamily="34" charset="0"/>
+              </a:rPr>
+              <a:t>OUTPUT</a:t>
+            </a:r>
+            <a:endParaRPr lang="en-US" sz="900" b="1" dirty="0">
+              <a:solidFill>
+                <a:schemeClr val="tx1"/>
+              </a:solidFill>
+              <a:latin typeface="Tahoma" panose="020B0604030504040204" pitchFamily="34" charset="0"/>
+              <a:ea typeface="Tahoma" panose="020B0604030504040204" pitchFamily="34" charset="0"/>
+              <a:cs typeface="Tahoma" panose="020B0604030504040204" pitchFamily="34" charset="0"/>
+            </a:endParaRPr>
+          </a:p>
+        </p:txBody>
+      </p:sp>
+      <p:cxnSp>
+        <p:nvCxnSpPr>
+          <p:cNvPr id="60" name="Straight Arrow Connector 59"/>
+          <p:cNvCxnSpPr>
+            <a:stCxn id="57" idx="2"/>
+            <a:endCxn id="59" idx="0"/>
+          </p:cNvCxnSpPr>
+          <p:nvPr/>
+        </p:nvCxnSpPr>
+        <p:spPr>
+          <a:xfrm>
+            <a:off x="4900240" y="2493218"/>
+            <a:ext cx="0" cy="247268"/>
+          </a:xfrm>
+          <a:prstGeom prst="straightConnector1">
+            <a:avLst/>
+          </a:prstGeom>
+          <a:ln>
+            <a:solidFill>
+              <a:schemeClr val="tx1"/>
+            </a:solidFill>
+            <a:tailEnd type="triangle"/>
+          </a:ln>
+        </p:spPr>
+        <p:style>
+          <a:lnRef idx="1">
+            <a:schemeClr val="accent1"/>
+          </a:lnRef>
+          <a:fillRef idx="0">
+            <a:schemeClr val="accent1"/>
+          </a:fillRef>
+          <a:effectRef idx="0">
+            <a:schemeClr val="accent1"/>
+          </a:effectRef>
+          <a:fontRef idx="minor">
+            <a:schemeClr val="tx1"/>
+          </a:fontRef>
+        </p:style>
+      </p:cxnSp>
+      <p:sp>
+        <p:nvSpPr>
+          <p:cNvPr id="68" name="TextBox 67"/>
+          <p:cNvSpPr txBox="1"/>
+          <p:nvPr/>
+        </p:nvSpPr>
+        <p:spPr>
+          <a:xfrm>
+            <a:off x="4889119" y="2517334"/>
+            <a:ext cx="734116" cy="200055"/>
+          </a:xfrm>
+          <a:prstGeom prst="rect">
+            <a:avLst/>
+          </a:prstGeom>
+          <a:noFill/>
+        </p:spPr>
+        <p:txBody>
+          <a:bodyPr wrap="square" rtlCol="0">
+            <a:spAutoFit/>
+          </a:bodyPr>
+          <a:lstStyle/>
+          <a:p>
+            <a:pPr algn="ctr"/>
+            <a:r>
+              <a:rPr lang="en-US" sz="700" dirty="0" smtClean="0">
+                <a:latin typeface="Tahoma" panose="020B0604030504040204" pitchFamily="34" charset="0"/>
+                <a:ea typeface="Tahoma" panose="020B0604030504040204" pitchFamily="34" charset="0"/>
+                <a:cs typeface="Tahoma" panose="020B0604030504040204" pitchFamily="34" charset="0"/>
+              </a:rPr>
+              <a:t>(256, </a:t>
+            </a:r>
+            <a:r>
+              <a:rPr lang="en-US" sz="700" dirty="0" smtClean="0">
+                <a:latin typeface="Tahoma" panose="020B0604030504040204" pitchFamily="34" charset="0"/>
+                <a:ea typeface="Tahoma" panose="020B0604030504040204" pitchFamily="34" charset="0"/>
+                <a:cs typeface="Tahoma" panose="020B0604030504040204" pitchFamily="34" charset="0"/>
+              </a:rPr>
+              <a:t>23, </a:t>
+            </a:r>
+            <a:r>
+              <a:rPr lang="en-US" sz="700" dirty="0">
+                <a:latin typeface="Tahoma" panose="020B0604030504040204" pitchFamily="34" charset="0"/>
+                <a:ea typeface="Tahoma" panose="020B0604030504040204" pitchFamily="34" charset="0"/>
+                <a:cs typeface="Tahoma" panose="020B0604030504040204" pitchFamily="34" charset="0"/>
+              </a:rPr>
+              <a:t>4</a:t>
+            </a:r>
+            <a:r>
+              <a:rPr lang="en-US" sz="700" dirty="0" smtClean="0">
+                <a:latin typeface="Tahoma" panose="020B0604030504040204" pitchFamily="34" charset="0"/>
+                <a:ea typeface="Tahoma" panose="020B0604030504040204" pitchFamily="34" charset="0"/>
+                <a:cs typeface="Tahoma" panose="020B0604030504040204" pitchFamily="34" charset="0"/>
+              </a:rPr>
+              <a:t>0</a:t>
+            </a:r>
+            <a:r>
+              <a:rPr lang="en-US" sz="700" dirty="0" smtClean="0">
+                <a:latin typeface="Tahoma" panose="020B0604030504040204" pitchFamily="34" charset="0"/>
+                <a:ea typeface="Tahoma" panose="020B0604030504040204" pitchFamily="34" charset="0"/>
+                <a:cs typeface="Tahoma" panose="020B0604030504040204" pitchFamily="34" charset="0"/>
+              </a:rPr>
+              <a:t>)</a:t>
+            </a:r>
+            <a:endParaRPr lang="en-US" sz="700" dirty="0">
+              <a:latin typeface="Tahoma" panose="020B0604030504040204" pitchFamily="34" charset="0"/>
+              <a:ea typeface="Tahoma" panose="020B0604030504040204" pitchFamily="34" charset="0"/>
+              <a:cs typeface="Tahoma" panose="020B0604030504040204" pitchFamily="34" charset="0"/>
+            </a:endParaRPr>
+          </a:p>
+        </p:txBody>
+      </p:sp>
+      <p:sp>
+        <p:nvSpPr>
+          <p:cNvPr id="26" name="Rounded Rectangle 25"/>
+          <p:cNvSpPr/>
+          <p:nvPr/>
+        </p:nvSpPr>
+        <p:spPr>
+          <a:xfrm>
+            <a:off x="1835198" y="2233491"/>
+            <a:ext cx="1371600" cy="274320"/>
+          </a:xfrm>
+          <a:prstGeom prst="roundRect">
+            <a:avLst/>
+          </a:prstGeom>
+          <a:solidFill>
+            <a:schemeClr val="accent4">
+              <a:lumMod val="20000"/>
+              <a:lumOff val="80000"/>
+            </a:schemeClr>
+          </a:solidFill>
+          <a:ln>
+            <a:solidFill>
+              <a:schemeClr val="bg1">
+                <a:lumMod val="75000"/>
+              </a:schemeClr>
+            </a:solidFill>
+          </a:ln>
+        </p:spPr>
+        <p:style>
+          <a:lnRef idx="2">
+            <a:schemeClr val="accent1">
+              <a:shade val="50000"/>
+            </a:schemeClr>
+          </a:lnRef>
+          <a:fillRef idx="1">
+            <a:schemeClr val="accent1"/>
+          </a:fillRef>
+          <a:effectRef idx="0">
+            <a:schemeClr val="accent1"/>
+          </a:effectRef>
+          <a:fontRef idx="minor">
+            <a:schemeClr val="lt1"/>
+          </a:fontRef>
+        </p:style>
+        <p:txBody>
+          <a:bodyPr rot="0" spcFirstLastPara="0" vertOverflow="overflow" horzOverflow="overflow" vert="horz" wrap="square" lIns="51435" tIns="25718" rIns="51435" bIns="25718" numCol="1" spcCol="0" rtlCol="0" fromWordArt="0" anchor="ctr" anchorCtr="0" forceAA="0" compatLnSpc="1">
+            <a:prstTxWarp prst="textNoShape">
+              <a:avLst/>
+            </a:prstTxWarp>
+            <a:noAutofit/>
+          </a:bodyPr>
+          <a:lstStyle/>
+          <a:p>
+            <a:pPr algn="ctr"/>
+            <a:r>
+              <a:rPr lang="en-US" sz="800" b="1" dirty="0" smtClean="0">
+                <a:solidFill>
+                  <a:schemeClr val="accent1">
+                    <a:lumMod val="50000"/>
+                  </a:schemeClr>
+                </a:solidFill>
+                <a:latin typeface="Tahoma" panose="020B0604030504040204" pitchFamily="34" charset="0"/>
+                <a:ea typeface="Tahoma" panose="020B0604030504040204" pitchFamily="34" charset="0"/>
+                <a:cs typeface="Tahoma" panose="020B0604030504040204" pitchFamily="34" charset="0"/>
+              </a:rPr>
+              <a:t>Conv2d(2048, 256, 3)</a:t>
+            </a:r>
+            <a:endParaRPr lang="en-US" sz="800" b="1" dirty="0">
+              <a:solidFill>
+                <a:schemeClr val="accent1">
+                  <a:lumMod val="50000"/>
+                </a:schemeClr>
+              </a:solidFill>
+              <a:latin typeface="Tahoma" panose="020B0604030504040204" pitchFamily="34" charset="0"/>
+              <a:ea typeface="Tahoma" panose="020B0604030504040204" pitchFamily="34" charset="0"/>
+              <a:cs typeface="Tahoma" panose="020B0604030504040204" pitchFamily="34" charset="0"/>
+            </a:endParaRPr>
+          </a:p>
+        </p:txBody>
+      </p:sp>
+      <p:cxnSp>
+        <p:nvCxnSpPr>
+          <p:cNvPr id="30" name="Straight Arrow Connector 29"/>
+          <p:cNvCxnSpPr>
+            <a:stCxn id="26" idx="3"/>
+            <a:endCxn id="88" idx="1"/>
+          </p:cNvCxnSpPr>
+          <p:nvPr/>
+        </p:nvCxnSpPr>
+        <p:spPr>
+          <a:xfrm flipV="1">
+            <a:off x="3206798" y="2356098"/>
+            <a:ext cx="305439" cy="14553"/>
+          </a:xfrm>
+          <a:prstGeom prst="straightConnector1">
+            <a:avLst/>
+          </a:prstGeom>
+          <a:ln>
+            <a:solidFill>
+              <a:schemeClr val="tx1"/>
+            </a:solidFill>
+            <a:tailEnd type="triangle"/>
+          </a:ln>
+        </p:spPr>
+        <p:style>
+          <a:lnRef idx="1">
+            <a:schemeClr val="accent1"/>
+          </a:lnRef>
+          <a:fillRef idx="0">
+            <a:schemeClr val="accent1"/>
+          </a:fillRef>
+          <a:effectRef idx="0">
+            <a:schemeClr val="accent1"/>
+          </a:effectRef>
+          <a:fontRef idx="minor">
+            <a:schemeClr val="tx1"/>
+          </a:fontRef>
+        </p:style>
+      </p:cxnSp>
+      <p:sp>
+        <p:nvSpPr>
+          <p:cNvPr id="34" name="TextBox 33"/>
+          <p:cNvSpPr txBox="1"/>
+          <p:nvPr/>
+        </p:nvSpPr>
+        <p:spPr>
+          <a:xfrm rot="5400000">
+            <a:off x="3344611" y="1589643"/>
+            <a:ext cx="772298" cy="200055"/>
+          </a:xfrm>
+          <a:prstGeom prst="rect">
+            <a:avLst/>
+          </a:prstGeom>
+          <a:noFill/>
+        </p:spPr>
+        <p:txBody>
+          <a:bodyPr wrap="square" rtlCol="0">
+            <a:spAutoFit/>
+          </a:bodyPr>
+          <a:lstStyle/>
+          <a:p>
+            <a:pPr algn="ctr"/>
+            <a:r>
+              <a:rPr lang="en-US" sz="700" dirty="0" smtClean="0">
+                <a:latin typeface="Tahoma" panose="020B0604030504040204" pitchFamily="34" charset="0"/>
+                <a:ea typeface="Tahoma" panose="020B0604030504040204" pitchFamily="34" charset="0"/>
+                <a:cs typeface="Tahoma" panose="020B0604030504040204" pitchFamily="34" charset="0"/>
+              </a:rPr>
+              <a:t>(256, </a:t>
+            </a:r>
+            <a:r>
+              <a:rPr lang="en-US" sz="700" dirty="0" smtClean="0">
+                <a:latin typeface="Tahoma" panose="020B0604030504040204" pitchFamily="34" charset="0"/>
+                <a:ea typeface="Tahoma" panose="020B0604030504040204" pitchFamily="34" charset="0"/>
+                <a:cs typeface="Tahoma" panose="020B0604030504040204" pitchFamily="34" charset="0"/>
+              </a:rPr>
+              <a:t>23, </a:t>
+            </a:r>
+            <a:r>
+              <a:rPr lang="en-US" sz="700" dirty="0">
+                <a:latin typeface="Tahoma" panose="020B0604030504040204" pitchFamily="34" charset="0"/>
+                <a:ea typeface="Tahoma" panose="020B0604030504040204" pitchFamily="34" charset="0"/>
+                <a:cs typeface="Tahoma" panose="020B0604030504040204" pitchFamily="34" charset="0"/>
+              </a:rPr>
+              <a:t>4</a:t>
+            </a:r>
+            <a:r>
+              <a:rPr lang="en-US" sz="700" dirty="0" smtClean="0">
+                <a:latin typeface="Tahoma" panose="020B0604030504040204" pitchFamily="34" charset="0"/>
+                <a:ea typeface="Tahoma" panose="020B0604030504040204" pitchFamily="34" charset="0"/>
+                <a:cs typeface="Tahoma" panose="020B0604030504040204" pitchFamily="34" charset="0"/>
+              </a:rPr>
+              <a:t>0</a:t>
+            </a:r>
+            <a:r>
+              <a:rPr lang="en-US" sz="700" dirty="0" smtClean="0">
+                <a:latin typeface="Tahoma" panose="020B0604030504040204" pitchFamily="34" charset="0"/>
+                <a:ea typeface="Tahoma" panose="020B0604030504040204" pitchFamily="34" charset="0"/>
+                <a:cs typeface="Tahoma" panose="020B0604030504040204" pitchFamily="34" charset="0"/>
+              </a:rPr>
+              <a:t>)</a:t>
+            </a:r>
+            <a:endParaRPr lang="en-US" sz="700" dirty="0">
+              <a:latin typeface="Tahoma" panose="020B0604030504040204" pitchFamily="34" charset="0"/>
+              <a:ea typeface="Tahoma" panose="020B0604030504040204" pitchFamily="34" charset="0"/>
+              <a:cs typeface="Tahoma" panose="020B0604030504040204" pitchFamily="34" charset="0"/>
+            </a:endParaRPr>
+          </a:p>
+        </p:txBody>
+      </p:sp>
+      <p:sp>
+        <p:nvSpPr>
+          <p:cNvPr id="38" name="TextBox 37"/>
+          <p:cNvSpPr txBox="1"/>
+          <p:nvPr/>
+        </p:nvSpPr>
+        <p:spPr>
+          <a:xfrm rot="5400000">
+            <a:off x="3344611" y="2961808"/>
+            <a:ext cx="772298" cy="200055"/>
+          </a:xfrm>
+          <a:prstGeom prst="rect">
+            <a:avLst/>
+          </a:prstGeom>
+          <a:noFill/>
+        </p:spPr>
+        <p:txBody>
+          <a:bodyPr wrap="square" rtlCol="0">
+            <a:spAutoFit/>
+          </a:bodyPr>
+          <a:lstStyle/>
+          <a:p>
+            <a:pPr algn="ctr"/>
+            <a:r>
+              <a:rPr lang="en-US" sz="700" dirty="0" smtClean="0">
+                <a:latin typeface="Tahoma" panose="020B0604030504040204" pitchFamily="34" charset="0"/>
+                <a:ea typeface="Tahoma" panose="020B0604030504040204" pitchFamily="34" charset="0"/>
+                <a:cs typeface="Tahoma" panose="020B0604030504040204" pitchFamily="34" charset="0"/>
+              </a:rPr>
+              <a:t>(256, </a:t>
+            </a:r>
+            <a:r>
+              <a:rPr lang="en-US" sz="700" dirty="0" smtClean="0">
+                <a:latin typeface="Tahoma" panose="020B0604030504040204" pitchFamily="34" charset="0"/>
+                <a:ea typeface="Tahoma" panose="020B0604030504040204" pitchFamily="34" charset="0"/>
+                <a:cs typeface="Tahoma" panose="020B0604030504040204" pitchFamily="34" charset="0"/>
+              </a:rPr>
+              <a:t>23, </a:t>
+            </a:r>
+            <a:r>
+              <a:rPr lang="en-US" sz="700" dirty="0">
+                <a:latin typeface="Tahoma" panose="020B0604030504040204" pitchFamily="34" charset="0"/>
+                <a:ea typeface="Tahoma" panose="020B0604030504040204" pitchFamily="34" charset="0"/>
+                <a:cs typeface="Tahoma" panose="020B0604030504040204" pitchFamily="34" charset="0"/>
+              </a:rPr>
+              <a:t>4</a:t>
+            </a:r>
+            <a:r>
+              <a:rPr lang="en-US" sz="700" dirty="0" smtClean="0">
+                <a:latin typeface="Tahoma" panose="020B0604030504040204" pitchFamily="34" charset="0"/>
+                <a:ea typeface="Tahoma" panose="020B0604030504040204" pitchFamily="34" charset="0"/>
+                <a:cs typeface="Tahoma" panose="020B0604030504040204" pitchFamily="34" charset="0"/>
+              </a:rPr>
+              <a:t>0</a:t>
+            </a:r>
+            <a:r>
+              <a:rPr lang="en-US" sz="700" dirty="0" smtClean="0">
+                <a:latin typeface="Tahoma" panose="020B0604030504040204" pitchFamily="34" charset="0"/>
+                <a:ea typeface="Tahoma" panose="020B0604030504040204" pitchFamily="34" charset="0"/>
+                <a:cs typeface="Tahoma" panose="020B0604030504040204" pitchFamily="34" charset="0"/>
+              </a:rPr>
+              <a:t>)</a:t>
+            </a:r>
+            <a:endParaRPr lang="en-US" sz="700" dirty="0">
+              <a:latin typeface="Tahoma" panose="020B0604030504040204" pitchFamily="34" charset="0"/>
+              <a:ea typeface="Tahoma" panose="020B0604030504040204" pitchFamily="34" charset="0"/>
+              <a:cs typeface="Tahoma" panose="020B0604030504040204" pitchFamily="34" charset="0"/>
+            </a:endParaRPr>
+          </a:p>
+        </p:txBody>
+      </p:sp>
+    </p:spTree>
+    <p:extLst>
+      <p:ext uri="{BB962C8B-B14F-4D97-AF65-F5344CB8AC3E}">
+        <p14:creationId xmlns:p14="http://schemas.microsoft.com/office/powerpoint/2010/main" val="3402617851"/>
+      </p:ext>
+    </p:extLst>
+  </p:cSld>
+  <p:clrMapOvr>
+    <a:masterClrMapping/>
+  </p:clrMapOvr>
+</p:sld>
+</file>
+
+<file path=ppt/slides/slide9.xml><?xml version="1.0" encoding="utf-8"?>
+<p:sld xmlns:a="http://schemas.openxmlformats.org/drawingml/2006/main" xmlns:r="http://schemas.openxmlformats.org/officeDocument/2006/relationships" xmlns:p="http://schemas.openxmlformats.org/presentationml/2006/main">
+  <p:cSld>
+    <p:spTree>
+      <p:nvGrpSpPr>
+        <p:cNvPr id="1" name=""/>
+        <p:cNvGrpSpPr/>
+        <p:nvPr/>
+      </p:nvGrpSpPr>
+      <p:grpSpPr>
+        <a:xfrm>
+          <a:off x="0" y="0"/>
+          <a:ext cx="0" cy="0"/>
+          <a:chOff x="0" y="0"/>
+          <a:chExt cx="0" cy="0"/>
+        </a:xfrm>
+      </p:grpSpPr>
+      <p:sp>
+        <p:nvSpPr>
+          <p:cNvPr id="61" name="Rounded Rectangle 60"/>
+          <p:cNvSpPr/>
+          <p:nvPr/>
+        </p:nvSpPr>
+        <p:spPr>
+          <a:xfrm>
+            <a:off x="195491" y="2129015"/>
+            <a:ext cx="914400" cy="274320"/>
+          </a:xfrm>
+          <a:prstGeom prst="roundRect">
+            <a:avLst/>
+          </a:prstGeom>
+          <a:noFill/>
+          <a:ln>
+            <a:solidFill>
+              <a:schemeClr val="bg1">
+                <a:lumMod val="50000"/>
+              </a:schemeClr>
+            </a:solidFill>
+          </a:ln>
+        </p:spPr>
+        <p:style>
+          <a:lnRef idx="2">
+            <a:schemeClr val="accent1">
+              <a:shade val="50000"/>
+            </a:schemeClr>
+          </a:lnRef>
+          <a:fillRef idx="1">
+            <a:schemeClr val="accent1"/>
+          </a:fillRef>
+          <a:effectRef idx="0">
+            <a:schemeClr val="accent1"/>
+          </a:effectRef>
+          <a:fontRef idx="minor">
+            <a:schemeClr val="lt1"/>
+          </a:fontRef>
+        </p:style>
+        <p:txBody>
+          <a:bodyPr rot="0" spcFirstLastPara="0" vertOverflow="overflow" horzOverflow="overflow" vert="horz" wrap="square" lIns="51435" tIns="25718" rIns="51435" bIns="25718" numCol="1" spcCol="0" rtlCol="0" fromWordArt="0" anchor="ctr" anchorCtr="0" forceAA="0" compatLnSpc="1">
+            <a:prstTxWarp prst="textNoShape">
+              <a:avLst/>
+            </a:prstTxWarp>
+            <a:noAutofit/>
+          </a:bodyPr>
+          <a:lstStyle/>
+          <a:p>
+            <a:pPr algn="ctr"/>
+            <a:r>
+              <a:rPr lang="en-US" sz="800" b="1" dirty="0">
+                <a:solidFill>
+                  <a:schemeClr val="tx1"/>
+                </a:solidFill>
+                <a:latin typeface="Tahoma" panose="020B0604030504040204" pitchFamily="34" charset="0"/>
+                <a:ea typeface="Tahoma" panose="020B0604030504040204" pitchFamily="34" charset="0"/>
+                <a:cs typeface="Tahoma" panose="020B0604030504040204" pitchFamily="34" charset="0"/>
+              </a:rPr>
+              <a:t>Low level feature map</a:t>
+            </a:r>
+            <a:endParaRPr lang="en-US" sz="800" b="1" dirty="0">
+              <a:solidFill>
+                <a:schemeClr val="tx1"/>
+              </a:solidFill>
+              <a:latin typeface="Tahoma" panose="020B0604030504040204" pitchFamily="34" charset="0"/>
+              <a:ea typeface="Tahoma" panose="020B0604030504040204" pitchFamily="34" charset="0"/>
+              <a:cs typeface="Tahoma" panose="020B0604030504040204" pitchFamily="34" charset="0"/>
+            </a:endParaRPr>
+          </a:p>
+        </p:txBody>
+      </p:sp>
+      <p:sp>
+        <p:nvSpPr>
+          <p:cNvPr id="88" name="Rectangle 87"/>
+          <p:cNvSpPr/>
+          <p:nvPr/>
+        </p:nvSpPr>
+        <p:spPr>
+          <a:xfrm>
+            <a:off x="2991597" y="2549410"/>
+            <a:ext cx="137160" cy="137160"/>
+          </a:xfrm>
+          <a:prstGeom prst="rect">
+            <a:avLst/>
+          </a:prstGeom>
+          <a:noFill/>
+          <a:ln>
+            <a:solidFill>
+              <a:schemeClr val="tx1"/>
+            </a:solidFill>
+          </a:ln>
+        </p:spPr>
+        <p:style>
+          <a:lnRef idx="2">
+            <a:schemeClr val="accent1">
+              <a:shade val="50000"/>
+            </a:schemeClr>
+          </a:lnRef>
+          <a:fillRef idx="1">
+            <a:schemeClr val="accent1"/>
+          </a:fillRef>
+          <a:effectRef idx="0">
+            <a:schemeClr val="accent1"/>
+          </a:effectRef>
+          <a:fontRef idx="minor">
+            <a:schemeClr val="lt1"/>
+          </a:fontRef>
+        </p:style>
+        <p:txBody>
+          <a:bodyPr rtlCol="0" anchor="ctr"/>
+          <a:lstStyle/>
+          <a:p>
+            <a:pPr algn="ctr"/>
+            <a:endParaRPr lang="en-US"/>
+          </a:p>
+        </p:txBody>
+      </p:sp>
+      <p:cxnSp>
+        <p:nvCxnSpPr>
+          <p:cNvPr id="152" name="Elbow Connector 151"/>
+          <p:cNvCxnSpPr>
+            <a:stCxn id="26" idx="3"/>
+            <a:endCxn id="88" idx="0"/>
+          </p:cNvCxnSpPr>
+          <p:nvPr/>
+        </p:nvCxnSpPr>
+        <p:spPr>
+          <a:xfrm>
+            <a:off x="2768333" y="2266175"/>
+            <a:ext cx="291844" cy="283235"/>
+          </a:xfrm>
+          <a:prstGeom prst="bentConnector2">
+            <a:avLst/>
+          </a:prstGeom>
+          <a:ln>
+            <a:solidFill>
+              <a:schemeClr val="tx1"/>
+            </a:solidFill>
+            <a:tailEnd type="triangle"/>
+          </a:ln>
+        </p:spPr>
+        <p:style>
+          <a:lnRef idx="1">
+            <a:schemeClr val="accent1"/>
+          </a:lnRef>
+          <a:fillRef idx="0">
+            <a:schemeClr val="accent1"/>
+          </a:fillRef>
+          <a:effectRef idx="0">
+            <a:schemeClr val="accent1"/>
+          </a:effectRef>
+          <a:fontRef idx="minor">
+            <a:schemeClr val="tx1"/>
+          </a:fontRef>
+        </p:style>
+      </p:cxnSp>
+      <p:cxnSp>
+        <p:nvCxnSpPr>
+          <p:cNvPr id="157" name="Elbow Connector 156"/>
+          <p:cNvCxnSpPr>
+            <a:stCxn id="32" idx="3"/>
+            <a:endCxn id="88" idx="2"/>
+          </p:cNvCxnSpPr>
+          <p:nvPr/>
+        </p:nvCxnSpPr>
+        <p:spPr>
+          <a:xfrm flipV="1">
+            <a:off x="2768333" y="2686570"/>
+            <a:ext cx="291844" cy="354543"/>
+          </a:xfrm>
+          <a:prstGeom prst="bentConnector2">
+            <a:avLst/>
+          </a:prstGeom>
+          <a:ln>
+            <a:solidFill>
+              <a:schemeClr val="tx1"/>
+            </a:solidFill>
+            <a:tailEnd type="triangle"/>
+          </a:ln>
+        </p:spPr>
+        <p:style>
+          <a:lnRef idx="1">
+            <a:schemeClr val="accent1"/>
+          </a:lnRef>
+          <a:fillRef idx="0">
+            <a:schemeClr val="accent1"/>
+          </a:fillRef>
+          <a:effectRef idx="0">
+            <a:schemeClr val="accent1"/>
+          </a:effectRef>
+          <a:fontRef idx="minor">
+            <a:schemeClr val="tx1"/>
+          </a:fontRef>
+        </p:style>
+      </p:cxnSp>
+      <p:cxnSp>
+        <p:nvCxnSpPr>
+          <p:cNvPr id="165" name="Straight Arrow Connector 164"/>
+          <p:cNvCxnSpPr>
+            <a:stCxn id="88" idx="3"/>
+            <a:endCxn id="84" idx="1"/>
+          </p:cNvCxnSpPr>
+          <p:nvPr/>
+        </p:nvCxnSpPr>
+        <p:spPr>
+          <a:xfrm flipV="1">
+            <a:off x="3128757" y="2616060"/>
+            <a:ext cx="623533" cy="1930"/>
+          </a:xfrm>
+          <a:prstGeom prst="straightConnector1">
+            <a:avLst/>
+          </a:prstGeom>
+          <a:ln>
+            <a:solidFill>
+              <a:schemeClr val="tx1"/>
+            </a:solidFill>
+            <a:tailEnd type="triangle"/>
+          </a:ln>
+        </p:spPr>
+        <p:style>
+          <a:lnRef idx="1">
+            <a:schemeClr val="accent1"/>
+          </a:lnRef>
+          <a:fillRef idx="0">
+            <a:schemeClr val="accent1"/>
+          </a:fillRef>
+          <a:effectRef idx="0">
+            <a:schemeClr val="accent1"/>
+          </a:effectRef>
+          <a:fontRef idx="minor">
+            <a:schemeClr val="tx1"/>
+          </a:fontRef>
+        </p:style>
+      </p:cxnSp>
+      <p:sp>
+        <p:nvSpPr>
+          <p:cNvPr id="190" name="TextBox 189"/>
+          <p:cNvSpPr txBox="1"/>
+          <p:nvPr/>
+        </p:nvSpPr>
+        <p:spPr>
+          <a:xfrm>
+            <a:off x="2003509" y="1502799"/>
+            <a:ext cx="2009510" cy="261610"/>
+          </a:xfrm>
+          <a:prstGeom prst="rect">
+            <a:avLst/>
+          </a:prstGeom>
+          <a:noFill/>
+        </p:spPr>
+        <p:txBody>
+          <a:bodyPr wrap="square" rtlCol="0">
+            <a:spAutoFit/>
+          </a:bodyPr>
+          <a:lstStyle/>
+          <a:p>
+            <a:pPr algn="ctr"/>
+            <a:r>
+              <a:rPr lang="en-US" sz="1100" dirty="0" smtClean="0">
+                <a:solidFill>
+                  <a:srgbClr val="0070C0"/>
+                </a:solidFill>
+                <a:latin typeface="Tahoma" panose="020B0604030504040204" pitchFamily="34" charset="0"/>
+                <a:ea typeface="Tahoma" panose="020B0604030504040204" pitchFamily="34" charset="0"/>
+                <a:cs typeface="Tahoma" panose="020B0604030504040204" pitchFamily="34" charset="0"/>
+              </a:rPr>
+              <a:t>DEEPLABV3+ </a:t>
+            </a:r>
+            <a:r>
+              <a:rPr lang="en-US" sz="1100" dirty="0" smtClean="0">
+                <a:solidFill>
+                  <a:srgbClr val="0070C0"/>
+                </a:solidFill>
+                <a:latin typeface="Tahoma" panose="020B0604030504040204" pitchFamily="34" charset="0"/>
+                <a:ea typeface="Tahoma" panose="020B0604030504040204" pitchFamily="34" charset="0"/>
+                <a:cs typeface="Tahoma" panose="020B0604030504040204" pitchFamily="34" charset="0"/>
+              </a:rPr>
+              <a:t>DECODER</a:t>
+            </a:r>
+            <a:endParaRPr lang="en-US" sz="1100" dirty="0">
+              <a:solidFill>
+                <a:srgbClr val="0070C0"/>
+              </a:solidFill>
+              <a:latin typeface="Tahoma" panose="020B0604030504040204" pitchFamily="34" charset="0"/>
+              <a:ea typeface="Tahoma" panose="020B0604030504040204" pitchFamily="34" charset="0"/>
+              <a:cs typeface="Tahoma" panose="020B0604030504040204" pitchFamily="34" charset="0"/>
+            </a:endParaRPr>
+          </a:p>
+        </p:txBody>
+      </p:sp>
+      <p:sp>
+        <p:nvSpPr>
+          <p:cNvPr id="182" name="Plus 181"/>
+          <p:cNvSpPr/>
+          <p:nvPr/>
+        </p:nvSpPr>
+        <p:spPr>
+          <a:xfrm>
+            <a:off x="3008264" y="2563696"/>
+            <a:ext cx="109728" cy="109728"/>
+          </a:xfrm>
+          <a:prstGeom prst="mathPlus">
+            <a:avLst>
+              <a:gd name="adj1" fmla="val 7304"/>
+            </a:avLst>
+          </a:prstGeom>
+          <a:solidFill>
+            <a:schemeClr val="tx1"/>
+          </a:solidFill>
+          <a:ln>
+            <a:noFill/>
+          </a:ln>
+        </p:spPr>
+        <p:style>
+          <a:lnRef idx="2">
+            <a:schemeClr val="accent1">
+              <a:shade val="50000"/>
+            </a:schemeClr>
+          </a:lnRef>
+          <a:fillRef idx="1">
+            <a:schemeClr val="accent1"/>
+          </a:fillRef>
+          <a:effectRef idx="0">
+            <a:schemeClr val="accent1"/>
+          </a:effectRef>
+          <a:fontRef idx="minor">
+            <a:schemeClr val="lt1"/>
+          </a:fontRef>
+        </p:style>
+        <p:txBody>
+          <a:bodyPr rtlCol="0" anchor="ctr"/>
+          <a:lstStyle/>
+          <a:p>
+            <a:pPr algn="ctr"/>
+            <a:endParaRPr lang="en-US"/>
+          </a:p>
+        </p:txBody>
+      </p:sp>
+      <p:sp>
+        <p:nvSpPr>
+          <p:cNvPr id="196" name="TextBox 195"/>
+          <p:cNvSpPr txBox="1"/>
+          <p:nvPr/>
+        </p:nvSpPr>
+        <p:spPr>
+          <a:xfrm>
+            <a:off x="830691" y="1894273"/>
+            <a:ext cx="897172" cy="200055"/>
+          </a:xfrm>
+          <a:prstGeom prst="rect">
+            <a:avLst/>
+          </a:prstGeom>
+          <a:noFill/>
+        </p:spPr>
+        <p:txBody>
+          <a:bodyPr wrap="square" rtlCol="0">
+            <a:spAutoFit/>
+          </a:bodyPr>
+          <a:lstStyle/>
+          <a:p>
+            <a:pPr algn="ctr"/>
+            <a:r>
+              <a:rPr lang="en-US" sz="700" dirty="0" smtClean="0">
+                <a:latin typeface="Tahoma" panose="020B0604030504040204" pitchFamily="34" charset="0"/>
+                <a:ea typeface="Tahoma" panose="020B0604030504040204" pitchFamily="34" charset="0"/>
+                <a:cs typeface="Tahoma" panose="020B0604030504040204" pitchFamily="34" charset="0"/>
+              </a:rPr>
+              <a:t>(256, 90, 160)</a:t>
+            </a:r>
+            <a:endParaRPr lang="en-US" sz="700" dirty="0">
+              <a:latin typeface="Tahoma" panose="020B0604030504040204" pitchFamily="34" charset="0"/>
+              <a:ea typeface="Tahoma" panose="020B0604030504040204" pitchFamily="34" charset="0"/>
+              <a:cs typeface="Tahoma" panose="020B0604030504040204" pitchFamily="34" charset="0"/>
+            </a:endParaRPr>
+          </a:p>
+        </p:txBody>
+      </p:sp>
+      <p:sp>
+        <p:nvSpPr>
+          <p:cNvPr id="26" name="Rounded Rectangle 25"/>
+          <p:cNvSpPr/>
+          <p:nvPr/>
+        </p:nvSpPr>
+        <p:spPr>
+          <a:xfrm>
+            <a:off x="1533893" y="2129015"/>
+            <a:ext cx="1234440" cy="274320"/>
+          </a:xfrm>
+          <a:prstGeom prst="roundRect">
+            <a:avLst/>
+          </a:prstGeom>
+          <a:solidFill>
+            <a:schemeClr val="accent4">
+              <a:lumMod val="20000"/>
+              <a:lumOff val="80000"/>
+            </a:schemeClr>
+          </a:solidFill>
+          <a:ln>
+            <a:solidFill>
+              <a:schemeClr val="bg1">
+                <a:lumMod val="75000"/>
+              </a:schemeClr>
+            </a:solidFill>
+          </a:ln>
+        </p:spPr>
+        <p:style>
+          <a:lnRef idx="2">
+            <a:schemeClr val="accent1">
+              <a:shade val="50000"/>
+            </a:schemeClr>
+          </a:lnRef>
+          <a:fillRef idx="1">
+            <a:schemeClr val="accent1"/>
+          </a:fillRef>
+          <a:effectRef idx="0">
+            <a:schemeClr val="accent1"/>
+          </a:effectRef>
+          <a:fontRef idx="minor">
+            <a:schemeClr val="lt1"/>
+          </a:fontRef>
+        </p:style>
+        <p:txBody>
+          <a:bodyPr rot="0" spcFirstLastPara="0" vertOverflow="overflow" horzOverflow="overflow" vert="horz" wrap="square" lIns="51435" tIns="25718" rIns="51435" bIns="25718" numCol="1" spcCol="0" rtlCol="0" fromWordArt="0" anchor="ctr" anchorCtr="0" forceAA="0" compatLnSpc="1">
+            <a:prstTxWarp prst="textNoShape">
+              <a:avLst/>
+            </a:prstTxWarp>
+            <a:noAutofit/>
+          </a:bodyPr>
+          <a:lstStyle/>
+          <a:p>
+            <a:pPr algn="ctr"/>
+            <a:r>
+              <a:rPr lang="en-US" sz="800" b="1" dirty="0" smtClean="0">
+                <a:solidFill>
+                  <a:schemeClr val="accent1">
+                    <a:lumMod val="50000"/>
+                  </a:schemeClr>
+                </a:solidFill>
+                <a:latin typeface="Tahoma" panose="020B0604030504040204" pitchFamily="34" charset="0"/>
+                <a:ea typeface="Tahoma" panose="020B0604030504040204" pitchFamily="34" charset="0"/>
+                <a:cs typeface="Tahoma" panose="020B0604030504040204" pitchFamily="34" charset="0"/>
+              </a:rPr>
+              <a:t>Conv2d(256, 48, 1)</a:t>
+            </a:r>
+            <a:endParaRPr lang="en-US" sz="800" b="1" dirty="0">
+              <a:solidFill>
+                <a:schemeClr val="accent1">
+                  <a:lumMod val="50000"/>
+                </a:schemeClr>
+              </a:solidFill>
+              <a:latin typeface="Tahoma" panose="020B0604030504040204" pitchFamily="34" charset="0"/>
+              <a:ea typeface="Tahoma" panose="020B0604030504040204" pitchFamily="34" charset="0"/>
+              <a:cs typeface="Tahoma" panose="020B0604030504040204" pitchFamily="34" charset="0"/>
+            </a:endParaRPr>
+          </a:p>
+        </p:txBody>
+      </p:sp>
+      <p:sp>
+        <p:nvSpPr>
+          <p:cNvPr id="31" name="Rounded Rectangle 30"/>
+          <p:cNvSpPr/>
+          <p:nvPr/>
+        </p:nvSpPr>
+        <p:spPr>
+          <a:xfrm>
+            <a:off x="195491" y="2903953"/>
+            <a:ext cx="914400" cy="274320"/>
+          </a:xfrm>
+          <a:prstGeom prst="roundRect">
+            <a:avLst/>
+          </a:prstGeom>
+          <a:noFill/>
+          <a:ln>
+            <a:solidFill>
+              <a:schemeClr val="bg1">
+                <a:lumMod val="50000"/>
+              </a:schemeClr>
+            </a:solidFill>
+          </a:ln>
+        </p:spPr>
+        <p:style>
+          <a:lnRef idx="2">
+            <a:schemeClr val="accent1">
+              <a:shade val="50000"/>
+            </a:schemeClr>
+          </a:lnRef>
+          <a:fillRef idx="1">
+            <a:schemeClr val="accent1"/>
+          </a:fillRef>
+          <a:effectRef idx="0">
+            <a:schemeClr val="accent1"/>
+          </a:effectRef>
+          <a:fontRef idx="minor">
+            <a:schemeClr val="lt1"/>
+          </a:fontRef>
+        </p:style>
+        <p:txBody>
+          <a:bodyPr rot="0" spcFirstLastPara="0" vertOverflow="overflow" horzOverflow="overflow" vert="horz" wrap="square" lIns="51435" tIns="25718" rIns="51435" bIns="25718" numCol="1" spcCol="0" rtlCol="0" fromWordArt="0" anchor="ctr" anchorCtr="0" forceAA="0" compatLnSpc="1">
+            <a:prstTxWarp prst="textNoShape">
+              <a:avLst/>
+            </a:prstTxWarp>
+            <a:noAutofit/>
+          </a:bodyPr>
+          <a:lstStyle/>
+          <a:p>
+            <a:pPr algn="ctr"/>
+            <a:r>
+              <a:rPr lang="en-US" sz="800" b="1" dirty="0">
+                <a:solidFill>
+                  <a:schemeClr val="tx1"/>
+                </a:solidFill>
+                <a:latin typeface="Tahoma" panose="020B0604030504040204" pitchFamily="34" charset="0"/>
+                <a:ea typeface="Tahoma" panose="020B0604030504040204" pitchFamily="34" charset="0"/>
+                <a:cs typeface="Tahoma" panose="020B0604030504040204" pitchFamily="34" charset="0"/>
+              </a:rPr>
+              <a:t>ASPP </a:t>
+            </a:r>
+            <a:r>
+              <a:rPr lang="en-US" sz="800" b="1" dirty="0" smtClean="0">
+                <a:solidFill>
+                  <a:schemeClr val="tx1"/>
+                </a:solidFill>
+                <a:latin typeface="Tahoma" panose="020B0604030504040204" pitchFamily="34" charset="0"/>
+                <a:ea typeface="Tahoma" panose="020B0604030504040204" pitchFamily="34" charset="0"/>
+                <a:cs typeface="Tahoma" panose="020B0604030504040204" pitchFamily="34" charset="0"/>
+              </a:rPr>
+              <a:t>output</a:t>
+            </a:r>
+            <a:endParaRPr lang="en-US" sz="800" b="1" dirty="0">
+              <a:solidFill>
+                <a:schemeClr val="tx1"/>
+              </a:solidFill>
+              <a:latin typeface="Tahoma" panose="020B0604030504040204" pitchFamily="34" charset="0"/>
+              <a:ea typeface="Tahoma" panose="020B0604030504040204" pitchFamily="34" charset="0"/>
+              <a:cs typeface="Tahoma" panose="020B0604030504040204" pitchFamily="34" charset="0"/>
+            </a:endParaRPr>
+          </a:p>
+        </p:txBody>
+      </p:sp>
+      <p:sp>
+        <p:nvSpPr>
+          <p:cNvPr id="32" name="Rounded Rectangle 31"/>
+          <p:cNvSpPr/>
+          <p:nvPr/>
+        </p:nvSpPr>
+        <p:spPr>
+          <a:xfrm>
+            <a:off x="1533893" y="2903953"/>
+            <a:ext cx="1234440" cy="274320"/>
+          </a:xfrm>
+          <a:prstGeom prst="roundRect">
+            <a:avLst/>
+          </a:prstGeom>
+          <a:solidFill>
+            <a:schemeClr val="accent6">
+              <a:lumMod val="20000"/>
+              <a:lumOff val="80000"/>
+            </a:schemeClr>
+          </a:solidFill>
+          <a:ln>
+            <a:solidFill>
+              <a:schemeClr val="bg1">
+                <a:lumMod val="75000"/>
+              </a:schemeClr>
+            </a:solidFill>
+          </a:ln>
+        </p:spPr>
+        <p:style>
+          <a:lnRef idx="2">
+            <a:schemeClr val="accent1">
+              <a:shade val="50000"/>
+            </a:schemeClr>
+          </a:lnRef>
+          <a:fillRef idx="1">
+            <a:schemeClr val="accent1"/>
+          </a:fillRef>
+          <a:effectRef idx="0">
+            <a:schemeClr val="accent1"/>
+          </a:effectRef>
+          <a:fontRef idx="minor">
+            <a:schemeClr val="lt1"/>
+          </a:fontRef>
+        </p:style>
+        <p:txBody>
+          <a:bodyPr rot="0" spcFirstLastPara="0" vertOverflow="overflow" horzOverflow="overflow" vert="horz" wrap="square" lIns="51435" tIns="25718" rIns="51435" bIns="25718" numCol="1" spcCol="0" rtlCol="0" fromWordArt="0" anchor="ctr" anchorCtr="0" forceAA="0" compatLnSpc="1">
+            <a:prstTxWarp prst="textNoShape">
+              <a:avLst/>
+            </a:prstTxWarp>
+            <a:noAutofit/>
+          </a:bodyPr>
+          <a:lstStyle/>
+          <a:p>
+            <a:pPr algn="ctr"/>
+            <a:r>
+              <a:rPr lang="en-US" sz="800" b="1" dirty="0" smtClean="0">
+                <a:solidFill>
+                  <a:schemeClr val="accent1">
+                    <a:lumMod val="50000"/>
+                  </a:schemeClr>
+                </a:solidFill>
+                <a:latin typeface="Tahoma" panose="020B0604030504040204" pitchFamily="34" charset="0"/>
+                <a:ea typeface="Tahoma" panose="020B0604030504040204" pitchFamily="34" charset="0"/>
+                <a:cs typeface="Tahoma" panose="020B0604030504040204" pitchFamily="34" charset="0"/>
+              </a:rPr>
+              <a:t>Bilinear Up sampling</a:t>
+            </a:r>
+            <a:endParaRPr lang="en-US" sz="800" b="1" dirty="0">
+              <a:solidFill>
+                <a:schemeClr val="accent1">
+                  <a:lumMod val="50000"/>
+                </a:schemeClr>
+              </a:solidFill>
+              <a:latin typeface="Tahoma" panose="020B0604030504040204" pitchFamily="34" charset="0"/>
+              <a:ea typeface="Tahoma" panose="020B0604030504040204" pitchFamily="34" charset="0"/>
+              <a:cs typeface="Tahoma" panose="020B0604030504040204" pitchFamily="34" charset="0"/>
+            </a:endParaRPr>
+          </a:p>
+        </p:txBody>
+      </p:sp>
+      <p:cxnSp>
+        <p:nvCxnSpPr>
+          <p:cNvPr id="33" name="Straight Arrow Connector 32"/>
+          <p:cNvCxnSpPr>
+            <a:stCxn id="31" idx="3"/>
+            <a:endCxn id="32" idx="1"/>
+          </p:cNvCxnSpPr>
+          <p:nvPr/>
+        </p:nvCxnSpPr>
+        <p:spPr>
+          <a:xfrm>
+            <a:off x="1109891" y="3041113"/>
+            <a:ext cx="424002" cy="0"/>
+          </a:xfrm>
+          <a:prstGeom prst="straightConnector1">
+            <a:avLst/>
+          </a:prstGeom>
+          <a:ln>
+            <a:solidFill>
+              <a:schemeClr val="tx1"/>
+            </a:solidFill>
+            <a:tailEnd type="triangle"/>
+          </a:ln>
+        </p:spPr>
+        <p:style>
+          <a:lnRef idx="1">
+            <a:schemeClr val="accent1"/>
+          </a:lnRef>
+          <a:fillRef idx="0">
+            <a:schemeClr val="accent1"/>
+          </a:fillRef>
+          <a:effectRef idx="0">
+            <a:schemeClr val="accent1"/>
+          </a:effectRef>
+          <a:fontRef idx="minor">
+            <a:schemeClr val="tx1"/>
+          </a:fontRef>
+        </p:style>
+      </p:cxnSp>
+      <p:cxnSp>
+        <p:nvCxnSpPr>
+          <p:cNvPr id="37" name="Straight Arrow Connector 36"/>
+          <p:cNvCxnSpPr>
+            <a:stCxn id="61" idx="3"/>
+            <a:endCxn id="26" idx="1"/>
+          </p:cNvCxnSpPr>
+          <p:nvPr/>
+        </p:nvCxnSpPr>
+        <p:spPr>
+          <a:xfrm>
+            <a:off x="1109891" y="2266175"/>
+            <a:ext cx="424002" cy="0"/>
+          </a:xfrm>
+          <a:prstGeom prst="straightConnector1">
+            <a:avLst/>
+          </a:prstGeom>
+          <a:ln>
+            <a:solidFill>
+              <a:schemeClr val="tx1"/>
+            </a:solidFill>
+            <a:tailEnd type="triangle"/>
+          </a:ln>
+        </p:spPr>
+        <p:style>
+          <a:lnRef idx="1">
+            <a:schemeClr val="accent1"/>
+          </a:lnRef>
+          <a:fillRef idx="0">
+            <a:schemeClr val="accent1"/>
+          </a:fillRef>
+          <a:effectRef idx="0">
+            <a:schemeClr val="accent1"/>
+          </a:effectRef>
+          <a:fontRef idx="minor">
+            <a:schemeClr val="tx1"/>
+          </a:fontRef>
+        </p:style>
+      </p:cxnSp>
+      <p:grpSp>
+        <p:nvGrpSpPr>
+          <p:cNvPr id="107" name="Group 106"/>
+          <p:cNvGrpSpPr/>
+          <p:nvPr/>
+        </p:nvGrpSpPr>
+        <p:grpSpPr>
+          <a:xfrm>
+            <a:off x="3752290" y="2501760"/>
+            <a:ext cx="1373366" cy="4102918"/>
+            <a:chOff x="1793492" y="4273847"/>
+            <a:chExt cx="1373366" cy="4102918"/>
+          </a:xfrm>
+        </p:grpSpPr>
+        <p:sp>
+          <p:nvSpPr>
+            <p:cNvPr id="59" name="Rounded Rectangle 58"/>
+            <p:cNvSpPr/>
+            <p:nvPr/>
+          </p:nvSpPr>
+          <p:spPr>
+            <a:xfrm>
+              <a:off x="1793492" y="8102445"/>
+              <a:ext cx="1188720" cy="274320"/>
+            </a:xfrm>
+            <a:prstGeom prst="roundRect">
+              <a:avLst/>
+            </a:prstGeom>
+            <a:noFill/>
+            <a:ln>
+              <a:solidFill>
+                <a:schemeClr val="bg1">
+                  <a:lumMod val="50000"/>
+                </a:schemeClr>
+              </a:solidFill>
+            </a:ln>
+          </p:spPr>
+          <p:style>
+            <a:lnRef idx="2">
+              <a:schemeClr val="accent1">
+                <a:shade val="50000"/>
+              </a:schemeClr>
+            </a:lnRef>
+            <a:fillRef idx="1">
+              <a:schemeClr val="accent1"/>
+            </a:fillRef>
+            <a:effectRef idx="0">
+              <a:schemeClr val="accent1"/>
+            </a:effectRef>
+            <a:fontRef idx="minor">
+              <a:schemeClr val="lt1"/>
+            </a:fontRef>
+          </p:style>
+          <p:txBody>
+            <a:bodyPr rot="0" spcFirstLastPara="0" vertOverflow="overflow" horzOverflow="overflow" vert="horz" wrap="square" lIns="51435" tIns="25718" rIns="51435" bIns="25718" numCol="1" spcCol="0" rtlCol="0" fromWordArt="0" anchor="ctr" anchorCtr="0" forceAA="0" compatLnSpc="1">
+              <a:prstTxWarp prst="textNoShape">
+                <a:avLst/>
+              </a:prstTxWarp>
+              <a:noAutofit/>
+            </a:bodyPr>
+            <a:lstStyle/>
+            <a:p>
+              <a:pPr algn="ctr"/>
+              <a:r>
+                <a:rPr lang="en-US" sz="900" b="1" dirty="0" smtClean="0">
+                  <a:solidFill>
+                    <a:schemeClr val="tx1"/>
+                  </a:solidFill>
+                  <a:latin typeface="Tahoma" panose="020B0604030504040204" pitchFamily="34" charset="0"/>
+                  <a:ea typeface="Tahoma" panose="020B0604030504040204" pitchFamily="34" charset="0"/>
+                  <a:cs typeface="Tahoma" panose="020B0604030504040204" pitchFamily="34" charset="0"/>
+                </a:rPr>
+                <a:t>PREDICTIONS</a:t>
+              </a:r>
+              <a:endParaRPr lang="en-US" sz="900" b="1" dirty="0">
+                <a:solidFill>
+                  <a:schemeClr val="tx1"/>
+                </a:solidFill>
+                <a:latin typeface="Tahoma" panose="020B0604030504040204" pitchFamily="34" charset="0"/>
+                <a:ea typeface="Tahoma" panose="020B0604030504040204" pitchFamily="34" charset="0"/>
+                <a:cs typeface="Tahoma" panose="020B0604030504040204" pitchFamily="34" charset="0"/>
+              </a:endParaRPr>
+            </a:p>
+          </p:txBody>
+        </p:sp>
+        <p:cxnSp>
+          <p:nvCxnSpPr>
+            <p:cNvPr id="60" name="Straight Arrow Connector 59"/>
+            <p:cNvCxnSpPr>
+              <a:stCxn id="104" idx="2"/>
+              <a:endCxn id="59" idx="0"/>
+            </p:cNvCxnSpPr>
+            <p:nvPr/>
+          </p:nvCxnSpPr>
+          <p:spPr>
+            <a:xfrm>
+              <a:off x="2387852" y="7861403"/>
+              <a:ext cx="0" cy="241042"/>
+            </a:xfrm>
+            <a:prstGeom prst="straightConnector1">
+              <a:avLst/>
+            </a:prstGeom>
+            <a:ln>
+              <a:solidFill>
+                <a:schemeClr val="tx1"/>
+              </a:solidFill>
+              <a:tailEnd type="triangle"/>
+            </a:ln>
+          </p:spPr>
+          <p:style>
+            <a:lnRef idx="1">
+              <a:schemeClr val="accent1"/>
+            </a:lnRef>
+            <a:fillRef idx="0">
+              <a:schemeClr val="accent1"/>
+            </a:fillRef>
+            <a:effectRef idx="0">
+              <a:schemeClr val="accent1"/>
+            </a:effectRef>
+            <a:fontRef idx="minor">
+              <a:schemeClr val="tx1"/>
+            </a:fontRef>
+          </p:style>
+        </p:cxnSp>
+        <p:grpSp>
+          <p:nvGrpSpPr>
+            <p:cNvPr id="92" name="Group 91"/>
+            <p:cNvGrpSpPr/>
+            <p:nvPr/>
+          </p:nvGrpSpPr>
+          <p:grpSpPr>
+            <a:xfrm>
+              <a:off x="1793492" y="4273847"/>
+              <a:ext cx="1373366" cy="3032189"/>
+              <a:chOff x="1793492" y="4273847"/>
+              <a:chExt cx="1373366" cy="3032189"/>
+            </a:xfrm>
+          </p:grpSpPr>
+          <p:grpSp>
+            <p:nvGrpSpPr>
+              <p:cNvPr id="90" name="Group 89"/>
+              <p:cNvGrpSpPr/>
+              <p:nvPr/>
+            </p:nvGrpSpPr>
+            <p:grpSpPr>
+              <a:xfrm>
+                <a:off x="1793492" y="4273847"/>
+                <a:ext cx="1188720" cy="3032189"/>
+                <a:chOff x="1793492" y="4273847"/>
+                <a:chExt cx="1188720" cy="3032189"/>
+              </a:xfrm>
+            </p:grpSpPr>
+            <p:grpSp>
+              <p:nvGrpSpPr>
+                <p:cNvPr id="49" name="Group 48"/>
+                <p:cNvGrpSpPr/>
+                <p:nvPr/>
+              </p:nvGrpSpPr>
+              <p:grpSpPr>
+                <a:xfrm>
+                  <a:off x="1793492" y="4273847"/>
+                  <a:ext cx="1188720" cy="3032189"/>
+                  <a:chOff x="1793492" y="4273847"/>
+                  <a:chExt cx="1188720" cy="3032189"/>
+                </a:xfrm>
+              </p:grpSpPr>
+              <p:sp>
+                <p:nvSpPr>
+                  <p:cNvPr id="84" name="Rounded Rectangle 83"/>
+                  <p:cNvSpPr/>
+                  <p:nvPr/>
+                </p:nvSpPr>
+                <p:spPr>
+                  <a:xfrm>
+                    <a:off x="1793492" y="4273847"/>
+                    <a:ext cx="1188720" cy="228600"/>
+                  </a:xfrm>
+                  <a:prstGeom prst="roundRect">
+                    <a:avLst/>
+                  </a:prstGeom>
+                  <a:solidFill>
+                    <a:schemeClr val="accent4">
+                      <a:lumMod val="20000"/>
+                      <a:lumOff val="80000"/>
+                    </a:schemeClr>
+                  </a:solidFill>
+                  <a:ln>
+                    <a:solidFill>
+                      <a:schemeClr val="bg1">
+                        <a:lumMod val="75000"/>
+                      </a:schemeClr>
+                    </a:solidFill>
+                  </a:ln>
+                </p:spPr>
+                <p:style>
+                  <a:lnRef idx="2">
+                    <a:schemeClr val="accent1">
+                      <a:shade val="50000"/>
+                    </a:schemeClr>
+                  </a:lnRef>
+                  <a:fillRef idx="1">
+                    <a:schemeClr val="accent1"/>
+                  </a:fillRef>
+                  <a:effectRef idx="0">
+                    <a:schemeClr val="accent1"/>
+                  </a:effectRef>
+                  <a:fontRef idx="minor">
+                    <a:schemeClr val="lt1"/>
+                  </a:fontRef>
+                </p:style>
+                <p:txBody>
+                  <a:bodyPr rot="0" spcFirstLastPara="0" vertOverflow="overflow" horzOverflow="overflow" vert="horz" wrap="square" lIns="51435" tIns="25718" rIns="51435" bIns="25718" numCol="1" spcCol="0" rtlCol="0" fromWordArt="0" anchor="ctr" anchorCtr="0" forceAA="0" compatLnSpc="1">
+                    <a:prstTxWarp prst="textNoShape">
+                      <a:avLst/>
+                    </a:prstTxWarp>
+                    <a:noAutofit/>
+                  </a:bodyPr>
+                  <a:lstStyle/>
+                  <a:p>
+                    <a:pPr algn="ctr"/>
+                    <a:r>
+                      <a:rPr lang="en-US" sz="800" b="1" dirty="0" smtClean="0">
+                        <a:solidFill>
+                          <a:schemeClr val="accent1">
+                            <a:lumMod val="50000"/>
+                          </a:schemeClr>
+                        </a:solidFill>
+                        <a:latin typeface="Tahoma" panose="020B0604030504040204" pitchFamily="34" charset="0"/>
+                        <a:ea typeface="Tahoma" panose="020B0604030504040204" pitchFamily="34" charset="0"/>
+                        <a:cs typeface="Tahoma" panose="020B0604030504040204" pitchFamily="34" charset="0"/>
+                      </a:rPr>
+                      <a:t>Conv2d(304, 256, </a:t>
+                    </a:r>
+                    <a:r>
+                      <a:rPr lang="en-US" sz="800" b="1" dirty="0" smtClean="0">
+                        <a:solidFill>
+                          <a:schemeClr val="accent1">
+                            <a:lumMod val="50000"/>
+                          </a:schemeClr>
+                        </a:solidFill>
+                        <a:latin typeface="Tahoma" panose="020B0604030504040204" pitchFamily="34" charset="0"/>
+                        <a:ea typeface="Tahoma" panose="020B0604030504040204" pitchFamily="34" charset="0"/>
+                        <a:cs typeface="Tahoma" panose="020B0604030504040204" pitchFamily="34" charset="0"/>
+                      </a:rPr>
+                      <a:t>3)</a:t>
+                    </a:r>
+                    <a:endParaRPr lang="en-US" sz="800" b="1" dirty="0">
+                      <a:solidFill>
+                        <a:schemeClr val="accent1">
+                          <a:lumMod val="50000"/>
+                        </a:schemeClr>
+                      </a:solidFill>
+                      <a:latin typeface="Tahoma" panose="020B0604030504040204" pitchFamily="34" charset="0"/>
+                      <a:ea typeface="Tahoma" panose="020B0604030504040204" pitchFamily="34" charset="0"/>
+                      <a:cs typeface="Tahoma" panose="020B0604030504040204" pitchFamily="34" charset="0"/>
+                    </a:endParaRPr>
+                  </a:p>
+                </p:txBody>
+              </p:sp>
+              <p:sp>
+                <p:nvSpPr>
+                  <p:cNvPr id="85" name="Rounded Rectangle 84"/>
+                  <p:cNvSpPr/>
+                  <p:nvPr/>
+                </p:nvSpPr>
+                <p:spPr>
+                  <a:xfrm>
+                    <a:off x="1793492" y="4756282"/>
+                    <a:ext cx="1188720" cy="228600"/>
+                  </a:xfrm>
+                  <a:prstGeom prst="roundRect">
+                    <a:avLst/>
+                  </a:prstGeom>
+                  <a:solidFill>
+                    <a:schemeClr val="accent4">
+                      <a:lumMod val="20000"/>
+                      <a:lumOff val="80000"/>
+                    </a:schemeClr>
+                  </a:solidFill>
+                  <a:ln>
+                    <a:solidFill>
+                      <a:schemeClr val="bg1">
+                        <a:lumMod val="75000"/>
+                      </a:schemeClr>
+                    </a:solidFill>
+                  </a:ln>
+                </p:spPr>
+                <p:style>
+                  <a:lnRef idx="2">
+                    <a:schemeClr val="accent1">
+                      <a:shade val="50000"/>
+                    </a:schemeClr>
+                  </a:lnRef>
+                  <a:fillRef idx="1">
+                    <a:schemeClr val="accent1"/>
+                  </a:fillRef>
+                  <a:effectRef idx="0">
+                    <a:schemeClr val="accent1"/>
+                  </a:effectRef>
+                  <a:fontRef idx="minor">
+                    <a:schemeClr val="lt1"/>
+                  </a:fontRef>
+                </p:style>
+                <p:txBody>
+                  <a:bodyPr rot="0" spcFirstLastPara="0" vertOverflow="overflow" horzOverflow="overflow" vert="horz" wrap="square" lIns="51435" tIns="25718" rIns="51435" bIns="25718" numCol="1" spcCol="0" rtlCol="0" fromWordArt="0" anchor="ctr" anchorCtr="0" forceAA="0" compatLnSpc="1">
+                    <a:prstTxWarp prst="textNoShape">
+                      <a:avLst/>
+                    </a:prstTxWarp>
+                    <a:noAutofit/>
+                  </a:bodyPr>
+                  <a:lstStyle/>
+                  <a:p>
+                    <a:pPr algn="ctr"/>
+                    <a:r>
+                      <a:rPr lang="en-US" sz="800" b="1" dirty="0" smtClean="0">
+                        <a:solidFill>
+                          <a:schemeClr val="accent1">
+                            <a:lumMod val="50000"/>
+                          </a:schemeClr>
+                        </a:solidFill>
+                        <a:latin typeface="Tahoma" panose="020B0604030504040204" pitchFamily="34" charset="0"/>
+                        <a:ea typeface="Tahoma" panose="020B0604030504040204" pitchFamily="34" charset="0"/>
+                        <a:cs typeface="Tahoma" panose="020B0604030504040204" pitchFamily="34" charset="0"/>
+                      </a:rPr>
+                      <a:t>BatchNorm2d(256)</a:t>
+                    </a:r>
+                    <a:endParaRPr lang="en-US" sz="800" b="1" dirty="0">
+                      <a:solidFill>
+                        <a:schemeClr val="accent1">
+                          <a:lumMod val="50000"/>
+                        </a:schemeClr>
+                      </a:solidFill>
+                      <a:latin typeface="Tahoma" panose="020B0604030504040204" pitchFamily="34" charset="0"/>
+                      <a:ea typeface="Tahoma" panose="020B0604030504040204" pitchFamily="34" charset="0"/>
+                      <a:cs typeface="Tahoma" panose="020B0604030504040204" pitchFamily="34" charset="0"/>
+                    </a:endParaRPr>
+                  </a:p>
+                </p:txBody>
+              </p:sp>
+              <p:sp>
+                <p:nvSpPr>
+                  <p:cNvPr id="86" name="Rounded Rectangle 85"/>
+                  <p:cNvSpPr/>
+                  <p:nvPr/>
+                </p:nvSpPr>
+                <p:spPr>
+                  <a:xfrm>
+                    <a:off x="1793492" y="5232367"/>
+                    <a:ext cx="1188720" cy="228600"/>
+                  </a:xfrm>
+                  <a:prstGeom prst="roundRect">
+                    <a:avLst/>
+                  </a:prstGeom>
+                  <a:solidFill>
+                    <a:schemeClr val="accent4">
+                      <a:lumMod val="20000"/>
+                      <a:lumOff val="80000"/>
+                    </a:schemeClr>
+                  </a:solidFill>
+                  <a:ln>
+                    <a:solidFill>
+                      <a:schemeClr val="bg1">
+                        <a:lumMod val="75000"/>
+                      </a:schemeClr>
+                    </a:solidFill>
+                  </a:ln>
+                </p:spPr>
+                <p:style>
+                  <a:lnRef idx="2">
+                    <a:schemeClr val="accent1">
+                      <a:shade val="50000"/>
+                    </a:schemeClr>
+                  </a:lnRef>
+                  <a:fillRef idx="1">
+                    <a:schemeClr val="accent1"/>
+                  </a:fillRef>
+                  <a:effectRef idx="0">
+                    <a:schemeClr val="accent1"/>
+                  </a:effectRef>
+                  <a:fontRef idx="minor">
+                    <a:schemeClr val="lt1"/>
+                  </a:fontRef>
+                </p:style>
+                <p:txBody>
+                  <a:bodyPr rot="0" spcFirstLastPara="0" vertOverflow="overflow" horzOverflow="overflow" vert="horz" wrap="square" lIns="51435" tIns="25718" rIns="51435" bIns="25718" numCol="1" spcCol="0" rtlCol="0" fromWordArt="0" anchor="ctr" anchorCtr="0" forceAA="0" compatLnSpc="1">
+                    <a:prstTxWarp prst="textNoShape">
+                      <a:avLst/>
+                    </a:prstTxWarp>
+                    <a:noAutofit/>
+                  </a:bodyPr>
+                  <a:lstStyle/>
+                  <a:p>
+                    <a:pPr algn="ctr"/>
+                    <a:r>
+                      <a:rPr lang="en-US" sz="800" b="1" dirty="0" smtClean="0">
+                        <a:solidFill>
+                          <a:schemeClr val="accent1">
+                            <a:lumMod val="50000"/>
+                          </a:schemeClr>
+                        </a:solidFill>
+                        <a:latin typeface="Tahoma" panose="020B0604030504040204" pitchFamily="34" charset="0"/>
+                        <a:ea typeface="Tahoma" panose="020B0604030504040204" pitchFamily="34" charset="0"/>
+                        <a:cs typeface="Tahoma" panose="020B0604030504040204" pitchFamily="34" charset="0"/>
+                      </a:rPr>
+                      <a:t>ReLU Activation</a:t>
+                    </a:r>
+                    <a:endParaRPr lang="en-US" sz="800" b="1" dirty="0">
+                      <a:solidFill>
+                        <a:schemeClr val="accent1">
+                          <a:lumMod val="50000"/>
+                        </a:schemeClr>
+                      </a:solidFill>
+                      <a:latin typeface="Tahoma" panose="020B0604030504040204" pitchFamily="34" charset="0"/>
+                      <a:ea typeface="Tahoma" panose="020B0604030504040204" pitchFamily="34" charset="0"/>
+                      <a:cs typeface="Tahoma" panose="020B0604030504040204" pitchFamily="34" charset="0"/>
+                    </a:endParaRPr>
+                  </a:p>
+                </p:txBody>
+              </p:sp>
+              <p:sp>
+                <p:nvSpPr>
+                  <p:cNvPr id="75" name="Rounded Rectangle 74"/>
+                  <p:cNvSpPr/>
+                  <p:nvPr/>
+                </p:nvSpPr>
+                <p:spPr>
+                  <a:xfrm>
+                    <a:off x="1793492" y="5706607"/>
+                    <a:ext cx="1188720" cy="228600"/>
+                  </a:xfrm>
+                  <a:prstGeom prst="roundRect">
+                    <a:avLst/>
+                  </a:prstGeom>
+                  <a:solidFill>
+                    <a:schemeClr val="accent4">
+                      <a:lumMod val="20000"/>
+                      <a:lumOff val="80000"/>
+                    </a:schemeClr>
+                  </a:solidFill>
+                  <a:ln>
+                    <a:solidFill>
+                      <a:schemeClr val="bg1">
+                        <a:lumMod val="75000"/>
+                      </a:schemeClr>
+                    </a:solidFill>
+                  </a:ln>
+                </p:spPr>
+                <p:style>
+                  <a:lnRef idx="2">
+                    <a:schemeClr val="accent1">
+                      <a:shade val="50000"/>
+                    </a:schemeClr>
+                  </a:lnRef>
+                  <a:fillRef idx="1">
+                    <a:schemeClr val="accent1"/>
+                  </a:fillRef>
+                  <a:effectRef idx="0">
+                    <a:schemeClr val="accent1"/>
+                  </a:effectRef>
+                  <a:fontRef idx="minor">
+                    <a:schemeClr val="lt1"/>
+                  </a:fontRef>
+                </p:style>
+                <p:txBody>
+                  <a:bodyPr rot="0" spcFirstLastPara="0" vertOverflow="overflow" horzOverflow="overflow" vert="horz" wrap="square" lIns="51435" tIns="25718" rIns="51435" bIns="25718" numCol="1" spcCol="0" rtlCol="0" fromWordArt="0" anchor="ctr" anchorCtr="0" forceAA="0" compatLnSpc="1">
+                    <a:prstTxWarp prst="textNoShape">
+                      <a:avLst/>
+                    </a:prstTxWarp>
+                    <a:noAutofit/>
+                  </a:bodyPr>
+                  <a:lstStyle/>
+                  <a:p>
+                    <a:pPr algn="ctr"/>
+                    <a:r>
+                      <a:rPr lang="en-US" sz="800" b="1" dirty="0" smtClean="0">
+                        <a:solidFill>
+                          <a:schemeClr val="accent1">
+                            <a:lumMod val="50000"/>
+                          </a:schemeClr>
+                        </a:solidFill>
+                        <a:latin typeface="Tahoma" panose="020B0604030504040204" pitchFamily="34" charset="0"/>
+                        <a:ea typeface="Tahoma" panose="020B0604030504040204" pitchFamily="34" charset="0"/>
+                        <a:cs typeface="Tahoma" panose="020B0604030504040204" pitchFamily="34" charset="0"/>
+                      </a:rPr>
+                      <a:t>Conv2d(256, 256, </a:t>
+                    </a:r>
+                    <a:r>
+                      <a:rPr lang="en-US" sz="800" b="1" dirty="0" smtClean="0">
+                        <a:solidFill>
+                          <a:schemeClr val="accent1">
+                            <a:lumMod val="50000"/>
+                          </a:schemeClr>
+                        </a:solidFill>
+                        <a:latin typeface="Tahoma" panose="020B0604030504040204" pitchFamily="34" charset="0"/>
+                        <a:ea typeface="Tahoma" panose="020B0604030504040204" pitchFamily="34" charset="0"/>
+                        <a:cs typeface="Tahoma" panose="020B0604030504040204" pitchFamily="34" charset="0"/>
+                      </a:rPr>
+                      <a:t>3)</a:t>
+                    </a:r>
+                    <a:endParaRPr lang="en-US" sz="800" b="1" dirty="0">
+                      <a:solidFill>
+                        <a:schemeClr val="accent1">
+                          <a:lumMod val="50000"/>
+                        </a:schemeClr>
+                      </a:solidFill>
+                      <a:latin typeface="Tahoma" panose="020B0604030504040204" pitchFamily="34" charset="0"/>
+                      <a:ea typeface="Tahoma" panose="020B0604030504040204" pitchFamily="34" charset="0"/>
+                      <a:cs typeface="Tahoma" panose="020B0604030504040204" pitchFamily="34" charset="0"/>
+                    </a:endParaRPr>
+                  </a:p>
+                </p:txBody>
+              </p:sp>
+              <p:sp>
+                <p:nvSpPr>
+                  <p:cNvPr id="76" name="Rounded Rectangle 75"/>
+                  <p:cNvSpPr/>
+                  <p:nvPr/>
+                </p:nvSpPr>
+                <p:spPr>
+                  <a:xfrm>
+                    <a:off x="1793492" y="6180847"/>
+                    <a:ext cx="1188720" cy="228600"/>
+                  </a:xfrm>
+                  <a:prstGeom prst="roundRect">
+                    <a:avLst/>
+                  </a:prstGeom>
+                  <a:solidFill>
+                    <a:schemeClr val="accent4">
+                      <a:lumMod val="20000"/>
+                      <a:lumOff val="80000"/>
+                    </a:schemeClr>
+                  </a:solidFill>
+                  <a:ln>
+                    <a:solidFill>
+                      <a:schemeClr val="bg1">
+                        <a:lumMod val="75000"/>
+                      </a:schemeClr>
+                    </a:solidFill>
+                  </a:ln>
+                </p:spPr>
+                <p:style>
+                  <a:lnRef idx="2">
+                    <a:schemeClr val="accent1">
+                      <a:shade val="50000"/>
+                    </a:schemeClr>
+                  </a:lnRef>
+                  <a:fillRef idx="1">
+                    <a:schemeClr val="accent1"/>
+                  </a:fillRef>
+                  <a:effectRef idx="0">
+                    <a:schemeClr val="accent1"/>
+                  </a:effectRef>
+                  <a:fontRef idx="minor">
+                    <a:schemeClr val="lt1"/>
+                  </a:fontRef>
+                </p:style>
+                <p:txBody>
+                  <a:bodyPr rot="0" spcFirstLastPara="0" vertOverflow="overflow" horzOverflow="overflow" vert="horz" wrap="square" lIns="51435" tIns="25718" rIns="51435" bIns="25718" numCol="1" spcCol="0" rtlCol="0" fromWordArt="0" anchor="ctr" anchorCtr="0" forceAA="0" compatLnSpc="1">
+                    <a:prstTxWarp prst="textNoShape">
+                      <a:avLst/>
+                    </a:prstTxWarp>
+                    <a:noAutofit/>
+                  </a:bodyPr>
+                  <a:lstStyle/>
+                  <a:p>
+                    <a:pPr algn="ctr"/>
+                    <a:r>
+                      <a:rPr lang="en-US" sz="800" b="1" dirty="0" smtClean="0">
+                        <a:solidFill>
+                          <a:schemeClr val="accent1">
+                            <a:lumMod val="50000"/>
+                          </a:schemeClr>
+                        </a:solidFill>
+                        <a:latin typeface="Tahoma" panose="020B0604030504040204" pitchFamily="34" charset="0"/>
+                        <a:ea typeface="Tahoma" panose="020B0604030504040204" pitchFamily="34" charset="0"/>
+                        <a:cs typeface="Tahoma" panose="020B0604030504040204" pitchFamily="34" charset="0"/>
+                      </a:rPr>
+                      <a:t>BatchNorm2d(256)</a:t>
+                    </a:r>
+                    <a:endParaRPr lang="en-US" sz="800" b="1" dirty="0">
+                      <a:solidFill>
+                        <a:schemeClr val="accent1">
+                          <a:lumMod val="50000"/>
+                        </a:schemeClr>
+                      </a:solidFill>
+                      <a:latin typeface="Tahoma" panose="020B0604030504040204" pitchFamily="34" charset="0"/>
+                      <a:ea typeface="Tahoma" panose="020B0604030504040204" pitchFamily="34" charset="0"/>
+                      <a:cs typeface="Tahoma" panose="020B0604030504040204" pitchFamily="34" charset="0"/>
+                    </a:endParaRPr>
+                  </a:p>
+                </p:txBody>
+              </p:sp>
+              <p:sp>
+                <p:nvSpPr>
+                  <p:cNvPr id="77" name="Rounded Rectangle 76"/>
+                  <p:cNvSpPr/>
+                  <p:nvPr/>
+                </p:nvSpPr>
+                <p:spPr>
+                  <a:xfrm>
+                    <a:off x="1793492" y="6636960"/>
+                    <a:ext cx="1188720" cy="228600"/>
+                  </a:xfrm>
+                  <a:prstGeom prst="roundRect">
+                    <a:avLst/>
+                  </a:prstGeom>
+                  <a:solidFill>
+                    <a:schemeClr val="accent4">
+                      <a:lumMod val="20000"/>
+                      <a:lumOff val="80000"/>
+                    </a:schemeClr>
+                  </a:solidFill>
+                  <a:ln>
+                    <a:solidFill>
+                      <a:schemeClr val="bg1">
+                        <a:lumMod val="75000"/>
+                      </a:schemeClr>
+                    </a:solidFill>
+                  </a:ln>
+                </p:spPr>
+                <p:style>
+                  <a:lnRef idx="2">
+                    <a:schemeClr val="accent1">
+                      <a:shade val="50000"/>
+                    </a:schemeClr>
+                  </a:lnRef>
+                  <a:fillRef idx="1">
+                    <a:schemeClr val="accent1"/>
+                  </a:fillRef>
+                  <a:effectRef idx="0">
+                    <a:schemeClr val="accent1"/>
+                  </a:effectRef>
+                  <a:fontRef idx="minor">
+                    <a:schemeClr val="lt1"/>
+                  </a:fontRef>
+                </p:style>
+                <p:txBody>
+                  <a:bodyPr rot="0" spcFirstLastPara="0" vertOverflow="overflow" horzOverflow="overflow" vert="horz" wrap="square" lIns="51435" tIns="25718" rIns="51435" bIns="25718" numCol="1" spcCol="0" rtlCol="0" fromWordArt="0" anchor="ctr" anchorCtr="0" forceAA="0" compatLnSpc="1">
+                    <a:prstTxWarp prst="textNoShape">
+                      <a:avLst/>
+                    </a:prstTxWarp>
+                    <a:noAutofit/>
+                  </a:bodyPr>
+                  <a:lstStyle/>
+                  <a:p>
+                    <a:pPr algn="ctr"/>
+                    <a:r>
+                      <a:rPr lang="en-US" sz="800" b="1" dirty="0" smtClean="0">
+                        <a:solidFill>
+                          <a:schemeClr val="accent1">
+                            <a:lumMod val="50000"/>
+                          </a:schemeClr>
+                        </a:solidFill>
+                        <a:latin typeface="Tahoma" panose="020B0604030504040204" pitchFamily="34" charset="0"/>
+                        <a:ea typeface="Tahoma" panose="020B0604030504040204" pitchFamily="34" charset="0"/>
+                        <a:cs typeface="Tahoma" panose="020B0604030504040204" pitchFamily="34" charset="0"/>
+                      </a:rPr>
+                      <a:t>ReLU Activation</a:t>
+                    </a:r>
+                    <a:endParaRPr lang="en-US" sz="800" b="1" dirty="0">
+                      <a:solidFill>
+                        <a:schemeClr val="accent1">
+                          <a:lumMod val="50000"/>
+                        </a:schemeClr>
+                      </a:solidFill>
+                      <a:latin typeface="Tahoma" panose="020B0604030504040204" pitchFamily="34" charset="0"/>
+                      <a:ea typeface="Tahoma" panose="020B0604030504040204" pitchFamily="34" charset="0"/>
+                      <a:cs typeface="Tahoma" panose="020B0604030504040204" pitchFamily="34" charset="0"/>
+                    </a:endParaRPr>
+                  </a:p>
+                </p:txBody>
+              </p:sp>
+              <p:sp>
+                <p:nvSpPr>
+                  <p:cNvPr id="96" name="Rounded Rectangle 95"/>
+                  <p:cNvSpPr/>
+                  <p:nvPr/>
+                </p:nvSpPr>
+                <p:spPr>
+                  <a:xfrm>
+                    <a:off x="1793492" y="7077436"/>
+                    <a:ext cx="1188720" cy="228600"/>
+                  </a:xfrm>
+                  <a:prstGeom prst="roundRect">
+                    <a:avLst/>
+                  </a:prstGeom>
+                  <a:solidFill>
+                    <a:schemeClr val="accent4">
+                      <a:lumMod val="20000"/>
+                      <a:lumOff val="80000"/>
+                    </a:schemeClr>
+                  </a:solidFill>
+                  <a:ln>
+                    <a:solidFill>
+                      <a:schemeClr val="bg1">
+                        <a:lumMod val="75000"/>
+                      </a:schemeClr>
+                    </a:solidFill>
+                  </a:ln>
+                </p:spPr>
+                <p:style>
+                  <a:lnRef idx="2">
+                    <a:schemeClr val="accent1">
+                      <a:shade val="50000"/>
+                    </a:schemeClr>
+                  </a:lnRef>
+                  <a:fillRef idx="1">
+                    <a:schemeClr val="accent1"/>
+                  </a:fillRef>
+                  <a:effectRef idx="0">
+                    <a:schemeClr val="accent1"/>
+                  </a:effectRef>
+                  <a:fontRef idx="minor">
+                    <a:schemeClr val="lt1"/>
+                  </a:fontRef>
+                </p:style>
+                <p:txBody>
+                  <a:bodyPr rot="0" spcFirstLastPara="0" vertOverflow="overflow" horzOverflow="overflow" vert="horz" wrap="square" lIns="51435" tIns="25718" rIns="51435" bIns="25718" numCol="1" spcCol="0" rtlCol="0" fromWordArt="0" anchor="ctr" anchorCtr="0" forceAA="0" compatLnSpc="1">
+                    <a:prstTxWarp prst="textNoShape">
+                      <a:avLst/>
+                    </a:prstTxWarp>
+                    <a:noAutofit/>
+                  </a:bodyPr>
+                  <a:lstStyle/>
+                  <a:p>
+                    <a:pPr algn="ctr"/>
+                    <a:r>
+                      <a:rPr lang="en-US" sz="800" b="1" dirty="0" smtClean="0">
+                        <a:solidFill>
+                          <a:schemeClr val="accent1">
+                            <a:lumMod val="50000"/>
+                          </a:schemeClr>
+                        </a:solidFill>
+                        <a:latin typeface="Tahoma" panose="020B0604030504040204" pitchFamily="34" charset="0"/>
+                        <a:ea typeface="Tahoma" panose="020B0604030504040204" pitchFamily="34" charset="0"/>
+                        <a:cs typeface="Tahoma" panose="020B0604030504040204" pitchFamily="34" charset="0"/>
+                      </a:rPr>
+                      <a:t>Conv2d(256, 3, </a:t>
+                    </a:r>
+                    <a:r>
+                      <a:rPr lang="en-US" sz="800" b="1" dirty="0" smtClean="0">
+                        <a:solidFill>
+                          <a:schemeClr val="accent1">
+                            <a:lumMod val="50000"/>
+                          </a:schemeClr>
+                        </a:solidFill>
+                        <a:latin typeface="Tahoma" panose="020B0604030504040204" pitchFamily="34" charset="0"/>
+                        <a:ea typeface="Tahoma" panose="020B0604030504040204" pitchFamily="34" charset="0"/>
+                        <a:cs typeface="Tahoma" panose="020B0604030504040204" pitchFamily="34" charset="0"/>
+                      </a:rPr>
+                      <a:t>3)</a:t>
+                    </a:r>
+                    <a:endParaRPr lang="en-US" sz="800" b="1" dirty="0">
+                      <a:solidFill>
+                        <a:schemeClr val="accent1">
+                          <a:lumMod val="50000"/>
+                        </a:schemeClr>
+                      </a:solidFill>
+                      <a:latin typeface="Tahoma" panose="020B0604030504040204" pitchFamily="34" charset="0"/>
+                      <a:ea typeface="Tahoma" panose="020B0604030504040204" pitchFamily="34" charset="0"/>
+                      <a:cs typeface="Tahoma" panose="020B0604030504040204" pitchFamily="34" charset="0"/>
+                    </a:endParaRPr>
+                  </a:p>
+                </p:txBody>
+              </p:sp>
+            </p:grpSp>
+            <p:grpSp>
+              <p:nvGrpSpPr>
+                <p:cNvPr id="48" name="Group 47"/>
+                <p:cNvGrpSpPr/>
+                <p:nvPr/>
+              </p:nvGrpSpPr>
+              <p:grpSpPr>
+                <a:xfrm>
+                  <a:off x="2387852" y="4502447"/>
+                  <a:ext cx="0" cy="2574989"/>
+                  <a:chOff x="2387852" y="4502447"/>
+                  <a:chExt cx="0" cy="2574989"/>
+                </a:xfrm>
+              </p:grpSpPr>
+              <p:cxnSp>
+                <p:nvCxnSpPr>
+                  <p:cNvPr id="87" name="Straight Arrow Connector 86"/>
+                  <p:cNvCxnSpPr/>
+                  <p:nvPr/>
+                </p:nvCxnSpPr>
+                <p:spPr>
+                  <a:xfrm>
+                    <a:off x="2387852" y="4502447"/>
+                    <a:ext cx="0" cy="253835"/>
+                  </a:xfrm>
+                  <a:prstGeom prst="straightConnector1">
+                    <a:avLst/>
+                  </a:prstGeom>
+                  <a:ln>
+                    <a:solidFill>
+                      <a:schemeClr val="tx1"/>
+                    </a:solidFill>
+                    <a:tailEnd type="triangle"/>
+                  </a:ln>
+                </p:spPr>
+                <p:style>
+                  <a:lnRef idx="1">
+                    <a:schemeClr val="accent1"/>
+                  </a:lnRef>
+                  <a:fillRef idx="0">
+                    <a:schemeClr val="accent1"/>
+                  </a:fillRef>
+                  <a:effectRef idx="0">
+                    <a:schemeClr val="accent1"/>
+                  </a:effectRef>
+                  <a:fontRef idx="minor">
+                    <a:schemeClr val="tx1"/>
+                  </a:fontRef>
+                </p:style>
+              </p:cxnSp>
+              <p:cxnSp>
+                <p:nvCxnSpPr>
+                  <p:cNvPr id="89" name="Straight Arrow Connector 88"/>
+                  <p:cNvCxnSpPr/>
+                  <p:nvPr/>
+                </p:nvCxnSpPr>
+                <p:spPr>
+                  <a:xfrm>
+                    <a:off x="2387852" y="4984882"/>
+                    <a:ext cx="0" cy="247485"/>
+                  </a:xfrm>
+                  <a:prstGeom prst="straightConnector1">
+                    <a:avLst/>
+                  </a:prstGeom>
+                  <a:ln>
+                    <a:solidFill>
+                      <a:schemeClr val="tx1"/>
+                    </a:solidFill>
+                    <a:tailEnd type="triangle"/>
+                  </a:ln>
+                </p:spPr>
+                <p:style>
+                  <a:lnRef idx="1">
+                    <a:schemeClr val="accent1"/>
+                  </a:lnRef>
+                  <a:fillRef idx="0">
+                    <a:schemeClr val="accent1"/>
+                  </a:fillRef>
+                  <a:effectRef idx="0">
+                    <a:schemeClr val="accent1"/>
+                  </a:effectRef>
+                  <a:fontRef idx="minor">
+                    <a:schemeClr val="tx1"/>
+                  </a:fontRef>
+                </p:style>
+              </p:cxnSp>
+              <p:cxnSp>
+                <p:nvCxnSpPr>
+                  <p:cNvPr id="79" name="Straight Arrow Connector 78"/>
+                  <p:cNvCxnSpPr/>
+                  <p:nvPr/>
+                </p:nvCxnSpPr>
+                <p:spPr>
+                  <a:xfrm>
+                    <a:off x="2387852" y="5935207"/>
+                    <a:ext cx="0" cy="245640"/>
+                  </a:xfrm>
+                  <a:prstGeom prst="straightConnector1">
+                    <a:avLst/>
+                  </a:prstGeom>
+                  <a:ln>
+                    <a:solidFill>
+                      <a:schemeClr val="tx1"/>
+                    </a:solidFill>
+                    <a:tailEnd type="triangle"/>
+                  </a:ln>
+                </p:spPr>
+                <p:style>
+                  <a:lnRef idx="1">
+                    <a:schemeClr val="accent1"/>
+                  </a:lnRef>
+                  <a:fillRef idx="0">
+                    <a:schemeClr val="accent1"/>
+                  </a:fillRef>
+                  <a:effectRef idx="0">
+                    <a:schemeClr val="accent1"/>
+                  </a:effectRef>
+                  <a:fontRef idx="minor">
+                    <a:schemeClr val="tx1"/>
+                  </a:fontRef>
+                </p:style>
+              </p:cxnSp>
+              <p:cxnSp>
+                <p:nvCxnSpPr>
+                  <p:cNvPr id="80" name="Straight Arrow Connector 79"/>
+                  <p:cNvCxnSpPr/>
+                  <p:nvPr/>
+                </p:nvCxnSpPr>
+                <p:spPr>
+                  <a:xfrm>
+                    <a:off x="2387852" y="6409447"/>
+                    <a:ext cx="0" cy="227513"/>
+                  </a:xfrm>
+                  <a:prstGeom prst="straightConnector1">
+                    <a:avLst/>
+                  </a:prstGeom>
+                  <a:ln>
+                    <a:solidFill>
+                      <a:schemeClr val="tx1"/>
+                    </a:solidFill>
+                    <a:tailEnd type="triangle"/>
+                  </a:ln>
+                </p:spPr>
+                <p:style>
+                  <a:lnRef idx="1">
+                    <a:schemeClr val="accent1"/>
+                  </a:lnRef>
+                  <a:fillRef idx="0">
+                    <a:schemeClr val="accent1"/>
+                  </a:fillRef>
+                  <a:effectRef idx="0">
+                    <a:schemeClr val="accent1"/>
+                  </a:effectRef>
+                  <a:fontRef idx="minor">
+                    <a:schemeClr val="tx1"/>
+                  </a:fontRef>
+                </p:style>
+              </p:cxnSp>
+              <p:cxnSp>
+                <p:nvCxnSpPr>
+                  <p:cNvPr id="70" name="Straight Arrow Connector 69"/>
+                  <p:cNvCxnSpPr/>
+                  <p:nvPr/>
+                </p:nvCxnSpPr>
+                <p:spPr>
+                  <a:xfrm>
+                    <a:off x="2387852" y="5460967"/>
+                    <a:ext cx="0" cy="245640"/>
+                  </a:xfrm>
+                  <a:prstGeom prst="straightConnector1">
+                    <a:avLst/>
+                  </a:prstGeom>
+                  <a:ln>
+                    <a:solidFill>
+                      <a:schemeClr val="tx1"/>
+                    </a:solidFill>
+                    <a:tailEnd type="triangle"/>
+                  </a:ln>
+                </p:spPr>
+                <p:style>
+                  <a:lnRef idx="1">
+                    <a:schemeClr val="accent1"/>
+                  </a:lnRef>
+                  <a:fillRef idx="0">
+                    <a:schemeClr val="accent1"/>
+                  </a:fillRef>
+                  <a:effectRef idx="0">
+                    <a:schemeClr val="accent1"/>
+                  </a:effectRef>
+                  <a:fontRef idx="minor">
+                    <a:schemeClr val="tx1"/>
+                  </a:fontRef>
+                </p:style>
+              </p:cxnSp>
+              <p:cxnSp>
+                <p:nvCxnSpPr>
+                  <p:cNvPr id="97" name="Straight Arrow Connector 96"/>
+                  <p:cNvCxnSpPr/>
+                  <p:nvPr/>
+                </p:nvCxnSpPr>
+                <p:spPr>
+                  <a:xfrm>
+                    <a:off x="2387852" y="6865560"/>
+                    <a:ext cx="0" cy="211876"/>
+                  </a:xfrm>
+                  <a:prstGeom prst="straightConnector1">
+                    <a:avLst/>
+                  </a:prstGeom>
+                  <a:ln>
+                    <a:solidFill>
+                      <a:schemeClr val="tx1"/>
+                    </a:solidFill>
+                    <a:tailEnd type="triangle"/>
+                  </a:ln>
+                </p:spPr>
+                <p:style>
+                  <a:lnRef idx="1">
+                    <a:schemeClr val="accent1"/>
+                  </a:lnRef>
+                  <a:fillRef idx="0">
+                    <a:schemeClr val="accent1"/>
+                  </a:fillRef>
+                  <a:effectRef idx="0">
+                    <a:schemeClr val="accent1"/>
+                  </a:effectRef>
+                  <a:fontRef idx="minor">
+                    <a:schemeClr val="tx1"/>
+                  </a:fontRef>
+                </p:style>
+              </p:cxnSp>
+            </p:grpSp>
+          </p:grpSp>
+          <p:grpSp>
+            <p:nvGrpSpPr>
+              <p:cNvPr id="91" name="Group 90"/>
+              <p:cNvGrpSpPr/>
+              <p:nvPr/>
+            </p:nvGrpSpPr>
+            <p:grpSpPr>
+              <a:xfrm>
+                <a:off x="2409749" y="4518103"/>
+                <a:ext cx="757109" cy="2553769"/>
+                <a:chOff x="2409749" y="4518103"/>
+                <a:chExt cx="757109" cy="2553769"/>
+              </a:xfrm>
+            </p:grpSpPr>
+            <p:sp>
+              <p:nvSpPr>
+                <p:cNvPr id="82" name="TextBox 81"/>
+                <p:cNvSpPr txBox="1"/>
+                <p:nvPr/>
+              </p:nvSpPr>
+              <p:spPr>
+                <a:xfrm>
+                  <a:off x="2409749" y="4518103"/>
+                  <a:ext cx="757109" cy="200055"/>
+                </a:xfrm>
+                <a:prstGeom prst="rect">
+                  <a:avLst/>
+                </a:prstGeom>
+                <a:noFill/>
+              </p:spPr>
+              <p:txBody>
+                <a:bodyPr wrap="square" rtlCol="0">
+                  <a:spAutoFit/>
+                </a:bodyPr>
+                <a:lstStyle/>
+                <a:p>
+                  <a:pPr algn="ctr"/>
+                  <a:r>
+                    <a:rPr lang="en-US" sz="700" dirty="0" smtClean="0">
+                      <a:latin typeface="Tahoma" panose="020B0604030504040204" pitchFamily="34" charset="0"/>
+                      <a:ea typeface="Tahoma" panose="020B0604030504040204" pitchFamily="34" charset="0"/>
+                      <a:cs typeface="Tahoma" panose="020B0604030504040204" pitchFamily="34" charset="0"/>
+                    </a:rPr>
+                    <a:t>(256, 90, 160)</a:t>
+                  </a:r>
+                  <a:endParaRPr lang="en-US" sz="700" dirty="0">
+                    <a:latin typeface="Tahoma" panose="020B0604030504040204" pitchFamily="34" charset="0"/>
+                    <a:ea typeface="Tahoma" panose="020B0604030504040204" pitchFamily="34" charset="0"/>
+                    <a:cs typeface="Tahoma" panose="020B0604030504040204" pitchFamily="34" charset="0"/>
+                  </a:endParaRPr>
+                </a:p>
+              </p:txBody>
+            </p:sp>
+            <p:sp>
+              <p:nvSpPr>
+                <p:cNvPr id="99" name="TextBox 98"/>
+                <p:cNvSpPr txBox="1"/>
+                <p:nvPr/>
+              </p:nvSpPr>
+              <p:spPr>
+                <a:xfrm>
+                  <a:off x="2409749" y="5001460"/>
+                  <a:ext cx="757109" cy="200055"/>
+                </a:xfrm>
+                <a:prstGeom prst="rect">
+                  <a:avLst/>
+                </a:prstGeom>
+                <a:noFill/>
+              </p:spPr>
+              <p:txBody>
+                <a:bodyPr wrap="square" rtlCol="0">
+                  <a:spAutoFit/>
+                </a:bodyPr>
+                <a:lstStyle/>
+                <a:p>
+                  <a:pPr algn="ctr"/>
+                  <a:r>
+                    <a:rPr lang="en-US" sz="700" dirty="0" smtClean="0">
+                      <a:latin typeface="Tahoma" panose="020B0604030504040204" pitchFamily="34" charset="0"/>
+                      <a:ea typeface="Tahoma" panose="020B0604030504040204" pitchFamily="34" charset="0"/>
+                      <a:cs typeface="Tahoma" panose="020B0604030504040204" pitchFamily="34" charset="0"/>
+                    </a:rPr>
+                    <a:t>(256, 90, 160)</a:t>
+                  </a:r>
+                  <a:endParaRPr lang="en-US" sz="700" dirty="0">
+                    <a:latin typeface="Tahoma" panose="020B0604030504040204" pitchFamily="34" charset="0"/>
+                    <a:ea typeface="Tahoma" panose="020B0604030504040204" pitchFamily="34" charset="0"/>
+                    <a:cs typeface="Tahoma" panose="020B0604030504040204" pitchFamily="34" charset="0"/>
+                  </a:endParaRPr>
+                </a:p>
+              </p:txBody>
+            </p:sp>
+            <p:sp>
+              <p:nvSpPr>
+                <p:cNvPr id="100" name="TextBox 99"/>
+                <p:cNvSpPr txBox="1"/>
+                <p:nvPr/>
+              </p:nvSpPr>
+              <p:spPr>
+                <a:xfrm>
+                  <a:off x="2409749" y="5476622"/>
+                  <a:ext cx="757109" cy="200055"/>
+                </a:xfrm>
+                <a:prstGeom prst="rect">
+                  <a:avLst/>
+                </a:prstGeom>
+                <a:noFill/>
+              </p:spPr>
+              <p:txBody>
+                <a:bodyPr wrap="square" rtlCol="0">
+                  <a:spAutoFit/>
+                </a:bodyPr>
+                <a:lstStyle/>
+                <a:p>
+                  <a:pPr algn="ctr"/>
+                  <a:r>
+                    <a:rPr lang="en-US" sz="700" dirty="0" smtClean="0">
+                      <a:latin typeface="Tahoma" panose="020B0604030504040204" pitchFamily="34" charset="0"/>
+                      <a:ea typeface="Tahoma" panose="020B0604030504040204" pitchFamily="34" charset="0"/>
+                      <a:cs typeface="Tahoma" panose="020B0604030504040204" pitchFamily="34" charset="0"/>
+                    </a:rPr>
+                    <a:t>(256, 90, 160)</a:t>
+                  </a:r>
+                  <a:endParaRPr lang="en-US" sz="700" dirty="0">
+                    <a:latin typeface="Tahoma" panose="020B0604030504040204" pitchFamily="34" charset="0"/>
+                    <a:ea typeface="Tahoma" panose="020B0604030504040204" pitchFamily="34" charset="0"/>
+                    <a:cs typeface="Tahoma" panose="020B0604030504040204" pitchFamily="34" charset="0"/>
+                  </a:endParaRPr>
+                </a:p>
+              </p:txBody>
+            </p:sp>
+            <p:sp>
+              <p:nvSpPr>
+                <p:cNvPr id="101" name="TextBox 100"/>
+                <p:cNvSpPr txBox="1"/>
+                <p:nvPr/>
+              </p:nvSpPr>
+              <p:spPr>
+                <a:xfrm>
+                  <a:off x="2409749" y="5940097"/>
+                  <a:ext cx="757109" cy="200055"/>
+                </a:xfrm>
+                <a:prstGeom prst="rect">
+                  <a:avLst/>
+                </a:prstGeom>
+                <a:noFill/>
+              </p:spPr>
+              <p:txBody>
+                <a:bodyPr wrap="square" rtlCol="0">
+                  <a:spAutoFit/>
+                </a:bodyPr>
+                <a:lstStyle/>
+                <a:p>
+                  <a:pPr algn="ctr"/>
+                  <a:r>
+                    <a:rPr lang="en-US" sz="700" dirty="0" smtClean="0">
+                      <a:latin typeface="Tahoma" panose="020B0604030504040204" pitchFamily="34" charset="0"/>
+                      <a:ea typeface="Tahoma" panose="020B0604030504040204" pitchFamily="34" charset="0"/>
+                      <a:cs typeface="Tahoma" panose="020B0604030504040204" pitchFamily="34" charset="0"/>
+                    </a:rPr>
+                    <a:t>(256, 90, 160)</a:t>
+                  </a:r>
+                  <a:endParaRPr lang="en-US" sz="700" dirty="0">
+                    <a:latin typeface="Tahoma" panose="020B0604030504040204" pitchFamily="34" charset="0"/>
+                    <a:ea typeface="Tahoma" panose="020B0604030504040204" pitchFamily="34" charset="0"/>
+                    <a:cs typeface="Tahoma" panose="020B0604030504040204" pitchFamily="34" charset="0"/>
+                  </a:endParaRPr>
+                </a:p>
+              </p:txBody>
+            </p:sp>
+            <p:sp>
+              <p:nvSpPr>
+                <p:cNvPr id="102" name="TextBox 101"/>
+                <p:cNvSpPr txBox="1"/>
+                <p:nvPr/>
+              </p:nvSpPr>
+              <p:spPr>
+                <a:xfrm>
+                  <a:off x="2409749" y="6422636"/>
+                  <a:ext cx="757109" cy="200055"/>
+                </a:xfrm>
+                <a:prstGeom prst="rect">
+                  <a:avLst/>
+                </a:prstGeom>
+                <a:noFill/>
+              </p:spPr>
+              <p:txBody>
+                <a:bodyPr wrap="square" rtlCol="0">
+                  <a:spAutoFit/>
+                </a:bodyPr>
+                <a:lstStyle/>
+                <a:p>
+                  <a:pPr algn="ctr"/>
+                  <a:r>
+                    <a:rPr lang="en-US" sz="700" dirty="0" smtClean="0">
+                      <a:latin typeface="Tahoma" panose="020B0604030504040204" pitchFamily="34" charset="0"/>
+                      <a:ea typeface="Tahoma" panose="020B0604030504040204" pitchFamily="34" charset="0"/>
+                      <a:cs typeface="Tahoma" panose="020B0604030504040204" pitchFamily="34" charset="0"/>
+                    </a:rPr>
+                    <a:t>(256, 90, 160)</a:t>
+                  </a:r>
+                  <a:endParaRPr lang="en-US" sz="700" dirty="0">
+                    <a:latin typeface="Tahoma" panose="020B0604030504040204" pitchFamily="34" charset="0"/>
+                    <a:ea typeface="Tahoma" panose="020B0604030504040204" pitchFamily="34" charset="0"/>
+                    <a:cs typeface="Tahoma" panose="020B0604030504040204" pitchFamily="34" charset="0"/>
+                  </a:endParaRPr>
+                </a:p>
+              </p:txBody>
+            </p:sp>
+            <p:sp>
+              <p:nvSpPr>
+                <p:cNvPr id="103" name="TextBox 102"/>
+                <p:cNvSpPr txBox="1"/>
+                <p:nvPr/>
+              </p:nvSpPr>
+              <p:spPr>
+                <a:xfrm>
+                  <a:off x="2409749" y="6871817"/>
+                  <a:ext cx="757109" cy="200055"/>
+                </a:xfrm>
+                <a:prstGeom prst="rect">
+                  <a:avLst/>
+                </a:prstGeom>
+                <a:noFill/>
+              </p:spPr>
+              <p:txBody>
+                <a:bodyPr wrap="square" rtlCol="0">
+                  <a:spAutoFit/>
+                </a:bodyPr>
+                <a:lstStyle/>
+                <a:p>
+                  <a:pPr algn="ctr"/>
+                  <a:r>
+                    <a:rPr lang="en-US" sz="700" dirty="0" smtClean="0">
+                      <a:latin typeface="Tahoma" panose="020B0604030504040204" pitchFamily="34" charset="0"/>
+                      <a:ea typeface="Tahoma" panose="020B0604030504040204" pitchFamily="34" charset="0"/>
+                      <a:cs typeface="Tahoma" panose="020B0604030504040204" pitchFamily="34" charset="0"/>
+                    </a:rPr>
+                    <a:t>(256, 90, 160)</a:t>
+                  </a:r>
+                  <a:endParaRPr lang="en-US" sz="700" dirty="0">
+                    <a:latin typeface="Tahoma" panose="020B0604030504040204" pitchFamily="34" charset="0"/>
+                    <a:ea typeface="Tahoma" panose="020B0604030504040204" pitchFamily="34" charset="0"/>
+                    <a:cs typeface="Tahoma" panose="020B0604030504040204" pitchFamily="34" charset="0"/>
+                  </a:endParaRPr>
+                </a:p>
+              </p:txBody>
+            </p:sp>
+          </p:grpSp>
+        </p:grpSp>
+        <p:sp>
+          <p:nvSpPr>
+            <p:cNvPr id="104" name="Rounded Rectangle 103"/>
+            <p:cNvSpPr/>
+            <p:nvPr/>
+          </p:nvSpPr>
+          <p:spPr>
+            <a:xfrm>
+              <a:off x="1793492" y="7632803"/>
+              <a:ext cx="1188720" cy="228600"/>
+            </a:xfrm>
+            <a:prstGeom prst="roundRect">
+              <a:avLst/>
+            </a:prstGeom>
+            <a:solidFill>
+              <a:schemeClr val="accent6">
+                <a:lumMod val="20000"/>
+                <a:lumOff val="80000"/>
+              </a:schemeClr>
+            </a:solidFill>
+            <a:ln>
+              <a:solidFill>
+                <a:schemeClr val="bg1">
+                  <a:lumMod val="75000"/>
+                </a:schemeClr>
+              </a:solidFill>
+            </a:ln>
+          </p:spPr>
+          <p:style>
+            <a:lnRef idx="2">
+              <a:schemeClr val="accent1">
+                <a:shade val="50000"/>
+              </a:schemeClr>
+            </a:lnRef>
+            <a:fillRef idx="1">
+              <a:schemeClr val="accent1"/>
+            </a:fillRef>
+            <a:effectRef idx="0">
+              <a:schemeClr val="accent1"/>
+            </a:effectRef>
+            <a:fontRef idx="minor">
+              <a:schemeClr val="lt1"/>
+            </a:fontRef>
+          </p:style>
+          <p:txBody>
+            <a:bodyPr rot="0" spcFirstLastPara="0" vertOverflow="overflow" horzOverflow="overflow" vert="horz" wrap="square" lIns="51435" tIns="25718" rIns="51435" bIns="25718" numCol="1" spcCol="0" rtlCol="0" fromWordArt="0" anchor="ctr" anchorCtr="0" forceAA="0" compatLnSpc="1">
+              <a:prstTxWarp prst="textNoShape">
+                <a:avLst/>
+              </a:prstTxWarp>
+              <a:noAutofit/>
+            </a:bodyPr>
+            <a:lstStyle/>
+            <a:p>
+              <a:pPr algn="ctr"/>
+              <a:r>
+                <a:rPr lang="en-US" sz="800" b="1" dirty="0" smtClean="0">
+                  <a:solidFill>
+                    <a:schemeClr val="accent1">
+                      <a:lumMod val="50000"/>
+                    </a:schemeClr>
+                  </a:solidFill>
+                  <a:latin typeface="Tahoma" panose="020B0604030504040204" pitchFamily="34" charset="0"/>
+                  <a:ea typeface="Tahoma" panose="020B0604030504040204" pitchFamily="34" charset="0"/>
+                  <a:cs typeface="Tahoma" panose="020B0604030504040204" pitchFamily="34" charset="0"/>
+                </a:rPr>
+                <a:t>Bilinear Up sampling</a:t>
+              </a:r>
+              <a:endParaRPr lang="en-US" sz="800" b="1" dirty="0">
+                <a:solidFill>
+                  <a:schemeClr val="accent1">
+                    <a:lumMod val="50000"/>
+                  </a:schemeClr>
+                </a:solidFill>
+                <a:latin typeface="Tahoma" panose="020B0604030504040204" pitchFamily="34" charset="0"/>
+                <a:ea typeface="Tahoma" panose="020B0604030504040204" pitchFamily="34" charset="0"/>
+                <a:cs typeface="Tahoma" panose="020B0604030504040204" pitchFamily="34" charset="0"/>
+              </a:endParaRPr>
+            </a:p>
+          </p:txBody>
+        </p:sp>
+        <p:cxnSp>
+          <p:nvCxnSpPr>
+            <p:cNvPr id="105" name="Straight Arrow Connector 104"/>
+            <p:cNvCxnSpPr/>
+            <p:nvPr/>
+          </p:nvCxnSpPr>
+          <p:spPr>
+            <a:xfrm>
+              <a:off x="2387852" y="7306036"/>
+              <a:ext cx="0" cy="288667"/>
+            </a:xfrm>
+            <a:prstGeom prst="straightConnector1">
+              <a:avLst/>
+            </a:prstGeom>
+            <a:ln>
+              <a:solidFill>
+                <a:schemeClr val="tx1"/>
+              </a:solidFill>
+              <a:tailEnd type="triangle"/>
+            </a:ln>
+          </p:spPr>
+          <p:style>
+            <a:lnRef idx="1">
+              <a:schemeClr val="accent1"/>
+            </a:lnRef>
+            <a:fillRef idx="0">
+              <a:schemeClr val="accent1"/>
+            </a:fillRef>
+            <a:effectRef idx="0">
+              <a:schemeClr val="accent1"/>
+            </a:effectRef>
+            <a:fontRef idx="minor">
+              <a:schemeClr val="tx1"/>
+            </a:fontRef>
+          </p:style>
+        </p:cxnSp>
+        <p:sp>
+          <p:nvSpPr>
+            <p:cNvPr id="116" name="TextBox 115"/>
+            <p:cNvSpPr txBox="1"/>
+            <p:nvPr/>
+          </p:nvSpPr>
+          <p:spPr>
+            <a:xfrm>
+              <a:off x="2371648" y="7899473"/>
+              <a:ext cx="795210" cy="200055"/>
+            </a:xfrm>
+            <a:prstGeom prst="rect">
+              <a:avLst/>
+            </a:prstGeom>
+            <a:noFill/>
+          </p:spPr>
+          <p:txBody>
+            <a:bodyPr wrap="square" rtlCol="0">
+              <a:spAutoFit/>
+            </a:bodyPr>
+            <a:lstStyle/>
+            <a:p>
+              <a:pPr algn="ctr"/>
+              <a:r>
+                <a:rPr lang="en-US" sz="700" dirty="0" smtClean="0">
+                  <a:latin typeface="Tahoma" panose="020B0604030504040204" pitchFamily="34" charset="0"/>
+                  <a:ea typeface="Tahoma" panose="020B0604030504040204" pitchFamily="34" charset="0"/>
+                  <a:cs typeface="Tahoma" panose="020B0604030504040204" pitchFamily="34" charset="0"/>
+                </a:rPr>
+                <a:t>(3, 360,640)</a:t>
+              </a:r>
+              <a:endParaRPr lang="en-US" sz="700" dirty="0">
+                <a:latin typeface="Tahoma" panose="020B0604030504040204" pitchFamily="34" charset="0"/>
+                <a:ea typeface="Tahoma" panose="020B0604030504040204" pitchFamily="34" charset="0"/>
+                <a:cs typeface="Tahoma" panose="020B0604030504040204" pitchFamily="34" charset="0"/>
+              </a:endParaRPr>
+            </a:p>
+          </p:txBody>
+        </p:sp>
+        <p:sp>
+          <p:nvSpPr>
+            <p:cNvPr id="117" name="TextBox 116"/>
+            <p:cNvSpPr txBox="1"/>
+            <p:nvPr/>
+          </p:nvSpPr>
+          <p:spPr>
+            <a:xfrm>
+              <a:off x="2409749" y="7422171"/>
+              <a:ext cx="757109" cy="200055"/>
+            </a:xfrm>
+            <a:prstGeom prst="rect">
+              <a:avLst/>
+            </a:prstGeom>
+            <a:noFill/>
+          </p:spPr>
+          <p:txBody>
+            <a:bodyPr wrap="square" rtlCol="0">
+              <a:spAutoFit/>
+            </a:bodyPr>
+            <a:lstStyle/>
+            <a:p>
+              <a:pPr algn="ctr"/>
+              <a:r>
+                <a:rPr lang="en-US" sz="700" dirty="0" smtClean="0">
+                  <a:latin typeface="Tahoma" panose="020B0604030504040204" pitchFamily="34" charset="0"/>
+                  <a:ea typeface="Tahoma" panose="020B0604030504040204" pitchFamily="34" charset="0"/>
+                  <a:cs typeface="Tahoma" panose="020B0604030504040204" pitchFamily="34" charset="0"/>
+                </a:rPr>
+                <a:t>(3, 90, 160)</a:t>
+              </a:r>
+              <a:endParaRPr lang="en-US" sz="700" dirty="0">
+                <a:latin typeface="Tahoma" panose="020B0604030504040204" pitchFamily="34" charset="0"/>
+                <a:ea typeface="Tahoma" panose="020B0604030504040204" pitchFamily="34" charset="0"/>
+                <a:cs typeface="Tahoma" panose="020B0604030504040204" pitchFamily="34" charset="0"/>
+              </a:endParaRPr>
+            </a:p>
+          </p:txBody>
+        </p:sp>
+      </p:grpSp>
+      <p:sp>
+        <p:nvSpPr>
+          <p:cNvPr id="121" name="Rectangle 120"/>
+          <p:cNvSpPr/>
+          <p:nvPr/>
+        </p:nvSpPr>
+        <p:spPr>
+          <a:xfrm>
+            <a:off x="3637990" y="2390000"/>
+            <a:ext cx="1487666" cy="3229674"/>
+          </a:xfrm>
+          <a:prstGeom prst="rect">
+            <a:avLst/>
+          </a:prstGeom>
+          <a:noFill/>
+          <a:ln w="19050">
+            <a:solidFill>
+              <a:srgbClr val="FF0000"/>
+            </a:solidFill>
+            <a:prstDash val="solid"/>
+          </a:ln>
+        </p:spPr>
+        <p:style>
+          <a:lnRef idx="2">
+            <a:schemeClr val="accent1">
+              <a:shade val="50000"/>
+            </a:schemeClr>
+          </a:lnRef>
+          <a:fillRef idx="1">
+            <a:schemeClr val="accent1"/>
+          </a:fillRef>
+          <a:effectRef idx="0">
+            <a:schemeClr val="accent1"/>
+          </a:effectRef>
+          <a:fontRef idx="minor">
+            <a:schemeClr val="lt1"/>
+          </a:fontRef>
+        </p:style>
+        <p:txBody>
+          <a:bodyPr rtlCol="0" anchor="ctr"/>
+          <a:lstStyle/>
+          <a:p>
+            <a:pPr algn="ctr"/>
+            <a:endParaRPr lang="en-US" b="1"/>
+          </a:p>
+        </p:txBody>
+      </p:sp>
+      <p:sp>
+        <p:nvSpPr>
+          <p:cNvPr id="128" name="TextBox 127"/>
+          <p:cNvSpPr txBox="1"/>
+          <p:nvPr/>
+        </p:nvSpPr>
+        <p:spPr>
+          <a:xfrm>
+            <a:off x="830691" y="2676184"/>
+            <a:ext cx="897172" cy="200055"/>
+          </a:xfrm>
+          <a:prstGeom prst="rect">
+            <a:avLst/>
+          </a:prstGeom>
+          <a:noFill/>
+        </p:spPr>
+        <p:txBody>
+          <a:bodyPr wrap="square" rtlCol="0">
+            <a:spAutoFit/>
+          </a:bodyPr>
+          <a:lstStyle/>
+          <a:p>
+            <a:pPr algn="ctr"/>
+            <a:r>
+              <a:rPr lang="en-US" sz="700" dirty="0" smtClean="0">
+                <a:latin typeface="Tahoma" panose="020B0604030504040204" pitchFamily="34" charset="0"/>
+                <a:ea typeface="Tahoma" panose="020B0604030504040204" pitchFamily="34" charset="0"/>
+                <a:cs typeface="Tahoma" panose="020B0604030504040204" pitchFamily="34" charset="0"/>
+              </a:rPr>
+              <a:t>(256, 23, 40)</a:t>
+            </a:r>
+            <a:endParaRPr lang="en-US" sz="700" dirty="0">
+              <a:latin typeface="Tahoma" panose="020B0604030504040204" pitchFamily="34" charset="0"/>
+              <a:ea typeface="Tahoma" panose="020B0604030504040204" pitchFamily="34" charset="0"/>
+              <a:cs typeface="Tahoma" panose="020B0604030504040204" pitchFamily="34" charset="0"/>
+            </a:endParaRPr>
+          </a:p>
+        </p:txBody>
+      </p:sp>
+      <p:sp>
+        <p:nvSpPr>
+          <p:cNvPr id="129" name="TextBox 128"/>
+          <p:cNvSpPr txBox="1"/>
+          <p:nvPr/>
+        </p:nvSpPr>
+        <p:spPr>
+          <a:xfrm>
+            <a:off x="2220820" y="1878165"/>
+            <a:ext cx="897172" cy="200055"/>
+          </a:xfrm>
+          <a:prstGeom prst="rect">
+            <a:avLst/>
+          </a:prstGeom>
+          <a:noFill/>
+        </p:spPr>
+        <p:txBody>
+          <a:bodyPr wrap="square" rtlCol="0">
+            <a:spAutoFit/>
+          </a:bodyPr>
+          <a:lstStyle/>
+          <a:p>
+            <a:pPr algn="ctr"/>
+            <a:r>
+              <a:rPr lang="en-US" sz="700" dirty="0" smtClean="0">
+                <a:latin typeface="Tahoma" panose="020B0604030504040204" pitchFamily="34" charset="0"/>
+                <a:ea typeface="Tahoma" panose="020B0604030504040204" pitchFamily="34" charset="0"/>
+                <a:cs typeface="Tahoma" panose="020B0604030504040204" pitchFamily="34" charset="0"/>
+              </a:rPr>
+              <a:t>(48, 90, 160)</a:t>
+            </a:r>
+            <a:endParaRPr lang="en-US" sz="700" dirty="0">
+              <a:latin typeface="Tahoma" panose="020B0604030504040204" pitchFamily="34" charset="0"/>
+              <a:ea typeface="Tahoma" panose="020B0604030504040204" pitchFamily="34" charset="0"/>
+              <a:cs typeface="Tahoma" panose="020B0604030504040204" pitchFamily="34" charset="0"/>
+            </a:endParaRPr>
+          </a:p>
+        </p:txBody>
+      </p:sp>
+      <p:sp>
+        <p:nvSpPr>
+          <p:cNvPr id="130" name="TextBox 129"/>
+          <p:cNvSpPr txBox="1"/>
+          <p:nvPr/>
+        </p:nvSpPr>
+        <p:spPr>
+          <a:xfrm>
+            <a:off x="2220820" y="2676183"/>
+            <a:ext cx="897172" cy="200055"/>
+          </a:xfrm>
+          <a:prstGeom prst="rect">
+            <a:avLst/>
+          </a:prstGeom>
+          <a:noFill/>
+        </p:spPr>
+        <p:txBody>
+          <a:bodyPr wrap="square" rtlCol="0">
+            <a:spAutoFit/>
+          </a:bodyPr>
+          <a:lstStyle/>
+          <a:p>
+            <a:pPr algn="ctr"/>
+            <a:r>
+              <a:rPr lang="en-US" sz="700" dirty="0" smtClean="0">
+                <a:latin typeface="Tahoma" panose="020B0604030504040204" pitchFamily="34" charset="0"/>
+                <a:ea typeface="Tahoma" panose="020B0604030504040204" pitchFamily="34" charset="0"/>
+                <a:cs typeface="Tahoma" panose="020B0604030504040204" pitchFamily="34" charset="0"/>
+              </a:rPr>
+              <a:t>(256, 90, 160)</a:t>
+            </a:r>
+            <a:endParaRPr lang="en-US" sz="700" dirty="0">
+              <a:latin typeface="Tahoma" panose="020B0604030504040204" pitchFamily="34" charset="0"/>
+              <a:ea typeface="Tahoma" panose="020B0604030504040204" pitchFamily="34" charset="0"/>
+              <a:cs typeface="Tahoma" panose="020B0604030504040204" pitchFamily="34" charset="0"/>
+            </a:endParaRPr>
+          </a:p>
+        </p:txBody>
+      </p:sp>
+      <p:sp>
+        <p:nvSpPr>
+          <p:cNvPr id="131" name="TextBox 130"/>
+          <p:cNvSpPr txBox="1"/>
+          <p:nvPr/>
+        </p:nvSpPr>
+        <p:spPr>
+          <a:xfrm rot="5400000">
+            <a:off x="4543219" y="3803715"/>
+            <a:ext cx="1542434" cy="261610"/>
+          </a:xfrm>
+          <a:prstGeom prst="rect">
+            <a:avLst/>
+          </a:prstGeom>
+          <a:noFill/>
+        </p:spPr>
+        <p:txBody>
+          <a:bodyPr wrap="square" rtlCol="0">
+            <a:spAutoFit/>
+          </a:bodyPr>
+          <a:lstStyle/>
+          <a:p>
+            <a:pPr algn="ctr"/>
+            <a:r>
+              <a:rPr lang="en-US" sz="1100" dirty="0" smtClean="0">
+                <a:solidFill>
+                  <a:srgbClr val="FF0000"/>
+                </a:solidFill>
+                <a:latin typeface="Tahoma" panose="020B0604030504040204" pitchFamily="34" charset="0"/>
+                <a:ea typeface="Tahoma" panose="020B0604030504040204" pitchFamily="34" charset="0"/>
+                <a:cs typeface="Tahoma" panose="020B0604030504040204" pitchFamily="34" charset="0"/>
+              </a:rPr>
+              <a:t>CLASSIFIER</a:t>
+            </a:r>
+            <a:endParaRPr lang="en-US" sz="1100" dirty="0">
+              <a:solidFill>
+                <a:srgbClr val="FF0000"/>
+              </a:solidFill>
+              <a:latin typeface="Tahoma" panose="020B0604030504040204" pitchFamily="34" charset="0"/>
+              <a:ea typeface="Tahoma" panose="020B0604030504040204" pitchFamily="34" charset="0"/>
+              <a:cs typeface="Tahoma" panose="020B0604030504040204" pitchFamily="34" charset="0"/>
+            </a:endParaRPr>
+          </a:p>
+        </p:txBody>
+      </p:sp>
+      <p:sp>
+        <p:nvSpPr>
+          <p:cNvPr id="132" name="TextBox 131"/>
+          <p:cNvSpPr txBox="1"/>
+          <p:nvPr/>
+        </p:nvSpPr>
+        <p:spPr>
+          <a:xfrm>
+            <a:off x="2991597" y="2183205"/>
+            <a:ext cx="897172" cy="200055"/>
+          </a:xfrm>
+          <a:prstGeom prst="rect">
+            <a:avLst/>
+          </a:prstGeom>
+          <a:noFill/>
+        </p:spPr>
+        <p:txBody>
+          <a:bodyPr wrap="square" rtlCol="0">
+            <a:spAutoFit/>
+          </a:bodyPr>
+          <a:lstStyle/>
+          <a:p>
+            <a:pPr algn="ctr"/>
+            <a:r>
+              <a:rPr lang="en-US" sz="700" dirty="0" smtClean="0">
+                <a:latin typeface="Tahoma" panose="020B0604030504040204" pitchFamily="34" charset="0"/>
+                <a:ea typeface="Tahoma" panose="020B0604030504040204" pitchFamily="34" charset="0"/>
+                <a:cs typeface="Tahoma" panose="020B0604030504040204" pitchFamily="34" charset="0"/>
+              </a:rPr>
+              <a:t>(304, 90, 160)</a:t>
+            </a:r>
+            <a:endParaRPr lang="en-US" sz="700" dirty="0">
+              <a:latin typeface="Tahoma" panose="020B0604030504040204" pitchFamily="34" charset="0"/>
+              <a:ea typeface="Tahoma" panose="020B0604030504040204" pitchFamily="34" charset="0"/>
+              <a:cs typeface="Tahoma" panose="020B0604030504040204" pitchFamily="34" charset="0"/>
+            </a:endParaRPr>
+          </a:p>
+        </p:txBody>
+      </p:sp>
+    </p:spTree>
+    <p:extLst>
+      <p:ext uri="{BB962C8B-B14F-4D97-AF65-F5344CB8AC3E}">
+        <p14:creationId xmlns:p14="http://schemas.microsoft.com/office/powerpoint/2010/main" val="1505300293"/>
+      </p:ext>
+    </p:extLst>
+  </p:cSld>
+  <p:clrMapOvr>
+    <a:masterClrMapping/>
+  </p:clrMapOvr>
+</p:sld>
+</file>
+
 <file path=ppt/theme/theme1.xml><?xml version="1.0" encoding="utf-8"?>
 <a:theme xmlns:a="http://schemas.openxmlformats.org/drawingml/2006/main" name="Office Theme">
   <a:themeElements>

--- a/images/models/models.pptx
+++ b/images/models/models.pptx
@@ -3,17 +3,20 @@
 <p:presentation xmlns:a="http://schemas.openxmlformats.org/drawingml/2006/main" xmlns:r="http://schemas.openxmlformats.org/officeDocument/2006/relationships" xmlns:p="http://schemas.openxmlformats.org/presentationml/2006/main" saveSubsetFonts="1">
   <p:sldMasterIdLst>
     <p:sldMasterId id="2147483660" r:id="rId1"/>
+    <p:sldMasterId id="2147483672" r:id="rId2"/>
   </p:sldMasterIdLst>
   <p:sldIdLst>
-    <p:sldId id="256" r:id="rId2"/>
-    <p:sldId id="257" r:id="rId3"/>
-    <p:sldId id="259" r:id="rId4"/>
-    <p:sldId id="260" r:id="rId5"/>
-    <p:sldId id="261" r:id="rId6"/>
-    <p:sldId id="262" r:id="rId7"/>
-    <p:sldId id="263" r:id="rId8"/>
-    <p:sldId id="264" r:id="rId9"/>
-    <p:sldId id="265" r:id="rId10"/>
+    <p:sldId id="256" r:id="rId3"/>
+    <p:sldId id="257" r:id="rId4"/>
+    <p:sldId id="259" r:id="rId5"/>
+    <p:sldId id="260" r:id="rId6"/>
+    <p:sldId id="261" r:id="rId7"/>
+    <p:sldId id="262" r:id="rId8"/>
+    <p:sldId id="263" r:id="rId9"/>
+    <p:sldId id="264" r:id="rId10"/>
+    <p:sldId id="265" r:id="rId11"/>
+    <p:sldId id="266" r:id="rId12"/>
+    <p:sldId id="267" r:id="rId13"/>
   </p:sldIdLst>
   <p:sldSz cx="6858000" cy="9906000" type="A4"/>
   <p:notesSz cx="6858000" cy="9144000"/>
@@ -251,7 +254,7 @@
           <a:p>
             <a:fld id="{8CFA0E7C-984D-478C-8A58-5F25078EE913}" type="datetimeFigureOut">
               <a:rPr lang="en-US" smtClean="0"/>
-              <a:t>03-Jul-22</a:t>
+              <a:t>21-Jul-22</a:t>
             </a:fld>
             <a:endParaRPr lang="en-US"/>
           </a:p>
@@ -421,7 +424,7 @@
           <a:p>
             <a:fld id="{8CFA0E7C-984D-478C-8A58-5F25078EE913}" type="datetimeFigureOut">
               <a:rPr lang="en-US" smtClean="0"/>
-              <a:t>03-Jul-22</a:t>
+              <a:t>21-Jul-22</a:t>
             </a:fld>
             <a:endParaRPr lang="en-US"/>
           </a:p>
@@ -601,7 +604,7 @@
           <a:p>
             <a:fld id="{8CFA0E7C-984D-478C-8A58-5F25078EE913}" type="datetimeFigureOut">
               <a:rPr lang="en-US" smtClean="0"/>
-              <a:t>03-Jul-22</a:t>
+              <a:t>21-Jul-22</a:t>
             </a:fld>
             <a:endParaRPr lang="en-US"/>
           </a:p>
@@ -653,6 +656,1959 @@
     <p:extLst>
       <p:ext uri="{BB962C8B-B14F-4D97-AF65-F5344CB8AC3E}">
         <p14:creationId xmlns:p14="http://schemas.microsoft.com/office/powerpoint/2010/main" val="3951854303"/>
+      </p:ext>
+    </p:extLst>
+  </p:cSld>
+  <p:clrMapOvr>
+    <a:masterClrMapping/>
+  </p:clrMapOvr>
+</p:sldLayout>
+</file>
+
+<file path=ppt/slideLayouts/slideLayout12.xml><?xml version="1.0" encoding="utf-8"?>
+<p:sldLayout xmlns:a="http://schemas.openxmlformats.org/drawingml/2006/main" xmlns:r="http://schemas.openxmlformats.org/officeDocument/2006/relationships" xmlns:p="http://schemas.openxmlformats.org/presentationml/2006/main" type="title" preserve="1">
+  <p:cSld name="Title Slide">
+    <p:spTree>
+      <p:nvGrpSpPr>
+        <p:cNvPr id="1" name=""/>
+        <p:cNvGrpSpPr/>
+        <p:nvPr/>
+      </p:nvGrpSpPr>
+      <p:grpSpPr>
+        <a:xfrm>
+          <a:off x="0" y="0"/>
+          <a:ext cx="0" cy="0"/>
+          <a:chOff x="0" y="0"/>
+          <a:chExt cx="0" cy="0"/>
+        </a:xfrm>
+      </p:grpSpPr>
+      <p:sp>
+        <p:nvSpPr>
+          <p:cNvPr id="2" name="Title 1"/>
+          <p:cNvSpPr>
+            <a:spLocks noGrp="1"/>
+          </p:cNvSpPr>
+          <p:nvPr>
+            <p:ph type="ctrTitle"/>
+          </p:nvPr>
+        </p:nvSpPr>
+        <p:spPr>
+          <a:xfrm>
+            <a:off x="857250" y="1621191"/>
+            <a:ext cx="5143500" cy="3448756"/>
+          </a:xfrm>
+        </p:spPr>
+        <p:txBody>
+          <a:bodyPr anchor="b"/>
+          <a:lstStyle>
+            <a:lvl1pPr algn="ctr">
+              <a:defRPr sz="3375"/>
+            </a:lvl1pPr>
+          </a:lstStyle>
+          <a:p>
+            <a:r>
+              <a:rPr lang="en-US" smtClean="0"/>
+              <a:t>Click to edit Master title style</a:t>
+            </a:r>
+            <a:endParaRPr lang="en-US"/>
+          </a:p>
+        </p:txBody>
+      </p:sp>
+      <p:sp>
+        <p:nvSpPr>
+          <p:cNvPr id="3" name="Subtitle 2"/>
+          <p:cNvSpPr>
+            <a:spLocks noGrp="1"/>
+          </p:cNvSpPr>
+          <p:nvPr>
+            <p:ph type="subTitle" idx="1"/>
+          </p:nvPr>
+        </p:nvSpPr>
+        <p:spPr>
+          <a:xfrm>
+            <a:off x="857250" y="5202944"/>
+            <a:ext cx="5143500" cy="2391656"/>
+          </a:xfrm>
+        </p:spPr>
+        <p:txBody>
+          <a:bodyPr/>
+          <a:lstStyle>
+            <a:lvl1pPr marL="0" indent="0" algn="ctr">
+              <a:buNone/>
+              <a:defRPr sz="1350"/>
+            </a:lvl1pPr>
+            <a:lvl2pPr marL="257175" indent="0" algn="ctr">
+              <a:buNone/>
+              <a:defRPr sz="1125"/>
+            </a:lvl2pPr>
+            <a:lvl3pPr marL="514350" indent="0" algn="ctr">
+              <a:buNone/>
+              <a:defRPr sz="1013"/>
+            </a:lvl3pPr>
+            <a:lvl4pPr marL="771525" indent="0" algn="ctr">
+              <a:buNone/>
+              <a:defRPr sz="900"/>
+            </a:lvl4pPr>
+            <a:lvl5pPr marL="1028700" indent="0" algn="ctr">
+              <a:buNone/>
+              <a:defRPr sz="900"/>
+            </a:lvl5pPr>
+            <a:lvl6pPr marL="1285875" indent="0" algn="ctr">
+              <a:buNone/>
+              <a:defRPr sz="900"/>
+            </a:lvl6pPr>
+            <a:lvl7pPr marL="1543050" indent="0" algn="ctr">
+              <a:buNone/>
+              <a:defRPr sz="900"/>
+            </a:lvl7pPr>
+            <a:lvl8pPr marL="1800225" indent="0" algn="ctr">
+              <a:buNone/>
+              <a:defRPr sz="900"/>
+            </a:lvl8pPr>
+            <a:lvl9pPr marL="2057400" indent="0" algn="ctr">
+              <a:buNone/>
+              <a:defRPr sz="900"/>
+            </a:lvl9pPr>
+          </a:lstStyle>
+          <a:p>
+            <a:r>
+              <a:rPr lang="en-US" smtClean="0"/>
+              <a:t>Click to edit Master subtitle style</a:t>
+            </a:r>
+            <a:endParaRPr lang="en-US"/>
+          </a:p>
+        </p:txBody>
+      </p:sp>
+      <p:sp>
+        <p:nvSpPr>
+          <p:cNvPr id="4" name="Date Placeholder 3"/>
+          <p:cNvSpPr>
+            <a:spLocks noGrp="1"/>
+          </p:cNvSpPr>
+          <p:nvPr>
+            <p:ph type="dt" sz="half" idx="10"/>
+          </p:nvPr>
+        </p:nvSpPr>
+        <p:spPr/>
+        <p:txBody>
+          <a:bodyPr/>
+          <a:lstStyle/>
+          <a:p>
+            <a:fld id="{9A760A2F-4F2B-4080-A556-B0687F4CB1D8}" type="datetimeFigureOut">
+              <a:rPr lang="en-US" smtClean="0">
+                <a:solidFill>
+                  <a:prstClr val="black">
+                    <a:tint val="75000"/>
+                  </a:prstClr>
+                </a:solidFill>
+              </a:rPr>
+              <a:pPr/>
+              <a:t>21-Jul-22</a:t>
+            </a:fld>
+            <a:endParaRPr lang="en-US">
+              <a:solidFill>
+                <a:prstClr val="black">
+                  <a:tint val="75000"/>
+                </a:prstClr>
+              </a:solidFill>
+            </a:endParaRPr>
+          </a:p>
+        </p:txBody>
+      </p:sp>
+      <p:sp>
+        <p:nvSpPr>
+          <p:cNvPr id="5" name="Footer Placeholder 4"/>
+          <p:cNvSpPr>
+            <a:spLocks noGrp="1"/>
+          </p:cNvSpPr>
+          <p:nvPr>
+            <p:ph type="ftr" sz="quarter" idx="11"/>
+          </p:nvPr>
+        </p:nvSpPr>
+        <p:spPr/>
+        <p:txBody>
+          <a:bodyPr/>
+          <a:lstStyle/>
+          <a:p>
+            <a:endParaRPr lang="en-US">
+              <a:solidFill>
+                <a:prstClr val="black">
+                  <a:tint val="75000"/>
+                </a:prstClr>
+              </a:solidFill>
+            </a:endParaRPr>
+          </a:p>
+        </p:txBody>
+      </p:sp>
+      <p:sp>
+        <p:nvSpPr>
+          <p:cNvPr id="6" name="Slide Number Placeholder 5"/>
+          <p:cNvSpPr>
+            <a:spLocks noGrp="1"/>
+          </p:cNvSpPr>
+          <p:nvPr>
+            <p:ph type="sldNum" sz="quarter" idx="12"/>
+          </p:nvPr>
+        </p:nvSpPr>
+        <p:spPr/>
+        <p:txBody>
+          <a:bodyPr/>
+          <a:lstStyle/>
+          <a:p>
+            <a:fld id="{15E5B074-5DC1-46DC-8593-F24CC6FD3986}" type="slidenum">
+              <a:rPr lang="en-US" smtClean="0">
+                <a:solidFill>
+                  <a:prstClr val="black">
+                    <a:tint val="75000"/>
+                  </a:prstClr>
+                </a:solidFill>
+              </a:rPr>
+              <a:pPr/>
+              <a:t>‹#›</a:t>
+            </a:fld>
+            <a:endParaRPr lang="en-US">
+              <a:solidFill>
+                <a:prstClr val="black">
+                  <a:tint val="75000"/>
+                </a:prstClr>
+              </a:solidFill>
+            </a:endParaRPr>
+          </a:p>
+        </p:txBody>
+      </p:sp>
+    </p:spTree>
+    <p:extLst>
+      <p:ext uri="{BB962C8B-B14F-4D97-AF65-F5344CB8AC3E}">
+        <p14:creationId xmlns:p14="http://schemas.microsoft.com/office/powerpoint/2010/main" val="662809128"/>
+      </p:ext>
+    </p:extLst>
+  </p:cSld>
+  <p:clrMapOvr>
+    <a:masterClrMapping/>
+  </p:clrMapOvr>
+</p:sldLayout>
+</file>
+
+<file path=ppt/slideLayouts/slideLayout13.xml><?xml version="1.0" encoding="utf-8"?>
+<p:sldLayout xmlns:a="http://schemas.openxmlformats.org/drawingml/2006/main" xmlns:r="http://schemas.openxmlformats.org/officeDocument/2006/relationships" xmlns:p="http://schemas.openxmlformats.org/presentationml/2006/main" type="obj" preserve="1">
+  <p:cSld name="Title and Content">
+    <p:spTree>
+      <p:nvGrpSpPr>
+        <p:cNvPr id="1" name=""/>
+        <p:cNvGrpSpPr/>
+        <p:nvPr/>
+      </p:nvGrpSpPr>
+      <p:grpSpPr>
+        <a:xfrm>
+          <a:off x="0" y="0"/>
+          <a:ext cx="0" cy="0"/>
+          <a:chOff x="0" y="0"/>
+          <a:chExt cx="0" cy="0"/>
+        </a:xfrm>
+      </p:grpSpPr>
+      <p:sp>
+        <p:nvSpPr>
+          <p:cNvPr id="2" name="Title 1"/>
+          <p:cNvSpPr>
+            <a:spLocks noGrp="1"/>
+          </p:cNvSpPr>
+          <p:nvPr>
+            <p:ph type="title"/>
+          </p:nvPr>
+        </p:nvSpPr>
+        <p:spPr/>
+        <p:txBody>
+          <a:bodyPr/>
+          <a:lstStyle/>
+          <a:p>
+            <a:r>
+              <a:rPr lang="en-US" smtClean="0"/>
+              <a:t>Click to edit Master title style</a:t>
+            </a:r>
+            <a:endParaRPr lang="en-US"/>
+          </a:p>
+        </p:txBody>
+      </p:sp>
+      <p:sp>
+        <p:nvSpPr>
+          <p:cNvPr id="3" name="Content Placeholder 2"/>
+          <p:cNvSpPr>
+            <a:spLocks noGrp="1"/>
+          </p:cNvSpPr>
+          <p:nvPr>
+            <p:ph idx="1"/>
+          </p:nvPr>
+        </p:nvSpPr>
+        <p:spPr/>
+        <p:txBody>
+          <a:bodyPr/>
+          <a:lstStyle/>
+          <a:p>
+            <a:pPr lvl="0"/>
+            <a:r>
+              <a:rPr lang="en-US" smtClean="0"/>
+              <a:t>Click to edit Master text styles</a:t>
+            </a:r>
+          </a:p>
+          <a:p>
+            <a:pPr lvl="1"/>
+            <a:r>
+              <a:rPr lang="en-US" smtClean="0"/>
+              <a:t>Second level</a:t>
+            </a:r>
+          </a:p>
+          <a:p>
+            <a:pPr lvl="2"/>
+            <a:r>
+              <a:rPr lang="en-US" smtClean="0"/>
+              <a:t>Third level</a:t>
+            </a:r>
+          </a:p>
+          <a:p>
+            <a:pPr lvl="3"/>
+            <a:r>
+              <a:rPr lang="en-US" smtClean="0"/>
+              <a:t>Fourth level</a:t>
+            </a:r>
+          </a:p>
+          <a:p>
+            <a:pPr lvl="4"/>
+            <a:r>
+              <a:rPr lang="en-US" smtClean="0"/>
+              <a:t>Fifth level</a:t>
+            </a:r>
+            <a:endParaRPr lang="en-US"/>
+          </a:p>
+        </p:txBody>
+      </p:sp>
+      <p:sp>
+        <p:nvSpPr>
+          <p:cNvPr id="4" name="Date Placeholder 3"/>
+          <p:cNvSpPr>
+            <a:spLocks noGrp="1"/>
+          </p:cNvSpPr>
+          <p:nvPr>
+            <p:ph type="dt" sz="half" idx="10"/>
+          </p:nvPr>
+        </p:nvSpPr>
+        <p:spPr/>
+        <p:txBody>
+          <a:bodyPr/>
+          <a:lstStyle/>
+          <a:p>
+            <a:fld id="{9A760A2F-4F2B-4080-A556-B0687F4CB1D8}" type="datetimeFigureOut">
+              <a:rPr lang="en-US" smtClean="0">
+                <a:solidFill>
+                  <a:prstClr val="black">
+                    <a:tint val="75000"/>
+                  </a:prstClr>
+                </a:solidFill>
+              </a:rPr>
+              <a:pPr/>
+              <a:t>21-Jul-22</a:t>
+            </a:fld>
+            <a:endParaRPr lang="en-US">
+              <a:solidFill>
+                <a:prstClr val="black">
+                  <a:tint val="75000"/>
+                </a:prstClr>
+              </a:solidFill>
+            </a:endParaRPr>
+          </a:p>
+        </p:txBody>
+      </p:sp>
+      <p:sp>
+        <p:nvSpPr>
+          <p:cNvPr id="5" name="Footer Placeholder 4"/>
+          <p:cNvSpPr>
+            <a:spLocks noGrp="1"/>
+          </p:cNvSpPr>
+          <p:nvPr>
+            <p:ph type="ftr" sz="quarter" idx="11"/>
+          </p:nvPr>
+        </p:nvSpPr>
+        <p:spPr/>
+        <p:txBody>
+          <a:bodyPr/>
+          <a:lstStyle/>
+          <a:p>
+            <a:endParaRPr lang="en-US">
+              <a:solidFill>
+                <a:prstClr val="black">
+                  <a:tint val="75000"/>
+                </a:prstClr>
+              </a:solidFill>
+            </a:endParaRPr>
+          </a:p>
+        </p:txBody>
+      </p:sp>
+      <p:sp>
+        <p:nvSpPr>
+          <p:cNvPr id="6" name="Slide Number Placeholder 5"/>
+          <p:cNvSpPr>
+            <a:spLocks noGrp="1"/>
+          </p:cNvSpPr>
+          <p:nvPr>
+            <p:ph type="sldNum" sz="quarter" idx="12"/>
+          </p:nvPr>
+        </p:nvSpPr>
+        <p:spPr/>
+        <p:txBody>
+          <a:bodyPr/>
+          <a:lstStyle/>
+          <a:p>
+            <a:fld id="{15E5B074-5DC1-46DC-8593-F24CC6FD3986}" type="slidenum">
+              <a:rPr lang="en-US" smtClean="0">
+                <a:solidFill>
+                  <a:prstClr val="black">
+                    <a:tint val="75000"/>
+                  </a:prstClr>
+                </a:solidFill>
+              </a:rPr>
+              <a:pPr/>
+              <a:t>‹#›</a:t>
+            </a:fld>
+            <a:endParaRPr lang="en-US">
+              <a:solidFill>
+                <a:prstClr val="black">
+                  <a:tint val="75000"/>
+                </a:prstClr>
+              </a:solidFill>
+            </a:endParaRPr>
+          </a:p>
+        </p:txBody>
+      </p:sp>
+    </p:spTree>
+    <p:extLst>
+      <p:ext uri="{BB962C8B-B14F-4D97-AF65-F5344CB8AC3E}">
+        <p14:creationId xmlns:p14="http://schemas.microsoft.com/office/powerpoint/2010/main" val="2692587466"/>
+      </p:ext>
+    </p:extLst>
+  </p:cSld>
+  <p:clrMapOvr>
+    <a:masterClrMapping/>
+  </p:clrMapOvr>
+</p:sldLayout>
+</file>
+
+<file path=ppt/slideLayouts/slideLayout14.xml><?xml version="1.0" encoding="utf-8"?>
+<p:sldLayout xmlns:a="http://schemas.openxmlformats.org/drawingml/2006/main" xmlns:r="http://schemas.openxmlformats.org/officeDocument/2006/relationships" xmlns:p="http://schemas.openxmlformats.org/presentationml/2006/main" type="secHead" preserve="1">
+  <p:cSld name="Section Header">
+    <p:spTree>
+      <p:nvGrpSpPr>
+        <p:cNvPr id="1" name=""/>
+        <p:cNvGrpSpPr/>
+        <p:nvPr/>
+      </p:nvGrpSpPr>
+      <p:grpSpPr>
+        <a:xfrm>
+          <a:off x="0" y="0"/>
+          <a:ext cx="0" cy="0"/>
+          <a:chOff x="0" y="0"/>
+          <a:chExt cx="0" cy="0"/>
+        </a:xfrm>
+      </p:grpSpPr>
+      <p:sp>
+        <p:nvSpPr>
+          <p:cNvPr id="2" name="Title 1"/>
+          <p:cNvSpPr>
+            <a:spLocks noGrp="1"/>
+          </p:cNvSpPr>
+          <p:nvPr>
+            <p:ph type="title"/>
+          </p:nvPr>
+        </p:nvSpPr>
+        <p:spPr>
+          <a:xfrm>
+            <a:off x="467916" y="2469622"/>
+            <a:ext cx="5915025" cy="4120620"/>
+          </a:xfrm>
+        </p:spPr>
+        <p:txBody>
+          <a:bodyPr anchor="b"/>
+          <a:lstStyle>
+            <a:lvl1pPr>
+              <a:defRPr sz="3375"/>
+            </a:lvl1pPr>
+          </a:lstStyle>
+          <a:p>
+            <a:r>
+              <a:rPr lang="en-US" smtClean="0"/>
+              <a:t>Click to edit Master title style</a:t>
+            </a:r>
+            <a:endParaRPr lang="en-US"/>
+          </a:p>
+        </p:txBody>
+      </p:sp>
+      <p:sp>
+        <p:nvSpPr>
+          <p:cNvPr id="3" name="Text Placeholder 2"/>
+          <p:cNvSpPr>
+            <a:spLocks noGrp="1"/>
+          </p:cNvSpPr>
+          <p:nvPr>
+            <p:ph type="body" idx="1"/>
+          </p:nvPr>
+        </p:nvSpPr>
+        <p:spPr>
+          <a:xfrm>
+            <a:off x="467916" y="6629225"/>
+            <a:ext cx="5915025" cy="2166937"/>
+          </a:xfrm>
+        </p:spPr>
+        <p:txBody>
+          <a:bodyPr/>
+          <a:lstStyle>
+            <a:lvl1pPr marL="0" indent="0">
+              <a:buNone/>
+              <a:defRPr sz="1350">
+                <a:solidFill>
+                  <a:schemeClr val="tx1">
+                    <a:tint val="75000"/>
+                  </a:schemeClr>
+                </a:solidFill>
+              </a:defRPr>
+            </a:lvl1pPr>
+            <a:lvl2pPr marL="257175" indent="0">
+              <a:buNone/>
+              <a:defRPr sz="1125">
+                <a:solidFill>
+                  <a:schemeClr val="tx1">
+                    <a:tint val="75000"/>
+                  </a:schemeClr>
+                </a:solidFill>
+              </a:defRPr>
+            </a:lvl2pPr>
+            <a:lvl3pPr marL="514350" indent="0">
+              <a:buNone/>
+              <a:defRPr sz="1013">
+                <a:solidFill>
+                  <a:schemeClr val="tx1">
+                    <a:tint val="75000"/>
+                  </a:schemeClr>
+                </a:solidFill>
+              </a:defRPr>
+            </a:lvl3pPr>
+            <a:lvl4pPr marL="771525" indent="0">
+              <a:buNone/>
+              <a:defRPr sz="900">
+                <a:solidFill>
+                  <a:schemeClr val="tx1">
+                    <a:tint val="75000"/>
+                  </a:schemeClr>
+                </a:solidFill>
+              </a:defRPr>
+            </a:lvl4pPr>
+            <a:lvl5pPr marL="1028700" indent="0">
+              <a:buNone/>
+              <a:defRPr sz="900">
+                <a:solidFill>
+                  <a:schemeClr val="tx1">
+                    <a:tint val="75000"/>
+                  </a:schemeClr>
+                </a:solidFill>
+              </a:defRPr>
+            </a:lvl5pPr>
+            <a:lvl6pPr marL="1285875" indent="0">
+              <a:buNone/>
+              <a:defRPr sz="900">
+                <a:solidFill>
+                  <a:schemeClr val="tx1">
+                    <a:tint val="75000"/>
+                  </a:schemeClr>
+                </a:solidFill>
+              </a:defRPr>
+            </a:lvl6pPr>
+            <a:lvl7pPr marL="1543050" indent="0">
+              <a:buNone/>
+              <a:defRPr sz="900">
+                <a:solidFill>
+                  <a:schemeClr val="tx1">
+                    <a:tint val="75000"/>
+                  </a:schemeClr>
+                </a:solidFill>
+              </a:defRPr>
+            </a:lvl7pPr>
+            <a:lvl8pPr marL="1800225" indent="0">
+              <a:buNone/>
+              <a:defRPr sz="900">
+                <a:solidFill>
+                  <a:schemeClr val="tx1">
+                    <a:tint val="75000"/>
+                  </a:schemeClr>
+                </a:solidFill>
+              </a:defRPr>
+            </a:lvl8pPr>
+            <a:lvl9pPr marL="2057400" indent="0">
+              <a:buNone/>
+              <a:defRPr sz="900">
+                <a:solidFill>
+                  <a:schemeClr val="tx1">
+                    <a:tint val="75000"/>
+                  </a:schemeClr>
+                </a:solidFill>
+              </a:defRPr>
+            </a:lvl9pPr>
+          </a:lstStyle>
+          <a:p>
+            <a:pPr lvl="0"/>
+            <a:r>
+              <a:rPr lang="en-US" smtClean="0"/>
+              <a:t>Click to edit Master text styles</a:t>
+            </a:r>
+          </a:p>
+        </p:txBody>
+      </p:sp>
+      <p:sp>
+        <p:nvSpPr>
+          <p:cNvPr id="4" name="Date Placeholder 3"/>
+          <p:cNvSpPr>
+            <a:spLocks noGrp="1"/>
+          </p:cNvSpPr>
+          <p:nvPr>
+            <p:ph type="dt" sz="half" idx="10"/>
+          </p:nvPr>
+        </p:nvSpPr>
+        <p:spPr/>
+        <p:txBody>
+          <a:bodyPr/>
+          <a:lstStyle/>
+          <a:p>
+            <a:fld id="{9A760A2F-4F2B-4080-A556-B0687F4CB1D8}" type="datetimeFigureOut">
+              <a:rPr lang="en-US" smtClean="0">
+                <a:solidFill>
+                  <a:prstClr val="black">
+                    <a:tint val="75000"/>
+                  </a:prstClr>
+                </a:solidFill>
+              </a:rPr>
+              <a:pPr/>
+              <a:t>21-Jul-22</a:t>
+            </a:fld>
+            <a:endParaRPr lang="en-US">
+              <a:solidFill>
+                <a:prstClr val="black">
+                  <a:tint val="75000"/>
+                </a:prstClr>
+              </a:solidFill>
+            </a:endParaRPr>
+          </a:p>
+        </p:txBody>
+      </p:sp>
+      <p:sp>
+        <p:nvSpPr>
+          <p:cNvPr id="5" name="Footer Placeholder 4"/>
+          <p:cNvSpPr>
+            <a:spLocks noGrp="1"/>
+          </p:cNvSpPr>
+          <p:nvPr>
+            <p:ph type="ftr" sz="quarter" idx="11"/>
+          </p:nvPr>
+        </p:nvSpPr>
+        <p:spPr/>
+        <p:txBody>
+          <a:bodyPr/>
+          <a:lstStyle/>
+          <a:p>
+            <a:endParaRPr lang="en-US">
+              <a:solidFill>
+                <a:prstClr val="black">
+                  <a:tint val="75000"/>
+                </a:prstClr>
+              </a:solidFill>
+            </a:endParaRPr>
+          </a:p>
+        </p:txBody>
+      </p:sp>
+      <p:sp>
+        <p:nvSpPr>
+          <p:cNvPr id="6" name="Slide Number Placeholder 5"/>
+          <p:cNvSpPr>
+            <a:spLocks noGrp="1"/>
+          </p:cNvSpPr>
+          <p:nvPr>
+            <p:ph type="sldNum" sz="quarter" idx="12"/>
+          </p:nvPr>
+        </p:nvSpPr>
+        <p:spPr/>
+        <p:txBody>
+          <a:bodyPr/>
+          <a:lstStyle/>
+          <a:p>
+            <a:fld id="{15E5B074-5DC1-46DC-8593-F24CC6FD3986}" type="slidenum">
+              <a:rPr lang="en-US" smtClean="0">
+                <a:solidFill>
+                  <a:prstClr val="black">
+                    <a:tint val="75000"/>
+                  </a:prstClr>
+                </a:solidFill>
+              </a:rPr>
+              <a:pPr/>
+              <a:t>‹#›</a:t>
+            </a:fld>
+            <a:endParaRPr lang="en-US">
+              <a:solidFill>
+                <a:prstClr val="black">
+                  <a:tint val="75000"/>
+                </a:prstClr>
+              </a:solidFill>
+            </a:endParaRPr>
+          </a:p>
+        </p:txBody>
+      </p:sp>
+    </p:spTree>
+    <p:extLst>
+      <p:ext uri="{BB962C8B-B14F-4D97-AF65-F5344CB8AC3E}">
+        <p14:creationId xmlns:p14="http://schemas.microsoft.com/office/powerpoint/2010/main" val="2322761415"/>
+      </p:ext>
+    </p:extLst>
+  </p:cSld>
+  <p:clrMapOvr>
+    <a:masterClrMapping/>
+  </p:clrMapOvr>
+</p:sldLayout>
+</file>
+
+<file path=ppt/slideLayouts/slideLayout15.xml><?xml version="1.0" encoding="utf-8"?>
+<p:sldLayout xmlns:a="http://schemas.openxmlformats.org/drawingml/2006/main" xmlns:r="http://schemas.openxmlformats.org/officeDocument/2006/relationships" xmlns:p="http://schemas.openxmlformats.org/presentationml/2006/main" type="twoObj" preserve="1">
+  <p:cSld name="Two Content">
+    <p:spTree>
+      <p:nvGrpSpPr>
+        <p:cNvPr id="1" name=""/>
+        <p:cNvGrpSpPr/>
+        <p:nvPr/>
+      </p:nvGrpSpPr>
+      <p:grpSpPr>
+        <a:xfrm>
+          <a:off x="0" y="0"/>
+          <a:ext cx="0" cy="0"/>
+          <a:chOff x="0" y="0"/>
+          <a:chExt cx="0" cy="0"/>
+        </a:xfrm>
+      </p:grpSpPr>
+      <p:sp>
+        <p:nvSpPr>
+          <p:cNvPr id="2" name="Title 1"/>
+          <p:cNvSpPr>
+            <a:spLocks noGrp="1"/>
+          </p:cNvSpPr>
+          <p:nvPr>
+            <p:ph type="title"/>
+          </p:nvPr>
+        </p:nvSpPr>
+        <p:spPr/>
+        <p:txBody>
+          <a:bodyPr/>
+          <a:lstStyle/>
+          <a:p>
+            <a:r>
+              <a:rPr lang="en-US" smtClean="0"/>
+              <a:t>Click to edit Master title style</a:t>
+            </a:r>
+            <a:endParaRPr lang="en-US"/>
+          </a:p>
+        </p:txBody>
+      </p:sp>
+      <p:sp>
+        <p:nvSpPr>
+          <p:cNvPr id="3" name="Content Placeholder 2"/>
+          <p:cNvSpPr>
+            <a:spLocks noGrp="1"/>
+          </p:cNvSpPr>
+          <p:nvPr>
+            <p:ph sz="half" idx="1"/>
+          </p:nvPr>
+        </p:nvSpPr>
+        <p:spPr>
+          <a:xfrm>
+            <a:off x="471488" y="2637014"/>
+            <a:ext cx="2914650" cy="6285266"/>
+          </a:xfrm>
+        </p:spPr>
+        <p:txBody>
+          <a:bodyPr/>
+          <a:lstStyle/>
+          <a:p>
+            <a:pPr lvl="0"/>
+            <a:r>
+              <a:rPr lang="en-US" smtClean="0"/>
+              <a:t>Click to edit Master text styles</a:t>
+            </a:r>
+          </a:p>
+          <a:p>
+            <a:pPr lvl="1"/>
+            <a:r>
+              <a:rPr lang="en-US" smtClean="0"/>
+              <a:t>Second level</a:t>
+            </a:r>
+          </a:p>
+          <a:p>
+            <a:pPr lvl="2"/>
+            <a:r>
+              <a:rPr lang="en-US" smtClean="0"/>
+              <a:t>Third level</a:t>
+            </a:r>
+          </a:p>
+          <a:p>
+            <a:pPr lvl="3"/>
+            <a:r>
+              <a:rPr lang="en-US" smtClean="0"/>
+              <a:t>Fourth level</a:t>
+            </a:r>
+          </a:p>
+          <a:p>
+            <a:pPr lvl="4"/>
+            <a:r>
+              <a:rPr lang="en-US" smtClean="0"/>
+              <a:t>Fifth level</a:t>
+            </a:r>
+            <a:endParaRPr lang="en-US"/>
+          </a:p>
+        </p:txBody>
+      </p:sp>
+      <p:sp>
+        <p:nvSpPr>
+          <p:cNvPr id="4" name="Content Placeholder 3"/>
+          <p:cNvSpPr>
+            <a:spLocks noGrp="1"/>
+          </p:cNvSpPr>
+          <p:nvPr>
+            <p:ph sz="half" idx="2"/>
+          </p:nvPr>
+        </p:nvSpPr>
+        <p:spPr>
+          <a:xfrm>
+            <a:off x="3471863" y="2637014"/>
+            <a:ext cx="2914650" cy="6285266"/>
+          </a:xfrm>
+        </p:spPr>
+        <p:txBody>
+          <a:bodyPr/>
+          <a:lstStyle/>
+          <a:p>
+            <a:pPr lvl="0"/>
+            <a:r>
+              <a:rPr lang="en-US" smtClean="0"/>
+              <a:t>Click to edit Master text styles</a:t>
+            </a:r>
+          </a:p>
+          <a:p>
+            <a:pPr lvl="1"/>
+            <a:r>
+              <a:rPr lang="en-US" smtClean="0"/>
+              <a:t>Second level</a:t>
+            </a:r>
+          </a:p>
+          <a:p>
+            <a:pPr lvl="2"/>
+            <a:r>
+              <a:rPr lang="en-US" smtClean="0"/>
+              <a:t>Third level</a:t>
+            </a:r>
+          </a:p>
+          <a:p>
+            <a:pPr lvl="3"/>
+            <a:r>
+              <a:rPr lang="en-US" smtClean="0"/>
+              <a:t>Fourth level</a:t>
+            </a:r>
+          </a:p>
+          <a:p>
+            <a:pPr lvl="4"/>
+            <a:r>
+              <a:rPr lang="en-US" smtClean="0"/>
+              <a:t>Fifth level</a:t>
+            </a:r>
+            <a:endParaRPr lang="en-US"/>
+          </a:p>
+        </p:txBody>
+      </p:sp>
+      <p:sp>
+        <p:nvSpPr>
+          <p:cNvPr id="5" name="Date Placeholder 4"/>
+          <p:cNvSpPr>
+            <a:spLocks noGrp="1"/>
+          </p:cNvSpPr>
+          <p:nvPr>
+            <p:ph type="dt" sz="half" idx="10"/>
+          </p:nvPr>
+        </p:nvSpPr>
+        <p:spPr/>
+        <p:txBody>
+          <a:bodyPr/>
+          <a:lstStyle/>
+          <a:p>
+            <a:fld id="{9A760A2F-4F2B-4080-A556-B0687F4CB1D8}" type="datetimeFigureOut">
+              <a:rPr lang="en-US" smtClean="0">
+                <a:solidFill>
+                  <a:prstClr val="black">
+                    <a:tint val="75000"/>
+                  </a:prstClr>
+                </a:solidFill>
+              </a:rPr>
+              <a:pPr/>
+              <a:t>21-Jul-22</a:t>
+            </a:fld>
+            <a:endParaRPr lang="en-US">
+              <a:solidFill>
+                <a:prstClr val="black">
+                  <a:tint val="75000"/>
+                </a:prstClr>
+              </a:solidFill>
+            </a:endParaRPr>
+          </a:p>
+        </p:txBody>
+      </p:sp>
+      <p:sp>
+        <p:nvSpPr>
+          <p:cNvPr id="6" name="Footer Placeholder 5"/>
+          <p:cNvSpPr>
+            <a:spLocks noGrp="1"/>
+          </p:cNvSpPr>
+          <p:nvPr>
+            <p:ph type="ftr" sz="quarter" idx="11"/>
+          </p:nvPr>
+        </p:nvSpPr>
+        <p:spPr/>
+        <p:txBody>
+          <a:bodyPr/>
+          <a:lstStyle/>
+          <a:p>
+            <a:endParaRPr lang="en-US">
+              <a:solidFill>
+                <a:prstClr val="black">
+                  <a:tint val="75000"/>
+                </a:prstClr>
+              </a:solidFill>
+            </a:endParaRPr>
+          </a:p>
+        </p:txBody>
+      </p:sp>
+      <p:sp>
+        <p:nvSpPr>
+          <p:cNvPr id="7" name="Slide Number Placeholder 6"/>
+          <p:cNvSpPr>
+            <a:spLocks noGrp="1"/>
+          </p:cNvSpPr>
+          <p:nvPr>
+            <p:ph type="sldNum" sz="quarter" idx="12"/>
+          </p:nvPr>
+        </p:nvSpPr>
+        <p:spPr/>
+        <p:txBody>
+          <a:bodyPr/>
+          <a:lstStyle/>
+          <a:p>
+            <a:fld id="{15E5B074-5DC1-46DC-8593-F24CC6FD3986}" type="slidenum">
+              <a:rPr lang="en-US" smtClean="0">
+                <a:solidFill>
+                  <a:prstClr val="black">
+                    <a:tint val="75000"/>
+                  </a:prstClr>
+                </a:solidFill>
+              </a:rPr>
+              <a:pPr/>
+              <a:t>‹#›</a:t>
+            </a:fld>
+            <a:endParaRPr lang="en-US">
+              <a:solidFill>
+                <a:prstClr val="black">
+                  <a:tint val="75000"/>
+                </a:prstClr>
+              </a:solidFill>
+            </a:endParaRPr>
+          </a:p>
+        </p:txBody>
+      </p:sp>
+    </p:spTree>
+    <p:extLst>
+      <p:ext uri="{BB962C8B-B14F-4D97-AF65-F5344CB8AC3E}">
+        <p14:creationId xmlns:p14="http://schemas.microsoft.com/office/powerpoint/2010/main" val="116311921"/>
+      </p:ext>
+    </p:extLst>
+  </p:cSld>
+  <p:clrMapOvr>
+    <a:masterClrMapping/>
+  </p:clrMapOvr>
+</p:sldLayout>
+</file>
+
+<file path=ppt/slideLayouts/slideLayout16.xml><?xml version="1.0" encoding="utf-8"?>
+<p:sldLayout xmlns:a="http://schemas.openxmlformats.org/drawingml/2006/main" xmlns:r="http://schemas.openxmlformats.org/officeDocument/2006/relationships" xmlns:p="http://schemas.openxmlformats.org/presentationml/2006/main" type="twoTxTwoObj" preserve="1">
+  <p:cSld name="Comparison">
+    <p:spTree>
+      <p:nvGrpSpPr>
+        <p:cNvPr id="1" name=""/>
+        <p:cNvGrpSpPr/>
+        <p:nvPr/>
+      </p:nvGrpSpPr>
+      <p:grpSpPr>
+        <a:xfrm>
+          <a:off x="0" y="0"/>
+          <a:ext cx="0" cy="0"/>
+          <a:chOff x="0" y="0"/>
+          <a:chExt cx="0" cy="0"/>
+        </a:xfrm>
+      </p:grpSpPr>
+      <p:sp>
+        <p:nvSpPr>
+          <p:cNvPr id="2" name="Title 1"/>
+          <p:cNvSpPr>
+            <a:spLocks noGrp="1"/>
+          </p:cNvSpPr>
+          <p:nvPr>
+            <p:ph type="title"/>
+          </p:nvPr>
+        </p:nvSpPr>
+        <p:spPr>
+          <a:xfrm>
+            <a:off x="472381" y="527404"/>
+            <a:ext cx="5915025" cy="1914702"/>
+          </a:xfrm>
+        </p:spPr>
+        <p:txBody>
+          <a:bodyPr/>
+          <a:lstStyle/>
+          <a:p>
+            <a:r>
+              <a:rPr lang="en-US" smtClean="0"/>
+              <a:t>Click to edit Master title style</a:t>
+            </a:r>
+            <a:endParaRPr lang="en-US"/>
+          </a:p>
+        </p:txBody>
+      </p:sp>
+      <p:sp>
+        <p:nvSpPr>
+          <p:cNvPr id="3" name="Text Placeholder 2"/>
+          <p:cNvSpPr>
+            <a:spLocks noGrp="1"/>
+          </p:cNvSpPr>
+          <p:nvPr>
+            <p:ph type="body" idx="1"/>
+          </p:nvPr>
+        </p:nvSpPr>
+        <p:spPr>
+          <a:xfrm>
+            <a:off x="472381" y="2428347"/>
+            <a:ext cx="2901255" cy="1190095"/>
+          </a:xfrm>
+        </p:spPr>
+        <p:txBody>
+          <a:bodyPr anchor="b"/>
+          <a:lstStyle>
+            <a:lvl1pPr marL="0" indent="0">
+              <a:buNone/>
+              <a:defRPr sz="1350" b="1"/>
+            </a:lvl1pPr>
+            <a:lvl2pPr marL="257175" indent="0">
+              <a:buNone/>
+              <a:defRPr sz="1125" b="1"/>
+            </a:lvl2pPr>
+            <a:lvl3pPr marL="514350" indent="0">
+              <a:buNone/>
+              <a:defRPr sz="1013" b="1"/>
+            </a:lvl3pPr>
+            <a:lvl4pPr marL="771525" indent="0">
+              <a:buNone/>
+              <a:defRPr sz="900" b="1"/>
+            </a:lvl4pPr>
+            <a:lvl5pPr marL="1028700" indent="0">
+              <a:buNone/>
+              <a:defRPr sz="900" b="1"/>
+            </a:lvl5pPr>
+            <a:lvl6pPr marL="1285875" indent="0">
+              <a:buNone/>
+              <a:defRPr sz="900" b="1"/>
+            </a:lvl6pPr>
+            <a:lvl7pPr marL="1543050" indent="0">
+              <a:buNone/>
+              <a:defRPr sz="900" b="1"/>
+            </a:lvl7pPr>
+            <a:lvl8pPr marL="1800225" indent="0">
+              <a:buNone/>
+              <a:defRPr sz="900" b="1"/>
+            </a:lvl8pPr>
+            <a:lvl9pPr marL="2057400" indent="0">
+              <a:buNone/>
+              <a:defRPr sz="900" b="1"/>
+            </a:lvl9pPr>
+          </a:lstStyle>
+          <a:p>
+            <a:pPr lvl="0"/>
+            <a:r>
+              <a:rPr lang="en-US" smtClean="0"/>
+              <a:t>Click to edit Master text styles</a:t>
+            </a:r>
+          </a:p>
+        </p:txBody>
+      </p:sp>
+      <p:sp>
+        <p:nvSpPr>
+          <p:cNvPr id="4" name="Content Placeholder 3"/>
+          <p:cNvSpPr>
+            <a:spLocks noGrp="1"/>
+          </p:cNvSpPr>
+          <p:nvPr>
+            <p:ph sz="half" idx="2"/>
+          </p:nvPr>
+        </p:nvSpPr>
+        <p:spPr>
+          <a:xfrm>
+            <a:off x="472381" y="3618442"/>
+            <a:ext cx="2901255" cy="5322183"/>
+          </a:xfrm>
+        </p:spPr>
+        <p:txBody>
+          <a:bodyPr/>
+          <a:lstStyle/>
+          <a:p>
+            <a:pPr lvl="0"/>
+            <a:r>
+              <a:rPr lang="en-US" smtClean="0"/>
+              <a:t>Click to edit Master text styles</a:t>
+            </a:r>
+          </a:p>
+          <a:p>
+            <a:pPr lvl="1"/>
+            <a:r>
+              <a:rPr lang="en-US" smtClean="0"/>
+              <a:t>Second level</a:t>
+            </a:r>
+          </a:p>
+          <a:p>
+            <a:pPr lvl="2"/>
+            <a:r>
+              <a:rPr lang="en-US" smtClean="0"/>
+              <a:t>Third level</a:t>
+            </a:r>
+          </a:p>
+          <a:p>
+            <a:pPr lvl="3"/>
+            <a:r>
+              <a:rPr lang="en-US" smtClean="0"/>
+              <a:t>Fourth level</a:t>
+            </a:r>
+          </a:p>
+          <a:p>
+            <a:pPr lvl="4"/>
+            <a:r>
+              <a:rPr lang="en-US" smtClean="0"/>
+              <a:t>Fifth level</a:t>
+            </a:r>
+            <a:endParaRPr lang="en-US"/>
+          </a:p>
+        </p:txBody>
+      </p:sp>
+      <p:sp>
+        <p:nvSpPr>
+          <p:cNvPr id="5" name="Text Placeholder 4"/>
+          <p:cNvSpPr>
+            <a:spLocks noGrp="1"/>
+          </p:cNvSpPr>
+          <p:nvPr>
+            <p:ph type="body" sz="quarter" idx="3"/>
+          </p:nvPr>
+        </p:nvSpPr>
+        <p:spPr>
+          <a:xfrm>
+            <a:off x="3471863" y="2428347"/>
+            <a:ext cx="2915543" cy="1190095"/>
+          </a:xfrm>
+        </p:spPr>
+        <p:txBody>
+          <a:bodyPr anchor="b"/>
+          <a:lstStyle>
+            <a:lvl1pPr marL="0" indent="0">
+              <a:buNone/>
+              <a:defRPr sz="1350" b="1"/>
+            </a:lvl1pPr>
+            <a:lvl2pPr marL="257175" indent="0">
+              <a:buNone/>
+              <a:defRPr sz="1125" b="1"/>
+            </a:lvl2pPr>
+            <a:lvl3pPr marL="514350" indent="0">
+              <a:buNone/>
+              <a:defRPr sz="1013" b="1"/>
+            </a:lvl3pPr>
+            <a:lvl4pPr marL="771525" indent="0">
+              <a:buNone/>
+              <a:defRPr sz="900" b="1"/>
+            </a:lvl4pPr>
+            <a:lvl5pPr marL="1028700" indent="0">
+              <a:buNone/>
+              <a:defRPr sz="900" b="1"/>
+            </a:lvl5pPr>
+            <a:lvl6pPr marL="1285875" indent="0">
+              <a:buNone/>
+              <a:defRPr sz="900" b="1"/>
+            </a:lvl6pPr>
+            <a:lvl7pPr marL="1543050" indent="0">
+              <a:buNone/>
+              <a:defRPr sz="900" b="1"/>
+            </a:lvl7pPr>
+            <a:lvl8pPr marL="1800225" indent="0">
+              <a:buNone/>
+              <a:defRPr sz="900" b="1"/>
+            </a:lvl8pPr>
+            <a:lvl9pPr marL="2057400" indent="0">
+              <a:buNone/>
+              <a:defRPr sz="900" b="1"/>
+            </a:lvl9pPr>
+          </a:lstStyle>
+          <a:p>
+            <a:pPr lvl="0"/>
+            <a:r>
+              <a:rPr lang="en-US" smtClean="0"/>
+              <a:t>Click to edit Master text styles</a:t>
+            </a:r>
+          </a:p>
+        </p:txBody>
+      </p:sp>
+      <p:sp>
+        <p:nvSpPr>
+          <p:cNvPr id="6" name="Content Placeholder 5"/>
+          <p:cNvSpPr>
+            <a:spLocks noGrp="1"/>
+          </p:cNvSpPr>
+          <p:nvPr>
+            <p:ph sz="quarter" idx="4"/>
+          </p:nvPr>
+        </p:nvSpPr>
+        <p:spPr>
+          <a:xfrm>
+            <a:off x="3471863" y="3618442"/>
+            <a:ext cx="2915543" cy="5322183"/>
+          </a:xfrm>
+        </p:spPr>
+        <p:txBody>
+          <a:bodyPr/>
+          <a:lstStyle/>
+          <a:p>
+            <a:pPr lvl="0"/>
+            <a:r>
+              <a:rPr lang="en-US" smtClean="0"/>
+              <a:t>Click to edit Master text styles</a:t>
+            </a:r>
+          </a:p>
+          <a:p>
+            <a:pPr lvl="1"/>
+            <a:r>
+              <a:rPr lang="en-US" smtClean="0"/>
+              <a:t>Second level</a:t>
+            </a:r>
+          </a:p>
+          <a:p>
+            <a:pPr lvl="2"/>
+            <a:r>
+              <a:rPr lang="en-US" smtClean="0"/>
+              <a:t>Third level</a:t>
+            </a:r>
+          </a:p>
+          <a:p>
+            <a:pPr lvl="3"/>
+            <a:r>
+              <a:rPr lang="en-US" smtClean="0"/>
+              <a:t>Fourth level</a:t>
+            </a:r>
+          </a:p>
+          <a:p>
+            <a:pPr lvl="4"/>
+            <a:r>
+              <a:rPr lang="en-US" smtClean="0"/>
+              <a:t>Fifth level</a:t>
+            </a:r>
+            <a:endParaRPr lang="en-US"/>
+          </a:p>
+        </p:txBody>
+      </p:sp>
+      <p:sp>
+        <p:nvSpPr>
+          <p:cNvPr id="7" name="Date Placeholder 6"/>
+          <p:cNvSpPr>
+            <a:spLocks noGrp="1"/>
+          </p:cNvSpPr>
+          <p:nvPr>
+            <p:ph type="dt" sz="half" idx="10"/>
+          </p:nvPr>
+        </p:nvSpPr>
+        <p:spPr/>
+        <p:txBody>
+          <a:bodyPr/>
+          <a:lstStyle/>
+          <a:p>
+            <a:fld id="{9A760A2F-4F2B-4080-A556-B0687F4CB1D8}" type="datetimeFigureOut">
+              <a:rPr lang="en-US" smtClean="0">
+                <a:solidFill>
+                  <a:prstClr val="black">
+                    <a:tint val="75000"/>
+                  </a:prstClr>
+                </a:solidFill>
+              </a:rPr>
+              <a:pPr/>
+              <a:t>21-Jul-22</a:t>
+            </a:fld>
+            <a:endParaRPr lang="en-US">
+              <a:solidFill>
+                <a:prstClr val="black">
+                  <a:tint val="75000"/>
+                </a:prstClr>
+              </a:solidFill>
+            </a:endParaRPr>
+          </a:p>
+        </p:txBody>
+      </p:sp>
+      <p:sp>
+        <p:nvSpPr>
+          <p:cNvPr id="8" name="Footer Placeholder 7"/>
+          <p:cNvSpPr>
+            <a:spLocks noGrp="1"/>
+          </p:cNvSpPr>
+          <p:nvPr>
+            <p:ph type="ftr" sz="quarter" idx="11"/>
+          </p:nvPr>
+        </p:nvSpPr>
+        <p:spPr/>
+        <p:txBody>
+          <a:bodyPr/>
+          <a:lstStyle/>
+          <a:p>
+            <a:endParaRPr lang="en-US">
+              <a:solidFill>
+                <a:prstClr val="black">
+                  <a:tint val="75000"/>
+                </a:prstClr>
+              </a:solidFill>
+            </a:endParaRPr>
+          </a:p>
+        </p:txBody>
+      </p:sp>
+      <p:sp>
+        <p:nvSpPr>
+          <p:cNvPr id="9" name="Slide Number Placeholder 8"/>
+          <p:cNvSpPr>
+            <a:spLocks noGrp="1"/>
+          </p:cNvSpPr>
+          <p:nvPr>
+            <p:ph type="sldNum" sz="quarter" idx="12"/>
+          </p:nvPr>
+        </p:nvSpPr>
+        <p:spPr/>
+        <p:txBody>
+          <a:bodyPr/>
+          <a:lstStyle/>
+          <a:p>
+            <a:fld id="{15E5B074-5DC1-46DC-8593-F24CC6FD3986}" type="slidenum">
+              <a:rPr lang="en-US" smtClean="0">
+                <a:solidFill>
+                  <a:prstClr val="black">
+                    <a:tint val="75000"/>
+                  </a:prstClr>
+                </a:solidFill>
+              </a:rPr>
+              <a:pPr/>
+              <a:t>‹#›</a:t>
+            </a:fld>
+            <a:endParaRPr lang="en-US">
+              <a:solidFill>
+                <a:prstClr val="black">
+                  <a:tint val="75000"/>
+                </a:prstClr>
+              </a:solidFill>
+            </a:endParaRPr>
+          </a:p>
+        </p:txBody>
+      </p:sp>
+    </p:spTree>
+    <p:extLst>
+      <p:ext uri="{BB962C8B-B14F-4D97-AF65-F5344CB8AC3E}">
+        <p14:creationId xmlns:p14="http://schemas.microsoft.com/office/powerpoint/2010/main" val="419571858"/>
+      </p:ext>
+    </p:extLst>
+  </p:cSld>
+  <p:clrMapOvr>
+    <a:masterClrMapping/>
+  </p:clrMapOvr>
+</p:sldLayout>
+</file>
+
+<file path=ppt/slideLayouts/slideLayout17.xml><?xml version="1.0" encoding="utf-8"?>
+<p:sldLayout xmlns:a="http://schemas.openxmlformats.org/drawingml/2006/main" xmlns:r="http://schemas.openxmlformats.org/officeDocument/2006/relationships" xmlns:p="http://schemas.openxmlformats.org/presentationml/2006/main" type="titleOnly" preserve="1">
+  <p:cSld name="Title Only">
+    <p:spTree>
+      <p:nvGrpSpPr>
+        <p:cNvPr id="1" name=""/>
+        <p:cNvGrpSpPr/>
+        <p:nvPr/>
+      </p:nvGrpSpPr>
+      <p:grpSpPr>
+        <a:xfrm>
+          <a:off x="0" y="0"/>
+          <a:ext cx="0" cy="0"/>
+          <a:chOff x="0" y="0"/>
+          <a:chExt cx="0" cy="0"/>
+        </a:xfrm>
+      </p:grpSpPr>
+      <p:sp>
+        <p:nvSpPr>
+          <p:cNvPr id="2" name="Title 1"/>
+          <p:cNvSpPr>
+            <a:spLocks noGrp="1"/>
+          </p:cNvSpPr>
+          <p:nvPr>
+            <p:ph type="title"/>
+          </p:nvPr>
+        </p:nvSpPr>
+        <p:spPr/>
+        <p:txBody>
+          <a:bodyPr/>
+          <a:lstStyle/>
+          <a:p>
+            <a:r>
+              <a:rPr lang="en-US" smtClean="0"/>
+              <a:t>Click to edit Master title style</a:t>
+            </a:r>
+            <a:endParaRPr lang="en-US"/>
+          </a:p>
+        </p:txBody>
+      </p:sp>
+      <p:sp>
+        <p:nvSpPr>
+          <p:cNvPr id="3" name="Date Placeholder 2"/>
+          <p:cNvSpPr>
+            <a:spLocks noGrp="1"/>
+          </p:cNvSpPr>
+          <p:nvPr>
+            <p:ph type="dt" sz="half" idx="10"/>
+          </p:nvPr>
+        </p:nvSpPr>
+        <p:spPr/>
+        <p:txBody>
+          <a:bodyPr/>
+          <a:lstStyle/>
+          <a:p>
+            <a:fld id="{9A760A2F-4F2B-4080-A556-B0687F4CB1D8}" type="datetimeFigureOut">
+              <a:rPr lang="en-US" smtClean="0">
+                <a:solidFill>
+                  <a:prstClr val="black">
+                    <a:tint val="75000"/>
+                  </a:prstClr>
+                </a:solidFill>
+              </a:rPr>
+              <a:pPr/>
+              <a:t>21-Jul-22</a:t>
+            </a:fld>
+            <a:endParaRPr lang="en-US">
+              <a:solidFill>
+                <a:prstClr val="black">
+                  <a:tint val="75000"/>
+                </a:prstClr>
+              </a:solidFill>
+            </a:endParaRPr>
+          </a:p>
+        </p:txBody>
+      </p:sp>
+      <p:sp>
+        <p:nvSpPr>
+          <p:cNvPr id="4" name="Footer Placeholder 3"/>
+          <p:cNvSpPr>
+            <a:spLocks noGrp="1"/>
+          </p:cNvSpPr>
+          <p:nvPr>
+            <p:ph type="ftr" sz="quarter" idx="11"/>
+          </p:nvPr>
+        </p:nvSpPr>
+        <p:spPr/>
+        <p:txBody>
+          <a:bodyPr/>
+          <a:lstStyle/>
+          <a:p>
+            <a:endParaRPr lang="en-US">
+              <a:solidFill>
+                <a:prstClr val="black">
+                  <a:tint val="75000"/>
+                </a:prstClr>
+              </a:solidFill>
+            </a:endParaRPr>
+          </a:p>
+        </p:txBody>
+      </p:sp>
+      <p:sp>
+        <p:nvSpPr>
+          <p:cNvPr id="5" name="Slide Number Placeholder 4"/>
+          <p:cNvSpPr>
+            <a:spLocks noGrp="1"/>
+          </p:cNvSpPr>
+          <p:nvPr>
+            <p:ph type="sldNum" sz="quarter" idx="12"/>
+          </p:nvPr>
+        </p:nvSpPr>
+        <p:spPr/>
+        <p:txBody>
+          <a:bodyPr/>
+          <a:lstStyle/>
+          <a:p>
+            <a:fld id="{15E5B074-5DC1-46DC-8593-F24CC6FD3986}" type="slidenum">
+              <a:rPr lang="en-US" smtClean="0">
+                <a:solidFill>
+                  <a:prstClr val="black">
+                    <a:tint val="75000"/>
+                  </a:prstClr>
+                </a:solidFill>
+              </a:rPr>
+              <a:pPr/>
+              <a:t>‹#›</a:t>
+            </a:fld>
+            <a:endParaRPr lang="en-US">
+              <a:solidFill>
+                <a:prstClr val="black">
+                  <a:tint val="75000"/>
+                </a:prstClr>
+              </a:solidFill>
+            </a:endParaRPr>
+          </a:p>
+        </p:txBody>
+      </p:sp>
+    </p:spTree>
+    <p:extLst>
+      <p:ext uri="{BB962C8B-B14F-4D97-AF65-F5344CB8AC3E}">
+        <p14:creationId xmlns:p14="http://schemas.microsoft.com/office/powerpoint/2010/main" val="3346667535"/>
+      </p:ext>
+    </p:extLst>
+  </p:cSld>
+  <p:clrMapOvr>
+    <a:masterClrMapping/>
+  </p:clrMapOvr>
+</p:sldLayout>
+</file>
+
+<file path=ppt/slideLayouts/slideLayout18.xml><?xml version="1.0" encoding="utf-8"?>
+<p:sldLayout xmlns:a="http://schemas.openxmlformats.org/drawingml/2006/main" xmlns:r="http://schemas.openxmlformats.org/officeDocument/2006/relationships" xmlns:p="http://schemas.openxmlformats.org/presentationml/2006/main" type="blank" preserve="1">
+  <p:cSld name="Blank">
+    <p:spTree>
+      <p:nvGrpSpPr>
+        <p:cNvPr id="1" name=""/>
+        <p:cNvGrpSpPr/>
+        <p:nvPr/>
+      </p:nvGrpSpPr>
+      <p:grpSpPr>
+        <a:xfrm>
+          <a:off x="0" y="0"/>
+          <a:ext cx="0" cy="0"/>
+          <a:chOff x="0" y="0"/>
+          <a:chExt cx="0" cy="0"/>
+        </a:xfrm>
+      </p:grpSpPr>
+      <p:sp>
+        <p:nvSpPr>
+          <p:cNvPr id="2" name="Date Placeholder 1"/>
+          <p:cNvSpPr>
+            <a:spLocks noGrp="1"/>
+          </p:cNvSpPr>
+          <p:nvPr>
+            <p:ph type="dt" sz="half" idx="10"/>
+          </p:nvPr>
+        </p:nvSpPr>
+        <p:spPr/>
+        <p:txBody>
+          <a:bodyPr/>
+          <a:lstStyle/>
+          <a:p>
+            <a:fld id="{9A760A2F-4F2B-4080-A556-B0687F4CB1D8}" type="datetimeFigureOut">
+              <a:rPr lang="en-US" smtClean="0">
+                <a:solidFill>
+                  <a:prstClr val="black">
+                    <a:tint val="75000"/>
+                  </a:prstClr>
+                </a:solidFill>
+              </a:rPr>
+              <a:pPr/>
+              <a:t>21-Jul-22</a:t>
+            </a:fld>
+            <a:endParaRPr lang="en-US">
+              <a:solidFill>
+                <a:prstClr val="black">
+                  <a:tint val="75000"/>
+                </a:prstClr>
+              </a:solidFill>
+            </a:endParaRPr>
+          </a:p>
+        </p:txBody>
+      </p:sp>
+      <p:sp>
+        <p:nvSpPr>
+          <p:cNvPr id="3" name="Footer Placeholder 2"/>
+          <p:cNvSpPr>
+            <a:spLocks noGrp="1"/>
+          </p:cNvSpPr>
+          <p:nvPr>
+            <p:ph type="ftr" sz="quarter" idx="11"/>
+          </p:nvPr>
+        </p:nvSpPr>
+        <p:spPr/>
+        <p:txBody>
+          <a:bodyPr/>
+          <a:lstStyle/>
+          <a:p>
+            <a:endParaRPr lang="en-US">
+              <a:solidFill>
+                <a:prstClr val="black">
+                  <a:tint val="75000"/>
+                </a:prstClr>
+              </a:solidFill>
+            </a:endParaRPr>
+          </a:p>
+        </p:txBody>
+      </p:sp>
+      <p:sp>
+        <p:nvSpPr>
+          <p:cNvPr id="4" name="Slide Number Placeholder 3"/>
+          <p:cNvSpPr>
+            <a:spLocks noGrp="1"/>
+          </p:cNvSpPr>
+          <p:nvPr>
+            <p:ph type="sldNum" sz="quarter" idx="12"/>
+          </p:nvPr>
+        </p:nvSpPr>
+        <p:spPr/>
+        <p:txBody>
+          <a:bodyPr/>
+          <a:lstStyle/>
+          <a:p>
+            <a:fld id="{15E5B074-5DC1-46DC-8593-F24CC6FD3986}" type="slidenum">
+              <a:rPr lang="en-US" smtClean="0">
+                <a:solidFill>
+                  <a:prstClr val="black">
+                    <a:tint val="75000"/>
+                  </a:prstClr>
+                </a:solidFill>
+              </a:rPr>
+              <a:pPr/>
+              <a:t>‹#›</a:t>
+            </a:fld>
+            <a:endParaRPr lang="en-US">
+              <a:solidFill>
+                <a:prstClr val="black">
+                  <a:tint val="75000"/>
+                </a:prstClr>
+              </a:solidFill>
+            </a:endParaRPr>
+          </a:p>
+        </p:txBody>
+      </p:sp>
+    </p:spTree>
+    <p:extLst>
+      <p:ext uri="{BB962C8B-B14F-4D97-AF65-F5344CB8AC3E}">
+        <p14:creationId xmlns:p14="http://schemas.microsoft.com/office/powerpoint/2010/main" val="4074537708"/>
+      </p:ext>
+    </p:extLst>
+  </p:cSld>
+  <p:clrMapOvr>
+    <a:masterClrMapping/>
+  </p:clrMapOvr>
+</p:sldLayout>
+</file>
+
+<file path=ppt/slideLayouts/slideLayout19.xml><?xml version="1.0" encoding="utf-8"?>
+<p:sldLayout xmlns:a="http://schemas.openxmlformats.org/drawingml/2006/main" xmlns:r="http://schemas.openxmlformats.org/officeDocument/2006/relationships" xmlns:p="http://schemas.openxmlformats.org/presentationml/2006/main" type="objTx" preserve="1">
+  <p:cSld name="Content with Caption">
+    <p:spTree>
+      <p:nvGrpSpPr>
+        <p:cNvPr id="1" name=""/>
+        <p:cNvGrpSpPr/>
+        <p:nvPr/>
+      </p:nvGrpSpPr>
+      <p:grpSpPr>
+        <a:xfrm>
+          <a:off x="0" y="0"/>
+          <a:ext cx="0" cy="0"/>
+          <a:chOff x="0" y="0"/>
+          <a:chExt cx="0" cy="0"/>
+        </a:xfrm>
+      </p:grpSpPr>
+      <p:sp>
+        <p:nvSpPr>
+          <p:cNvPr id="2" name="Title 1"/>
+          <p:cNvSpPr>
+            <a:spLocks noGrp="1"/>
+          </p:cNvSpPr>
+          <p:nvPr>
+            <p:ph type="title"/>
+          </p:nvPr>
+        </p:nvSpPr>
+        <p:spPr>
+          <a:xfrm>
+            <a:off x="472381" y="660400"/>
+            <a:ext cx="2211883" cy="2311400"/>
+          </a:xfrm>
+        </p:spPr>
+        <p:txBody>
+          <a:bodyPr anchor="b"/>
+          <a:lstStyle>
+            <a:lvl1pPr>
+              <a:defRPr sz="1800"/>
+            </a:lvl1pPr>
+          </a:lstStyle>
+          <a:p>
+            <a:r>
+              <a:rPr lang="en-US" smtClean="0"/>
+              <a:t>Click to edit Master title style</a:t>
+            </a:r>
+            <a:endParaRPr lang="en-US"/>
+          </a:p>
+        </p:txBody>
+      </p:sp>
+      <p:sp>
+        <p:nvSpPr>
+          <p:cNvPr id="3" name="Content Placeholder 2"/>
+          <p:cNvSpPr>
+            <a:spLocks noGrp="1"/>
+          </p:cNvSpPr>
+          <p:nvPr>
+            <p:ph idx="1"/>
+          </p:nvPr>
+        </p:nvSpPr>
+        <p:spPr>
+          <a:xfrm>
+            <a:off x="2915543" y="1426281"/>
+            <a:ext cx="3471863" cy="7039681"/>
+          </a:xfrm>
+        </p:spPr>
+        <p:txBody>
+          <a:bodyPr/>
+          <a:lstStyle>
+            <a:lvl1pPr>
+              <a:defRPr sz="1800"/>
+            </a:lvl1pPr>
+            <a:lvl2pPr>
+              <a:defRPr sz="1575"/>
+            </a:lvl2pPr>
+            <a:lvl3pPr>
+              <a:defRPr sz="1350"/>
+            </a:lvl3pPr>
+            <a:lvl4pPr>
+              <a:defRPr sz="1125"/>
+            </a:lvl4pPr>
+            <a:lvl5pPr>
+              <a:defRPr sz="1125"/>
+            </a:lvl5pPr>
+            <a:lvl6pPr>
+              <a:defRPr sz="1125"/>
+            </a:lvl6pPr>
+            <a:lvl7pPr>
+              <a:defRPr sz="1125"/>
+            </a:lvl7pPr>
+            <a:lvl8pPr>
+              <a:defRPr sz="1125"/>
+            </a:lvl8pPr>
+            <a:lvl9pPr>
+              <a:defRPr sz="1125"/>
+            </a:lvl9pPr>
+          </a:lstStyle>
+          <a:p>
+            <a:pPr lvl="0"/>
+            <a:r>
+              <a:rPr lang="en-US" smtClean="0"/>
+              <a:t>Click to edit Master text styles</a:t>
+            </a:r>
+          </a:p>
+          <a:p>
+            <a:pPr lvl="1"/>
+            <a:r>
+              <a:rPr lang="en-US" smtClean="0"/>
+              <a:t>Second level</a:t>
+            </a:r>
+          </a:p>
+          <a:p>
+            <a:pPr lvl="2"/>
+            <a:r>
+              <a:rPr lang="en-US" smtClean="0"/>
+              <a:t>Third level</a:t>
+            </a:r>
+          </a:p>
+          <a:p>
+            <a:pPr lvl="3"/>
+            <a:r>
+              <a:rPr lang="en-US" smtClean="0"/>
+              <a:t>Fourth level</a:t>
+            </a:r>
+          </a:p>
+          <a:p>
+            <a:pPr lvl="4"/>
+            <a:r>
+              <a:rPr lang="en-US" smtClean="0"/>
+              <a:t>Fifth level</a:t>
+            </a:r>
+            <a:endParaRPr lang="en-US"/>
+          </a:p>
+        </p:txBody>
+      </p:sp>
+      <p:sp>
+        <p:nvSpPr>
+          <p:cNvPr id="4" name="Text Placeholder 3"/>
+          <p:cNvSpPr>
+            <a:spLocks noGrp="1"/>
+          </p:cNvSpPr>
+          <p:nvPr>
+            <p:ph type="body" sz="half" idx="2"/>
+          </p:nvPr>
+        </p:nvSpPr>
+        <p:spPr>
+          <a:xfrm>
+            <a:off x="472381" y="2971800"/>
+            <a:ext cx="2211883" cy="5505627"/>
+          </a:xfrm>
+        </p:spPr>
+        <p:txBody>
+          <a:bodyPr/>
+          <a:lstStyle>
+            <a:lvl1pPr marL="0" indent="0">
+              <a:buNone/>
+              <a:defRPr sz="900"/>
+            </a:lvl1pPr>
+            <a:lvl2pPr marL="257175" indent="0">
+              <a:buNone/>
+              <a:defRPr sz="788"/>
+            </a:lvl2pPr>
+            <a:lvl3pPr marL="514350" indent="0">
+              <a:buNone/>
+              <a:defRPr sz="675"/>
+            </a:lvl3pPr>
+            <a:lvl4pPr marL="771525" indent="0">
+              <a:buNone/>
+              <a:defRPr sz="563"/>
+            </a:lvl4pPr>
+            <a:lvl5pPr marL="1028700" indent="0">
+              <a:buNone/>
+              <a:defRPr sz="563"/>
+            </a:lvl5pPr>
+            <a:lvl6pPr marL="1285875" indent="0">
+              <a:buNone/>
+              <a:defRPr sz="563"/>
+            </a:lvl6pPr>
+            <a:lvl7pPr marL="1543050" indent="0">
+              <a:buNone/>
+              <a:defRPr sz="563"/>
+            </a:lvl7pPr>
+            <a:lvl8pPr marL="1800225" indent="0">
+              <a:buNone/>
+              <a:defRPr sz="563"/>
+            </a:lvl8pPr>
+            <a:lvl9pPr marL="2057400" indent="0">
+              <a:buNone/>
+              <a:defRPr sz="563"/>
+            </a:lvl9pPr>
+          </a:lstStyle>
+          <a:p>
+            <a:pPr lvl="0"/>
+            <a:r>
+              <a:rPr lang="en-US" smtClean="0"/>
+              <a:t>Click to edit Master text styles</a:t>
+            </a:r>
+          </a:p>
+        </p:txBody>
+      </p:sp>
+      <p:sp>
+        <p:nvSpPr>
+          <p:cNvPr id="5" name="Date Placeholder 4"/>
+          <p:cNvSpPr>
+            <a:spLocks noGrp="1"/>
+          </p:cNvSpPr>
+          <p:nvPr>
+            <p:ph type="dt" sz="half" idx="10"/>
+          </p:nvPr>
+        </p:nvSpPr>
+        <p:spPr/>
+        <p:txBody>
+          <a:bodyPr/>
+          <a:lstStyle/>
+          <a:p>
+            <a:fld id="{9A760A2F-4F2B-4080-A556-B0687F4CB1D8}" type="datetimeFigureOut">
+              <a:rPr lang="en-US" smtClean="0">
+                <a:solidFill>
+                  <a:prstClr val="black">
+                    <a:tint val="75000"/>
+                  </a:prstClr>
+                </a:solidFill>
+              </a:rPr>
+              <a:pPr/>
+              <a:t>21-Jul-22</a:t>
+            </a:fld>
+            <a:endParaRPr lang="en-US">
+              <a:solidFill>
+                <a:prstClr val="black">
+                  <a:tint val="75000"/>
+                </a:prstClr>
+              </a:solidFill>
+            </a:endParaRPr>
+          </a:p>
+        </p:txBody>
+      </p:sp>
+      <p:sp>
+        <p:nvSpPr>
+          <p:cNvPr id="6" name="Footer Placeholder 5"/>
+          <p:cNvSpPr>
+            <a:spLocks noGrp="1"/>
+          </p:cNvSpPr>
+          <p:nvPr>
+            <p:ph type="ftr" sz="quarter" idx="11"/>
+          </p:nvPr>
+        </p:nvSpPr>
+        <p:spPr/>
+        <p:txBody>
+          <a:bodyPr/>
+          <a:lstStyle/>
+          <a:p>
+            <a:endParaRPr lang="en-US">
+              <a:solidFill>
+                <a:prstClr val="black">
+                  <a:tint val="75000"/>
+                </a:prstClr>
+              </a:solidFill>
+            </a:endParaRPr>
+          </a:p>
+        </p:txBody>
+      </p:sp>
+      <p:sp>
+        <p:nvSpPr>
+          <p:cNvPr id="7" name="Slide Number Placeholder 6"/>
+          <p:cNvSpPr>
+            <a:spLocks noGrp="1"/>
+          </p:cNvSpPr>
+          <p:nvPr>
+            <p:ph type="sldNum" sz="quarter" idx="12"/>
+          </p:nvPr>
+        </p:nvSpPr>
+        <p:spPr/>
+        <p:txBody>
+          <a:bodyPr/>
+          <a:lstStyle/>
+          <a:p>
+            <a:fld id="{15E5B074-5DC1-46DC-8593-F24CC6FD3986}" type="slidenum">
+              <a:rPr lang="en-US" smtClean="0">
+                <a:solidFill>
+                  <a:prstClr val="black">
+                    <a:tint val="75000"/>
+                  </a:prstClr>
+                </a:solidFill>
+              </a:rPr>
+              <a:pPr/>
+              <a:t>‹#›</a:t>
+            </a:fld>
+            <a:endParaRPr lang="en-US">
+              <a:solidFill>
+                <a:prstClr val="black">
+                  <a:tint val="75000"/>
+                </a:prstClr>
+              </a:solidFill>
+            </a:endParaRPr>
+          </a:p>
+        </p:txBody>
+      </p:sp>
+    </p:spTree>
+    <p:extLst>
+      <p:ext uri="{BB962C8B-B14F-4D97-AF65-F5344CB8AC3E}">
+        <p14:creationId xmlns:p14="http://schemas.microsoft.com/office/powerpoint/2010/main" val="254938720"/>
       </p:ext>
     </p:extLst>
   </p:cSld>
@@ -771,7 +2727,7 @@
           <a:p>
             <a:fld id="{8CFA0E7C-984D-478C-8A58-5F25078EE913}" type="datetimeFigureOut">
               <a:rPr lang="en-US" smtClean="0"/>
-              <a:t>03-Jul-22</a:t>
+              <a:t>21-Jul-22</a:t>
             </a:fld>
             <a:endParaRPr lang="en-US"/>
           </a:p>
@@ -823,6 +2779,705 @@
     <p:extLst>
       <p:ext uri="{BB962C8B-B14F-4D97-AF65-F5344CB8AC3E}">
         <p14:creationId xmlns:p14="http://schemas.microsoft.com/office/powerpoint/2010/main" val="3269463133"/>
+      </p:ext>
+    </p:extLst>
+  </p:cSld>
+  <p:clrMapOvr>
+    <a:masterClrMapping/>
+  </p:clrMapOvr>
+</p:sldLayout>
+</file>
+
+<file path=ppt/slideLayouts/slideLayout20.xml><?xml version="1.0" encoding="utf-8"?>
+<p:sldLayout xmlns:a="http://schemas.openxmlformats.org/drawingml/2006/main" xmlns:r="http://schemas.openxmlformats.org/officeDocument/2006/relationships" xmlns:p="http://schemas.openxmlformats.org/presentationml/2006/main" type="picTx" preserve="1">
+  <p:cSld name="Picture with Caption">
+    <p:spTree>
+      <p:nvGrpSpPr>
+        <p:cNvPr id="1" name=""/>
+        <p:cNvGrpSpPr/>
+        <p:nvPr/>
+      </p:nvGrpSpPr>
+      <p:grpSpPr>
+        <a:xfrm>
+          <a:off x="0" y="0"/>
+          <a:ext cx="0" cy="0"/>
+          <a:chOff x="0" y="0"/>
+          <a:chExt cx="0" cy="0"/>
+        </a:xfrm>
+      </p:grpSpPr>
+      <p:sp>
+        <p:nvSpPr>
+          <p:cNvPr id="2" name="Title 1"/>
+          <p:cNvSpPr>
+            <a:spLocks noGrp="1"/>
+          </p:cNvSpPr>
+          <p:nvPr>
+            <p:ph type="title"/>
+          </p:nvPr>
+        </p:nvSpPr>
+        <p:spPr>
+          <a:xfrm>
+            <a:off x="472381" y="660400"/>
+            <a:ext cx="2211883" cy="2311400"/>
+          </a:xfrm>
+        </p:spPr>
+        <p:txBody>
+          <a:bodyPr anchor="b"/>
+          <a:lstStyle>
+            <a:lvl1pPr>
+              <a:defRPr sz="1800"/>
+            </a:lvl1pPr>
+          </a:lstStyle>
+          <a:p>
+            <a:r>
+              <a:rPr lang="en-US" smtClean="0"/>
+              <a:t>Click to edit Master title style</a:t>
+            </a:r>
+            <a:endParaRPr lang="en-US"/>
+          </a:p>
+        </p:txBody>
+      </p:sp>
+      <p:sp>
+        <p:nvSpPr>
+          <p:cNvPr id="3" name="Picture Placeholder 2"/>
+          <p:cNvSpPr>
+            <a:spLocks noGrp="1"/>
+          </p:cNvSpPr>
+          <p:nvPr>
+            <p:ph type="pic" idx="1"/>
+          </p:nvPr>
+        </p:nvSpPr>
+        <p:spPr>
+          <a:xfrm>
+            <a:off x="2915543" y="1426281"/>
+            <a:ext cx="3471863" cy="7039681"/>
+          </a:xfrm>
+        </p:spPr>
+        <p:txBody>
+          <a:bodyPr/>
+          <a:lstStyle>
+            <a:lvl1pPr marL="0" indent="0">
+              <a:buNone/>
+              <a:defRPr sz="1800"/>
+            </a:lvl1pPr>
+            <a:lvl2pPr marL="257175" indent="0">
+              <a:buNone/>
+              <a:defRPr sz="1575"/>
+            </a:lvl2pPr>
+            <a:lvl3pPr marL="514350" indent="0">
+              <a:buNone/>
+              <a:defRPr sz="1350"/>
+            </a:lvl3pPr>
+            <a:lvl4pPr marL="771525" indent="0">
+              <a:buNone/>
+              <a:defRPr sz="1125"/>
+            </a:lvl4pPr>
+            <a:lvl5pPr marL="1028700" indent="0">
+              <a:buNone/>
+              <a:defRPr sz="1125"/>
+            </a:lvl5pPr>
+            <a:lvl6pPr marL="1285875" indent="0">
+              <a:buNone/>
+              <a:defRPr sz="1125"/>
+            </a:lvl6pPr>
+            <a:lvl7pPr marL="1543050" indent="0">
+              <a:buNone/>
+              <a:defRPr sz="1125"/>
+            </a:lvl7pPr>
+            <a:lvl8pPr marL="1800225" indent="0">
+              <a:buNone/>
+              <a:defRPr sz="1125"/>
+            </a:lvl8pPr>
+            <a:lvl9pPr marL="2057400" indent="0">
+              <a:buNone/>
+              <a:defRPr sz="1125"/>
+            </a:lvl9pPr>
+          </a:lstStyle>
+          <a:p>
+            <a:endParaRPr lang="en-US"/>
+          </a:p>
+        </p:txBody>
+      </p:sp>
+      <p:sp>
+        <p:nvSpPr>
+          <p:cNvPr id="4" name="Text Placeholder 3"/>
+          <p:cNvSpPr>
+            <a:spLocks noGrp="1"/>
+          </p:cNvSpPr>
+          <p:nvPr>
+            <p:ph type="body" sz="half" idx="2"/>
+          </p:nvPr>
+        </p:nvSpPr>
+        <p:spPr>
+          <a:xfrm>
+            <a:off x="472381" y="2971800"/>
+            <a:ext cx="2211883" cy="5505627"/>
+          </a:xfrm>
+        </p:spPr>
+        <p:txBody>
+          <a:bodyPr/>
+          <a:lstStyle>
+            <a:lvl1pPr marL="0" indent="0">
+              <a:buNone/>
+              <a:defRPr sz="900"/>
+            </a:lvl1pPr>
+            <a:lvl2pPr marL="257175" indent="0">
+              <a:buNone/>
+              <a:defRPr sz="788"/>
+            </a:lvl2pPr>
+            <a:lvl3pPr marL="514350" indent="0">
+              <a:buNone/>
+              <a:defRPr sz="675"/>
+            </a:lvl3pPr>
+            <a:lvl4pPr marL="771525" indent="0">
+              <a:buNone/>
+              <a:defRPr sz="563"/>
+            </a:lvl4pPr>
+            <a:lvl5pPr marL="1028700" indent="0">
+              <a:buNone/>
+              <a:defRPr sz="563"/>
+            </a:lvl5pPr>
+            <a:lvl6pPr marL="1285875" indent="0">
+              <a:buNone/>
+              <a:defRPr sz="563"/>
+            </a:lvl6pPr>
+            <a:lvl7pPr marL="1543050" indent="0">
+              <a:buNone/>
+              <a:defRPr sz="563"/>
+            </a:lvl7pPr>
+            <a:lvl8pPr marL="1800225" indent="0">
+              <a:buNone/>
+              <a:defRPr sz="563"/>
+            </a:lvl8pPr>
+            <a:lvl9pPr marL="2057400" indent="0">
+              <a:buNone/>
+              <a:defRPr sz="563"/>
+            </a:lvl9pPr>
+          </a:lstStyle>
+          <a:p>
+            <a:pPr lvl="0"/>
+            <a:r>
+              <a:rPr lang="en-US" smtClean="0"/>
+              <a:t>Click to edit Master text styles</a:t>
+            </a:r>
+          </a:p>
+        </p:txBody>
+      </p:sp>
+      <p:sp>
+        <p:nvSpPr>
+          <p:cNvPr id="5" name="Date Placeholder 4"/>
+          <p:cNvSpPr>
+            <a:spLocks noGrp="1"/>
+          </p:cNvSpPr>
+          <p:nvPr>
+            <p:ph type="dt" sz="half" idx="10"/>
+          </p:nvPr>
+        </p:nvSpPr>
+        <p:spPr/>
+        <p:txBody>
+          <a:bodyPr/>
+          <a:lstStyle/>
+          <a:p>
+            <a:fld id="{9A760A2F-4F2B-4080-A556-B0687F4CB1D8}" type="datetimeFigureOut">
+              <a:rPr lang="en-US" smtClean="0">
+                <a:solidFill>
+                  <a:prstClr val="black">
+                    <a:tint val="75000"/>
+                  </a:prstClr>
+                </a:solidFill>
+              </a:rPr>
+              <a:pPr/>
+              <a:t>21-Jul-22</a:t>
+            </a:fld>
+            <a:endParaRPr lang="en-US">
+              <a:solidFill>
+                <a:prstClr val="black">
+                  <a:tint val="75000"/>
+                </a:prstClr>
+              </a:solidFill>
+            </a:endParaRPr>
+          </a:p>
+        </p:txBody>
+      </p:sp>
+      <p:sp>
+        <p:nvSpPr>
+          <p:cNvPr id="6" name="Footer Placeholder 5"/>
+          <p:cNvSpPr>
+            <a:spLocks noGrp="1"/>
+          </p:cNvSpPr>
+          <p:nvPr>
+            <p:ph type="ftr" sz="quarter" idx="11"/>
+          </p:nvPr>
+        </p:nvSpPr>
+        <p:spPr/>
+        <p:txBody>
+          <a:bodyPr/>
+          <a:lstStyle/>
+          <a:p>
+            <a:endParaRPr lang="en-US">
+              <a:solidFill>
+                <a:prstClr val="black">
+                  <a:tint val="75000"/>
+                </a:prstClr>
+              </a:solidFill>
+            </a:endParaRPr>
+          </a:p>
+        </p:txBody>
+      </p:sp>
+      <p:sp>
+        <p:nvSpPr>
+          <p:cNvPr id="7" name="Slide Number Placeholder 6"/>
+          <p:cNvSpPr>
+            <a:spLocks noGrp="1"/>
+          </p:cNvSpPr>
+          <p:nvPr>
+            <p:ph type="sldNum" sz="quarter" idx="12"/>
+          </p:nvPr>
+        </p:nvSpPr>
+        <p:spPr/>
+        <p:txBody>
+          <a:bodyPr/>
+          <a:lstStyle/>
+          <a:p>
+            <a:fld id="{15E5B074-5DC1-46DC-8593-F24CC6FD3986}" type="slidenum">
+              <a:rPr lang="en-US" smtClean="0">
+                <a:solidFill>
+                  <a:prstClr val="black">
+                    <a:tint val="75000"/>
+                  </a:prstClr>
+                </a:solidFill>
+              </a:rPr>
+              <a:pPr/>
+              <a:t>‹#›</a:t>
+            </a:fld>
+            <a:endParaRPr lang="en-US">
+              <a:solidFill>
+                <a:prstClr val="black">
+                  <a:tint val="75000"/>
+                </a:prstClr>
+              </a:solidFill>
+            </a:endParaRPr>
+          </a:p>
+        </p:txBody>
+      </p:sp>
+    </p:spTree>
+    <p:extLst>
+      <p:ext uri="{BB962C8B-B14F-4D97-AF65-F5344CB8AC3E}">
+        <p14:creationId xmlns:p14="http://schemas.microsoft.com/office/powerpoint/2010/main" val="1033284657"/>
+      </p:ext>
+    </p:extLst>
+  </p:cSld>
+  <p:clrMapOvr>
+    <a:masterClrMapping/>
+  </p:clrMapOvr>
+</p:sldLayout>
+</file>
+
+<file path=ppt/slideLayouts/slideLayout21.xml><?xml version="1.0" encoding="utf-8"?>
+<p:sldLayout xmlns:a="http://schemas.openxmlformats.org/drawingml/2006/main" xmlns:r="http://schemas.openxmlformats.org/officeDocument/2006/relationships" xmlns:p="http://schemas.openxmlformats.org/presentationml/2006/main" type="vertTx" preserve="1">
+  <p:cSld name="Title and Vertical Text">
+    <p:spTree>
+      <p:nvGrpSpPr>
+        <p:cNvPr id="1" name=""/>
+        <p:cNvGrpSpPr/>
+        <p:nvPr/>
+      </p:nvGrpSpPr>
+      <p:grpSpPr>
+        <a:xfrm>
+          <a:off x="0" y="0"/>
+          <a:ext cx="0" cy="0"/>
+          <a:chOff x="0" y="0"/>
+          <a:chExt cx="0" cy="0"/>
+        </a:xfrm>
+      </p:grpSpPr>
+      <p:sp>
+        <p:nvSpPr>
+          <p:cNvPr id="2" name="Title 1"/>
+          <p:cNvSpPr>
+            <a:spLocks noGrp="1"/>
+          </p:cNvSpPr>
+          <p:nvPr>
+            <p:ph type="title"/>
+          </p:nvPr>
+        </p:nvSpPr>
+        <p:spPr/>
+        <p:txBody>
+          <a:bodyPr/>
+          <a:lstStyle/>
+          <a:p>
+            <a:r>
+              <a:rPr lang="en-US" smtClean="0"/>
+              <a:t>Click to edit Master title style</a:t>
+            </a:r>
+            <a:endParaRPr lang="en-US"/>
+          </a:p>
+        </p:txBody>
+      </p:sp>
+      <p:sp>
+        <p:nvSpPr>
+          <p:cNvPr id="3" name="Vertical Text Placeholder 2"/>
+          <p:cNvSpPr>
+            <a:spLocks noGrp="1"/>
+          </p:cNvSpPr>
+          <p:nvPr>
+            <p:ph type="body" orient="vert" idx="1"/>
+          </p:nvPr>
+        </p:nvSpPr>
+        <p:spPr/>
+        <p:txBody>
+          <a:bodyPr vert="eaVert"/>
+          <a:lstStyle/>
+          <a:p>
+            <a:pPr lvl="0"/>
+            <a:r>
+              <a:rPr lang="en-US" smtClean="0"/>
+              <a:t>Click to edit Master text styles</a:t>
+            </a:r>
+          </a:p>
+          <a:p>
+            <a:pPr lvl="1"/>
+            <a:r>
+              <a:rPr lang="en-US" smtClean="0"/>
+              <a:t>Second level</a:t>
+            </a:r>
+          </a:p>
+          <a:p>
+            <a:pPr lvl="2"/>
+            <a:r>
+              <a:rPr lang="en-US" smtClean="0"/>
+              <a:t>Third level</a:t>
+            </a:r>
+          </a:p>
+          <a:p>
+            <a:pPr lvl="3"/>
+            <a:r>
+              <a:rPr lang="en-US" smtClean="0"/>
+              <a:t>Fourth level</a:t>
+            </a:r>
+          </a:p>
+          <a:p>
+            <a:pPr lvl="4"/>
+            <a:r>
+              <a:rPr lang="en-US" smtClean="0"/>
+              <a:t>Fifth level</a:t>
+            </a:r>
+            <a:endParaRPr lang="en-US"/>
+          </a:p>
+        </p:txBody>
+      </p:sp>
+      <p:sp>
+        <p:nvSpPr>
+          <p:cNvPr id="4" name="Date Placeholder 3"/>
+          <p:cNvSpPr>
+            <a:spLocks noGrp="1"/>
+          </p:cNvSpPr>
+          <p:nvPr>
+            <p:ph type="dt" sz="half" idx="10"/>
+          </p:nvPr>
+        </p:nvSpPr>
+        <p:spPr/>
+        <p:txBody>
+          <a:bodyPr/>
+          <a:lstStyle/>
+          <a:p>
+            <a:fld id="{9A760A2F-4F2B-4080-A556-B0687F4CB1D8}" type="datetimeFigureOut">
+              <a:rPr lang="en-US" smtClean="0">
+                <a:solidFill>
+                  <a:prstClr val="black">
+                    <a:tint val="75000"/>
+                  </a:prstClr>
+                </a:solidFill>
+              </a:rPr>
+              <a:pPr/>
+              <a:t>21-Jul-22</a:t>
+            </a:fld>
+            <a:endParaRPr lang="en-US">
+              <a:solidFill>
+                <a:prstClr val="black">
+                  <a:tint val="75000"/>
+                </a:prstClr>
+              </a:solidFill>
+            </a:endParaRPr>
+          </a:p>
+        </p:txBody>
+      </p:sp>
+      <p:sp>
+        <p:nvSpPr>
+          <p:cNvPr id="5" name="Footer Placeholder 4"/>
+          <p:cNvSpPr>
+            <a:spLocks noGrp="1"/>
+          </p:cNvSpPr>
+          <p:nvPr>
+            <p:ph type="ftr" sz="quarter" idx="11"/>
+          </p:nvPr>
+        </p:nvSpPr>
+        <p:spPr/>
+        <p:txBody>
+          <a:bodyPr/>
+          <a:lstStyle/>
+          <a:p>
+            <a:endParaRPr lang="en-US">
+              <a:solidFill>
+                <a:prstClr val="black">
+                  <a:tint val="75000"/>
+                </a:prstClr>
+              </a:solidFill>
+            </a:endParaRPr>
+          </a:p>
+        </p:txBody>
+      </p:sp>
+      <p:sp>
+        <p:nvSpPr>
+          <p:cNvPr id="6" name="Slide Number Placeholder 5"/>
+          <p:cNvSpPr>
+            <a:spLocks noGrp="1"/>
+          </p:cNvSpPr>
+          <p:nvPr>
+            <p:ph type="sldNum" sz="quarter" idx="12"/>
+          </p:nvPr>
+        </p:nvSpPr>
+        <p:spPr/>
+        <p:txBody>
+          <a:bodyPr/>
+          <a:lstStyle/>
+          <a:p>
+            <a:fld id="{15E5B074-5DC1-46DC-8593-F24CC6FD3986}" type="slidenum">
+              <a:rPr lang="en-US" smtClean="0">
+                <a:solidFill>
+                  <a:prstClr val="black">
+                    <a:tint val="75000"/>
+                  </a:prstClr>
+                </a:solidFill>
+              </a:rPr>
+              <a:pPr/>
+              <a:t>‹#›</a:t>
+            </a:fld>
+            <a:endParaRPr lang="en-US">
+              <a:solidFill>
+                <a:prstClr val="black">
+                  <a:tint val="75000"/>
+                </a:prstClr>
+              </a:solidFill>
+            </a:endParaRPr>
+          </a:p>
+        </p:txBody>
+      </p:sp>
+    </p:spTree>
+    <p:extLst>
+      <p:ext uri="{BB962C8B-B14F-4D97-AF65-F5344CB8AC3E}">
+        <p14:creationId xmlns:p14="http://schemas.microsoft.com/office/powerpoint/2010/main" val="209398324"/>
+      </p:ext>
+    </p:extLst>
+  </p:cSld>
+  <p:clrMapOvr>
+    <a:masterClrMapping/>
+  </p:clrMapOvr>
+</p:sldLayout>
+</file>
+
+<file path=ppt/slideLayouts/slideLayout22.xml><?xml version="1.0" encoding="utf-8"?>
+<p:sldLayout xmlns:a="http://schemas.openxmlformats.org/drawingml/2006/main" xmlns:r="http://schemas.openxmlformats.org/officeDocument/2006/relationships" xmlns:p="http://schemas.openxmlformats.org/presentationml/2006/main" type="vertTitleAndTx" preserve="1">
+  <p:cSld name="Vertical Title and Text">
+    <p:spTree>
+      <p:nvGrpSpPr>
+        <p:cNvPr id="1" name=""/>
+        <p:cNvGrpSpPr/>
+        <p:nvPr/>
+      </p:nvGrpSpPr>
+      <p:grpSpPr>
+        <a:xfrm>
+          <a:off x="0" y="0"/>
+          <a:ext cx="0" cy="0"/>
+          <a:chOff x="0" y="0"/>
+          <a:chExt cx="0" cy="0"/>
+        </a:xfrm>
+      </p:grpSpPr>
+      <p:sp>
+        <p:nvSpPr>
+          <p:cNvPr id="2" name="Vertical Title 1"/>
+          <p:cNvSpPr>
+            <a:spLocks noGrp="1"/>
+          </p:cNvSpPr>
+          <p:nvPr>
+            <p:ph type="title" orient="vert"/>
+          </p:nvPr>
+        </p:nvSpPr>
+        <p:spPr>
+          <a:xfrm>
+            <a:off x="4907756" y="527403"/>
+            <a:ext cx="1478756" cy="8394877"/>
+          </a:xfrm>
+        </p:spPr>
+        <p:txBody>
+          <a:bodyPr vert="eaVert"/>
+          <a:lstStyle/>
+          <a:p>
+            <a:r>
+              <a:rPr lang="en-US" smtClean="0"/>
+              <a:t>Click to edit Master title style</a:t>
+            </a:r>
+            <a:endParaRPr lang="en-US"/>
+          </a:p>
+        </p:txBody>
+      </p:sp>
+      <p:sp>
+        <p:nvSpPr>
+          <p:cNvPr id="3" name="Vertical Text Placeholder 2"/>
+          <p:cNvSpPr>
+            <a:spLocks noGrp="1"/>
+          </p:cNvSpPr>
+          <p:nvPr>
+            <p:ph type="body" orient="vert" idx="1"/>
+          </p:nvPr>
+        </p:nvSpPr>
+        <p:spPr>
+          <a:xfrm>
+            <a:off x="471487" y="527403"/>
+            <a:ext cx="4350544" cy="8394877"/>
+          </a:xfrm>
+        </p:spPr>
+        <p:txBody>
+          <a:bodyPr vert="eaVert"/>
+          <a:lstStyle/>
+          <a:p>
+            <a:pPr lvl="0"/>
+            <a:r>
+              <a:rPr lang="en-US" smtClean="0"/>
+              <a:t>Click to edit Master text styles</a:t>
+            </a:r>
+          </a:p>
+          <a:p>
+            <a:pPr lvl="1"/>
+            <a:r>
+              <a:rPr lang="en-US" smtClean="0"/>
+              <a:t>Second level</a:t>
+            </a:r>
+          </a:p>
+          <a:p>
+            <a:pPr lvl="2"/>
+            <a:r>
+              <a:rPr lang="en-US" smtClean="0"/>
+              <a:t>Third level</a:t>
+            </a:r>
+          </a:p>
+          <a:p>
+            <a:pPr lvl="3"/>
+            <a:r>
+              <a:rPr lang="en-US" smtClean="0"/>
+              <a:t>Fourth level</a:t>
+            </a:r>
+          </a:p>
+          <a:p>
+            <a:pPr lvl="4"/>
+            <a:r>
+              <a:rPr lang="en-US" smtClean="0"/>
+              <a:t>Fifth level</a:t>
+            </a:r>
+            <a:endParaRPr lang="en-US"/>
+          </a:p>
+        </p:txBody>
+      </p:sp>
+      <p:sp>
+        <p:nvSpPr>
+          <p:cNvPr id="4" name="Date Placeholder 3"/>
+          <p:cNvSpPr>
+            <a:spLocks noGrp="1"/>
+          </p:cNvSpPr>
+          <p:nvPr>
+            <p:ph type="dt" sz="half" idx="10"/>
+          </p:nvPr>
+        </p:nvSpPr>
+        <p:spPr/>
+        <p:txBody>
+          <a:bodyPr/>
+          <a:lstStyle/>
+          <a:p>
+            <a:fld id="{9A760A2F-4F2B-4080-A556-B0687F4CB1D8}" type="datetimeFigureOut">
+              <a:rPr lang="en-US" smtClean="0">
+                <a:solidFill>
+                  <a:prstClr val="black">
+                    <a:tint val="75000"/>
+                  </a:prstClr>
+                </a:solidFill>
+              </a:rPr>
+              <a:pPr/>
+              <a:t>21-Jul-22</a:t>
+            </a:fld>
+            <a:endParaRPr lang="en-US">
+              <a:solidFill>
+                <a:prstClr val="black">
+                  <a:tint val="75000"/>
+                </a:prstClr>
+              </a:solidFill>
+            </a:endParaRPr>
+          </a:p>
+        </p:txBody>
+      </p:sp>
+      <p:sp>
+        <p:nvSpPr>
+          <p:cNvPr id="5" name="Footer Placeholder 4"/>
+          <p:cNvSpPr>
+            <a:spLocks noGrp="1"/>
+          </p:cNvSpPr>
+          <p:nvPr>
+            <p:ph type="ftr" sz="quarter" idx="11"/>
+          </p:nvPr>
+        </p:nvSpPr>
+        <p:spPr/>
+        <p:txBody>
+          <a:bodyPr/>
+          <a:lstStyle/>
+          <a:p>
+            <a:endParaRPr lang="en-US">
+              <a:solidFill>
+                <a:prstClr val="black">
+                  <a:tint val="75000"/>
+                </a:prstClr>
+              </a:solidFill>
+            </a:endParaRPr>
+          </a:p>
+        </p:txBody>
+      </p:sp>
+      <p:sp>
+        <p:nvSpPr>
+          <p:cNvPr id="6" name="Slide Number Placeholder 5"/>
+          <p:cNvSpPr>
+            <a:spLocks noGrp="1"/>
+          </p:cNvSpPr>
+          <p:nvPr>
+            <p:ph type="sldNum" sz="quarter" idx="12"/>
+          </p:nvPr>
+        </p:nvSpPr>
+        <p:spPr/>
+        <p:txBody>
+          <a:bodyPr/>
+          <a:lstStyle/>
+          <a:p>
+            <a:fld id="{15E5B074-5DC1-46DC-8593-F24CC6FD3986}" type="slidenum">
+              <a:rPr lang="en-US" smtClean="0">
+                <a:solidFill>
+                  <a:prstClr val="black">
+                    <a:tint val="75000"/>
+                  </a:prstClr>
+                </a:solidFill>
+              </a:rPr>
+              <a:pPr/>
+              <a:t>‹#›</a:t>
+            </a:fld>
+            <a:endParaRPr lang="en-US">
+              <a:solidFill>
+                <a:prstClr val="black">
+                  <a:tint val="75000"/>
+                </a:prstClr>
+              </a:solidFill>
+            </a:endParaRPr>
+          </a:p>
+        </p:txBody>
+      </p:sp>
+    </p:spTree>
+    <p:extLst>
+      <p:ext uri="{BB962C8B-B14F-4D97-AF65-F5344CB8AC3E}">
+        <p14:creationId xmlns:p14="http://schemas.microsoft.com/office/powerpoint/2010/main" val="601013416"/>
       </p:ext>
     </p:extLst>
   </p:cSld>
@@ -1015,7 +3670,7 @@
           <a:p>
             <a:fld id="{8CFA0E7C-984D-478C-8A58-5F25078EE913}" type="datetimeFigureOut">
               <a:rPr lang="en-US" smtClean="0"/>
-              <a:t>03-Jul-22</a:t>
+              <a:t>21-Jul-22</a:t>
             </a:fld>
             <a:endParaRPr lang="en-US"/>
           </a:p>
@@ -1247,7 +3902,7 @@
           <a:p>
             <a:fld id="{8CFA0E7C-984D-478C-8A58-5F25078EE913}" type="datetimeFigureOut">
               <a:rPr lang="en-US" smtClean="0"/>
-              <a:t>03-Jul-22</a:t>
+              <a:t>21-Jul-22</a:t>
             </a:fld>
             <a:endParaRPr lang="en-US"/>
           </a:p>
@@ -1614,7 +4269,7 @@
           <a:p>
             <a:fld id="{8CFA0E7C-984D-478C-8A58-5F25078EE913}" type="datetimeFigureOut">
               <a:rPr lang="en-US" smtClean="0"/>
-              <a:t>03-Jul-22</a:t>
+              <a:t>21-Jul-22</a:t>
             </a:fld>
             <a:endParaRPr lang="en-US"/>
           </a:p>
@@ -1732,7 +4387,7 @@
           <a:p>
             <a:fld id="{8CFA0E7C-984D-478C-8A58-5F25078EE913}" type="datetimeFigureOut">
               <a:rPr lang="en-US" smtClean="0"/>
-              <a:t>03-Jul-22</a:t>
+              <a:t>21-Jul-22</a:t>
             </a:fld>
             <a:endParaRPr lang="en-US"/>
           </a:p>
@@ -1827,7 +4482,7 @@
           <a:p>
             <a:fld id="{8CFA0E7C-984D-478C-8A58-5F25078EE913}" type="datetimeFigureOut">
               <a:rPr lang="en-US" smtClean="0"/>
-              <a:t>03-Jul-22</a:t>
+              <a:t>21-Jul-22</a:t>
             </a:fld>
             <a:endParaRPr lang="en-US"/>
           </a:p>
@@ -2104,7 +4759,7 @@
           <a:p>
             <a:fld id="{8CFA0E7C-984D-478C-8A58-5F25078EE913}" type="datetimeFigureOut">
               <a:rPr lang="en-US" smtClean="0"/>
-              <a:t>03-Jul-22</a:t>
+              <a:t>21-Jul-22</a:t>
             </a:fld>
             <a:endParaRPr lang="en-US"/>
           </a:p>
@@ -2361,7 +5016,7 @@
           <a:p>
             <a:fld id="{8CFA0E7C-984D-478C-8A58-5F25078EE913}" type="datetimeFigureOut">
               <a:rPr lang="en-US" smtClean="0"/>
-              <a:t>03-Jul-22</a:t>
+              <a:t>21-Jul-22</a:t>
             </a:fld>
             <a:endParaRPr lang="en-US"/>
           </a:p>
@@ -2574,7 +5229,7 @@
           <a:p>
             <a:fld id="{8CFA0E7C-984D-478C-8A58-5F25078EE913}" type="datetimeFigureOut">
               <a:rPr lang="en-US" smtClean="0"/>
-              <a:t>03-Jul-22</a:t>
+              <a:t>21-Jul-22</a:t>
             </a:fld>
             <a:endParaRPr lang="en-US"/>
           </a:p>
@@ -2962,6 +5617,578 @@
 </p:sldMaster>
 </file>
 
+<file path=ppt/slideMasters/slideMaster2.xml><?xml version="1.0" encoding="utf-8"?>
+<p:sldMaster xmlns:a="http://schemas.openxmlformats.org/drawingml/2006/main" xmlns:r="http://schemas.openxmlformats.org/officeDocument/2006/relationships" xmlns:p="http://schemas.openxmlformats.org/presentationml/2006/main">
+  <p:cSld>
+    <p:bg>
+      <p:bgRef idx="1001">
+        <a:schemeClr val="bg1"/>
+      </p:bgRef>
+    </p:bg>
+    <p:spTree>
+      <p:nvGrpSpPr>
+        <p:cNvPr id="1" name=""/>
+        <p:cNvGrpSpPr/>
+        <p:nvPr/>
+      </p:nvGrpSpPr>
+      <p:grpSpPr>
+        <a:xfrm>
+          <a:off x="0" y="0"/>
+          <a:ext cx="0" cy="0"/>
+          <a:chOff x="0" y="0"/>
+          <a:chExt cx="0" cy="0"/>
+        </a:xfrm>
+      </p:grpSpPr>
+      <p:sp>
+        <p:nvSpPr>
+          <p:cNvPr id="2" name="Title Placeholder 1"/>
+          <p:cNvSpPr>
+            <a:spLocks noGrp="1"/>
+          </p:cNvSpPr>
+          <p:nvPr>
+            <p:ph type="title"/>
+          </p:nvPr>
+        </p:nvSpPr>
+        <p:spPr>
+          <a:xfrm>
+            <a:off x="471488" y="527404"/>
+            <a:ext cx="5915025" cy="1914702"/>
+          </a:xfrm>
+          <a:prstGeom prst="rect">
+            <a:avLst/>
+          </a:prstGeom>
+        </p:spPr>
+        <p:txBody>
+          <a:bodyPr vert="horz" lIns="91440" tIns="45720" rIns="91440" bIns="45720" rtlCol="0" anchor="ctr">
+            <a:normAutofit/>
+          </a:bodyPr>
+          <a:lstStyle/>
+          <a:p>
+            <a:r>
+              <a:rPr lang="en-US" smtClean="0"/>
+              <a:t>Click to edit Master title style</a:t>
+            </a:r>
+            <a:endParaRPr lang="en-US"/>
+          </a:p>
+        </p:txBody>
+      </p:sp>
+      <p:sp>
+        <p:nvSpPr>
+          <p:cNvPr id="3" name="Text Placeholder 2"/>
+          <p:cNvSpPr>
+            <a:spLocks noGrp="1"/>
+          </p:cNvSpPr>
+          <p:nvPr>
+            <p:ph type="body" idx="1"/>
+          </p:nvPr>
+        </p:nvSpPr>
+        <p:spPr>
+          <a:xfrm>
+            <a:off x="471488" y="2637014"/>
+            <a:ext cx="5915025" cy="6285266"/>
+          </a:xfrm>
+          <a:prstGeom prst="rect">
+            <a:avLst/>
+          </a:prstGeom>
+        </p:spPr>
+        <p:txBody>
+          <a:bodyPr vert="horz" lIns="91440" tIns="45720" rIns="91440" bIns="45720" rtlCol="0">
+            <a:normAutofit/>
+          </a:bodyPr>
+          <a:lstStyle/>
+          <a:p>
+            <a:pPr lvl="0"/>
+            <a:r>
+              <a:rPr lang="en-US" smtClean="0"/>
+              <a:t>Click to edit Master text styles</a:t>
+            </a:r>
+          </a:p>
+          <a:p>
+            <a:pPr lvl="1"/>
+            <a:r>
+              <a:rPr lang="en-US" smtClean="0"/>
+              <a:t>Second level</a:t>
+            </a:r>
+          </a:p>
+          <a:p>
+            <a:pPr lvl="2"/>
+            <a:r>
+              <a:rPr lang="en-US" smtClean="0"/>
+              <a:t>Third level</a:t>
+            </a:r>
+          </a:p>
+          <a:p>
+            <a:pPr lvl="3"/>
+            <a:r>
+              <a:rPr lang="en-US" smtClean="0"/>
+              <a:t>Fourth level</a:t>
+            </a:r>
+          </a:p>
+          <a:p>
+            <a:pPr lvl="4"/>
+            <a:r>
+              <a:rPr lang="en-US" smtClean="0"/>
+              <a:t>Fifth level</a:t>
+            </a:r>
+            <a:endParaRPr lang="en-US"/>
+          </a:p>
+        </p:txBody>
+      </p:sp>
+      <p:sp>
+        <p:nvSpPr>
+          <p:cNvPr id="4" name="Date Placeholder 3"/>
+          <p:cNvSpPr>
+            <a:spLocks noGrp="1"/>
+          </p:cNvSpPr>
+          <p:nvPr>
+            <p:ph type="dt" sz="half" idx="2"/>
+          </p:nvPr>
+        </p:nvSpPr>
+        <p:spPr>
+          <a:xfrm>
+            <a:off x="471488" y="9181395"/>
+            <a:ext cx="1543050" cy="527403"/>
+          </a:xfrm>
+          <a:prstGeom prst="rect">
+            <a:avLst/>
+          </a:prstGeom>
+        </p:spPr>
+        <p:txBody>
+          <a:bodyPr vert="horz" lIns="91440" tIns="45720" rIns="91440" bIns="45720" rtlCol="0" anchor="ctr"/>
+          <a:lstStyle>
+            <a:lvl1pPr algn="l">
+              <a:defRPr sz="675">
+                <a:solidFill>
+                  <a:schemeClr val="tx1">
+                    <a:tint val="75000"/>
+                  </a:schemeClr>
+                </a:solidFill>
+              </a:defRPr>
+            </a:lvl1pPr>
+          </a:lstStyle>
+          <a:p>
+            <a:fld id="{9A760A2F-4F2B-4080-A556-B0687F4CB1D8}" type="datetimeFigureOut">
+              <a:rPr lang="en-US" smtClean="0">
+                <a:solidFill>
+                  <a:prstClr val="black">
+                    <a:tint val="75000"/>
+                  </a:prstClr>
+                </a:solidFill>
+              </a:rPr>
+              <a:pPr/>
+              <a:t>21-Jul-22</a:t>
+            </a:fld>
+            <a:endParaRPr lang="en-US">
+              <a:solidFill>
+                <a:prstClr val="black">
+                  <a:tint val="75000"/>
+                </a:prstClr>
+              </a:solidFill>
+            </a:endParaRPr>
+          </a:p>
+        </p:txBody>
+      </p:sp>
+      <p:sp>
+        <p:nvSpPr>
+          <p:cNvPr id="5" name="Footer Placeholder 4"/>
+          <p:cNvSpPr>
+            <a:spLocks noGrp="1"/>
+          </p:cNvSpPr>
+          <p:nvPr>
+            <p:ph type="ftr" sz="quarter" idx="3"/>
+          </p:nvPr>
+        </p:nvSpPr>
+        <p:spPr>
+          <a:xfrm>
+            <a:off x="2271713" y="9181395"/>
+            <a:ext cx="2314575" cy="527403"/>
+          </a:xfrm>
+          <a:prstGeom prst="rect">
+            <a:avLst/>
+          </a:prstGeom>
+        </p:spPr>
+        <p:txBody>
+          <a:bodyPr vert="horz" lIns="91440" tIns="45720" rIns="91440" bIns="45720" rtlCol="0" anchor="ctr"/>
+          <a:lstStyle>
+            <a:lvl1pPr algn="ctr">
+              <a:defRPr sz="675">
+                <a:solidFill>
+                  <a:schemeClr val="tx1">
+                    <a:tint val="75000"/>
+                  </a:schemeClr>
+                </a:solidFill>
+              </a:defRPr>
+            </a:lvl1pPr>
+          </a:lstStyle>
+          <a:p>
+            <a:endParaRPr lang="en-US">
+              <a:solidFill>
+                <a:prstClr val="black">
+                  <a:tint val="75000"/>
+                </a:prstClr>
+              </a:solidFill>
+            </a:endParaRPr>
+          </a:p>
+        </p:txBody>
+      </p:sp>
+      <p:sp>
+        <p:nvSpPr>
+          <p:cNvPr id="6" name="Slide Number Placeholder 5"/>
+          <p:cNvSpPr>
+            <a:spLocks noGrp="1"/>
+          </p:cNvSpPr>
+          <p:nvPr>
+            <p:ph type="sldNum" sz="quarter" idx="4"/>
+          </p:nvPr>
+        </p:nvSpPr>
+        <p:spPr>
+          <a:xfrm>
+            <a:off x="4843463" y="9181395"/>
+            <a:ext cx="1543050" cy="527403"/>
+          </a:xfrm>
+          <a:prstGeom prst="rect">
+            <a:avLst/>
+          </a:prstGeom>
+        </p:spPr>
+        <p:txBody>
+          <a:bodyPr vert="horz" lIns="91440" tIns="45720" rIns="91440" bIns="45720" rtlCol="0" anchor="ctr"/>
+          <a:lstStyle>
+            <a:lvl1pPr algn="r">
+              <a:defRPr sz="675">
+                <a:solidFill>
+                  <a:schemeClr val="tx1">
+                    <a:tint val="75000"/>
+                  </a:schemeClr>
+                </a:solidFill>
+              </a:defRPr>
+            </a:lvl1pPr>
+          </a:lstStyle>
+          <a:p>
+            <a:fld id="{15E5B074-5DC1-46DC-8593-F24CC6FD3986}" type="slidenum">
+              <a:rPr lang="en-US" smtClean="0">
+                <a:solidFill>
+                  <a:prstClr val="black">
+                    <a:tint val="75000"/>
+                  </a:prstClr>
+                </a:solidFill>
+              </a:rPr>
+              <a:pPr/>
+              <a:t>‹#›</a:t>
+            </a:fld>
+            <a:endParaRPr lang="en-US">
+              <a:solidFill>
+                <a:prstClr val="black">
+                  <a:tint val="75000"/>
+                </a:prstClr>
+              </a:solidFill>
+            </a:endParaRPr>
+          </a:p>
+        </p:txBody>
+      </p:sp>
+    </p:spTree>
+    <p:extLst>
+      <p:ext uri="{BB962C8B-B14F-4D97-AF65-F5344CB8AC3E}">
+        <p14:creationId xmlns:p14="http://schemas.microsoft.com/office/powerpoint/2010/main" val="481383345"/>
+      </p:ext>
+    </p:extLst>
+  </p:cSld>
+  <p:clrMap bg1="lt1" tx1="dk1" bg2="lt2" tx2="dk2" accent1="accent1" accent2="accent2" accent3="accent3" accent4="accent4" accent5="accent5" accent6="accent6" hlink="hlink" folHlink="folHlink"/>
+  <p:sldLayoutIdLst>
+    <p:sldLayoutId id="2147483673" r:id="rId1"/>
+    <p:sldLayoutId id="2147483674" r:id="rId2"/>
+    <p:sldLayoutId id="2147483675" r:id="rId3"/>
+    <p:sldLayoutId id="2147483676" r:id="rId4"/>
+    <p:sldLayoutId id="2147483677" r:id="rId5"/>
+    <p:sldLayoutId id="2147483678" r:id="rId6"/>
+    <p:sldLayoutId id="2147483679" r:id="rId7"/>
+    <p:sldLayoutId id="2147483680" r:id="rId8"/>
+    <p:sldLayoutId id="2147483681" r:id="rId9"/>
+    <p:sldLayoutId id="2147483682" r:id="rId10"/>
+    <p:sldLayoutId id="2147483683" r:id="rId11"/>
+  </p:sldLayoutIdLst>
+  <p:txStyles>
+    <p:titleStyle>
+      <a:lvl1pPr algn="l" defTabSz="514350" rtl="0" eaLnBrk="1" latinLnBrk="0" hangingPunct="1">
+        <a:lnSpc>
+          <a:spcPct val="90000"/>
+        </a:lnSpc>
+        <a:spcBef>
+          <a:spcPct val="0"/>
+        </a:spcBef>
+        <a:buNone/>
+        <a:defRPr sz="2475" kern="1200">
+          <a:solidFill>
+            <a:schemeClr val="tx1"/>
+          </a:solidFill>
+          <a:latin typeface="+mj-lt"/>
+          <a:ea typeface="+mj-ea"/>
+          <a:cs typeface="+mj-cs"/>
+        </a:defRPr>
+      </a:lvl1pPr>
+    </p:titleStyle>
+    <p:bodyStyle>
+      <a:lvl1pPr marL="128588" indent="-128588" algn="l" defTabSz="514350" rtl="0" eaLnBrk="1" latinLnBrk="0" hangingPunct="1">
+        <a:lnSpc>
+          <a:spcPct val="90000"/>
+        </a:lnSpc>
+        <a:spcBef>
+          <a:spcPts val="563"/>
+        </a:spcBef>
+        <a:buFont typeface="Arial" panose="020B0604020202020204" pitchFamily="34" charset="0"/>
+        <a:buChar char="•"/>
+        <a:defRPr sz="1575" kern="1200">
+          <a:solidFill>
+            <a:schemeClr val="tx1"/>
+          </a:solidFill>
+          <a:latin typeface="+mn-lt"/>
+          <a:ea typeface="+mn-ea"/>
+          <a:cs typeface="+mn-cs"/>
+        </a:defRPr>
+      </a:lvl1pPr>
+      <a:lvl2pPr marL="385763" indent="-128588" algn="l" defTabSz="514350" rtl="0" eaLnBrk="1" latinLnBrk="0" hangingPunct="1">
+        <a:lnSpc>
+          <a:spcPct val="90000"/>
+        </a:lnSpc>
+        <a:spcBef>
+          <a:spcPts val="281"/>
+        </a:spcBef>
+        <a:buFont typeface="Arial" panose="020B0604020202020204" pitchFamily="34" charset="0"/>
+        <a:buChar char="•"/>
+        <a:defRPr sz="1350" kern="1200">
+          <a:solidFill>
+            <a:schemeClr val="tx1"/>
+          </a:solidFill>
+          <a:latin typeface="+mn-lt"/>
+          <a:ea typeface="+mn-ea"/>
+          <a:cs typeface="+mn-cs"/>
+        </a:defRPr>
+      </a:lvl2pPr>
+      <a:lvl3pPr marL="642938" indent="-128588" algn="l" defTabSz="514350" rtl="0" eaLnBrk="1" latinLnBrk="0" hangingPunct="1">
+        <a:lnSpc>
+          <a:spcPct val="90000"/>
+        </a:lnSpc>
+        <a:spcBef>
+          <a:spcPts val="281"/>
+        </a:spcBef>
+        <a:buFont typeface="Arial" panose="020B0604020202020204" pitchFamily="34" charset="0"/>
+        <a:buChar char="•"/>
+        <a:defRPr sz="1125" kern="1200">
+          <a:solidFill>
+            <a:schemeClr val="tx1"/>
+          </a:solidFill>
+          <a:latin typeface="+mn-lt"/>
+          <a:ea typeface="+mn-ea"/>
+          <a:cs typeface="+mn-cs"/>
+        </a:defRPr>
+      </a:lvl3pPr>
+      <a:lvl4pPr marL="900113" indent="-128588" algn="l" defTabSz="514350" rtl="0" eaLnBrk="1" latinLnBrk="0" hangingPunct="1">
+        <a:lnSpc>
+          <a:spcPct val="90000"/>
+        </a:lnSpc>
+        <a:spcBef>
+          <a:spcPts val="281"/>
+        </a:spcBef>
+        <a:buFont typeface="Arial" panose="020B0604020202020204" pitchFamily="34" charset="0"/>
+        <a:buChar char="•"/>
+        <a:defRPr sz="1013" kern="1200">
+          <a:solidFill>
+            <a:schemeClr val="tx1"/>
+          </a:solidFill>
+          <a:latin typeface="+mn-lt"/>
+          <a:ea typeface="+mn-ea"/>
+          <a:cs typeface="+mn-cs"/>
+        </a:defRPr>
+      </a:lvl4pPr>
+      <a:lvl5pPr marL="1157288" indent="-128588" algn="l" defTabSz="514350" rtl="0" eaLnBrk="1" latinLnBrk="0" hangingPunct="1">
+        <a:lnSpc>
+          <a:spcPct val="90000"/>
+        </a:lnSpc>
+        <a:spcBef>
+          <a:spcPts val="281"/>
+        </a:spcBef>
+        <a:buFont typeface="Arial" panose="020B0604020202020204" pitchFamily="34" charset="0"/>
+        <a:buChar char="•"/>
+        <a:defRPr sz="1013" kern="1200">
+          <a:solidFill>
+            <a:schemeClr val="tx1"/>
+          </a:solidFill>
+          <a:latin typeface="+mn-lt"/>
+          <a:ea typeface="+mn-ea"/>
+          <a:cs typeface="+mn-cs"/>
+        </a:defRPr>
+      </a:lvl5pPr>
+      <a:lvl6pPr marL="1414463" indent="-128588" algn="l" defTabSz="514350" rtl="0" eaLnBrk="1" latinLnBrk="0" hangingPunct="1">
+        <a:lnSpc>
+          <a:spcPct val="90000"/>
+        </a:lnSpc>
+        <a:spcBef>
+          <a:spcPts val="281"/>
+        </a:spcBef>
+        <a:buFont typeface="Arial" panose="020B0604020202020204" pitchFamily="34" charset="0"/>
+        <a:buChar char="•"/>
+        <a:defRPr sz="1013" kern="1200">
+          <a:solidFill>
+            <a:schemeClr val="tx1"/>
+          </a:solidFill>
+          <a:latin typeface="+mn-lt"/>
+          <a:ea typeface="+mn-ea"/>
+          <a:cs typeface="+mn-cs"/>
+        </a:defRPr>
+      </a:lvl6pPr>
+      <a:lvl7pPr marL="1671638" indent="-128588" algn="l" defTabSz="514350" rtl="0" eaLnBrk="1" latinLnBrk="0" hangingPunct="1">
+        <a:lnSpc>
+          <a:spcPct val="90000"/>
+        </a:lnSpc>
+        <a:spcBef>
+          <a:spcPts val="281"/>
+        </a:spcBef>
+        <a:buFont typeface="Arial" panose="020B0604020202020204" pitchFamily="34" charset="0"/>
+        <a:buChar char="•"/>
+        <a:defRPr sz="1013" kern="1200">
+          <a:solidFill>
+            <a:schemeClr val="tx1"/>
+          </a:solidFill>
+          <a:latin typeface="+mn-lt"/>
+          <a:ea typeface="+mn-ea"/>
+          <a:cs typeface="+mn-cs"/>
+        </a:defRPr>
+      </a:lvl7pPr>
+      <a:lvl8pPr marL="1928813" indent="-128588" algn="l" defTabSz="514350" rtl="0" eaLnBrk="1" latinLnBrk="0" hangingPunct="1">
+        <a:lnSpc>
+          <a:spcPct val="90000"/>
+        </a:lnSpc>
+        <a:spcBef>
+          <a:spcPts val="281"/>
+        </a:spcBef>
+        <a:buFont typeface="Arial" panose="020B0604020202020204" pitchFamily="34" charset="0"/>
+        <a:buChar char="•"/>
+        <a:defRPr sz="1013" kern="1200">
+          <a:solidFill>
+            <a:schemeClr val="tx1"/>
+          </a:solidFill>
+          <a:latin typeface="+mn-lt"/>
+          <a:ea typeface="+mn-ea"/>
+          <a:cs typeface="+mn-cs"/>
+        </a:defRPr>
+      </a:lvl8pPr>
+      <a:lvl9pPr marL="2185988" indent="-128588" algn="l" defTabSz="514350" rtl="0" eaLnBrk="1" latinLnBrk="0" hangingPunct="1">
+        <a:lnSpc>
+          <a:spcPct val="90000"/>
+        </a:lnSpc>
+        <a:spcBef>
+          <a:spcPts val="281"/>
+        </a:spcBef>
+        <a:buFont typeface="Arial" panose="020B0604020202020204" pitchFamily="34" charset="0"/>
+        <a:buChar char="•"/>
+        <a:defRPr sz="1013" kern="1200">
+          <a:solidFill>
+            <a:schemeClr val="tx1"/>
+          </a:solidFill>
+          <a:latin typeface="+mn-lt"/>
+          <a:ea typeface="+mn-ea"/>
+          <a:cs typeface="+mn-cs"/>
+        </a:defRPr>
+      </a:lvl9pPr>
+    </p:bodyStyle>
+    <p:otherStyle>
+      <a:defPPr>
+        <a:defRPr lang="en-US"/>
+      </a:defPPr>
+      <a:lvl1pPr marL="0" algn="l" defTabSz="514350" rtl="0" eaLnBrk="1" latinLnBrk="0" hangingPunct="1">
+        <a:defRPr sz="1013" kern="1200">
+          <a:solidFill>
+            <a:schemeClr val="tx1"/>
+          </a:solidFill>
+          <a:latin typeface="+mn-lt"/>
+          <a:ea typeface="+mn-ea"/>
+          <a:cs typeface="+mn-cs"/>
+        </a:defRPr>
+      </a:lvl1pPr>
+      <a:lvl2pPr marL="257175" algn="l" defTabSz="514350" rtl="0" eaLnBrk="1" latinLnBrk="0" hangingPunct="1">
+        <a:defRPr sz="1013" kern="1200">
+          <a:solidFill>
+            <a:schemeClr val="tx1"/>
+          </a:solidFill>
+          <a:latin typeface="+mn-lt"/>
+          <a:ea typeface="+mn-ea"/>
+          <a:cs typeface="+mn-cs"/>
+        </a:defRPr>
+      </a:lvl2pPr>
+      <a:lvl3pPr marL="514350" algn="l" defTabSz="514350" rtl="0" eaLnBrk="1" latinLnBrk="0" hangingPunct="1">
+        <a:defRPr sz="1013" kern="1200">
+          <a:solidFill>
+            <a:schemeClr val="tx1"/>
+          </a:solidFill>
+          <a:latin typeface="+mn-lt"/>
+          <a:ea typeface="+mn-ea"/>
+          <a:cs typeface="+mn-cs"/>
+        </a:defRPr>
+      </a:lvl3pPr>
+      <a:lvl4pPr marL="771525" algn="l" defTabSz="514350" rtl="0" eaLnBrk="1" latinLnBrk="0" hangingPunct="1">
+        <a:defRPr sz="1013" kern="1200">
+          <a:solidFill>
+            <a:schemeClr val="tx1"/>
+          </a:solidFill>
+          <a:latin typeface="+mn-lt"/>
+          <a:ea typeface="+mn-ea"/>
+          <a:cs typeface="+mn-cs"/>
+        </a:defRPr>
+      </a:lvl4pPr>
+      <a:lvl5pPr marL="1028700" algn="l" defTabSz="514350" rtl="0" eaLnBrk="1" latinLnBrk="0" hangingPunct="1">
+        <a:defRPr sz="1013" kern="1200">
+          <a:solidFill>
+            <a:schemeClr val="tx1"/>
+          </a:solidFill>
+          <a:latin typeface="+mn-lt"/>
+          <a:ea typeface="+mn-ea"/>
+          <a:cs typeface="+mn-cs"/>
+        </a:defRPr>
+      </a:lvl5pPr>
+      <a:lvl6pPr marL="1285875" algn="l" defTabSz="514350" rtl="0" eaLnBrk="1" latinLnBrk="0" hangingPunct="1">
+        <a:defRPr sz="1013" kern="1200">
+          <a:solidFill>
+            <a:schemeClr val="tx1"/>
+          </a:solidFill>
+          <a:latin typeface="+mn-lt"/>
+          <a:ea typeface="+mn-ea"/>
+          <a:cs typeface="+mn-cs"/>
+        </a:defRPr>
+      </a:lvl6pPr>
+      <a:lvl7pPr marL="1543050" algn="l" defTabSz="514350" rtl="0" eaLnBrk="1" latinLnBrk="0" hangingPunct="1">
+        <a:defRPr sz="1013" kern="1200">
+          <a:solidFill>
+            <a:schemeClr val="tx1"/>
+          </a:solidFill>
+          <a:latin typeface="+mn-lt"/>
+          <a:ea typeface="+mn-ea"/>
+          <a:cs typeface="+mn-cs"/>
+        </a:defRPr>
+      </a:lvl7pPr>
+      <a:lvl8pPr marL="1800225" algn="l" defTabSz="514350" rtl="0" eaLnBrk="1" latinLnBrk="0" hangingPunct="1">
+        <a:defRPr sz="1013" kern="1200">
+          <a:solidFill>
+            <a:schemeClr val="tx1"/>
+          </a:solidFill>
+          <a:latin typeface="+mn-lt"/>
+          <a:ea typeface="+mn-ea"/>
+          <a:cs typeface="+mn-cs"/>
+        </a:defRPr>
+      </a:lvl8pPr>
+      <a:lvl9pPr marL="2057400" algn="l" defTabSz="514350" rtl="0" eaLnBrk="1" latinLnBrk="0" hangingPunct="1">
+        <a:defRPr sz="1013" kern="1200">
+          <a:solidFill>
+            <a:schemeClr val="tx1"/>
+          </a:solidFill>
+          <a:latin typeface="+mn-lt"/>
+          <a:ea typeface="+mn-ea"/>
+          <a:cs typeface="+mn-cs"/>
+        </a:defRPr>
+      </a:lvl9pPr>
+    </p:otherStyle>
+  </p:txStyles>
+</p:sldMaster>
+</file>
+
 <file path=ppt/slides/slide1.xml><?xml version="1.0" encoding="utf-8"?>
 <p:sld xmlns:a="http://schemas.openxmlformats.org/drawingml/2006/main" xmlns:r="http://schemas.openxmlformats.org/officeDocument/2006/relationships" xmlns:p="http://schemas.openxmlformats.org/presentationml/2006/main">
   <p:cSld>
@@ -3013,6 +6240,1887 @@
     <p:extLst>
       <p:ext uri="{BB962C8B-B14F-4D97-AF65-F5344CB8AC3E}">
         <p14:creationId xmlns:p14="http://schemas.microsoft.com/office/powerpoint/2010/main" val="2056162704"/>
+      </p:ext>
+    </p:extLst>
+  </p:cSld>
+  <p:clrMapOvr>
+    <a:masterClrMapping/>
+  </p:clrMapOvr>
+</p:sld>
+</file>
+
+<file path=ppt/slides/slide10.xml><?xml version="1.0" encoding="utf-8"?>
+<p:sld xmlns:a="http://schemas.openxmlformats.org/drawingml/2006/main" xmlns:r="http://schemas.openxmlformats.org/officeDocument/2006/relationships" xmlns:p="http://schemas.openxmlformats.org/presentationml/2006/main">
+  <p:cSld>
+    <p:spTree>
+      <p:nvGrpSpPr>
+        <p:cNvPr id="1" name=""/>
+        <p:cNvGrpSpPr/>
+        <p:nvPr/>
+      </p:nvGrpSpPr>
+      <p:grpSpPr>
+        <a:xfrm>
+          <a:off x="0" y="0"/>
+          <a:ext cx="0" cy="0"/>
+          <a:chOff x="0" y="0"/>
+          <a:chExt cx="0" cy="0"/>
+        </a:xfrm>
+      </p:grpSpPr>
+      <p:grpSp>
+        <p:nvGrpSpPr>
+          <p:cNvPr id="55" name="Group 54"/>
+          <p:cNvGrpSpPr/>
+          <p:nvPr/>
+        </p:nvGrpSpPr>
+        <p:grpSpPr>
+          <a:xfrm>
+            <a:off x="85725" y="3092198"/>
+            <a:ext cx="2743200" cy="1496867"/>
+            <a:chOff x="241300" y="287975"/>
+            <a:chExt cx="5486400" cy="3112532"/>
+          </a:xfrm>
+        </p:grpSpPr>
+        <p:pic>
+          <p:nvPicPr>
+            <p:cNvPr id="15" name="Picture 14"/>
+            <p:cNvPicPr>
+              <a:picLocks noChangeAspect="1"/>
+            </p:cNvPicPr>
+            <p:nvPr/>
+          </p:nvPicPr>
+          <p:blipFill>
+            <a:blip r:embed="rId2">
+              <a:extLst>
+                <a:ext uri="{28A0092B-C50C-407E-A947-70E740481C1C}">
+                  <a14:useLocalDpi xmlns:a14="http://schemas.microsoft.com/office/drawing/2010/main" val="0"/>
+                </a:ext>
+              </a:extLst>
+            </a:blip>
+            <a:stretch>
+              <a:fillRect/>
+            </a:stretch>
+          </p:blipFill>
+          <p:spPr>
+            <a:xfrm>
+              <a:off x="241300" y="657307"/>
+              <a:ext cx="5486400" cy="2743200"/>
+            </a:xfrm>
+            <a:prstGeom prst="rect">
+              <a:avLst/>
+            </a:prstGeom>
+          </p:spPr>
+        </p:pic>
+        <p:sp>
+          <p:nvSpPr>
+            <p:cNvPr id="46" name="TextBox 45"/>
+            <p:cNvSpPr txBox="1"/>
+            <p:nvPr/>
+          </p:nvSpPr>
+          <p:spPr>
+            <a:xfrm>
+              <a:off x="2146300" y="287975"/>
+              <a:ext cx="2038350" cy="516117"/>
+            </a:xfrm>
+            <a:prstGeom prst="rect">
+              <a:avLst/>
+            </a:prstGeom>
+            <a:noFill/>
+          </p:spPr>
+          <p:txBody>
+            <a:bodyPr wrap="square" rtlCol="0">
+              <a:spAutoFit/>
+            </a:bodyPr>
+            <a:lstStyle/>
+            <a:p>
+              <a:pPr algn="ctr"/>
+              <a:r>
+                <a:rPr lang="en-US" sz="1013" dirty="0">
+                  <a:solidFill>
+                    <a:srgbClr val="0070C0"/>
+                  </a:solidFill>
+                </a:rPr>
+                <a:t>Original image</a:t>
+              </a:r>
+            </a:p>
+          </p:txBody>
+        </p:sp>
+      </p:grpSp>
+      <p:grpSp>
+        <p:nvGrpSpPr>
+          <p:cNvPr id="54" name="Group 53"/>
+          <p:cNvGrpSpPr/>
+          <p:nvPr/>
+        </p:nvGrpSpPr>
+        <p:grpSpPr>
+          <a:xfrm>
+            <a:off x="3536156" y="3865232"/>
+            <a:ext cx="3078956" cy="1633404"/>
+            <a:chOff x="6489700" y="1739900"/>
+            <a:chExt cx="5486400" cy="3126233"/>
+          </a:xfrm>
+        </p:grpSpPr>
+        <p:grpSp>
+          <p:nvGrpSpPr>
+            <p:cNvPr id="37" name="Group 36"/>
+            <p:cNvGrpSpPr/>
+            <p:nvPr/>
+          </p:nvGrpSpPr>
+          <p:grpSpPr>
+            <a:xfrm>
+              <a:off x="6489700" y="2122933"/>
+              <a:ext cx="5486400" cy="2743200"/>
+              <a:chOff x="3657600" y="2501900"/>
+              <a:chExt cx="6858000" cy="2921000"/>
+            </a:xfrm>
+          </p:grpSpPr>
+          <p:pic>
+            <p:nvPicPr>
+              <p:cNvPr id="38" name="Picture 37"/>
+              <p:cNvPicPr>
+                <a:picLocks noChangeAspect="1"/>
+              </p:cNvPicPr>
+              <p:nvPr/>
+            </p:nvPicPr>
+            <p:blipFill rotWithShape="1">
+              <a:blip r:embed="rId3" cstate="print">
+                <a:extLst>
+                  <a:ext uri="{28A0092B-C50C-407E-A947-70E740481C1C}">
+                    <a14:useLocalDpi xmlns:a14="http://schemas.microsoft.com/office/drawing/2010/main" val="0"/>
+                  </a:ext>
+                </a:extLst>
+              </a:blip>
+              <a:srcRect t="14445" b="71110"/>
+              <a:stretch/>
+            </p:blipFill>
+            <p:spPr>
+              <a:xfrm>
+                <a:off x="3657600" y="2501900"/>
+                <a:ext cx="6858000" cy="990600"/>
+              </a:xfrm>
+              <a:prstGeom prst="rect">
+                <a:avLst/>
+              </a:prstGeom>
+            </p:spPr>
+          </p:pic>
+          <p:pic>
+            <p:nvPicPr>
+              <p:cNvPr id="39" name="Picture 38"/>
+              <p:cNvPicPr>
+                <a:picLocks noChangeAspect="1"/>
+              </p:cNvPicPr>
+              <p:nvPr/>
+            </p:nvPicPr>
+            <p:blipFill rotWithShape="1">
+              <a:blip r:embed="rId3" cstate="print">
+                <a:extLst>
+                  <a:ext uri="{28A0092B-C50C-407E-A947-70E740481C1C}">
+                    <a14:useLocalDpi xmlns:a14="http://schemas.microsoft.com/office/drawing/2010/main" val="0"/>
+                  </a:ext>
+                </a:extLst>
+              </a:blip>
+              <a:srcRect t="42964" b="42777"/>
+              <a:stretch/>
+            </p:blipFill>
+            <p:spPr>
+              <a:xfrm>
+                <a:off x="3657600" y="3498850"/>
+                <a:ext cx="6858000" cy="977900"/>
+              </a:xfrm>
+              <a:prstGeom prst="rect">
+                <a:avLst/>
+              </a:prstGeom>
+            </p:spPr>
+          </p:pic>
+          <p:pic>
+            <p:nvPicPr>
+              <p:cNvPr id="40" name="Picture 39"/>
+              <p:cNvPicPr>
+                <a:picLocks noChangeAspect="1"/>
+              </p:cNvPicPr>
+              <p:nvPr/>
+            </p:nvPicPr>
+            <p:blipFill rotWithShape="1">
+              <a:blip r:embed="rId4" cstate="print">
+                <a:extLst>
+                  <a:ext uri="{28A0092B-C50C-407E-A947-70E740481C1C}">
+                    <a14:useLocalDpi xmlns:a14="http://schemas.microsoft.com/office/drawing/2010/main" val="0"/>
+                  </a:ext>
+                </a:extLst>
+              </a:blip>
+              <a:srcRect t="71482" b="14815"/>
+              <a:stretch/>
+            </p:blipFill>
+            <p:spPr>
+              <a:xfrm>
+                <a:off x="3657600" y="4483100"/>
+                <a:ext cx="6858000" cy="939800"/>
+              </a:xfrm>
+              <a:prstGeom prst="rect">
+                <a:avLst/>
+              </a:prstGeom>
+            </p:spPr>
+          </p:pic>
+        </p:grpSp>
+        <p:sp>
+          <p:nvSpPr>
+            <p:cNvPr id="47" name="TextBox 46"/>
+            <p:cNvSpPr txBox="1"/>
+            <p:nvPr/>
+          </p:nvSpPr>
+          <p:spPr>
+            <a:xfrm>
+              <a:off x="8115300" y="1739900"/>
+              <a:ext cx="2235199" cy="773393"/>
+            </a:xfrm>
+            <a:prstGeom prst="rect">
+              <a:avLst/>
+            </a:prstGeom>
+            <a:noFill/>
+          </p:spPr>
+          <p:txBody>
+            <a:bodyPr wrap="square" rtlCol="0">
+              <a:spAutoFit/>
+            </a:bodyPr>
+            <a:lstStyle/>
+            <a:p>
+              <a:pPr algn="ctr"/>
+              <a:r>
+                <a:rPr lang="en-US" sz="1013" dirty="0">
+                  <a:solidFill>
+                    <a:srgbClr val="0070C0"/>
+                  </a:solidFill>
+                </a:rPr>
+                <a:t>Overlapping patches</a:t>
+              </a:r>
+            </a:p>
+          </p:txBody>
+        </p:sp>
+      </p:grpSp>
+      <p:grpSp>
+        <p:nvGrpSpPr>
+          <p:cNvPr id="64" name="Group 63"/>
+          <p:cNvGrpSpPr/>
+          <p:nvPr/>
+        </p:nvGrpSpPr>
+        <p:grpSpPr>
+          <a:xfrm>
+            <a:off x="-71438" y="5945483"/>
+            <a:ext cx="6686550" cy="514842"/>
+            <a:chOff x="88900" y="5257568"/>
+            <a:chExt cx="11887200" cy="915274"/>
+          </a:xfrm>
+        </p:grpSpPr>
+        <p:grpSp>
+          <p:nvGrpSpPr>
+            <p:cNvPr id="45" name="Group 44"/>
+            <p:cNvGrpSpPr/>
+            <p:nvPr/>
+          </p:nvGrpSpPr>
+          <p:grpSpPr>
+            <a:xfrm>
+              <a:off x="88900" y="5630165"/>
+              <a:ext cx="11887200" cy="542677"/>
+              <a:chOff x="215900" y="4312817"/>
+              <a:chExt cx="11887200" cy="542677"/>
+            </a:xfrm>
+          </p:grpSpPr>
+          <p:pic>
+            <p:nvPicPr>
+              <p:cNvPr id="42" name="Picture 41"/>
+              <p:cNvPicPr>
+                <a:picLocks noChangeAspect="1"/>
+              </p:cNvPicPr>
+              <p:nvPr/>
+            </p:nvPicPr>
+            <p:blipFill rotWithShape="1">
+              <a:blip r:embed="rId5" cstate="print">
+                <a:extLst>
+                  <a:ext uri="{28A0092B-C50C-407E-A947-70E740481C1C}">
+                    <a14:useLocalDpi xmlns:a14="http://schemas.microsoft.com/office/drawing/2010/main" val="0"/>
+                  </a:ext>
+                </a:extLst>
+              </a:blip>
+              <a:srcRect t="14445" b="71110"/>
+              <a:stretch/>
+            </p:blipFill>
+            <p:spPr>
+              <a:xfrm>
+                <a:off x="215900" y="4312817"/>
+                <a:ext cx="3962400" cy="542677"/>
+              </a:xfrm>
+              <a:prstGeom prst="rect">
+                <a:avLst/>
+              </a:prstGeom>
+            </p:spPr>
+          </p:pic>
+          <p:pic>
+            <p:nvPicPr>
+              <p:cNvPr id="43" name="Picture 42"/>
+              <p:cNvPicPr>
+                <a:picLocks noChangeAspect="1"/>
+              </p:cNvPicPr>
+              <p:nvPr/>
+            </p:nvPicPr>
+            <p:blipFill rotWithShape="1">
+              <a:blip r:embed="rId6" cstate="print">
+                <a:extLst>
+                  <a:ext uri="{28A0092B-C50C-407E-A947-70E740481C1C}">
+                    <a14:useLocalDpi xmlns:a14="http://schemas.microsoft.com/office/drawing/2010/main" val="0"/>
+                  </a:ext>
+                </a:extLst>
+              </a:blip>
+              <a:srcRect t="42964" b="42777"/>
+              <a:stretch/>
+            </p:blipFill>
+            <p:spPr>
+              <a:xfrm>
+                <a:off x="4178300" y="4316296"/>
+                <a:ext cx="3962400" cy="535719"/>
+              </a:xfrm>
+              <a:prstGeom prst="rect">
+                <a:avLst/>
+              </a:prstGeom>
+            </p:spPr>
+          </p:pic>
+          <p:pic>
+            <p:nvPicPr>
+              <p:cNvPr id="44" name="Picture 43"/>
+              <p:cNvPicPr>
+                <a:picLocks noChangeAspect="1"/>
+              </p:cNvPicPr>
+              <p:nvPr/>
+            </p:nvPicPr>
+            <p:blipFill rotWithShape="1">
+              <a:blip r:embed="rId7" cstate="print">
+                <a:extLst>
+                  <a:ext uri="{28A0092B-C50C-407E-A947-70E740481C1C}">
+                    <a14:useLocalDpi xmlns:a14="http://schemas.microsoft.com/office/drawing/2010/main" val="0"/>
+                  </a:ext>
+                </a:extLst>
+              </a:blip>
+              <a:srcRect t="71482" b="14815"/>
+              <a:stretch/>
+            </p:blipFill>
+            <p:spPr>
+              <a:xfrm>
+                <a:off x="8140700" y="4326732"/>
+                <a:ext cx="3962400" cy="514847"/>
+              </a:xfrm>
+              <a:prstGeom prst="rect">
+                <a:avLst/>
+              </a:prstGeom>
+            </p:spPr>
+          </p:pic>
+        </p:grpSp>
+        <p:sp>
+          <p:nvSpPr>
+            <p:cNvPr id="48" name="TextBox 47"/>
+            <p:cNvSpPr txBox="1"/>
+            <p:nvPr/>
+          </p:nvSpPr>
+          <p:spPr>
+            <a:xfrm>
+              <a:off x="4914900" y="5257568"/>
+              <a:ext cx="2235200" cy="441260"/>
+            </a:xfrm>
+            <a:prstGeom prst="rect">
+              <a:avLst/>
+            </a:prstGeom>
+            <a:noFill/>
+          </p:spPr>
+          <p:txBody>
+            <a:bodyPr wrap="square" rtlCol="0">
+              <a:spAutoFit/>
+            </a:bodyPr>
+            <a:lstStyle/>
+            <a:p>
+              <a:pPr algn="ctr"/>
+              <a:r>
+                <a:rPr lang="en-US" sz="1013" dirty="0">
+                  <a:solidFill>
+                    <a:srgbClr val="0070C0"/>
+                  </a:solidFill>
+                </a:rPr>
+                <a:t>Rearranged patches</a:t>
+              </a:r>
+            </a:p>
+          </p:txBody>
+        </p:sp>
+      </p:grpSp>
+      <p:grpSp>
+        <p:nvGrpSpPr>
+          <p:cNvPr id="70" name="Group 69"/>
+          <p:cNvGrpSpPr/>
+          <p:nvPr/>
+        </p:nvGrpSpPr>
+        <p:grpSpPr>
+          <a:xfrm>
+            <a:off x="2828925" y="3875826"/>
+            <a:ext cx="707231" cy="918635"/>
+            <a:chOff x="5029200" y="1514025"/>
+            <a:chExt cx="1257300" cy="1633128"/>
+          </a:xfrm>
+        </p:grpSpPr>
+        <p:cxnSp>
+          <p:nvCxnSpPr>
+            <p:cNvPr id="66" name="Straight Arrow Connector 65"/>
+            <p:cNvCxnSpPr>
+              <a:stCxn id="15" idx="3"/>
+              <a:endCxn id="39" idx="1"/>
+            </p:cNvCxnSpPr>
+            <p:nvPr/>
+          </p:nvCxnSpPr>
+          <p:spPr>
+            <a:xfrm>
+              <a:off x="5029200" y="1609338"/>
+              <a:ext cx="1257300" cy="1537815"/>
+            </a:xfrm>
+            <a:prstGeom prst="straightConnector1">
+              <a:avLst/>
+            </a:prstGeom>
+            <a:ln w="38100">
+              <a:solidFill>
+                <a:srgbClr val="00B050"/>
+              </a:solidFill>
+              <a:tailEnd type="triangle"/>
+            </a:ln>
+          </p:spPr>
+          <p:style>
+            <a:lnRef idx="1">
+              <a:schemeClr val="accent1"/>
+            </a:lnRef>
+            <a:fillRef idx="0">
+              <a:schemeClr val="accent1"/>
+            </a:fillRef>
+            <a:effectRef idx="0">
+              <a:schemeClr val="accent1"/>
+            </a:effectRef>
+            <a:fontRef idx="minor">
+              <a:schemeClr val="tx1"/>
+            </a:fontRef>
+          </p:style>
+        </p:cxnSp>
+        <p:sp>
+          <p:nvSpPr>
+            <p:cNvPr id="69" name="TextBox 68"/>
+            <p:cNvSpPr txBox="1"/>
+            <p:nvPr/>
+          </p:nvSpPr>
+          <p:spPr>
+            <a:xfrm rot="3097253">
+              <a:off x="5128857" y="1981137"/>
+              <a:ext cx="1375486" cy="441261"/>
+            </a:xfrm>
+            <a:prstGeom prst="rect">
+              <a:avLst/>
+            </a:prstGeom>
+            <a:noFill/>
+          </p:spPr>
+          <p:txBody>
+            <a:bodyPr wrap="square" rtlCol="0">
+              <a:spAutoFit/>
+            </a:bodyPr>
+            <a:lstStyle/>
+            <a:p>
+              <a:pPr algn="ctr"/>
+              <a:r>
+                <a:rPr lang="en-US" sz="1013" b="1" dirty="0">
+                  <a:solidFill>
+                    <a:srgbClr val="00B050"/>
+                  </a:solidFill>
+                </a:rPr>
+                <a:t>Conv2d()</a:t>
+              </a:r>
+            </a:p>
+          </p:txBody>
+        </p:sp>
+      </p:grpSp>
+      <p:grpSp>
+        <p:nvGrpSpPr>
+          <p:cNvPr id="72" name="Group 71"/>
+          <p:cNvGrpSpPr/>
+          <p:nvPr/>
+        </p:nvGrpSpPr>
+        <p:grpSpPr>
+          <a:xfrm>
+            <a:off x="3037507" y="5118649"/>
+            <a:ext cx="498650" cy="837246"/>
+            <a:chOff x="5400012" y="3723487"/>
+            <a:chExt cx="886488" cy="1488437"/>
+          </a:xfrm>
+        </p:grpSpPr>
+        <p:cxnSp>
+          <p:nvCxnSpPr>
+            <p:cNvPr id="51" name="Straight Arrow Connector 50"/>
+            <p:cNvCxnSpPr>
+              <a:stCxn id="40" idx="1"/>
+            </p:cNvCxnSpPr>
+            <p:nvPr/>
+          </p:nvCxnSpPr>
+          <p:spPr>
+            <a:xfrm flipH="1">
+              <a:off x="5562600" y="3989115"/>
+              <a:ext cx="723900" cy="1222809"/>
+            </a:xfrm>
+            <a:prstGeom prst="straightConnector1">
+              <a:avLst/>
+            </a:prstGeom>
+            <a:ln w="38100">
+              <a:solidFill>
+                <a:srgbClr val="FFC000"/>
+              </a:solidFill>
+              <a:tailEnd type="triangle"/>
+            </a:ln>
+          </p:spPr>
+          <p:style>
+            <a:lnRef idx="1">
+              <a:schemeClr val="accent1"/>
+            </a:lnRef>
+            <a:fillRef idx="0">
+              <a:schemeClr val="accent1"/>
+            </a:fillRef>
+            <a:effectRef idx="0">
+              <a:schemeClr val="accent1"/>
+            </a:effectRef>
+            <a:fontRef idx="minor">
+              <a:schemeClr val="tx1"/>
+            </a:fontRef>
+          </p:style>
+        </p:cxnSp>
+        <p:sp>
+          <p:nvSpPr>
+            <p:cNvPr id="71" name="TextBox 70"/>
+            <p:cNvSpPr txBox="1"/>
+            <p:nvPr/>
+          </p:nvSpPr>
+          <p:spPr>
+            <a:xfrm rot="18075676">
+              <a:off x="5071457" y="4052042"/>
+              <a:ext cx="1375484" cy="718373"/>
+            </a:xfrm>
+            <a:prstGeom prst="rect">
+              <a:avLst/>
+            </a:prstGeom>
+            <a:noFill/>
+          </p:spPr>
+          <p:txBody>
+            <a:bodyPr wrap="square" rtlCol="0">
+              <a:spAutoFit/>
+            </a:bodyPr>
+            <a:lstStyle/>
+            <a:p>
+              <a:pPr algn="ctr"/>
+              <a:r>
+                <a:rPr lang="en-US" sz="1013" b="1" dirty="0">
+                  <a:solidFill>
+                    <a:srgbClr val="FFC000"/>
+                  </a:solidFill>
+                </a:rPr>
+                <a:t>rearrange()</a:t>
+              </a:r>
+            </a:p>
+          </p:txBody>
+        </p:sp>
+      </p:grpSp>
+    </p:spTree>
+    <p:extLst>
+      <p:ext uri="{BB962C8B-B14F-4D97-AF65-F5344CB8AC3E}">
+        <p14:creationId xmlns:p14="http://schemas.microsoft.com/office/powerpoint/2010/main" val="928387491"/>
+      </p:ext>
+    </p:extLst>
+  </p:cSld>
+  <p:clrMapOvr>
+    <a:masterClrMapping/>
+  </p:clrMapOvr>
+</p:sld>
+</file>
+
+<file path=ppt/slides/slide11.xml><?xml version="1.0" encoding="utf-8"?>
+<p:sld xmlns:a="http://schemas.openxmlformats.org/drawingml/2006/main" xmlns:r="http://schemas.openxmlformats.org/officeDocument/2006/relationships" xmlns:p="http://schemas.openxmlformats.org/presentationml/2006/main">
+  <p:cSld>
+    <p:spTree>
+      <p:nvGrpSpPr>
+        <p:cNvPr id="1" name=""/>
+        <p:cNvGrpSpPr/>
+        <p:nvPr/>
+      </p:nvGrpSpPr>
+      <p:grpSpPr>
+        <a:xfrm>
+          <a:off x="0" y="0"/>
+          <a:ext cx="0" cy="0"/>
+          <a:chOff x="0" y="0"/>
+          <a:chExt cx="0" cy="0"/>
+        </a:xfrm>
+      </p:grpSpPr>
+      <p:cxnSp>
+        <p:nvCxnSpPr>
+          <p:cNvPr id="9" name="Straight Arrow Connector 8"/>
+          <p:cNvCxnSpPr>
+            <a:stCxn id="4" idx="0"/>
+            <a:endCxn id="5" idx="2"/>
+          </p:cNvCxnSpPr>
+          <p:nvPr/>
+        </p:nvCxnSpPr>
+        <p:spPr>
+          <a:xfrm flipV="1">
+            <a:off x="2721965" y="4485095"/>
+            <a:ext cx="0" cy="140940"/>
+          </a:xfrm>
+          <a:prstGeom prst="straightConnector1">
+            <a:avLst/>
+          </a:prstGeom>
+          <a:ln>
+            <a:solidFill>
+              <a:schemeClr val="tx1"/>
+            </a:solidFill>
+            <a:tailEnd type="triangle"/>
+          </a:ln>
+        </p:spPr>
+        <p:style>
+          <a:lnRef idx="1">
+            <a:schemeClr val="accent1"/>
+          </a:lnRef>
+          <a:fillRef idx="0">
+            <a:schemeClr val="accent1"/>
+          </a:fillRef>
+          <a:effectRef idx="0">
+            <a:schemeClr val="accent1"/>
+          </a:effectRef>
+          <a:fontRef idx="minor">
+            <a:schemeClr val="tx1"/>
+          </a:fontRef>
+        </p:style>
+      </p:cxnSp>
+      <p:cxnSp>
+        <p:nvCxnSpPr>
+          <p:cNvPr id="13" name="Straight Arrow Connector 12"/>
+          <p:cNvCxnSpPr>
+            <a:stCxn id="5" idx="0"/>
+            <a:endCxn id="12" idx="4"/>
+          </p:cNvCxnSpPr>
+          <p:nvPr/>
+        </p:nvCxnSpPr>
+        <p:spPr>
+          <a:xfrm flipV="1">
+            <a:off x="2721965" y="4005049"/>
+            <a:ext cx="0" cy="137146"/>
+          </a:xfrm>
+          <a:prstGeom prst="straightConnector1">
+            <a:avLst/>
+          </a:prstGeom>
+          <a:ln>
+            <a:solidFill>
+              <a:schemeClr val="tx1"/>
+            </a:solidFill>
+            <a:tailEnd type="triangle"/>
+          </a:ln>
+        </p:spPr>
+        <p:style>
+          <a:lnRef idx="1">
+            <a:schemeClr val="accent1"/>
+          </a:lnRef>
+          <a:fillRef idx="0">
+            <a:schemeClr val="accent1"/>
+          </a:fillRef>
+          <a:effectRef idx="0">
+            <a:schemeClr val="accent1"/>
+          </a:effectRef>
+          <a:fontRef idx="minor">
+            <a:schemeClr val="tx1"/>
+          </a:fontRef>
+        </p:style>
+      </p:cxnSp>
+      <p:grpSp>
+        <p:nvGrpSpPr>
+          <p:cNvPr id="105" name="Group 104"/>
+          <p:cNvGrpSpPr/>
+          <p:nvPr/>
+        </p:nvGrpSpPr>
+        <p:grpSpPr>
+          <a:xfrm>
+            <a:off x="2125980" y="2674620"/>
+            <a:ext cx="1341120" cy="2446020"/>
+            <a:chOff x="2125980" y="2674620"/>
+            <a:chExt cx="1341120" cy="2446020"/>
+          </a:xfrm>
+        </p:grpSpPr>
+        <p:sp>
+          <p:nvSpPr>
+            <p:cNvPr id="99" name="Rounded Rectangle 98"/>
+            <p:cNvSpPr/>
+            <p:nvPr/>
+          </p:nvSpPr>
+          <p:spPr>
+            <a:xfrm>
+              <a:off x="2125980" y="2674620"/>
+              <a:ext cx="1341120" cy="2446020"/>
+            </a:xfrm>
+            <a:prstGeom prst="roundRect">
+              <a:avLst>
+                <a:gd name="adj" fmla="val 2471"/>
+              </a:avLst>
+            </a:prstGeom>
+            <a:solidFill>
+              <a:schemeClr val="bg2"/>
+            </a:solidFill>
+            <a:ln w="9525">
+              <a:solidFill>
+                <a:schemeClr val="tx1"/>
+              </a:solidFill>
+            </a:ln>
+          </p:spPr>
+          <p:style>
+            <a:lnRef idx="2">
+              <a:schemeClr val="accent1">
+                <a:shade val="50000"/>
+              </a:schemeClr>
+            </a:lnRef>
+            <a:fillRef idx="1">
+              <a:schemeClr val="accent1"/>
+            </a:fillRef>
+            <a:effectRef idx="0">
+              <a:schemeClr val="accent1"/>
+            </a:effectRef>
+            <a:fontRef idx="minor">
+              <a:schemeClr val="lt1"/>
+            </a:fontRef>
+          </p:style>
+          <p:txBody>
+            <a:bodyPr rtlCol="0" anchor="ctr"/>
+            <a:lstStyle/>
+            <a:p>
+              <a:pPr algn="ctr"/>
+              <a:endParaRPr lang="en-US"/>
+            </a:p>
+          </p:txBody>
+        </p:sp>
+        <p:grpSp>
+          <p:nvGrpSpPr>
+            <p:cNvPr id="100" name="Group 99"/>
+            <p:cNvGrpSpPr/>
+            <p:nvPr/>
+          </p:nvGrpSpPr>
+          <p:grpSpPr>
+            <a:xfrm>
+              <a:off x="2190190" y="2738447"/>
+              <a:ext cx="1063550" cy="2105968"/>
+              <a:chOff x="2190190" y="2738447"/>
+              <a:chExt cx="1063550" cy="2105968"/>
+            </a:xfrm>
+          </p:grpSpPr>
+          <p:sp>
+            <p:nvSpPr>
+              <p:cNvPr id="4" name="Rounded Rectangle 3"/>
+              <p:cNvSpPr/>
+              <p:nvPr/>
+            </p:nvSpPr>
+            <p:spPr>
+              <a:xfrm>
+                <a:off x="2190190" y="4626035"/>
+                <a:ext cx="1063550" cy="218380"/>
+              </a:xfrm>
+              <a:prstGeom prst="roundRect">
+                <a:avLst/>
+              </a:prstGeom>
+              <a:solidFill>
+                <a:schemeClr val="accent4">
+                  <a:lumMod val="20000"/>
+                  <a:lumOff val="80000"/>
+                </a:schemeClr>
+              </a:solidFill>
+              <a:ln w="9525">
+                <a:solidFill>
+                  <a:schemeClr val="tx1"/>
+                </a:solidFill>
+              </a:ln>
+            </p:spPr>
+            <p:style>
+              <a:lnRef idx="2">
+                <a:schemeClr val="accent1">
+                  <a:shade val="50000"/>
+                </a:schemeClr>
+              </a:lnRef>
+              <a:fillRef idx="1">
+                <a:schemeClr val="accent1"/>
+              </a:fillRef>
+              <a:effectRef idx="0">
+                <a:schemeClr val="accent1"/>
+              </a:effectRef>
+              <a:fontRef idx="minor">
+                <a:schemeClr val="lt1"/>
+              </a:fontRef>
+            </p:style>
+            <p:txBody>
+              <a:bodyPr rot="0" spcFirstLastPara="0" vertOverflow="overflow" horzOverflow="overflow" vert="horz" wrap="square" lIns="51435" tIns="25718" rIns="51435" bIns="25718" numCol="1" spcCol="0" rtlCol="0" fromWordArt="0" anchor="ctr" anchorCtr="0" forceAA="0" compatLnSpc="1">
+                <a:prstTxWarp prst="textNoShape">
+                  <a:avLst/>
+                </a:prstTxWarp>
+                <a:noAutofit/>
+              </a:bodyPr>
+              <a:lstStyle/>
+              <a:p>
+                <a:pPr algn="ctr"/>
+                <a:r>
+                  <a:rPr lang="en-US" sz="800" dirty="0" smtClean="0">
+                    <a:solidFill>
+                      <a:schemeClr val="tx1"/>
+                    </a:solidFill>
+                    <a:latin typeface="Tahoma" panose="020B0604030504040204" pitchFamily="34" charset="0"/>
+                    <a:ea typeface="Tahoma" panose="020B0604030504040204" pitchFamily="34" charset="0"/>
+                    <a:cs typeface="Tahoma" panose="020B0604030504040204" pitchFamily="34" charset="0"/>
+                  </a:rPr>
+                  <a:t>LayerNorm</a:t>
+                </a:r>
+                <a:endParaRPr lang="en-US" sz="800" dirty="0">
+                  <a:solidFill>
+                    <a:schemeClr val="tx1"/>
+                  </a:solidFill>
+                  <a:latin typeface="Tahoma" panose="020B0604030504040204" pitchFamily="34" charset="0"/>
+                  <a:ea typeface="Tahoma" panose="020B0604030504040204" pitchFamily="34" charset="0"/>
+                  <a:cs typeface="Tahoma" panose="020B0604030504040204" pitchFamily="34" charset="0"/>
+                </a:endParaRPr>
+              </a:p>
+            </p:txBody>
+          </p:sp>
+          <p:sp>
+            <p:nvSpPr>
+              <p:cNvPr id="5" name="Rounded Rectangle 4"/>
+              <p:cNvSpPr/>
+              <p:nvPr/>
+            </p:nvSpPr>
+            <p:spPr>
+              <a:xfrm>
+                <a:off x="2190190" y="4142195"/>
+                <a:ext cx="1063550" cy="342900"/>
+              </a:xfrm>
+              <a:prstGeom prst="roundRect">
+                <a:avLst/>
+              </a:prstGeom>
+              <a:solidFill>
+                <a:schemeClr val="accent6">
+                  <a:lumMod val="60000"/>
+                  <a:lumOff val="40000"/>
+                </a:schemeClr>
+              </a:solidFill>
+              <a:ln w="9525">
+                <a:solidFill>
+                  <a:schemeClr val="tx1"/>
+                </a:solidFill>
+              </a:ln>
+            </p:spPr>
+            <p:style>
+              <a:lnRef idx="2">
+                <a:schemeClr val="accent1">
+                  <a:shade val="50000"/>
+                </a:schemeClr>
+              </a:lnRef>
+              <a:fillRef idx="1">
+                <a:schemeClr val="accent1"/>
+              </a:fillRef>
+              <a:effectRef idx="0">
+                <a:schemeClr val="accent1"/>
+              </a:effectRef>
+              <a:fontRef idx="minor">
+                <a:schemeClr val="lt1"/>
+              </a:fontRef>
+            </p:style>
+            <p:txBody>
+              <a:bodyPr rot="0" spcFirstLastPara="0" vertOverflow="overflow" horzOverflow="overflow" vert="horz" wrap="square" lIns="51435" tIns="25718" rIns="51435" bIns="25718" numCol="1" spcCol="0" rtlCol="0" fromWordArt="0" anchor="ctr" anchorCtr="0" forceAA="0" compatLnSpc="1">
+                <a:prstTxWarp prst="textNoShape">
+                  <a:avLst/>
+                </a:prstTxWarp>
+                <a:noAutofit/>
+              </a:bodyPr>
+              <a:lstStyle/>
+              <a:p>
+                <a:pPr algn="ctr"/>
+                <a:r>
+                  <a:rPr lang="en-US" sz="800" dirty="0">
+                    <a:solidFill>
+                      <a:schemeClr val="tx1"/>
+                    </a:solidFill>
+                    <a:latin typeface="Tahoma" panose="020B0604030504040204" pitchFamily="34" charset="0"/>
+                    <a:ea typeface="Tahoma" panose="020B0604030504040204" pitchFamily="34" charset="0"/>
+                    <a:cs typeface="Tahoma" panose="020B0604030504040204" pitchFamily="34" charset="0"/>
+                  </a:rPr>
+                  <a:t>Efficient </a:t>
+                </a:r>
+              </a:p>
+              <a:p>
+                <a:pPr algn="ctr"/>
+                <a:r>
+                  <a:rPr lang="en-US" sz="800" dirty="0">
+                    <a:solidFill>
+                      <a:schemeClr val="tx1"/>
+                    </a:solidFill>
+                    <a:latin typeface="Tahoma" panose="020B0604030504040204" pitchFamily="34" charset="0"/>
+                    <a:ea typeface="Tahoma" panose="020B0604030504040204" pitchFamily="34" charset="0"/>
+                    <a:cs typeface="Tahoma" panose="020B0604030504040204" pitchFamily="34" charset="0"/>
+                  </a:rPr>
+                  <a:t>Self-Attention</a:t>
+                </a:r>
+                <a:endParaRPr lang="en-US" sz="800" dirty="0">
+                  <a:solidFill>
+                    <a:schemeClr val="tx1"/>
+                  </a:solidFill>
+                  <a:latin typeface="Tahoma" panose="020B0604030504040204" pitchFamily="34" charset="0"/>
+                  <a:ea typeface="Tahoma" panose="020B0604030504040204" pitchFamily="34" charset="0"/>
+                  <a:cs typeface="Tahoma" panose="020B0604030504040204" pitchFamily="34" charset="0"/>
+                </a:endParaRPr>
+              </a:p>
+            </p:txBody>
+          </p:sp>
+          <p:sp>
+            <p:nvSpPr>
+              <p:cNvPr id="6" name="Rounded Rectangle 5"/>
+              <p:cNvSpPr/>
+              <p:nvPr/>
+            </p:nvSpPr>
+            <p:spPr>
+              <a:xfrm>
+                <a:off x="2190190" y="3390664"/>
+                <a:ext cx="1063550" cy="218380"/>
+              </a:xfrm>
+              <a:prstGeom prst="roundRect">
+                <a:avLst/>
+              </a:prstGeom>
+              <a:solidFill>
+                <a:schemeClr val="accent4">
+                  <a:lumMod val="20000"/>
+                  <a:lumOff val="80000"/>
+                </a:schemeClr>
+              </a:solidFill>
+              <a:ln w="9525">
+                <a:solidFill>
+                  <a:schemeClr val="tx1"/>
+                </a:solidFill>
+              </a:ln>
+            </p:spPr>
+            <p:style>
+              <a:lnRef idx="2">
+                <a:schemeClr val="accent1">
+                  <a:shade val="50000"/>
+                </a:schemeClr>
+              </a:lnRef>
+              <a:fillRef idx="1">
+                <a:schemeClr val="accent1"/>
+              </a:fillRef>
+              <a:effectRef idx="0">
+                <a:schemeClr val="accent1"/>
+              </a:effectRef>
+              <a:fontRef idx="minor">
+                <a:schemeClr val="lt1"/>
+              </a:fontRef>
+            </p:style>
+            <p:txBody>
+              <a:bodyPr rot="0" spcFirstLastPara="0" vertOverflow="overflow" horzOverflow="overflow" vert="horz" wrap="square" lIns="51435" tIns="25718" rIns="51435" bIns="25718" numCol="1" spcCol="0" rtlCol="0" fromWordArt="0" anchor="ctr" anchorCtr="0" forceAA="0" compatLnSpc="1">
+                <a:prstTxWarp prst="textNoShape">
+                  <a:avLst/>
+                </a:prstTxWarp>
+                <a:noAutofit/>
+              </a:bodyPr>
+              <a:lstStyle/>
+              <a:p>
+                <a:pPr algn="ctr"/>
+                <a:r>
+                  <a:rPr lang="en-US" sz="800" dirty="0" smtClean="0">
+                    <a:solidFill>
+                      <a:schemeClr val="tx1"/>
+                    </a:solidFill>
+                    <a:latin typeface="Tahoma" panose="020B0604030504040204" pitchFamily="34" charset="0"/>
+                    <a:ea typeface="Tahoma" panose="020B0604030504040204" pitchFamily="34" charset="0"/>
+                    <a:cs typeface="Tahoma" panose="020B0604030504040204" pitchFamily="34" charset="0"/>
+                  </a:rPr>
+                  <a:t>LayerNorm</a:t>
+                </a:r>
+                <a:endParaRPr lang="en-US" sz="800" dirty="0">
+                  <a:solidFill>
+                    <a:schemeClr val="tx1"/>
+                  </a:solidFill>
+                  <a:latin typeface="Tahoma" panose="020B0604030504040204" pitchFamily="34" charset="0"/>
+                  <a:ea typeface="Tahoma" panose="020B0604030504040204" pitchFamily="34" charset="0"/>
+                  <a:cs typeface="Tahoma" panose="020B0604030504040204" pitchFamily="34" charset="0"/>
+                </a:endParaRPr>
+              </a:p>
+            </p:txBody>
+          </p:sp>
+          <p:sp>
+            <p:nvSpPr>
+              <p:cNvPr id="7" name="Rounded Rectangle 6"/>
+              <p:cNvSpPr/>
+              <p:nvPr/>
+            </p:nvSpPr>
+            <p:spPr>
+              <a:xfrm>
+                <a:off x="2190190" y="3028660"/>
+                <a:ext cx="1063550" cy="218380"/>
+              </a:xfrm>
+              <a:prstGeom prst="roundRect">
+                <a:avLst/>
+              </a:prstGeom>
+              <a:solidFill>
+                <a:schemeClr val="accent1">
+                  <a:lumMod val="60000"/>
+                  <a:lumOff val="40000"/>
+                </a:schemeClr>
+              </a:solidFill>
+              <a:ln w="9525">
+                <a:solidFill>
+                  <a:schemeClr val="tx1"/>
+                </a:solidFill>
+              </a:ln>
+            </p:spPr>
+            <p:style>
+              <a:lnRef idx="2">
+                <a:schemeClr val="accent1">
+                  <a:shade val="50000"/>
+                </a:schemeClr>
+              </a:lnRef>
+              <a:fillRef idx="1">
+                <a:schemeClr val="accent1"/>
+              </a:fillRef>
+              <a:effectRef idx="0">
+                <a:schemeClr val="accent1"/>
+              </a:effectRef>
+              <a:fontRef idx="minor">
+                <a:schemeClr val="lt1"/>
+              </a:fontRef>
+            </p:style>
+            <p:txBody>
+              <a:bodyPr rot="0" spcFirstLastPara="0" vertOverflow="overflow" horzOverflow="overflow" vert="horz" wrap="square" lIns="51435" tIns="25718" rIns="51435" bIns="25718" numCol="1" spcCol="0" rtlCol="0" fromWordArt="0" anchor="ctr" anchorCtr="0" forceAA="0" compatLnSpc="1">
+                <a:prstTxWarp prst="textNoShape">
+                  <a:avLst/>
+                </a:prstTxWarp>
+                <a:noAutofit/>
+              </a:bodyPr>
+              <a:lstStyle/>
+              <a:p>
+                <a:pPr algn="ctr"/>
+                <a:r>
+                  <a:rPr lang="en-US" sz="800" dirty="0" smtClean="0">
+                    <a:solidFill>
+                      <a:schemeClr val="tx1"/>
+                    </a:solidFill>
+                    <a:latin typeface="Tahoma" panose="020B0604030504040204" pitchFamily="34" charset="0"/>
+                    <a:ea typeface="Tahoma" panose="020B0604030504040204" pitchFamily="34" charset="0"/>
+                    <a:cs typeface="Tahoma" panose="020B0604030504040204" pitchFamily="34" charset="0"/>
+                  </a:rPr>
+                  <a:t>Mix FeedForward</a:t>
+                </a:r>
+                <a:endParaRPr lang="en-US" sz="800" dirty="0">
+                  <a:solidFill>
+                    <a:schemeClr val="tx1"/>
+                  </a:solidFill>
+                  <a:latin typeface="Tahoma" panose="020B0604030504040204" pitchFamily="34" charset="0"/>
+                  <a:ea typeface="Tahoma" panose="020B0604030504040204" pitchFamily="34" charset="0"/>
+                  <a:cs typeface="Tahoma" panose="020B0604030504040204" pitchFamily="34" charset="0"/>
+                </a:endParaRPr>
+              </a:p>
+            </p:txBody>
+          </p:sp>
+          <p:sp>
+            <p:nvSpPr>
+              <p:cNvPr id="12" name="Oval 11"/>
+              <p:cNvSpPr/>
+              <p:nvPr/>
+            </p:nvSpPr>
+            <p:spPr>
+              <a:xfrm>
+                <a:off x="2630525" y="3851640"/>
+                <a:ext cx="182880" cy="153409"/>
+              </a:xfrm>
+              <a:prstGeom prst="ellipse">
+                <a:avLst/>
+              </a:prstGeom>
+              <a:noFill/>
+              <a:ln w="9525">
+                <a:solidFill>
+                  <a:schemeClr val="tx1"/>
+                </a:solidFill>
+              </a:ln>
+            </p:spPr>
+            <p:style>
+              <a:lnRef idx="2">
+                <a:schemeClr val="accent1">
+                  <a:shade val="50000"/>
+                </a:schemeClr>
+              </a:lnRef>
+              <a:fillRef idx="1">
+                <a:schemeClr val="accent1"/>
+              </a:fillRef>
+              <a:effectRef idx="0">
+                <a:schemeClr val="accent1"/>
+              </a:effectRef>
+              <a:fontRef idx="minor">
+                <a:schemeClr val="lt1"/>
+              </a:fontRef>
+            </p:style>
+            <p:txBody>
+              <a:bodyPr rtlCol="0" anchor="ctr"/>
+              <a:lstStyle/>
+              <a:p>
+                <a:pPr algn="ctr"/>
+                <a:endParaRPr lang="en-US"/>
+              </a:p>
+            </p:txBody>
+          </p:sp>
+          <p:sp>
+            <p:nvSpPr>
+              <p:cNvPr id="16" name="Oval 15"/>
+              <p:cNvSpPr/>
+              <p:nvPr/>
+            </p:nvSpPr>
+            <p:spPr>
+              <a:xfrm>
+                <a:off x="2630525" y="2738447"/>
+                <a:ext cx="182880" cy="145522"/>
+              </a:xfrm>
+              <a:prstGeom prst="ellipse">
+                <a:avLst/>
+              </a:prstGeom>
+              <a:noFill/>
+              <a:ln w="9525">
+                <a:solidFill>
+                  <a:schemeClr val="tx1"/>
+                </a:solidFill>
+              </a:ln>
+            </p:spPr>
+            <p:style>
+              <a:lnRef idx="2">
+                <a:schemeClr val="accent1">
+                  <a:shade val="50000"/>
+                </a:schemeClr>
+              </a:lnRef>
+              <a:fillRef idx="1">
+                <a:schemeClr val="accent1"/>
+              </a:fillRef>
+              <a:effectRef idx="0">
+                <a:schemeClr val="accent1"/>
+              </a:effectRef>
+              <a:fontRef idx="minor">
+                <a:schemeClr val="lt1"/>
+              </a:fontRef>
+            </p:style>
+            <p:txBody>
+              <a:bodyPr rtlCol="0" anchor="ctr"/>
+              <a:lstStyle/>
+              <a:p>
+                <a:pPr algn="ctr"/>
+                <a:endParaRPr lang="en-US"/>
+              </a:p>
+            </p:txBody>
+          </p:sp>
+        </p:grpSp>
+      </p:grpSp>
+      <p:cxnSp>
+        <p:nvCxnSpPr>
+          <p:cNvPr id="20" name="Straight Arrow Connector 19"/>
+          <p:cNvCxnSpPr>
+            <a:stCxn id="6" idx="0"/>
+            <a:endCxn id="7" idx="2"/>
+          </p:cNvCxnSpPr>
+          <p:nvPr/>
+        </p:nvCxnSpPr>
+        <p:spPr>
+          <a:xfrm flipV="1">
+            <a:off x="2721965" y="3247040"/>
+            <a:ext cx="0" cy="143624"/>
+          </a:xfrm>
+          <a:prstGeom prst="straightConnector1">
+            <a:avLst/>
+          </a:prstGeom>
+          <a:ln>
+            <a:solidFill>
+              <a:schemeClr val="tx1"/>
+            </a:solidFill>
+            <a:tailEnd type="triangle"/>
+          </a:ln>
+        </p:spPr>
+        <p:style>
+          <a:lnRef idx="1">
+            <a:schemeClr val="accent1"/>
+          </a:lnRef>
+          <a:fillRef idx="0">
+            <a:schemeClr val="accent1"/>
+          </a:fillRef>
+          <a:effectRef idx="0">
+            <a:schemeClr val="accent1"/>
+          </a:effectRef>
+          <a:fontRef idx="minor">
+            <a:schemeClr val="tx1"/>
+          </a:fontRef>
+        </p:style>
+      </p:cxnSp>
+      <p:cxnSp>
+        <p:nvCxnSpPr>
+          <p:cNvPr id="23" name="Straight Arrow Connector 22"/>
+          <p:cNvCxnSpPr>
+            <a:stCxn id="7" idx="0"/>
+            <a:endCxn id="16" idx="4"/>
+          </p:cNvCxnSpPr>
+          <p:nvPr/>
+        </p:nvCxnSpPr>
+        <p:spPr>
+          <a:xfrm flipV="1">
+            <a:off x="2721965" y="2883969"/>
+            <a:ext cx="0" cy="144691"/>
+          </a:xfrm>
+          <a:prstGeom prst="straightConnector1">
+            <a:avLst/>
+          </a:prstGeom>
+          <a:ln>
+            <a:solidFill>
+              <a:schemeClr val="tx1"/>
+            </a:solidFill>
+            <a:tailEnd type="triangle"/>
+          </a:ln>
+        </p:spPr>
+        <p:style>
+          <a:lnRef idx="1">
+            <a:schemeClr val="accent1"/>
+          </a:lnRef>
+          <a:fillRef idx="0">
+            <a:schemeClr val="accent1"/>
+          </a:fillRef>
+          <a:effectRef idx="0">
+            <a:schemeClr val="accent1"/>
+          </a:effectRef>
+          <a:fontRef idx="minor">
+            <a:schemeClr val="tx1"/>
+          </a:fontRef>
+        </p:style>
+      </p:cxnSp>
+      <p:sp>
+        <p:nvSpPr>
+          <p:cNvPr id="37" name="Rounded Rectangle 36"/>
+          <p:cNvSpPr/>
+          <p:nvPr/>
+        </p:nvSpPr>
+        <p:spPr>
+          <a:xfrm>
+            <a:off x="2238363" y="5250150"/>
+            <a:ext cx="962973" cy="313720"/>
+          </a:xfrm>
+          <a:prstGeom prst="roundRect">
+            <a:avLst/>
+          </a:prstGeom>
+          <a:solidFill>
+            <a:schemeClr val="accent2">
+              <a:lumMod val="60000"/>
+              <a:lumOff val="40000"/>
+            </a:schemeClr>
+          </a:solidFill>
+          <a:ln w="9525">
+            <a:solidFill>
+              <a:schemeClr val="tx1"/>
+            </a:solidFill>
+          </a:ln>
+        </p:spPr>
+        <p:style>
+          <a:lnRef idx="2">
+            <a:schemeClr val="accent1">
+              <a:shade val="50000"/>
+            </a:schemeClr>
+          </a:lnRef>
+          <a:fillRef idx="1">
+            <a:schemeClr val="accent1"/>
+          </a:fillRef>
+          <a:effectRef idx="0">
+            <a:schemeClr val="accent1"/>
+          </a:effectRef>
+          <a:fontRef idx="minor">
+            <a:schemeClr val="lt1"/>
+          </a:fontRef>
+        </p:style>
+        <p:txBody>
+          <a:bodyPr rot="0" spcFirstLastPara="0" vertOverflow="overflow" horzOverflow="overflow" vert="horz" wrap="square" lIns="51435" tIns="25718" rIns="51435" bIns="25718" numCol="1" spcCol="0" rtlCol="0" fromWordArt="0" anchor="ctr" anchorCtr="0" forceAA="0" compatLnSpc="1">
+            <a:prstTxWarp prst="textNoShape">
+              <a:avLst/>
+            </a:prstTxWarp>
+            <a:noAutofit/>
+          </a:bodyPr>
+          <a:lstStyle/>
+          <a:p>
+            <a:pPr algn="ctr"/>
+            <a:r>
+              <a:rPr lang="en-US" sz="800" dirty="0" smtClean="0">
+                <a:solidFill>
+                  <a:schemeClr val="tx1"/>
+                </a:solidFill>
+                <a:latin typeface="Tahoma" panose="020B0604030504040204" pitchFamily="34" charset="0"/>
+                <a:ea typeface="Tahoma" panose="020B0604030504040204" pitchFamily="34" charset="0"/>
+                <a:cs typeface="Tahoma" panose="020B0604030504040204" pitchFamily="34" charset="0"/>
+              </a:rPr>
+              <a:t>Embedded </a:t>
+            </a:r>
+          </a:p>
+          <a:p>
+            <a:pPr algn="ctr"/>
+            <a:r>
+              <a:rPr lang="en-US" sz="800" dirty="0" smtClean="0">
+                <a:solidFill>
+                  <a:schemeClr val="tx1"/>
+                </a:solidFill>
+                <a:latin typeface="Tahoma" panose="020B0604030504040204" pitchFamily="34" charset="0"/>
+                <a:ea typeface="Tahoma" panose="020B0604030504040204" pitchFamily="34" charset="0"/>
+                <a:cs typeface="Tahoma" panose="020B0604030504040204" pitchFamily="34" charset="0"/>
+              </a:rPr>
+              <a:t>patches</a:t>
+            </a:r>
+            <a:endParaRPr lang="en-US" sz="800" dirty="0">
+              <a:solidFill>
+                <a:schemeClr val="tx1"/>
+              </a:solidFill>
+              <a:latin typeface="Tahoma" panose="020B0604030504040204" pitchFamily="34" charset="0"/>
+              <a:ea typeface="Tahoma" panose="020B0604030504040204" pitchFamily="34" charset="0"/>
+              <a:cs typeface="Tahoma" panose="020B0604030504040204" pitchFamily="34" charset="0"/>
+            </a:endParaRPr>
+          </a:p>
+        </p:txBody>
+      </p:sp>
+      <p:grpSp>
+        <p:nvGrpSpPr>
+          <p:cNvPr id="44" name="Group 43"/>
+          <p:cNvGrpSpPr/>
+          <p:nvPr/>
+        </p:nvGrpSpPr>
+        <p:grpSpPr>
+          <a:xfrm>
+            <a:off x="2699105" y="4844415"/>
+            <a:ext cx="46476" cy="405735"/>
+            <a:chOff x="2699105" y="4844415"/>
+            <a:chExt cx="46476" cy="405735"/>
+          </a:xfrm>
+        </p:grpSpPr>
+        <p:cxnSp>
+          <p:nvCxnSpPr>
+            <p:cNvPr id="38" name="Straight Arrow Connector 37"/>
+            <p:cNvCxnSpPr>
+              <a:stCxn id="37" idx="0"/>
+              <a:endCxn id="4" idx="2"/>
+            </p:cNvCxnSpPr>
+            <p:nvPr/>
+          </p:nvCxnSpPr>
+          <p:spPr>
+            <a:xfrm flipV="1">
+              <a:off x="2719850" y="4844415"/>
+              <a:ext cx="2115" cy="405735"/>
+            </a:xfrm>
+            <a:prstGeom prst="straightConnector1">
+              <a:avLst/>
+            </a:prstGeom>
+            <a:ln>
+              <a:solidFill>
+                <a:schemeClr val="tx1"/>
+              </a:solidFill>
+              <a:tailEnd type="triangle"/>
+            </a:ln>
+          </p:spPr>
+          <p:style>
+            <a:lnRef idx="1">
+              <a:schemeClr val="accent1"/>
+            </a:lnRef>
+            <a:fillRef idx="0">
+              <a:schemeClr val="accent1"/>
+            </a:fillRef>
+            <a:effectRef idx="0">
+              <a:schemeClr val="accent1"/>
+            </a:effectRef>
+            <a:fontRef idx="minor">
+              <a:schemeClr val="tx1"/>
+            </a:fontRef>
+          </p:style>
+        </p:cxnSp>
+        <p:sp>
+          <p:nvSpPr>
+            <p:cNvPr id="43" name="Oval 42"/>
+            <p:cNvSpPr/>
+            <p:nvPr/>
+          </p:nvSpPr>
+          <p:spPr>
+            <a:xfrm flipV="1">
+              <a:off x="2699105" y="4990063"/>
+              <a:ext cx="46476" cy="45719"/>
+            </a:xfrm>
+            <a:prstGeom prst="ellipse">
+              <a:avLst/>
+            </a:prstGeom>
+            <a:solidFill>
+              <a:schemeClr val="tx1"/>
+            </a:solidFill>
+            <a:ln>
+              <a:noFill/>
+            </a:ln>
+          </p:spPr>
+          <p:style>
+            <a:lnRef idx="2">
+              <a:schemeClr val="accent1">
+                <a:shade val="50000"/>
+              </a:schemeClr>
+            </a:lnRef>
+            <a:fillRef idx="1">
+              <a:schemeClr val="accent1"/>
+            </a:fillRef>
+            <a:effectRef idx="0">
+              <a:schemeClr val="accent1"/>
+            </a:effectRef>
+            <a:fontRef idx="minor">
+              <a:schemeClr val="lt1"/>
+            </a:fontRef>
+          </p:style>
+          <p:txBody>
+            <a:bodyPr rtlCol="0" anchor="ctr"/>
+            <a:lstStyle/>
+            <a:p>
+              <a:pPr algn="ctr"/>
+              <a:endParaRPr lang="en-US"/>
+            </a:p>
+          </p:txBody>
+        </p:sp>
+      </p:grpSp>
+      <p:cxnSp>
+        <p:nvCxnSpPr>
+          <p:cNvPr id="46" name="Elbow Connector 45"/>
+          <p:cNvCxnSpPr>
+            <a:stCxn id="43" idx="6"/>
+            <a:endCxn id="12" idx="6"/>
+          </p:cNvCxnSpPr>
+          <p:nvPr/>
+        </p:nvCxnSpPr>
+        <p:spPr>
+          <a:xfrm flipV="1">
+            <a:off x="2745581" y="3928345"/>
+            <a:ext cx="67824" cy="1084577"/>
+          </a:xfrm>
+          <a:prstGeom prst="bentConnector3">
+            <a:avLst>
+              <a:gd name="adj1" fmla="val 953857"/>
+            </a:avLst>
+          </a:prstGeom>
+          <a:ln>
+            <a:solidFill>
+              <a:schemeClr val="tx1"/>
+            </a:solidFill>
+            <a:tailEnd type="triangle"/>
+          </a:ln>
+        </p:spPr>
+        <p:style>
+          <a:lnRef idx="1">
+            <a:schemeClr val="accent1"/>
+          </a:lnRef>
+          <a:fillRef idx="0">
+            <a:schemeClr val="accent1"/>
+          </a:fillRef>
+          <a:effectRef idx="0">
+            <a:schemeClr val="accent1"/>
+          </a:effectRef>
+          <a:fontRef idx="minor">
+            <a:schemeClr val="tx1"/>
+          </a:fontRef>
+        </p:style>
+      </p:cxnSp>
+      <p:grpSp>
+        <p:nvGrpSpPr>
+          <p:cNvPr id="71" name="Group 70"/>
+          <p:cNvGrpSpPr/>
+          <p:nvPr/>
+        </p:nvGrpSpPr>
+        <p:grpSpPr>
+          <a:xfrm>
+            <a:off x="2698727" y="3609044"/>
+            <a:ext cx="46476" cy="242596"/>
+            <a:chOff x="2698727" y="3609044"/>
+            <a:chExt cx="46476" cy="242596"/>
+          </a:xfrm>
+        </p:grpSpPr>
+        <p:cxnSp>
+          <p:nvCxnSpPr>
+            <p:cNvPr id="61" name="Straight Arrow Connector 60"/>
+            <p:cNvCxnSpPr>
+              <a:stCxn id="12" idx="0"/>
+              <a:endCxn id="6" idx="2"/>
+            </p:cNvCxnSpPr>
+            <p:nvPr/>
+          </p:nvCxnSpPr>
+          <p:spPr>
+            <a:xfrm flipV="1">
+              <a:off x="2721965" y="3609044"/>
+              <a:ext cx="0" cy="242596"/>
+            </a:xfrm>
+            <a:prstGeom prst="straightConnector1">
+              <a:avLst/>
+            </a:prstGeom>
+            <a:ln>
+              <a:solidFill>
+                <a:schemeClr val="tx1"/>
+              </a:solidFill>
+              <a:tailEnd type="triangle"/>
+            </a:ln>
+          </p:spPr>
+          <p:style>
+            <a:lnRef idx="1">
+              <a:schemeClr val="accent1"/>
+            </a:lnRef>
+            <a:fillRef idx="0">
+              <a:schemeClr val="accent1"/>
+            </a:fillRef>
+            <a:effectRef idx="0">
+              <a:schemeClr val="accent1"/>
+            </a:effectRef>
+            <a:fontRef idx="minor">
+              <a:schemeClr val="tx1"/>
+            </a:fontRef>
+          </p:style>
+        </p:cxnSp>
+        <p:sp>
+          <p:nvSpPr>
+            <p:cNvPr id="62" name="Oval 61"/>
+            <p:cNvSpPr/>
+            <p:nvPr/>
+          </p:nvSpPr>
+          <p:spPr>
+            <a:xfrm flipV="1">
+              <a:off x="2698727" y="3744988"/>
+              <a:ext cx="46476" cy="45719"/>
+            </a:xfrm>
+            <a:prstGeom prst="ellipse">
+              <a:avLst/>
+            </a:prstGeom>
+            <a:solidFill>
+              <a:schemeClr val="tx1"/>
+            </a:solidFill>
+            <a:ln>
+              <a:noFill/>
+            </a:ln>
+          </p:spPr>
+          <p:style>
+            <a:lnRef idx="2">
+              <a:schemeClr val="accent1">
+                <a:shade val="50000"/>
+              </a:schemeClr>
+            </a:lnRef>
+            <a:fillRef idx="1">
+              <a:schemeClr val="accent1"/>
+            </a:fillRef>
+            <a:effectRef idx="0">
+              <a:schemeClr val="accent1"/>
+            </a:effectRef>
+            <a:fontRef idx="minor">
+              <a:schemeClr val="lt1"/>
+            </a:fontRef>
+          </p:style>
+          <p:txBody>
+            <a:bodyPr rtlCol="0" anchor="ctr"/>
+            <a:lstStyle/>
+            <a:p>
+              <a:pPr algn="ctr"/>
+              <a:endParaRPr lang="en-US"/>
+            </a:p>
+          </p:txBody>
+        </p:sp>
+      </p:grpSp>
+      <p:cxnSp>
+        <p:nvCxnSpPr>
+          <p:cNvPr id="63" name="Elbow Connector 62"/>
+          <p:cNvCxnSpPr>
+            <a:stCxn id="62" idx="6"/>
+            <a:endCxn id="16" idx="6"/>
+          </p:cNvCxnSpPr>
+          <p:nvPr/>
+        </p:nvCxnSpPr>
+        <p:spPr>
+          <a:xfrm flipV="1">
+            <a:off x="2745203" y="2811208"/>
+            <a:ext cx="68202" cy="956639"/>
+          </a:xfrm>
+          <a:prstGeom prst="bentConnector3">
+            <a:avLst>
+              <a:gd name="adj1" fmla="val 937952"/>
+            </a:avLst>
+          </a:prstGeom>
+          <a:ln>
+            <a:solidFill>
+              <a:schemeClr val="tx1"/>
+            </a:solidFill>
+            <a:tailEnd type="triangle"/>
+          </a:ln>
+        </p:spPr>
+        <p:style>
+          <a:lnRef idx="1">
+            <a:schemeClr val="accent1"/>
+          </a:lnRef>
+          <a:fillRef idx="0">
+            <a:schemeClr val="accent1"/>
+          </a:fillRef>
+          <a:effectRef idx="0">
+            <a:schemeClr val="accent1"/>
+          </a:effectRef>
+          <a:fontRef idx="minor">
+            <a:schemeClr val="tx1"/>
+          </a:fontRef>
+        </p:style>
+      </p:cxnSp>
+      <p:sp>
+        <p:nvSpPr>
+          <p:cNvPr id="103" name="Plus 102"/>
+          <p:cNvSpPr/>
+          <p:nvPr/>
+        </p:nvSpPr>
+        <p:spPr>
+          <a:xfrm>
+            <a:off x="2656032" y="2762453"/>
+            <a:ext cx="131865" cy="95653"/>
+          </a:xfrm>
+          <a:prstGeom prst="mathPlus">
+            <a:avLst>
+              <a:gd name="adj1" fmla="val 13563"/>
+            </a:avLst>
+          </a:prstGeom>
+          <a:solidFill>
+            <a:schemeClr val="tx1"/>
+          </a:solidFill>
+          <a:ln>
+            <a:noFill/>
+          </a:ln>
+        </p:spPr>
+        <p:style>
+          <a:lnRef idx="2">
+            <a:schemeClr val="accent1">
+              <a:shade val="50000"/>
+            </a:schemeClr>
+          </a:lnRef>
+          <a:fillRef idx="1">
+            <a:schemeClr val="accent1"/>
+          </a:fillRef>
+          <a:effectRef idx="0">
+            <a:schemeClr val="accent1"/>
+          </a:effectRef>
+          <a:fontRef idx="minor">
+            <a:schemeClr val="lt1"/>
+          </a:fontRef>
+        </p:style>
+        <p:txBody>
+          <a:bodyPr rtlCol="0" anchor="ctr"/>
+          <a:lstStyle/>
+          <a:p>
+            <a:pPr algn="ctr"/>
+            <a:endParaRPr lang="en-US"/>
+          </a:p>
+        </p:txBody>
+      </p:sp>
+      <p:sp>
+        <p:nvSpPr>
+          <p:cNvPr id="104" name="Plus 103"/>
+          <p:cNvSpPr/>
+          <p:nvPr/>
+        </p:nvSpPr>
+        <p:spPr>
+          <a:xfrm>
+            <a:off x="2656032" y="3886044"/>
+            <a:ext cx="131865" cy="95653"/>
+          </a:xfrm>
+          <a:prstGeom prst="mathPlus">
+            <a:avLst>
+              <a:gd name="adj1" fmla="val 13563"/>
+            </a:avLst>
+          </a:prstGeom>
+          <a:solidFill>
+            <a:schemeClr val="tx1"/>
+          </a:solidFill>
+          <a:ln>
+            <a:noFill/>
+          </a:ln>
+        </p:spPr>
+        <p:style>
+          <a:lnRef idx="2">
+            <a:schemeClr val="accent1">
+              <a:shade val="50000"/>
+            </a:schemeClr>
+          </a:lnRef>
+          <a:fillRef idx="1">
+            <a:schemeClr val="accent1"/>
+          </a:fillRef>
+          <a:effectRef idx="0">
+            <a:schemeClr val="accent1"/>
+          </a:effectRef>
+          <a:fontRef idx="minor">
+            <a:schemeClr val="lt1"/>
+          </a:fontRef>
+        </p:style>
+        <p:txBody>
+          <a:bodyPr rtlCol="0" anchor="ctr"/>
+          <a:lstStyle/>
+          <a:p>
+            <a:pPr algn="ctr"/>
+            <a:endParaRPr lang="en-US"/>
+          </a:p>
+        </p:txBody>
+      </p:sp>
+      <p:cxnSp>
+        <p:nvCxnSpPr>
+          <p:cNvPr id="111" name="Straight Arrow Connector 110"/>
+          <p:cNvCxnSpPr>
+            <a:stCxn id="5" idx="0"/>
+          </p:cNvCxnSpPr>
+          <p:nvPr/>
+        </p:nvCxnSpPr>
+        <p:spPr>
+          <a:xfrm flipV="1">
+            <a:off x="2721965" y="4005049"/>
+            <a:ext cx="0" cy="137146"/>
+          </a:xfrm>
+          <a:prstGeom prst="straightConnector1">
+            <a:avLst/>
+          </a:prstGeom>
+          <a:ln>
+            <a:solidFill>
+              <a:schemeClr val="tx1"/>
+            </a:solidFill>
+            <a:tailEnd type="triangle"/>
+          </a:ln>
+        </p:spPr>
+        <p:style>
+          <a:lnRef idx="1">
+            <a:schemeClr val="accent1"/>
+          </a:lnRef>
+          <a:fillRef idx="0">
+            <a:schemeClr val="accent1"/>
+          </a:fillRef>
+          <a:effectRef idx="0">
+            <a:schemeClr val="accent1"/>
+          </a:effectRef>
+          <a:fontRef idx="minor">
+            <a:schemeClr val="tx1"/>
+          </a:fontRef>
+        </p:style>
+      </p:cxnSp>
+      <p:cxnSp>
+        <p:nvCxnSpPr>
+          <p:cNvPr id="112" name="Straight Arrow Connector 111"/>
+          <p:cNvCxnSpPr>
+            <a:stCxn id="4" idx="0"/>
+            <a:endCxn id="5" idx="2"/>
+          </p:cNvCxnSpPr>
+          <p:nvPr/>
+        </p:nvCxnSpPr>
+        <p:spPr>
+          <a:xfrm flipV="1">
+            <a:off x="2721965" y="4485095"/>
+            <a:ext cx="0" cy="140940"/>
+          </a:xfrm>
+          <a:prstGeom prst="straightConnector1">
+            <a:avLst/>
+          </a:prstGeom>
+          <a:ln>
+            <a:solidFill>
+              <a:schemeClr val="tx1"/>
+            </a:solidFill>
+            <a:tailEnd type="triangle"/>
+          </a:ln>
+        </p:spPr>
+        <p:style>
+          <a:lnRef idx="1">
+            <a:schemeClr val="accent1"/>
+          </a:lnRef>
+          <a:fillRef idx="0">
+            <a:schemeClr val="accent1"/>
+          </a:fillRef>
+          <a:effectRef idx="0">
+            <a:schemeClr val="accent1"/>
+          </a:effectRef>
+          <a:fontRef idx="minor">
+            <a:schemeClr val="tx1"/>
+          </a:fontRef>
+        </p:style>
+      </p:cxnSp>
+      <p:sp>
+        <p:nvSpPr>
+          <p:cNvPr id="119" name="TextBox 118"/>
+          <p:cNvSpPr txBox="1"/>
+          <p:nvPr/>
+        </p:nvSpPr>
+        <p:spPr>
+          <a:xfrm>
+            <a:off x="1745574" y="2278056"/>
+            <a:ext cx="1957746" cy="261610"/>
+          </a:xfrm>
+          <a:prstGeom prst="rect">
+            <a:avLst/>
+          </a:prstGeom>
+          <a:noFill/>
+        </p:spPr>
+        <p:txBody>
+          <a:bodyPr wrap="square" rtlCol="0">
+            <a:spAutoFit/>
+          </a:bodyPr>
+          <a:lstStyle/>
+          <a:p>
+            <a:pPr algn="ctr"/>
+            <a:r>
+              <a:rPr lang="en-US" sz="1100" dirty="0" smtClean="0">
+                <a:solidFill>
+                  <a:srgbClr val="0070C0"/>
+                </a:solidFill>
+                <a:latin typeface="Tahoma" panose="020B0604030504040204" pitchFamily="34" charset="0"/>
+                <a:ea typeface="Tahoma" panose="020B0604030504040204" pitchFamily="34" charset="0"/>
+                <a:cs typeface="Tahoma" panose="020B0604030504040204" pitchFamily="34" charset="0"/>
+              </a:rPr>
+              <a:t>TRANSFORMER BLOCK</a:t>
+            </a:r>
+            <a:endParaRPr lang="en-US" sz="1100" dirty="0">
+              <a:solidFill>
+                <a:srgbClr val="0070C0"/>
+              </a:solidFill>
+              <a:latin typeface="Tahoma" panose="020B0604030504040204" pitchFamily="34" charset="0"/>
+              <a:ea typeface="Tahoma" panose="020B0604030504040204" pitchFamily="34" charset="0"/>
+              <a:cs typeface="Tahoma" panose="020B0604030504040204" pitchFamily="34" charset="0"/>
+            </a:endParaRPr>
+          </a:p>
+        </p:txBody>
+      </p:sp>
+      <p:cxnSp>
+        <p:nvCxnSpPr>
+          <p:cNvPr id="120" name="Straight Arrow Connector 119"/>
+          <p:cNvCxnSpPr>
+            <a:stCxn id="16" idx="0"/>
+            <a:endCxn id="119" idx="2"/>
+          </p:cNvCxnSpPr>
+          <p:nvPr/>
+        </p:nvCxnSpPr>
+        <p:spPr>
+          <a:xfrm flipV="1">
+            <a:off x="2721965" y="2539666"/>
+            <a:ext cx="2482" cy="198781"/>
+          </a:xfrm>
+          <a:prstGeom prst="straightConnector1">
+            <a:avLst/>
+          </a:prstGeom>
+          <a:ln>
+            <a:solidFill>
+              <a:schemeClr val="tx1"/>
+            </a:solidFill>
+            <a:tailEnd type="triangle"/>
+          </a:ln>
+        </p:spPr>
+        <p:style>
+          <a:lnRef idx="1">
+            <a:schemeClr val="accent1"/>
+          </a:lnRef>
+          <a:fillRef idx="0">
+            <a:schemeClr val="accent1"/>
+          </a:fillRef>
+          <a:effectRef idx="0">
+            <a:schemeClr val="accent1"/>
+          </a:effectRef>
+          <a:fontRef idx="minor">
+            <a:schemeClr val="tx1"/>
+          </a:fontRef>
+        </p:style>
+      </p:cxnSp>
+    </p:spTree>
+    <p:extLst>
+      <p:ext uri="{BB962C8B-B14F-4D97-AF65-F5344CB8AC3E}">
+        <p14:creationId xmlns:p14="http://schemas.microsoft.com/office/powerpoint/2010/main" val="4003631899"/>
       </p:ext>
     </p:extLst>
   </p:cSld>
@@ -12881,15 +17989,7 @@
                   <a:ea typeface="Tahoma" panose="020B0604030504040204" pitchFamily="34" charset="0"/>
                   <a:cs typeface="Tahoma" panose="020B0604030504040204" pitchFamily="34" charset="0"/>
                 </a:rPr>
-                <a:t>(2048, </a:t>
-              </a:r>
-              <a:r>
-                <a:rPr lang="en-US" sz="700" dirty="0" smtClean="0">
-                  <a:latin typeface="Tahoma" panose="020B0604030504040204" pitchFamily="34" charset="0"/>
-                  <a:ea typeface="Tahoma" panose="020B0604030504040204" pitchFamily="34" charset="0"/>
-                  <a:cs typeface="Tahoma" panose="020B0604030504040204" pitchFamily="34" charset="0"/>
-                </a:rPr>
-                <a:t>23, 40)</a:t>
+                <a:t>(2048, 23, 40)</a:t>
               </a:r>
               <a:endParaRPr lang="en-US" sz="700" dirty="0">
                 <a:latin typeface="Tahoma" panose="020B0604030504040204" pitchFamily="34" charset="0"/>
@@ -12928,15 +18028,7 @@
                   <a:ea typeface="Tahoma" panose="020B0604030504040204" pitchFamily="34" charset="0"/>
                   <a:cs typeface="Tahoma" panose="020B0604030504040204" pitchFamily="34" charset="0"/>
                 </a:rPr>
-                <a:t>(256, </a:t>
-              </a:r>
-              <a:r>
-                <a:rPr lang="en-US" sz="700" dirty="0" smtClean="0">
-                  <a:latin typeface="Tahoma" panose="020B0604030504040204" pitchFamily="34" charset="0"/>
-                  <a:ea typeface="Tahoma" panose="020B0604030504040204" pitchFamily="34" charset="0"/>
-                  <a:cs typeface="Tahoma" panose="020B0604030504040204" pitchFamily="34" charset="0"/>
-                </a:rPr>
-                <a:t>23, </a:t>
+                <a:t>(256, 23, </a:t>
               </a:r>
               <a:r>
                 <a:rPr lang="en-US" sz="700" dirty="0">
@@ -12952,15 +18044,7 @@
                   <a:ea typeface="Tahoma" panose="020B0604030504040204" pitchFamily="34" charset="0"/>
                   <a:cs typeface="Tahoma" panose="020B0604030504040204" pitchFamily="34" charset="0"/>
                 </a:rPr>
-                <a:t>0</a:t>
-              </a:r>
-              <a:r>
-                <a:rPr lang="en-US" sz="700" dirty="0" smtClean="0">
-                  <a:latin typeface="Tahoma" panose="020B0604030504040204" pitchFamily="34" charset="0"/>
-                  <a:ea typeface="Tahoma" panose="020B0604030504040204" pitchFamily="34" charset="0"/>
-                  <a:cs typeface="Tahoma" panose="020B0604030504040204" pitchFamily="34" charset="0"/>
-                </a:rPr>
-                <a:t>)</a:t>
+                <a:t>0)</a:t>
               </a:r>
               <a:endParaRPr lang="en-US" sz="700" dirty="0">
                 <a:latin typeface="Tahoma" panose="020B0604030504040204" pitchFamily="34" charset="0"/>
@@ -12999,15 +18083,7 @@
                   <a:ea typeface="Tahoma" panose="020B0604030504040204" pitchFamily="34" charset="0"/>
                   <a:cs typeface="Tahoma" panose="020B0604030504040204" pitchFamily="34" charset="0"/>
                 </a:rPr>
-                <a:t>(256, </a:t>
-              </a:r>
-              <a:r>
-                <a:rPr lang="en-US" sz="700" dirty="0" smtClean="0">
-                  <a:latin typeface="Tahoma" panose="020B0604030504040204" pitchFamily="34" charset="0"/>
-                  <a:ea typeface="Tahoma" panose="020B0604030504040204" pitchFamily="34" charset="0"/>
-                  <a:cs typeface="Tahoma" panose="020B0604030504040204" pitchFamily="34" charset="0"/>
-                </a:rPr>
-                <a:t>23, </a:t>
+                <a:t>(256, 23, </a:t>
               </a:r>
               <a:r>
                 <a:rPr lang="en-US" sz="700" dirty="0">
@@ -13023,15 +18099,7 @@
                   <a:ea typeface="Tahoma" panose="020B0604030504040204" pitchFamily="34" charset="0"/>
                   <a:cs typeface="Tahoma" panose="020B0604030504040204" pitchFamily="34" charset="0"/>
                 </a:rPr>
-                <a:t>0</a:t>
-              </a:r>
-              <a:r>
-                <a:rPr lang="en-US" sz="700" dirty="0" smtClean="0">
-                  <a:latin typeface="Tahoma" panose="020B0604030504040204" pitchFamily="34" charset="0"/>
-                  <a:ea typeface="Tahoma" panose="020B0604030504040204" pitchFamily="34" charset="0"/>
-                  <a:cs typeface="Tahoma" panose="020B0604030504040204" pitchFamily="34" charset="0"/>
-                </a:rPr>
-                <a:t>)</a:t>
+                <a:t>0)</a:t>
               </a:r>
               <a:endParaRPr lang="en-US" sz="700" dirty="0">
                 <a:latin typeface="Tahoma" panose="020B0604030504040204" pitchFamily="34" charset="0"/>
@@ -13070,15 +18138,7 @@
                   <a:ea typeface="Tahoma" panose="020B0604030504040204" pitchFamily="34" charset="0"/>
                   <a:cs typeface="Tahoma" panose="020B0604030504040204" pitchFamily="34" charset="0"/>
                 </a:rPr>
-                <a:t>(256, </a:t>
-              </a:r>
-              <a:r>
-                <a:rPr lang="en-US" sz="700" dirty="0" smtClean="0">
-                  <a:latin typeface="Tahoma" panose="020B0604030504040204" pitchFamily="34" charset="0"/>
-                  <a:ea typeface="Tahoma" panose="020B0604030504040204" pitchFamily="34" charset="0"/>
-                  <a:cs typeface="Tahoma" panose="020B0604030504040204" pitchFamily="34" charset="0"/>
-                </a:rPr>
-                <a:t>23, </a:t>
+                <a:t>(256, 23, </a:t>
               </a:r>
               <a:r>
                 <a:rPr lang="en-US" sz="700" dirty="0">
@@ -13094,15 +18154,7 @@
                   <a:ea typeface="Tahoma" panose="020B0604030504040204" pitchFamily="34" charset="0"/>
                   <a:cs typeface="Tahoma" panose="020B0604030504040204" pitchFamily="34" charset="0"/>
                 </a:rPr>
-                <a:t>0</a:t>
-              </a:r>
-              <a:r>
-                <a:rPr lang="en-US" sz="700" dirty="0" smtClean="0">
-                  <a:latin typeface="Tahoma" panose="020B0604030504040204" pitchFamily="34" charset="0"/>
-                  <a:ea typeface="Tahoma" panose="020B0604030504040204" pitchFamily="34" charset="0"/>
-                  <a:cs typeface="Tahoma" panose="020B0604030504040204" pitchFamily="34" charset="0"/>
-                </a:rPr>
-                <a:t>)</a:t>
+                <a:t>0)</a:t>
               </a:r>
               <a:endParaRPr lang="en-US" sz="700" dirty="0">
                 <a:latin typeface="Tahoma" panose="020B0604030504040204" pitchFamily="34" charset="0"/>
@@ -13284,18 +18336,7 @@
                 <a:ea typeface="Tahoma" panose="020B0604030504040204" pitchFamily="34" charset="0"/>
                 <a:cs typeface="Tahoma" panose="020B0604030504040204" pitchFamily="34" charset="0"/>
               </a:rPr>
-              <a:t>(2048, 256,rate </a:t>
-            </a:r>
-            <a:r>
-              <a:rPr lang="en-US" sz="800" b="1" dirty="0" smtClean="0">
-                <a:solidFill>
-                  <a:schemeClr val="bg1"/>
-                </a:solidFill>
-                <a:latin typeface="Tahoma" panose="020B0604030504040204" pitchFamily="34" charset="0"/>
-                <a:ea typeface="Tahoma" panose="020B0604030504040204" pitchFamily="34" charset="0"/>
-                <a:cs typeface="Tahoma" panose="020B0604030504040204" pitchFamily="34" charset="0"/>
-              </a:rPr>
-              <a:t>=6)</a:t>
+              <a:t>(2048, 256,rate =6)</a:t>
             </a:r>
             <a:endParaRPr lang="en-US" sz="800" b="1" dirty="0">
               <a:solidFill>
@@ -14048,15 +19089,7 @@
                 <a:ea typeface="Tahoma" panose="020B0604030504040204" pitchFamily="34" charset="0"/>
                 <a:cs typeface="Tahoma" panose="020B0604030504040204" pitchFamily="34" charset="0"/>
               </a:rPr>
-              <a:t>(2048, </a:t>
-            </a:r>
-            <a:r>
-              <a:rPr lang="en-US" sz="700" dirty="0" smtClean="0">
-                <a:latin typeface="Tahoma" panose="020B0604030504040204" pitchFamily="34" charset="0"/>
-                <a:ea typeface="Tahoma" panose="020B0604030504040204" pitchFamily="34" charset="0"/>
-                <a:cs typeface="Tahoma" panose="020B0604030504040204" pitchFamily="34" charset="0"/>
-              </a:rPr>
-              <a:t>23, </a:t>
+              <a:t>(2048, 23, </a:t>
             </a:r>
             <a:r>
               <a:rPr lang="en-US" sz="700" dirty="0">
@@ -14072,15 +19105,7 @@
                 <a:ea typeface="Tahoma" panose="020B0604030504040204" pitchFamily="34" charset="0"/>
                 <a:cs typeface="Tahoma" panose="020B0604030504040204" pitchFamily="34" charset="0"/>
               </a:rPr>
-              <a:t>0</a:t>
-            </a:r>
-            <a:r>
-              <a:rPr lang="en-US" sz="700" dirty="0" smtClean="0">
-                <a:latin typeface="Tahoma" panose="020B0604030504040204" pitchFamily="34" charset="0"/>
-                <a:ea typeface="Tahoma" panose="020B0604030504040204" pitchFamily="34" charset="0"/>
-                <a:cs typeface="Tahoma" panose="020B0604030504040204" pitchFamily="34" charset="0"/>
-              </a:rPr>
-              <a:t>)</a:t>
+              <a:t>0)</a:t>
             </a:r>
             <a:endParaRPr lang="en-US" sz="700" dirty="0">
               <a:latin typeface="Tahoma" panose="020B0604030504040204" pitchFamily="34" charset="0"/>
@@ -14119,15 +19144,7 @@
                 <a:ea typeface="Tahoma" panose="020B0604030504040204" pitchFamily="34" charset="0"/>
                 <a:cs typeface="Tahoma" panose="020B0604030504040204" pitchFamily="34" charset="0"/>
               </a:rPr>
-              <a:t>(1280, </a:t>
-            </a:r>
-            <a:r>
-              <a:rPr lang="en-US" sz="700" dirty="0" smtClean="0">
-                <a:latin typeface="Tahoma" panose="020B0604030504040204" pitchFamily="34" charset="0"/>
-                <a:ea typeface="Tahoma" panose="020B0604030504040204" pitchFamily="34" charset="0"/>
-                <a:cs typeface="Tahoma" panose="020B0604030504040204" pitchFamily="34" charset="0"/>
-              </a:rPr>
-              <a:t>23, </a:t>
+              <a:t>(1280, 23, </a:t>
             </a:r>
             <a:r>
               <a:rPr lang="en-US" sz="700" dirty="0">
@@ -14143,15 +19160,7 @@
                 <a:ea typeface="Tahoma" panose="020B0604030504040204" pitchFamily="34" charset="0"/>
                 <a:cs typeface="Tahoma" panose="020B0604030504040204" pitchFamily="34" charset="0"/>
               </a:rPr>
-              <a:t>0</a:t>
-            </a:r>
-            <a:r>
-              <a:rPr lang="en-US" sz="700" dirty="0" smtClean="0">
-                <a:latin typeface="Tahoma" panose="020B0604030504040204" pitchFamily="34" charset="0"/>
-                <a:ea typeface="Tahoma" panose="020B0604030504040204" pitchFamily="34" charset="0"/>
-                <a:cs typeface="Tahoma" panose="020B0604030504040204" pitchFamily="34" charset="0"/>
-              </a:rPr>
-              <a:t>)</a:t>
+              <a:t>0)</a:t>
             </a:r>
             <a:endParaRPr lang="en-US" sz="700" dirty="0">
               <a:latin typeface="Tahoma" panose="020B0604030504040204" pitchFamily="34" charset="0"/>
@@ -14474,15 +19483,7 @@
                 <a:ea typeface="Tahoma" panose="020B0604030504040204" pitchFamily="34" charset="0"/>
                 <a:cs typeface="Tahoma" panose="020B0604030504040204" pitchFamily="34" charset="0"/>
               </a:rPr>
-              <a:t>(256, </a:t>
-            </a:r>
-            <a:r>
-              <a:rPr lang="en-US" sz="700" dirty="0" smtClean="0">
-                <a:latin typeface="Tahoma" panose="020B0604030504040204" pitchFamily="34" charset="0"/>
-                <a:ea typeface="Tahoma" panose="020B0604030504040204" pitchFamily="34" charset="0"/>
-                <a:cs typeface="Tahoma" panose="020B0604030504040204" pitchFamily="34" charset="0"/>
-              </a:rPr>
-              <a:t>23, </a:t>
+              <a:t>(256, 23, </a:t>
             </a:r>
             <a:r>
               <a:rPr lang="en-US" sz="700" dirty="0">
@@ -14498,15 +19499,7 @@
                 <a:ea typeface="Tahoma" panose="020B0604030504040204" pitchFamily="34" charset="0"/>
                 <a:cs typeface="Tahoma" panose="020B0604030504040204" pitchFamily="34" charset="0"/>
               </a:rPr>
-              <a:t>0</a:t>
-            </a:r>
-            <a:r>
-              <a:rPr lang="en-US" sz="700" dirty="0" smtClean="0">
-                <a:latin typeface="Tahoma" panose="020B0604030504040204" pitchFamily="34" charset="0"/>
-                <a:ea typeface="Tahoma" panose="020B0604030504040204" pitchFamily="34" charset="0"/>
-                <a:cs typeface="Tahoma" panose="020B0604030504040204" pitchFamily="34" charset="0"/>
-              </a:rPr>
-              <a:t>)</a:t>
+              <a:t>0)</a:t>
             </a:r>
             <a:endParaRPr lang="en-US" sz="700" dirty="0">
               <a:latin typeface="Tahoma" panose="020B0604030504040204" pitchFamily="34" charset="0"/>
@@ -14664,15 +19657,7 @@
                 <a:ea typeface="Tahoma" panose="020B0604030504040204" pitchFamily="34" charset="0"/>
                 <a:cs typeface="Tahoma" panose="020B0604030504040204" pitchFamily="34" charset="0"/>
               </a:rPr>
-              <a:t>(256, </a:t>
-            </a:r>
-            <a:r>
-              <a:rPr lang="en-US" sz="700" dirty="0" smtClean="0">
-                <a:latin typeface="Tahoma" panose="020B0604030504040204" pitchFamily="34" charset="0"/>
-                <a:ea typeface="Tahoma" panose="020B0604030504040204" pitchFamily="34" charset="0"/>
-                <a:cs typeface="Tahoma" panose="020B0604030504040204" pitchFamily="34" charset="0"/>
-              </a:rPr>
-              <a:t>23, </a:t>
+              <a:t>(256, 23, </a:t>
             </a:r>
             <a:r>
               <a:rPr lang="en-US" sz="700" dirty="0">
@@ -14688,15 +19673,7 @@
                 <a:ea typeface="Tahoma" panose="020B0604030504040204" pitchFamily="34" charset="0"/>
                 <a:cs typeface="Tahoma" panose="020B0604030504040204" pitchFamily="34" charset="0"/>
               </a:rPr>
-              <a:t>0</a:t>
-            </a:r>
-            <a:r>
-              <a:rPr lang="en-US" sz="700" dirty="0" smtClean="0">
-                <a:latin typeface="Tahoma" panose="020B0604030504040204" pitchFamily="34" charset="0"/>
-                <a:ea typeface="Tahoma" panose="020B0604030504040204" pitchFamily="34" charset="0"/>
-                <a:cs typeface="Tahoma" panose="020B0604030504040204" pitchFamily="34" charset="0"/>
-              </a:rPr>
-              <a:t>)</a:t>
+              <a:t>0)</a:t>
             </a:r>
             <a:endParaRPr lang="en-US" sz="700" dirty="0">
               <a:latin typeface="Tahoma" panose="020B0604030504040204" pitchFamily="34" charset="0"/>
@@ -14735,15 +19712,7 @@
                 <a:ea typeface="Tahoma" panose="020B0604030504040204" pitchFamily="34" charset="0"/>
                 <a:cs typeface="Tahoma" panose="020B0604030504040204" pitchFamily="34" charset="0"/>
               </a:rPr>
-              <a:t>(256, </a:t>
-            </a:r>
-            <a:r>
-              <a:rPr lang="en-US" sz="700" dirty="0" smtClean="0">
-                <a:latin typeface="Tahoma" panose="020B0604030504040204" pitchFamily="34" charset="0"/>
-                <a:ea typeface="Tahoma" panose="020B0604030504040204" pitchFamily="34" charset="0"/>
-                <a:cs typeface="Tahoma" panose="020B0604030504040204" pitchFamily="34" charset="0"/>
-              </a:rPr>
-              <a:t>23, </a:t>
+              <a:t>(256, 23, </a:t>
             </a:r>
             <a:r>
               <a:rPr lang="en-US" sz="700" dirty="0">
@@ -14759,15 +19728,7 @@
                 <a:ea typeface="Tahoma" panose="020B0604030504040204" pitchFamily="34" charset="0"/>
                 <a:cs typeface="Tahoma" panose="020B0604030504040204" pitchFamily="34" charset="0"/>
               </a:rPr>
-              <a:t>0</a:t>
-            </a:r>
-            <a:r>
-              <a:rPr lang="en-US" sz="700" dirty="0" smtClean="0">
-                <a:latin typeface="Tahoma" panose="020B0604030504040204" pitchFamily="34" charset="0"/>
-                <a:ea typeface="Tahoma" panose="020B0604030504040204" pitchFamily="34" charset="0"/>
-                <a:cs typeface="Tahoma" panose="020B0604030504040204" pitchFamily="34" charset="0"/>
-              </a:rPr>
-              <a:t>)</a:t>
+              <a:t>0)</a:t>
             </a:r>
             <a:endParaRPr lang="en-US" sz="700" dirty="0">
               <a:latin typeface="Tahoma" panose="020B0604030504040204" pitchFamily="34" charset="0"/>
@@ -14867,14 +19828,6 @@
               </a:rPr>
               <a:t>Low level feature map</a:t>
             </a:r>
-            <a:endParaRPr lang="en-US" sz="800" b="1" dirty="0">
-              <a:solidFill>
-                <a:schemeClr val="tx1"/>
-              </a:solidFill>
-              <a:latin typeface="Tahoma" panose="020B0604030504040204" pitchFamily="34" charset="0"/>
-              <a:ea typeface="Tahoma" panose="020B0604030504040204" pitchFamily="34" charset="0"/>
-              <a:cs typeface="Tahoma" panose="020B0604030504040204" pitchFamily="34" charset="0"/>
-            </a:endParaRPr>
           </a:p>
         </p:txBody>
       </p:sp>
@@ -15073,18 +20026,7 @@
                 <a:ea typeface="Tahoma" panose="020B0604030504040204" pitchFamily="34" charset="0"/>
                 <a:cs typeface="Tahoma" panose="020B0604030504040204" pitchFamily="34" charset="0"/>
               </a:rPr>
-              <a:t>DEEPLABV3+ </a:t>
-            </a:r>
-            <a:r>
-              <a:rPr lang="en-US" sz="1100" dirty="0" smtClean="0">
-                <a:solidFill>
-                  <a:srgbClr val="0070C0"/>
-                </a:solidFill>
-                <a:latin typeface="Tahoma" panose="020B0604030504040204" pitchFamily="34" charset="0"/>
-                <a:ea typeface="Tahoma" panose="020B0604030504040204" pitchFamily="34" charset="0"/>
-                <a:cs typeface="Tahoma" panose="020B0604030504040204" pitchFamily="34" charset="0"/>
-              </a:rPr>
-              <a:t>DECODER</a:t>
+              <a:t>DEEPLABV3+ DECODER</a:t>
             </a:r>
             <a:endParaRPr lang="en-US" sz="1100" dirty="0">
               <a:solidFill>
@@ -15735,20 +20677,7 @@
                         <a:ea typeface="Tahoma" panose="020B0604030504040204" pitchFamily="34" charset="0"/>
                         <a:cs typeface="Tahoma" panose="020B0604030504040204" pitchFamily="34" charset="0"/>
                       </a:rPr>
-                      <a:t>Conv2d(304, 256, </a:t>
-                    </a:r>
-                    <a:r>
-                      <a:rPr lang="en-US" sz="800" b="1" dirty="0" smtClean="0">
-                        <a:solidFill>
-                          <a:schemeClr val="accent1">
-                            <a:lumMod val="50000"/>
-                          </a:schemeClr>
-                        </a:solidFill>
-                        <a:latin typeface="Tahoma" panose="020B0604030504040204" pitchFamily="34" charset="0"/>
-                        <a:ea typeface="Tahoma" panose="020B0604030504040204" pitchFamily="34" charset="0"/>
-                        <a:cs typeface="Tahoma" panose="020B0604030504040204" pitchFamily="34" charset="0"/>
-                      </a:rPr>
-                      <a:t>3)</a:t>
+                      <a:t>Conv2d(304, 256, 3)</a:t>
                     </a:r>
                     <a:endParaRPr lang="en-US" sz="800" b="1" dirty="0">
                       <a:solidFill>
@@ -15988,20 +20917,7 @@
                         <a:ea typeface="Tahoma" panose="020B0604030504040204" pitchFamily="34" charset="0"/>
                         <a:cs typeface="Tahoma" panose="020B0604030504040204" pitchFamily="34" charset="0"/>
                       </a:rPr>
-                      <a:t>Conv2d(256, 256, </a:t>
-                    </a:r>
-                    <a:r>
-                      <a:rPr lang="en-US" sz="800" b="1" dirty="0" smtClean="0">
-                        <a:solidFill>
-                          <a:schemeClr val="accent1">
-                            <a:lumMod val="50000"/>
-                          </a:schemeClr>
-                        </a:solidFill>
-                        <a:latin typeface="Tahoma" panose="020B0604030504040204" pitchFamily="34" charset="0"/>
-                        <a:ea typeface="Tahoma" panose="020B0604030504040204" pitchFamily="34" charset="0"/>
-                        <a:cs typeface="Tahoma" panose="020B0604030504040204" pitchFamily="34" charset="0"/>
-                      </a:rPr>
-                      <a:t>3)</a:t>
+                      <a:t>Conv2d(256, 256, 3)</a:t>
                     </a:r>
                     <a:endParaRPr lang="en-US" sz="800" b="1" dirty="0">
                       <a:solidFill>
@@ -16241,20 +21157,7 @@
                         <a:ea typeface="Tahoma" panose="020B0604030504040204" pitchFamily="34" charset="0"/>
                         <a:cs typeface="Tahoma" panose="020B0604030504040204" pitchFamily="34" charset="0"/>
                       </a:rPr>
-                      <a:t>Conv2d(256, 3, </a:t>
-                    </a:r>
-                    <a:r>
-                      <a:rPr lang="en-US" sz="800" b="1" dirty="0" smtClean="0">
-                        <a:solidFill>
-                          <a:schemeClr val="accent1">
-                            <a:lumMod val="50000"/>
-                          </a:schemeClr>
-                        </a:solidFill>
-                        <a:latin typeface="Tahoma" panose="020B0604030504040204" pitchFamily="34" charset="0"/>
-                        <a:ea typeface="Tahoma" panose="020B0604030504040204" pitchFamily="34" charset="0"/>
-                        <a:cs typeface="Tahoma" panose="020B0604030504040204" pitchFamily="34" charset="0"/>
-                      </a:rPr>
-                      <a:t>3)</a:t>
+                      <a:t>Conv2d(256, 3, 3)</a:t>
                     </a:r>
                     <a:endParaRPr lang="en-US" sz="800" b="1" dirty="0">
                       <a:solidFill>
@@ -17467,4 +22370,265 @@
     </a:ext>
   </a:extLst>
 </a:theme>
+</file>
+
+<file path=ppt/theme/theme2.xml><?xml version="1.0" encoding="utf-8"?>
+<a:theme xmlns:a="http://schemas.openxmlformats.org/drawingml/2006/main" name="1_Office Theme">
+  <a:themeElements>
+    <a:clrScheme name="Office">
+      <a:dk1>
+        <a:sysClr val="windowText" lastClr="000000"/>
+      </a:dk1>
+      <a:lt1>
+        <a:sysClr val="window" lastClr="FFFFFF"/>
+      </a:lt1>
+      <a:dk2>
+        <a:srgbClr val="44546A"/>
+      </a:dk2>
+      <a:lt2>
+        <a:srgbClr val="E7E6E6"/>
+      </a:lt2>
+      <a:accent1>
+        <a:srgbClr val="5B9BD5"/>
+      </a:accent1>
+      <a:accent2>
+        <a:srgbClr val="ED7D31"/>
+      </a:accent2>
+      <a:accent3>
+        <a:srgbClr val="A5A5A5"/>
+      </a:accent3>
+      <a:accent4>
+        <a:srgbClr val="FFC000"/>
+      </a:accent4>
+      <a:accent5>
+        <a:srgbClr val="4472C4"/>
+      </a:accent5>
+      <a:accent6>
+        <a:srgbClr val="70AD47"/>
+      </a:accent6>
+      <a:hlink>
+        <a:srgbClr val="0563C1"/>
+      </a:hlink>
+      <a:folHlink>
+        <a:srgbClr val="954F72"/>
+      </a:folHlink>
+    </a:clrScheme>
+    <a:fontScheme name="Office">
+      <a:majorFont>
+        <a:latin typeface="Calibri Light" panose="020F0302020204030204"/>
+        <a:ea typeface=""/>
+        <a:cs typeface=""/>
+        <a:font script="Jpan" typeface="ＭＳ Ｐゴシック"/>
+        <a:font script="Hang" typeface="맑은 고딕"/>
+        <a:font script="Hans" typeface="宋体"/>
+        <a:font script="Hant" typeface="新細明體"/>
+        <a:font script="Arab" typeface="Times New Roman"/>
+        <a:font script="Hebr" typeface="Times New Roman"/>
+        <a:font script="Thai" typeface="Angsana New"/>
+        <a:font script="Ethi" typeface="Nyala"/>
+        <a:font script="Beng" typeface="Vrinda"/>
+        <a:font script="Gujr" typeface="Shruti"/>
+        <a:font script="Khmr" typeface="MoolBoran"/>
+        <a:font script="Knda" typeface="Tunga"/>
+        <a:font script="Guru" typeface="Raavi"/>
+        <a:font script="Cans" typeface="Euphemia"/>
+        <a:font script="Cher" typeface="Plantagenet Cherokee"/>
+        <a:font script="Yiii" typeface="Microsoft Yi Baiti"/>
+        <a:font script="Tibt" typeface="Microsoft Himalaya"/>
+        <a:font script="Thaa" typeface="MV Boli"/>
+        <a:font script="Deva" typeface="Mangal"/>
+        <a:font script="Telu" typeface="Gautami"/>
+        <a:font script="Taml" typeface="Latha"/>
+        <a:font script="Syrc" typeface="Estrangelo Edessa"/>
+        <a:font script="Orya" typeface="Kalinga"/>
+        <a:font script="Mlym" typeface="Kartika"/>
+        <a:font script="Laoo" typeface="DokChampa"/>
+        <a:font script="Sinh" typeface="Iskoola Pota"/>
+        <a:font script="Mong" typeface="Mongolian Baiti"/>
+        <a:font script="Viet" typeface="Times New Roman"/>
+        <a:font script="Uigh" typeface="Microsoft Uighur"/>
+        <a:font script="Geor" typeface="Sylfaen"/>
+      </a:majorFont>
+      <a:minorFont>
+        <a:latin typeface="Calibri" panose="020F0502020204030204"/>
+        <a:ea typeface=""/>
+        <a:cs typeface=""/>
+        <a:font script="Jpan" typeface="ＭＳ Ｐゴシック"/>
+        <a:font script="Hang" typeface="맑은 고딕"/>
+        <a:font script="Hans" typeface="宋体"/>
+        <a:font script="Hant" typeface="新細明體"/>
+        <a:font script="Arab" typeface="Arial"/>
+        <a:font script="Hebr" typeface="Arial"/>
+        <a:font script="Thai" typeface="Cordia New"/>
+        <a:font script="Ethi" typeface="Nyala"/>
+        <a:font script="Beng" typeface="Vrinda"/>
+        <a:font script="Gujr" typeface="Shruti"/>
+        <a:font script="Khmr" typeface="DaunPenh"/>
+        <a:font script="Knda" typeface="Tunga"/>
+        <a:font script="Guru" typeface="Raavi"/>
+        <a:font script="Cans" typeface="Euphemia"/>
+        <a:font script="Cher" typeface="Plantagenet Cherokee"/>
+        <a:font script="Yiii" typeface="Microsoft Yi Baiti"/>
+        <a:font script="Tibt" typeface="Microsoft Himalaya"/>
+        <a:font script="Thaa" typeface="MV Boli"/>
+        <a:font script="Deva" typeface="Mangal"/>
+        <a:font script="Telu" typeface="Gautami"/>
+        <a:font script="Taml" typeface="Latha"/>
+        <a:font script="Syrc" typeface="Estrangelo Edessa"/>
+        <a:font script="Orya" typeface="Kalinga"/>
+        <a:font script="Mlym" typeface="Kartika"/>
+        <a:font script="Laoo" typeface="DokChampa"/>
+        <a:font script="Sinh" typeface="Iskoola Pota"/>
+        <a:font script="Mong" typeface="Mongolian Baiti"/>
+        <a:font script="Viet" typeface="Arial"/>
+        <a:font script="Uigh" typeface="Microsoft Uighur"/>
+        <a:font script="Geor" typeface="Sylfaen"/>
+      </a:minorFont>
+    </a:fontScheme>
+    <a:fmtScheme name="Office">
+      <a:fillStyleLst>
+        <a:solidFill>
+          <a:schemeClr val="phClr"/>
+        </a:solidFill>
+        <a:gradFill rotWithShape="1">
+          <a:gsLst>
+            <a:gs pos="0">
+              <a:schemeClr val="phClr">
+                <a:lumMod val="110000"/>
+                <a:satMod val="105000"/>
+                <a:tint val="67000"/>
+              </a:schemeClr>
+            </a:gs>
+            <a:gs pos="50000">
+              <a:schemeClr val="phClr">
+                <a:lumMod val="105000"/>
+                <a:satMod val="103000"/>
+                <a:tint val="73000"/>
+              </a:schemeClr>
+            </a:gs>
+            <a:gs pos="100000">
+              <a:schemeClr val="phClr">
+                <a:lumMod val="105000"/>
+                <a:satMod val="109000"/>
+                <a:tint val="81000"/>
+              </a:schemeClr>
+            </a:gs>
+          </a:gsLst>
+          <a:lin ang="5400000" scaled="0"/>
+        </a:gradFill>
+        <a:gradFill rotWithShape="1">
+          <a:gsLst>
+            <a:gs pos="0">
+              <a:schemeClr val="phClr">
+                <a:satMod val="103000"/>
+                <a:lumMod val="102000"/>
+                <a:tint val="94000"/>
+              </a:schemeClr>
+            </a:gs>
+            <a:gs pos="50000">
+              <a:schemeClr val="phClr">
+                <a:satMod val="110000"/>
+                <a:lumMod val="100000"/>
+                <a:shade val="100000"/>
+              </a:schemeClr>
+            </a:gs>
+            <a:gs pos="100000">
+              <a:schemeClr val="phClr">
+                <a:lumMod val="99000"/>
+                <a:satMod val="120000"/>
+                <a:shade val="78000"/>
+              </a:schemeClr>
+            </a:gs>
+          </a:gsLst>
+          <a:lin ang="5400000" scaled="0"/>
+        </a:gradFill>
+      </a:fillStyleLst>
+      <a:lnStyleLst>
+        <a:ln w="6350" cap="flat" cmpd="sng" algn="ctr">
+          <a:solidFill>
+            <a:schemeClr val="phClr"/>
+          </a:solidFill>
+          <a:prstDash val="solid"/>
+          <a:miter lim="800000"/>
+        </a:ln>
+        <a:ln w="12700" cap="flat" cmpd="sng" algn="ctr">
+          <a:solidFill>
+            <a:schemeClr val="phClr"/>
+          </a:solidFill>
+          <a:prstDash val="solid"/>
+          <a:miter lim="800000"/>
+        </a:ln>
+        <a:ln w="19050" cap="flat" cmpd="sng" algn="ctr">
+          <a:solidFill>
+            <a:schemeClr val="phClr"/>
+          </a:solidFill>
+          <a:prstDash val="solid"/>
+          <a:miter lim="800000"/>
+        </a:ln>
+      </a:lnStyleLst>
+      <a:effectStyleLst>
+        <a:effectStyle>
+          <a:effectLst/>
+        </a:effectStyle>
+        <a:effectStyle>
+          <a:effectLst/>
+        </a:effectStyle>
+        <a:effectStyle>
+          <a:effectLst>
+            <a:outerShdw blurRad="57150" dist="19050" dir="5400000" algn="ctr" rotWithShape="0">
+              <a:srgbClr val="000000">
+                <a:alpha val="63000"/>
+              </a:srgbClr>
+            </a:outerShdw>
+          </a:effectLst>
+        </a:effectStyle>
+      </a:effectStyleLst>
+      <a:bgFillStyleLst>
+        <a:solidFill>
+          <a:schemeClr val="phClr"/>
+        </a:solidFill>
+        <a:solidFill>
+          <a:schemeClr val="phClr">
+            <a:tint val="95000"/>
+            <a:satMod val="170000"/>
+          </a:schemeClr>
+        </a:solidFill>
+        <a:gradFill rotWithShape="1">
+          <a:gsLst>
+            <a:gs pos="0">
+              <a:schemeClr val="phClr">
+                <a:tint val="93000"/>
+                <a:satMod val="150000"/>
+                <a:shade val="98000"/>
+                <a:lumMod val="102000"/>
+              </a:schemeClr>
+            </a:gs>
+            <a:gs pos="50000">
+              <a:schemeClr val="phClr">
+                <a:tint val="98000"/>
+                <a:satMod val="130000"/>
+                <a:shade val="90000"/>
+                <a:lumMod val="103000"/>
+              </a:schemeClr>
+            </a:gs>
+            <a:gs pos="100000">
+              <a:schemeClr val="phClr">
+                <a:shade val="63000"/>
+                <a:satMod val="120000"/>
+              </a:schemeClr>
+            </a:gs>
+          </a:gsLst>
+          <a:lin ang="5400000" scaled="0"/>
+        </a:gradFill>
+      </a:bgFillStyleLst>
+    </a:fmtScheme>
+  </a:themeElements>
+  <a:objectDefaults/>
+  <a:extraClrSchemeLst/>
+  <a:extLst>
+    <a:ext uri="{05A4C25C-085E-4340-85A3-A5531E510DB2}">
+      <thm15:themeFamily xmlns:thm15="http://schemas.microsoft.com/office/thememl/2012/main" name="Office Theme" id="{62F939B6-93AF-4DB8-9C6B-D6C7DFDC589F}" vid="{4A3C46E8-61CC-4603-A589-7422A47A8E4A}"/>
+    </a:ext>
+  </a:extLst>
+</a:theme>
 </file>